--- a/AI/xorann.pptx
+++ b/AI/xorann.pptx
@@ -12,7 +12,8 @@
     <p:sldId id="262" r:id="rId6"/>
     <p:sldId id="263" r:id="rId7"/>
     <p:sldId id="264" r:id="rId8"/>
-    <p:sldId id="257" r:id="rId9"/>
+    <p:sldId id="265" r:id="rId9"/>
+    <p:sldId id="266" r:id="rId10"/>
   </p:sldIdLst>
   <p:sldSz cx="12192000" cy="6858000"/>
   <p:notesSz cx="6858000" cy="9144000"/>
@@ -111,7 +112,16 @@
       </a:defRPr>
     </a:lvl9pPr>
   </p:defaultTextStyle>
+  <p:extLst>
+    <p:ext uri="{EFAFB233-063F-42B5-8137-9DF3F51BA10A}">
+      <p15:sldGuideLst xmlns:p15="http://schemas.microsoft.com/office/powerpoint/2012/main"/>
+    </p:ext>
+  </p:extLst>
 </p:presentation>
+</file>
+
+<file path=ppt/revisionInfo.xml><?xml version="1.0" encoding="utf-8"?>
+<p1510:revInfo xmlns:a="http://schemas.openxmlformats.org/drawingml/2006/main" xmlns:r="http://schemas.openxmlformats.org/officeDocument/2006/relationships" xmlns:p1510="http://schemas.microsoft.com/office/powerpoint/2015/10/main"/>
 </file>
 
 <file path=ppt/slideLayouts/slideLayout1.xml><?xml version="1.0" encoding="utf-8"?>
@@ -9809,58 +9819,6148 @@
       </p:grpSpPr>
       <p:sp>
         <p:nvSpPr>
-          <p:cNvPr id="2" name="标题 1">
-            <a:extLst>
-              <a:ext uri="{FF2B5EF4-FFF2-40B4-BE49-F238E27FC236}">
-                <a16:creationId xmlns:a16="http://schemas.microsoft.com/office/drawing/2014/main" id="{638712EB-7212-4B91-A165-B870B88DA188}"/>
-              </a:ext>
-            </a:extLst>
-          </p:cNvPr>
-          <p:cNvSpPr>
-            <a:spLocks noGrp="1"/>
-          </p:cNvSpPr>
-          <p:nvPr>
-            <p:ph type="title"/>
-          </p:nvPr>
-        </p:nvSpPr>
-        <p:spPr/>
-        <p:txBody>
-          <a:bodyPr/>
-          <a:lstStyle/>
-          <a:p>
+          <p:cNvPr id="4" name="椭圆 3">
+            <a:extLst>
+              <a:ext uri="{FF2B5EF4-FFF2-40B4-BE49-F238E27FC236}">
+                <a16:creationId xmlns:a16="http://schemas.microsoft.com/office/drawing/2014/main" id="{D6051683-F549-42E2-B33A-ABC7FFB9358F}"/>
+              </a:ext>
+            </a:extLst>
+          </p:cNvPr>
+          <p:cNvSpPr/>
+          <p:nvPr/>
+        </p:nvSpPr>
+        <p:spPr>
+          <a:xfrm>
+            <a:off x="2716306" y="1600200"/>
+            <a:ext cx="591670" cy="618565"/>
+          </a:xfrm>
+          <a:prstGeom prst="ellipse">
+            <a:avLst/>
+          </a:prstGeom>
+        </p:spPr>
+        <p:style>
+          <a:lnRef idx="2">
+            <a:schemeClr val="accent1">
+              <a:shade val="50000"/>
+            </a:schemeClr>
+          </a:lnRef>
+          <a:fillRef idx="1">
+            <a:schemeClr val="accent1"/>
+          </a:fillRef>
+          <a:effectRef idx="0">
+            <a:schemeClr val="accent1"/>
+          </a:effectRef>
+          <a:fontRef idx="minor">
+            <a:schemeClr val="lt1"/>
+          </a:fontRef>
+        </p:style>
+        <p:txBody>
+          <a:bodyPr rtlCol="0" anchor="ctr"/>
+          <a:lstStyle/>
+          <a:p>
+            <a:pPr algn="ctr"/>
             <a:endParaRPr lang="zh-CN" altLang="en-US"/>
           </a:p>
         </p:txBody>
       </p:sp>
-      <p:sp>
-        <p:nvSpPr>
-          <p:cNvPr id="3" name="内容占位符 2">
-            <a:extLst>
-              <a:ext uri="{FF2B5EF4-FFF2-40B4-BE49-F238E27FC236}">
-                <a16:creationId xmlns:a16="http://schemas.microsoft.com/office/drawing/2014/main" id="{D728EE36-3CC7-441D-9125-ACBFCF55098F}"/>
-              </a:ext>
-            </a:extLst>
-          </p:cNvPr>
-          <p:cNvSpPr>
-            <a:spLocks noGrp="1"/>
-          </p:cNvSpPr>
-          <p:nvPr>
-            <p:ph idx="1"/>
-          </p:nvPr>
-        </p:nvSpPr>
-        <p:spPr/>
-        <p:txBody>
-          <a:bodyPr/>
-          <a:lstStyle/>
-          <a:p>
+      <p:cxnSp>
+        <p:nvCxnSpPr>
+          <p:cNvPr id="6" name="直接箭头连接符 5">
+            <a:extLst>
+              <a:ext uri="{FF2B5EF4-FFF2-40B4-BE49-F238E27FC236}">
+                <a16:creationId xmlns:a16="http://schemas.microsoft.com/office/drawing/2014/main" id="{A394064C-2344-4DCA-AF9E-49568813B092}"/>
+              </a:ext>
+            </a:extLst>
+          </p:cNvPr>
+          <p:cNvCxnSpPr>
+            <a:cxnSpLocks/>
+            <a:endCxn id="4" idx="2"/>
+          </p:cNvCxnSpPr>
+          <p:nvPr/>
+        </p:nvCxnSpPr>
+        <p:spPr>
+          <a:xfrm>
+            <a:off x="1640541" y="1909483"/>
+            <a:ext cx="1075765" cy="0"/>
+          </a:xfrm>
+          <a:prstGeom prst="straightConnector1">
+            <a:avLst/>
+          </a:prstGeom>
+          <a:ln>
+            <a:tailEnd type="triangle"/>
+          </a:ln>
+        </p:spPr>
+        <p:style>
+          <a:lnRef idx="1">
+            <a:schemeClr val="accent1"/>
+          </a:lnRef>
+          <a:fillRef idx="0">
+            <a:schemeClr val="accent1"/>
+          </a:fillRef>
+          <a:effectRef idx="0">
+            <a:schemeClr val="accent1"/>
+          </a:effectRef>
+          <a:fontRef idx="minor">
+            <a:schemeClr val="tx1"/>
+          </a:fontRef>
+        </p:style>
+      </p:cxnSp>
+      <p:sp>
+        <p:nvSpPr>
+          <p:cNvPr id="8" name="文本框 7">
+            <a:extLst>
+              <a:ext uri="{FF2B5EF4-FFF2-40B4-BE49-F238E27FC236}">
+                <a16:creationId xmlns:a16="http://schemas.microsoft.com/office/drawing/2014/main" id="{FA99E144-301C-4F51-8430-B722125D5571}"/>
+              </a:ext>
+            </a:extLst>
+          </p:cNvPr>
+          <p:cNvSpPr txBox="1"/>
+          <p:nvPr/>
+        </p:nvSpPr>
+        <p:spPr>
+          <a:xfrm>
+            <a:off x="2057400" y="1909483"/>
+            <a:ext cx="407484" cy="369332"/>
+          </a:xfrm>
+          <a:prstGeom prst="rect">
+            <a:avLst/>
+          </a:prstGeom>
+          <a:noFill/>
+        </p:spPr>
+        <p:txBody>
+          <a:bodyPr wrap="none" rtlCol="0">
+            <a:spAutoFit/>
+          </a:bodyPr>
+          <a:lstStyle/>
+          <a:p>
+            <a:r>
+              <a:rPr lang="en-US" altLang="zh-CN" dirty="0"/>
+              <a:t>x1</a:t>
+            </a:r>
+            <a:endParaRPr lang="zh-CN" altLang="en-US" dirty="0"/>
+          </a:p>
+        </p:txBody>
+      </p:sp>
+      <p:sp>
+        <p:nvSpPr>
+          <p:cNvPr id="9" name="椭圆 8">
+            <a:extLst>
+              <a:ext uri="{FF2B5EF4-FFF2-40B4-BE49-F238E27FC236}">
+                <a16:creationId xmlns:a16="http://schemas.microsoft.com/office/drawing/2014/main" id="{ACEDCAD0-3802-4BE0-A535-229C6B79A228}"/>
+              </a:ext>
+            </a:extLst>
+          </p:cNvPr>
+          <p:cNvSpPr/>
+          <p:nvPr/>
+        </p:nvSpPr>
+        <p:spPr>
+          <a:xfrm>
+            <a:off x="2805505" y="3333095"/>
+            <a:ext cx="591670" cy="479788"/>
+          </a:xfrm>
+          <a:prstGeom prst="ellipse">
+            <a:avLst/>
+          </a:prstGeom>
+        </p:spPr>
+        <p:style>
+          <a:lnRef idx="2">
+            <a:schemeClr val="accent1">
+              <a:shade val="50000"/>
+            </a:schemeClr>
+          </a:lnRef>
+          <a:fillRef idx="1">
+            <a:schemeClr val="accent1"/>
+          </a:fillRef>
+          <a:effectRef idx="0">
+            <a:schemeClr val="accent1"/>
+          </a:effectRef>
+          <a:fontRef idx="minor">
+            <a:schemeClr val="lt1"/>
+          </a:fontRef>
+        </p:style>
+        <p:txBody>
+          <a:bodyPr rtlCol="0" anchor="ctr"/>
+          <a:lstStyle/>
+          <a:p>
+            <a:pPr algn="ctr"/>
             <a:endParaRPr lang="zh-CN" altLang="en-US"/>
+          </a:p>
+        </p:txBody>
+      </p:sp>
+      <p:cxnSp>
+        <p:nvCxnSpPr>
+          <p:cNvPr id="10" name="直接箭头连接符 9">
+            <a:extLst>
+              <a:ext uri="{FF2B5EF4-FFF2-40B4-BE49-F238E27FC236}">
+                <a16:creationId xmlns:a16="http://schemas.microsoft.com/office/drawing/2014/main" id="{D6EC42AB-2312-49AE-92E1-9299E3EFEAE7}"/>
+              </a:ext>
+            </a:extLst>
+          </p:cNvPr>
+          <p:cNvCxnSpPr>
+            <a:cxnSpLocks/>
+          </p:cNvCxnSpPr>
+          <p:nvPr/>
+        </p:nvCxnSpPr>
+        <p:spPr>
+          <a:xfrm>
+            <a:off x="1729739" y="3660306"/>
+            <a:ext cx="1075765" cy="0"/>
+          </a:xfrm>
+          <a:prstGeom prst="straightConnector1">
+            <a:avLst/>
+          </a:prstGeom>
+          <a:ln>
+            <a:tailEnd type="triangle"/>
+          </a:ln>
+        </p:spPr>
+        <p:style>
+          <a:lnRef idx="1">
+            <a:schemeClr val="accent1"/>
+          </a:lnRef>
+          <a:fillRef idx="0">
+            <a:schemeClr val="accent1"/>
+          </a:fillRef>
+          <a:effectRef idx="0">
+            <a:schemeClr val="accent1"/>
+          </a:effectRef>
+          <a:fontRef idx="minor">
+            <a:schemeClr val="tx1"/>
+          </a:fontRef>
+        </p:style>
+      </p:cxnSp>
+      <p:sp>
+        <p:nvSpPr>
+          <p:cNvPr id="11" name="文本框 10">
+            <a:extLst>
+              <a:ext uri="{FF2B5EF4-FFF2-40B4-BE49-F238E27FC236}">
+                <a16:creationId xmlns:a16="http://schemas.microsoft.com/office/drawing/2014/main" id="{9D2B9621-BA48-4E43-96FC-56B6736718B1}"/>
+              </a:ext>
+            </a:extLst>
+          </p:cNvPr>
+          <p:cNvSpPr txBox="1"/>
+          <p:nvPr/>
+        </p:nvSpPr>
+        <p:spPr>
+          <a:xfrm>
+            <a:off x="2131116" y="3599367"/>
+            <a:ext cx="407484" cy="369332"/>
+          </a:xfrm>
+          <a:prstGeom prst="rect">
+            <a:avLst/>
+          </a:prstGeom>
+          <a:noFill/>
+        </p:spPr>
+        <p:txBody>
+          <a:bodyPr wrap="none" rtlCol="0">
+            <a:spAutoFit/>
+          </a:bodyPr>
+          <a:lstStyle/>
+          <a:p>
+            <a:r>
+              <a:rPr lang="en-US" altLang="zh-CN" dirty="0"/>
+              <a:t>x2</a:t>
+            </a:r>
+            <a:endParaRPr lang="zh-CN" altLang="en-US" dirty="0"/>
+          </a:p>
+        </p:txBody>
+      </p:sp>
+      <p:sp>
+        <p:nvSpPr>
+          <p:cNvPr id="12" name="椭圆 11">
+            <a:extLst>
+              <a:ext uri="{FF2B5EF4-FFF2-40B4-BE49-F238E27FC236}">
+                <a16:creationId xmlns:a16="http://schemas.microsoft.com/office/drawing/2014/main" id="{7AC17AC9-0B7C-4DA2-8B5A-CC4EA392C907}"/>
+              </a:ext>
+            </a:extLst>
+          </p:cNvPr>
+          <p:cNvSpPr/>
+          <p:nvPr/>
+        </p:nvSpPr>
+        <p:spPr>
+          <a:xfrm>
+            <a:off x="4253747" y="1631577"/>
+            <a:ext cx="591670" cy="618565"/>
+          </a:xfrm>
+          <a:prstGeom prst="ellipse">
+            <a:avLst/>
+          </a:prstGeom>
+        </p:spPr>
+        <p:style>
+          <a:lnRef idx="2">
+            <a:schemeClr val="accent1">
+              <a:shade val="50000"/>
+            </a:schemeClr>
+          </a:lnRef>
+          <a:fillRef idx="1">
+            <a:schemeClr val="accent1"/>
+          </a:fillRef>
+          <a:effectRef idx="0">
+            <a:schemeClr val="accent1"/>
+          </a:effectRef>
+          <a:fontRef idx="minor">
+            <a:schemeClr val="lt1"/>
+          </a:fontRef>
+        </p:style>
+        <p:txBody>
+          <a:bodyPr rtlCol="0" anchor="ctr"/>
+          <a:lstStyle/>
+          <a:p>
+            <a:pPr algn="ctr"/>
+            <a:r>
+              <a:rPr lang="en-US" altLang="zh-CN" dirty="0"/>
+              <a:t>s2</a:t>
+            </a:r>
+            <a:endParaRPr lang="zh-CN" altLang="en-US" dirty="0"/>
+          </a:p>
+        </p:txBody>
+      </p:sp>
+      <p:cxnSp>
+        <p:nvCxnSpPr>
+          <p:cNvPr id="15" name="直接箭头连接符 14">
+            <a:extLst>
+              <a:ext uri="{FF2B5EF4-FFF2-40B4-BE49-F238E27FC236}">
+                <a16:creationId xmlns:a16="http://schemas.microsoft.com/office/drawing/2014/main" id="{066992FA-AA0F-4489-9824-15790861A377}"/>
+              </a:ext>
+            </a:extLst>
+          </p:cNvPr>
+          <p:cNvCxnSpPr>
+            <a:stCxn id="4" idx="6"/>
+            <a:endCxn id="12" idx="2"/>
+          </p:cNvCxnSpPr>
+          <p:nvPr/>
+        </p:nvCxnSpPr>
+        <p:spPr>
+          <a:xfrm>
+            <a:off x="3307976" y="1909483"/>
+            <a:ext cx="945771" cy="31377"/>
+          </a:xfrm>
+          <a:prstGeom prst="straightConnector1">
+            <a:avLst/>
+          </a:prstGeom>
+          <a:ln>
+            <a:tailEnd type="triangle"/>
+          </a:ln>
+        </p:spPr>
+        <p:style>
+          <a:lnRef idx="1">
+            <a:schemeClr val="accent1"/>
+          </a:lnRef>
+          <a:fillRef idx="0">
+            <a:schemeClr val="accent1"/>
+          </a:fillRef>
+          <a:effectRef idx="0">
+            <a:schemeClr val="accent1"/>
+          </a:effectRef>
+          <a:fontRef idx="minor">
+            <a:schemeClr val="tx1"/>
+          </a:fontRef>
+        </p:style>
+      </p:cxnSp>
+      <p:cxnSp>
+        <p:nvCxnSpPr>
+          <p:cNvPr id="17" name="直接箭头连接符 16">
+            <a:extLst>
+              <a:ext uri="{FF2B5EF4-FFF2-40B4-BE49-F238E27FC236}">
+                <a16:creationId xmlns:a16="http://schemas.microsoft.com/office/drawing/2014/main" id="{5141F3B3-F098-4CC9-859B-6111AB3FFC80}"/>
+              </a:ext>
+            </a:extLst>
+          </p:cNvPr>
+          <p:cNvCxnSpPr>
+            <a:cxnSpLocks/>
+            <a:stCxn id="9" idx="6"/>
+            <a:endCxn id="12" idx="2"/>
+          </p:cNvCxnSpPr>
+          <p:nvPr/>
+        </p:nvCxnSpPr>
+        <p:spPr>
+          <a:xfrm flipV="1">
+            <a:off x="3397175" y="1940860"/>
+            <a:ext cx="856572" cy="1632129"/>
+          </a:xfrm>
+          <a:prstGeom prst="straightConnector1">
+            <a:avLst/>
+          </a:prstGeom>
+          <a:ln>
+            <a:tailEnd type="triangle"/>
+          </a:ln>
+        </p:spPr>
+        <p:style>
+          <a:lnRef idx="1">
+            <a:schemeClr val="accent1"/>
+          </a:lnRef>
+          <a:fillRef idx="0">
+            <a:schemeClr val="accent1"/>
+          </a:fillRef>
+          <a:effectRef idx="0">
+            <a:schemeClr val="accent1"/>
+          </a:effectRef>
+          <a:fontRef idx="minor">
+            <a:schemeClr val="tx1"/>
+          </a:fontRef>
+        </p:style>
+      </p:cxnSp>
+      <p:sp>
+        <p:nvSpPr>
+          <p:cNvPr id="20" name="矩形 19">
+            <a:extLst>
+              <a:ext uri="{FF2B5EF4-FFF2-40B4-BE49-F238E27FC236}">
+                <a16:creationId xmlns:a16="http://schemas.microsoft.com/office/drawing/2014/main" id="{797724EE-B432-4705-98F2-C0BAA3E87C80}"/>
+              </a:ext>
+            </a:extLst>
+          </p:cNvPr>
+          <p:cNvSpPr/>
+          <p:nvPr/>
+        </p:nvSpPr>
+        <p:spPr>
+          <a:xfrm>
+            <a:off x="4845417" y="1600200"/>
+            <a:ext cx="295835" cy="709991"/>
+          </a:xfrm>
+          <a:prstGeom prst="rect">
+            <a:avLst/>
+          </a:prstGeom>
+        </p:spPr>
+        <p:style>
+          <a:lnRef idx="2">
+            <a:schemeClr val="accent1">
+              <a:shade val="50000"/>
+            </a:schemeClr>
+          </a:lnRef>
+          <a:fillRef idx="1">
+            <a:schemeClr val="accent1"/>
+          </a:fillRef>
+          <a:effectRef idx="0">
+            <a:schemeClr val="accent1"/>
+          </a:effectRef>
+          <a:fontRef idx="minor">
+            <a:schemeClr val="lt1"/>
+          </a:fontRef>
+        </p:style>
+        <p:txBody>
+          <a:bodyPr rtlCol="0" anchor="ctr"/>
+          <a:lstStyle/>
+          <a:p>
+            <a:pPr algn="ctr"/>
+            <a:endParaRPr lang="zh-CN" altLang="en-US" dirty="0"/>
+          </a:p>
+        </p:txBody>
+      </p:sp>
+      <p:sp>
+        <p:nvSpPr>
+          <p:cNvPr id="21" name="椭圆 20">
+            <a:extLst>
+              <a:ext uri="{FF2B5EF4-FFF2-40B4-BE49-F238E27FC236}">
+                <a16:creationId xmlns:a16="http://schemas.microsoft.com/office/drawing/2014/main" id="{B01EC96D-D5FD-48EB-9A0D-DCE627E843F4}"/>
+              </a:ext>
+            </a:extLst>
+          </p:cNvPr>
+          <p:cNvSpPr/>
+          <p:nvPr/>
+        </p:nvSpPr>
+        <p:spPr>
+          <a:xfrm>
+            <a:off x="4224162" y="3130676"/>
+            <a:ext cx="591670" cy="618565"/>
+          </a:xfrm>
+          <a:prstGeom prst="ellipse">
+            <a:avLst/>
+          </a:prstGeom>
+        </p:spPr>
+        <p:style>
+          <a:lnRef idx="2">
+            <a:schemeClr val="accent1">
+              <a:shade val="50000"/>
+            </a:schemeClr>
+          </a:lnRef>
+          <a:fillRef idx="1">
+            <a:schemeClr val="accent1"/>
+          </a:fillRef>
+          <a:effectRef idx="0">
+            <a:schemeClr val="accent1"/>
+          </a:effectRef>
+          <a:fontRef idx="minor">
+            <a:schemeClr val="lt1"/>
+          </a:fontRef>
+        </p:style>
+        <p:txBody>
+          <a:bodyPr rtlCol="0" anchor="ctr"/>
+          <a:lstStyle/>
+          <a:p>
+            <a:pPr algn="ctr"/>
+            <a:r>
+              <a:rPr lang="en-US" altLang="zh-CN" dirty="0"/>
+              <a:t>s3</a:t>
+            </a:r>
+            <a:endParaRPr lang="zh-CN" altLang="en-US" dirty="0"/>
+          </a:p>
+        </p:txBody>
+      </p:sp>
+      <p:cxnSp>
+        <p:nvCxnSpPr>
+          <p:cNvPr id="23" name="直接箭头连接符 22">
+            <a:extLst>
+              <a:ext uri="{FF2B5EF4-FFF2-40B4-BE49-F238E27FC236}">
+                <a16:creationId xmlns:a16="http://schemas.microsoft.com/office/drawing/2014/main" id="{53C4814B-7721-425D-9CC9-E2F33EB03D4D}"/>
+              </a:ext>
+            </a:extLst>
+          </p:cNvPr>
+          <p:cNvCxnSpPr>
+            <a:cxnSpLocks/>
+            <a:stCxn id="4" idx="6"/>
+            <a:endCxn id="21" idx="2"/>
+          </p:cNvCxnSpPr>
+          <p:nvPr/>
+        </p:nvCxnSpPr>
+        <p:spPr>
+          <a:xfrm>
+            <a:off x="3307976" y="1909483"/>
+            <a:ext cx="916186" cy="1530476"/>
+          </a:xfrm>
+          <a:prstGeom prst="straightConnector1">
+            <a:avLst/>
+          </a:prstGeom>
+          <a:ln>
+            <a:tailEnd type="triangle"/>
+          </a:ln>
+        </p:spPr>
+        <p:style>
+          <a:lnRef idx="1">
+            <a:schemeClr val="accent1"/>
+          </a:lnRef>
+          <a:fillRef idx="0">
+            <a:schemeClr val="accent1"/>
+          </a:fillRef>
+          <a:effectRef idx="0">
+            <a:schemeClr val="accent1"/>
+          </a:effectRef>
+          <a:fontRef idx="minor">
+            <a:schemeClr val="tx1"/>
+          </a:fontRef>
+        </p:style>
+      </p:cxnSp>
+      <p:cxnSp>
+        <p:nvCxnSpPr>
+          <p:cNvPr id="25" name="直接箭头连接符 24">
+            <a:extLst>
+              <a:ext uri="{FF2B5EF4-FFF2-40B4-BE49-F238E27FC236}">
+                <a16:creationId xmlns:a16="http://schemas.microsoft.com/office/drawing/2014/main" id="{3D9595E7-B551-42BE-8CCC-D49761CE7D9E}"/>
+              </a:ext>
+            </a:extLst>
+          </p:cNvPr>
+          <p:cNvCxnSpPr>
+            <a:cxnSpLocks/>
+            <a:stCxn id="9" idx="6"/>
+            <a:endCxn id="21" idx="2"/>
+          </p:cNvCxnSpPr>
+          <p:nvPr/>
+        </p:nvCxnSpPr>
+        <p:spPr>
+          <a:xfrm flipV="1">
+            <a:off x="3397175" y="3439959"/>
+            <a:ext cx="826987" cy="133030"/>
+          </a:xfrm>
+          <a:prstGeom prst="straightConnector1">
+            <a:avLst/>
+          </a:prstGeom>
+          <a:ln>
+            <a:tailEnd type="triangle"/>
+          </a:ln>
+        </p:spPr>
+        <p:style>
+          <a:lnRef idx="1">
+            <a:schemeClr val="accent1"/>
+          </a:lnRef>
+          <a:fillRef idx="0">
+            <a:schemeClr val="accent1"/>
+          </a:fillRef>
+          <a:effectRef idx="0">
+            <a:schemeClr val="accent1"/>
+          </a:effectRef>
+          <a:fontRef idx="minor">
+            <a:schemeClr val="tx1"/>
+          </a:fontRef>
+        </p:style>
+      </p:cxnSp>
+      <p:sp>
+        <p:nvSpPr>
+          <p:cNvPr id="27" name="矩形 26">
+            <a:extLst>
+              <a:ext uri="{FF2B5EF4-FFF2-40B4-BE49-F238E27FC236}">
+                <a16:creationId xmlns:a16="http://schemas.microsoft.com/office/drawing/2014/main" id="{3DEA80F1-BEC6-4FEC-872C-5C04FE65D044}"/>
+              </a:ext>
+            </a:extLst>
+          </p:cNvPr>
+          <p:cNvSpPr/>
+          <p:nvPr/>
+        </p:nvSpPr>
+        <p:spPr>
+          <a:xfrm>
+            <a:off x="4820310" y="3223739"/>
+            <a:ext cx="295835" cy="550702"/>
+          </a:xfrm>
+          <a:prstGeom prst="rect">
+            <a:avLst/>
+          </a:prstGeom>
+        </p:spPr>
+        <p:style>
+          <a:lnRef idx="2">
+            <a:schemeClr val="accent1">
+              <a:shade val="50000"/>
+            </a:schemeClr>
+          </a:lnRef>
+          <a:fillRef idx="1">
+            <a:schemeClr val="accent1"/>
+          </a:fillRef>
+          <a:effectRef idx="0">
+            <a:schemeClr val="accent1"/>
+          </a:effectRef>
+          <a:fontRef idx="minor">
+            <a:schemeClr val="lt1"/>
+          </a:fontRef>
+        </p:style>
+        <p:txBody>
+          <a:bodyPr rtlCol="0" anchor="ctr"/>
+          <a:lstStyle/>
+          <a:p>
+            <a:pPr algn="ctr"/>
+            <a:endParaRPr lang="zh-CN" altLang="en-US"/>
+          </a:p>
+        </p:txBody>
+      </p:sp>
+      <p:sp>
+        <p:nvSpPr>
+          <p:cNvPr id="30" name="椭圆 29">
+            <a:extLst>
+              <a:ext uri="{FF2B5EF4-FFF2-40B4-BE49-F238E27FC236}">
+                <a16:creationId xmlns:a16="http://schemas.microsoft.com/office/drawing/2014/main" id="{B3A7CCA3-B5DF-492C-BC8F-BBB104A4DAD3}"/>
+              </a:ext>
+            </a:extLst>
+          </p:cNvPr>
+          <p:cNvSpPr/>
+          <p:nvPr/>
+        </p:nvSpPr>
+        <p:spPr>
+          <a:xfrm>
+            <a:off x="5979783" y="2592022"/>
+            <a:ext cx="591670" cy="618565"/>
+          </a:xfrm>
+          <a:prstGeom prst="ellipse">
+            <a:avLst/>
+          </a:prstGeom>
+        </p:spPr>
+        <p:style>
+          <a:lnRef idx="2">
+            <a:schemeClr val="accent1">
+              <a:shade val="50000"/>
+            </a:schemeClr>
+          </a:lnRef>
+          <a:fillRef idx="1">
+            <a:schemeClr val="accent1"/>
+          </a:fillRef>
+          <a:effectRef idx="0">
+            <a:schemeClr val="accent1"/>
+          </a:effectRef>
+          <a:fontRef idx="minor">
+            <a:schemeClr val="lt1"/>
+          </a:fontRef>
+        </p:style>
+        <p:txBody>
+          <a:bodyPr rtlCol="0" anchor="ctr"/>
+          <a:lstStyle/>
+          <a:p>
+            <a:pPr algn="ctr"/>
+            <a:r>
+              <a:rPr lang="en-US" altLang="zh-CN" sz="1400" dirty="0"/>
+              <a:t>OS</a:t>
+            </a:r>
+            <a:endParaRPr lang="zh-CN" altLang="en-US" dirty="0"/>
+          </a:p>
+        </p:txBody>
+      </p:sp>
+      <p:sp>
+        <p:nvSpPr>
+          <p:cNvPr id="31" name="矩形 30">
+            <a:extLst>
+              <a:ext uri="{FF2B5EF4-FFF2-40B4-BE49-F238E27FC236}">
+                <a16:creationId xmlns:a16="http://schemas.microsoft.com/office/drawing/2014/main" id="{2D2C1D2F-12DD-4F7C-91D8-0333BAECCEDC}"/>
+              </a:ext>
+            </a:extLst>
+          </p:cNvPr>
+          <p:cNvSpPr/>
+          <p:nvPr/>
+        </p:nvSpPr>
+        <p:spPr>
+          <a:xfrm>
+            <a:off x="6562940" y="2482114"/>
+            <a:ext cx="468398" cy="741625"/>
+          </a:xfrm>
+          <a:prstGeom prst="rect">
+            <a:avLst/>
+          </a:prstGeom>
+        </p:spPr>
+        <p:style>
+          <a:lnRef idx="2">
+            <a:schemeClr val="accent1">
+              <a:shade val="50000"/>
+            </a:schemeClr>
+          </a:lnRef>
+          <a:fillRef idx="1">
+            <a:schemeClr val="accent1"/>
+          </a:fillRef>
+          <a:effectRef idx="0">
+            <a:schemeClr val="accent1"/>
+          </a:effectRef>
+          <a:fontRef idx="minor">
+            <a:schemeClr val="lt1"/>
+          </a:fontRef>
+        </p:style>
+        <p:txBody>
+          <a:bodyPr rtlCol="0" anchor="ctr"/>
+          <a:lstStyle/>
+          <a:p>
+            <a:pPr algn="ctr"/>
+            <a:endParaRPr lang="zh-CN" altLang="en-US"/>
+          </a:p>
+        </p:txBody>
+      </p:sp>
+      <p:cxnSp>
+        <p:nvCxnSpPr>
+          <p:cNvPr id="33" name="直接箭头连接符 32">
+            <a:extLst>
+              <a:ext uri="{FF2B5EF4-FFF2-40B4-BE49-F238E27FC236}">
+                <a16:creationId xmlns:a16="http://schemas.microsoft.com/office/drawing/2014/main" id="{E9569E83-3400-4C72-9C69-1387FC594381}"/>
+              </a:ext>
+            </a:extLst>
+          </p:cNvPr>
+          <p:cNvCxnSpPr>
+            <a:cxnSpLocks/>
+            <a:stCxn id="20" idx="3"/>
+            <a:endCxn id="30" idx="2"/>
+          </p:cNvCxnSpPr>
+          <p:nvPr/>
+        </p:nvCxnSpPr>
+        <p:spPr>
+          <a:xfrm>
+            <a:off x="5141252" y="1955196"/>
+            <a:ext cx="838531" cy="946109"/>
+          </a:xfrm>
+          <a:prstGeom prst="straightConnector1">
+            <a:avLst/>
+          </a:prstGeom>
+          <a:ln>
+            <a:tailEnd type="triangle"/>
+          </a:ln>
+        </p:spPr>
+        <p:style>
+          <a:lnRef idx="1">
+            <a:schemeClr val="accent1"/>
+          </a:lnRef>
+          <a:fillRef idx="0">
+            <a:schemeClr val="accent1"/>
+          </a:fillRef>
+          <a:effectRef idx="0">
+            <a:schemeClr val="accent1"/>
+          </a:effectRef>
+          <a:fontRef idx="minor">
+            <a:schemeClr val="tx1"/>
+          </a:fontRef>
+        </p:style>
+      </p:cxnSp>
+      <p:cxnSp>
+        <p:nvCxnSpPr>
+          <p:cNvPr id="35" name="直接箭头连接符 34">
+            <a:extLst>
+              <a:ext uri="{FF2B5EF4-FFF2-40B4-BE49-F238E27FC236}">
+                <a16:creationId xmlns:a16="http://schemas.microsoft.com/office/drawing/2014/main" id="{D6BEED4A-FE68-4420-A49B-748789ED6766}"/>
+              </a:ext>
+            </a:extLst>
+          </p:cNvPr>
+          <p:cNvCxnSpPr>
+            <a:stCxn id="27" idx="3"/>
+            <a:endCxn id="30" idx="2"/>
+          </p:cNvCxnSpPr>
+          <p:nvPr/>
+        </p:nvCxnSpPr>
+        <p:spPr>
+          <a:xfrm flipV="1">
+            <a:off x="5116145" y="2901305"/>
+            <a:ext cx="863638" cy="597785"/>
+          </a:xfrm>
+          <a:prstGeom prst="straightConnector1">
+            <a:avLst/>
+          </a:prstGeom>
+          <a:ln>
+            <a:tailEnd type="triangle"/>
+          </a:ln>
+        </p:spPr>
+        <p:style>
+          <a:lnRef idx="1">
+            <a:schemeClr val="accent1"/>
+          </a:lnRef>
+          <a:fillRef idx="0">
+            <a:schemeClr val="accent1"/>
+          </a:fillRef>
+          <a:effectRef idx="0">
+            <a:schemeClr val="accent1"/>
+          </a:effectRef>
+          <a:fontRef idx="minor">
+            <a:schemeClr val="tx1"/>
+          </a:fontRef>
+        </p:style>
+      </p:cxnSp>
+      <p:cxnSp>
+        <p:nvCxnSpPr>
+          <p:cNvPr id="40" name="直接箭头连接符 39">
+            <a:extLst>
+              <a:ext uri="{FF2B5EF4-FFF2-40B4-BE49-F238E27FC236}">
+                <a16:creationId xmlns:a16="http://schemas.microsoft.com/office/drawing/2014/main" id="{42259D4E-F9EC-4576-BEBB-CDA081320616}"/>
+              </a:ext>
+            </a:extLst>
+          </p:cNvPr>
+          <p:cNvCxnSpPr>
+            <a:stCxn id="31" idx="3"/>
+          </p:cNvCxnSpPr>
+          <p:nvPr/>
+        </p:nvCxnSpPr>
+        <p:spPr>
+          <a:xfrm flipV="1">
+            <a:off x="7031338" y="2852926"/>
+            <a:ext cx="898720" cy="1"/>
+          </a:xfrm>
+          <a:prstGeom prst="straightConnector1">
+            <a:avLst/>
+          </a:prstGeom>
+          <a:ln>
+            <a:tailEnd type="triangle"/>
+          </a:ln>
+        </p:spPr>
+        <p:style>
+          <a:lnRef idx="1">
+            <a:schemeClr val="accent1"/>
+          </a:lnRef>
+          <a:fillRef idx="0">
+            <a:schemeClr val="accent1"/>
+          </a:fillRef>
+          <a:effectRef idx="0">
+            <a:schemeClr val="accent1"/>
+          </a:effectRef>
+          <a:fontRef idx="minor">
+            <a:schemeClr val="tx1"/>
+          </a:fontRef>
+        </p:style>
+      </p:cxnSp>
+      <p:sp>
+        <p:nvSpPr>
+          <p:cNvPr id="41" name="文本框 40">
+            <a:extLst>
+              <a:ext uri="{FF2B5EF4-FFF2-40B4-BE49-F238E27FC236}">
+                <a16:creationId xmlns:a16="http://schemas.microsoft.com/office/drawing/2014/main" id="{75FEE4E4-AA91-41B7-924B-663F642DF793}"/>
+              </a:ext>
+            </a:extLst>
+          </p:cNvPr>
+          <p:cNvSpPr txBox="1"/>
+          <p:nvPr/>
+        </p:nvSpPr>
+        <p:spPr>
+          <a:xfrm>
+            <a:off x="7192915" y="2866078"/>
+            <a:ext cx="851515" cy="369332"/>
+          </a:xfrm>
+          <a:prstGeom prst="rect">
+            <a:avLst/>
+          </a:prstGeom>
+          <a:noFill/>
+        </p:spPr>
+        <p:txBody>
+          <a:bodyPr wrap="none" rtlCol="0">
+            <a:spAutoFit/>
+          </a:bodyPr>
+          <a:lstStyle/>
+          <a:p>
+            <a:r>
+              <a:rPr lang="en-US" altLang="zh-CN" dirty="0"/>
+              <a:t>output</a:t>
+            </a:r>
+            <a:endParaRPr lang="zh-CN" altLang="en-US" dirty="0"/>
+          </a:p>
+        </p:txBody>
+      </p:sp>
+      <p:sp>
+        <p:nvSpPr>
+          <p:cNvPr id="2" name="文本框 1">
+            <a:extLst>
+              <a:ext uri="{FF2B5EF4-FFF2-40B4-BE49-F238E27FC236}">
+                <a16:creationId xmlns:a16="http://schemas.microsoft.com/office/drawing/2014/main" id="{5549885D-84EF-4DA8-81E9-7B0DAB4FEA0E}"/>
+              </a:ext>
+            </a:extLst>
+          </p:cNvPr>
+          <p:cNvSpPr txBox="1"/>
+          <p:nvPr/>
+        </p:nvSpPr>
+        <p:spPr>
+          <a:xfrm>
+            <a:off x="5187503" y="422467"/>
+            <a:ext cx="588623" cy="369332"/>
+          </a:xfrm>
+          <a:prstGeom prst="rect">
+            <a:avLst/>
+          </a:prstGeom>
+          <a:noFill/>
+        </p:spPr>
+        <p:txBody>
+          <a:bodyPr wrap="none" rtlCol="0">
+            <a:spAutoFit/>
+          </a:bodyPr>
+          <a:lstStyle/>
+          <a:p>
+            <a:r>
+              <a:rPr lang="en-US" altLang="zh-CN" dirty="0"/>
+              <a:t>OL1</a:t>
+            </a:r>
+            <a:endParaRPr lang="zh-CN" altLang="en-US" dirty="0"/>
+          </a:p>
+        </p:txBody>
+      </p:sp>
+      <p:sp>
+        <p:nvSpPr>
+          <p:cNvPr id="39" name="椭圆 38">
+            <a:extLst>
+              <a:ext uri="{FF2B5EF4-FFF2-40B4-BE49-F238E27FC236}">
+                <a16:creationId xmlns:a16="http://schemas.microsoft.com/office/drawing/2014/main" id="{1E4384DD-6548-46CB-A3A3-DF38F08B0060}"/>
+              </a:ext>
+            </a:extLst>
+          </p:cNvPr>
+          <p:cNvSpPr/>
+          <p:nvPr/>
+        </p:nvSpPr>
+        <p:spPr>
+          <a:xfrm>
+            <a:off x="4271677" y="398936"/>
+            <a:ext cx="591670" cy="618565"/>
+          </a:xfrm>
+          <a:prstGeom prst="ellipse">
+            <a:avLst/>
+          </a:prstGeom>
+        </p:spPr>
+        <p:style>
+          <a:lnRef idx="2">
+            <a:schemeClr val="accent1">
+              <a:shade val="50000"/>
+            </a:schemeClr>
+          </a:lnRef>
+          <a:fillRef idx="1">
+            <a:schemeClr val="accent1"/>
+          </a:fillRef>
+          <a:effectRef idx="0">
+            <a:schemeClr val="accent1"/>
+          </a:effectRef>
+          <a:fontRef idx="minor">
+            <a:schemeClr val="lt1"/>
+          </a:fontRef>
+        </p:style>
+        <p:txBody>
+          <a:bodyPr rtlCol="0" anchor="ctr"/>
+          <a:lstStyle/>
+          <a:p>
+            <a:pPr algn="ctr"/>
+            <a:r>
+              <a:rPr lang="en-US" altLang="zh-CN" sz="1600" dirty="0"/>
+              <a:t>s1</a:t>
+            </a:r>
+            <a:endParaRPr lang="zh-CN" altLang="en-US" dirty="0"/>
+          </a:p>
+        </p:txBody>
+      </p:sp>
+      <p:sp>
+        <p:nvSpPr>
+          <p:cNvPr id="43" name="矩形 42">
+            <a:extLst>
+              <a:ext uri="{FF2B5EF4-FFF2-40B4-BE49-F238E27FC236}">
+                <a16:creationId xmlns:a16="http://schemas.microsoft.com/office/drawing/2014/main" id="{1C29A8F3-81B8-48AF-8F94-3237AAE098B8}"/>
+              </a:ext>
+            </a:extLst>
+          </p:cNvPr>
+          <p:cNvSpPr/>
+          <p:nvPr/>
+        </p:nvSpPr>
+        <p:spPr>
+          <a:xfrm>
+            <a:off x="4863347" y="367559"/>
+            <a:ext cx="295835" cy="709991"/>
+          </a:xfrm>
+          <a:prstGeom prst="rect">
+            <a:avLst/>
+          </a:prstGeom>
+        </p:spPr>
+        <p:style>
+          <a:lnRef idx="2">
+            <a:schemeClr val="accent1">
+              <a:shade val="50000"/>
+            </a:schemeClr>
+          </a:lnRef>
+          <a:fillRef idx="1">
+            <a:schemeClr val="accent1"/>
+          </a:fillRef>
+          <a:effectRef idx="0">
+            <a:schemeClr val="accent1"/>
+          </a:effectRef>
+          <a:fontRef idx="minor">
+            <a:schemeClr val="lt1"/>
+          </a:fontRef>
+        </p:style>
+        <p:txBody>
+          <a:bodyPr rtlCol="0" anchor="ctr"/>
+          <a:lstStyle/>
+          <a:p>
+            <a:pPr algn="ctr"/>
+            <a:endParaRPr lang="zh-CN" altLang="en-US" dirty="0"/>
+          </a:p>
+        </p:txBody>
+      </p:sp>
+      <p:sp>
+        <p:nvSpPr>
+          <p:cNvPr id="44" name="椭圆 43">
+            <a:extLst>
+              <a:ext uri="{FF2B5EF4-FFF2-40B4-BE49-F238E27FC236}">
+                <a16:creationId xmlns:a16="http://schemas.microsoft.com/office/drawing/2014/main" id="{25835A0E-C35F-46D9-AF5B-3C3E5C3612EA}"/>
+              </a:ext>
+            </a:extLst>
+          </p:cNvPr>
+          <p:cNvSpPr/>
+          <p:nvPr/>
+        </p:nvSpPr>
+        <p:spPr>
+          <a:xfrm>
+            <a:off x="4258230" y="4554070"/>
+            <a:ext cx="591670" cy="618565"/>
+          </a:xfrm>
+          <a:prstGeom prst="ellipse">
+            <a:avLst/>
+          </a:prstGeom>
+        </p:spPr>
+        <p:style>
+          <a:lnRef idx="2">
+            <a:schemeClr val="accent1">
+              <a:shade val="50000"/>
+            </a:schemeClr>
+          </a:lnRef>
+          <a:fillRef idx="1">
+            <a:schemeClr val="accent1"/>
+          </a:fillRef>
+          <a:effectRef idx="0">
+            <a:schemeClr val="accent1"/>
+          </a:effectRef>
+          <a:fontRef idx="minor">
+            <a:schemeClr val="lt1"/>
+          </a:fontRef>
+        </p:style>
+        <p:txBody>
+          <a:bodyPr rtlCol="0" anchor="ctr"/>
+          <a:lstStyle/>
+          <a:p>
+            <a:pPr algn="ctr"/>
+            <a:r>
+              <a:rPr lang="en-US" altLang="zh-CN" dirty="0"/>
+              <a:t>s4</a:t>
+            </a:r>
+            <a:endParaRPr lang="zh-CN" altLang="en-US" dirty="0"/>
+          </a:p>
+        </p:txBody>
+      </p:sp>
+      <p:sp>
+        <p:nvSpPr>
+          <p:cNvPr id="45" name="矩形 44">
+            <a:extLst>
+              <a:ext uri="{FF2B5EF4-FFF2-40B4-BE49-F238E27FC236}">
+                <a16:creationId xmlns:a16="http://schemas.microsoft.com/office/drawing/2014/main" id="{65B0E213-7FC1-4E99-940E-143AB718B9B1}"/>
+              </a:ext>
+            </a:extLst>
+          </p:cNvPr>
+          <p:cNvSpPr/>
+          <p:nvPr/>
+        </p:nvSpPr>
+        <p:spPr>
+          <a:xfrm>
+            <a:off x="4849900" y="4522693"/>
+            <a:ext cx="295835" cy="709991"/>
+          </a:xfrm>
+          <a:prstGeom prst="rect">
+            <a:avLst/>
+          </a:prstGeom>
+        </p:spPr>
+        <p:style>
+          <a:lnRef idx="2">
+            <a:schemeClr val="accent1">
+              <a:shade val="50000"/>
+            </a:schemeClr>
+          </a:lnRef>
+          <a:fillRef idx="1">
+            <a:schemeClr val="accent1"/>
+          </a:fillRef>
+          <a:effectRef idx="0">
+            <a:schemeClr val="accent1"/>
+          </a:effectRef>
+          <a:fontRef idx="minor">
+            <a:schemeClr val="lt1"/>
+          </a:fontRef>
+        </p:style>
+        <p:txBody>
+          <a:bodyPr rtlCol="0" anchor="ctr"/>
+          <a:lstStyle/>
+          <a:p>
+            <a:pPr algn="ctr"/>
+            <a:endParaRPr lang="zh-CN" altLang="en-US" dirty="0"/>
+          </a:p>
+        </p:txBody>
+      </p:sp>
+      <p:cxnSp>
+        <p:nvCxnSpPr>
+          <p:cNvPr id="46" name="直接箭头连接符 45">
+            <a:extLst>
+              <a:ext uri="{FF2B5EF4-FFF2-40B4-BE49-F238E27FC236}">
+                <a16:creationId xmlns:a16="http://schemas.microsoft.com/office/drawing/2014/main" id="{73F9C986-3141-447A-B15F-A7D29300C802}"/>
+              </a:ext>
+            </a:extLst>
+          </p:cNvPr>
+          <p:cNvCxnSpPr>
+            <a:stCxn id="4" idx="6"/>
+            <a:endCxn id="39" idx="2"/>
+          </p:cNvCxnSpPr>
+          <p:nvPr/>
+        </p:nvCxnSpPr>
+        <p:spPr>
+          <a:xfrm flipV="1">
+            <a:off x="3307976" y="708219"/>
+            <a:ext cx="963701" cy="1201264"/>
+          </a:xfrm>
+          <a:prstGeom prst="straightConnector1">
+            <a:avLst/>
+          </a:prstGeom>
+          <a:ln>
+            <a:tailEnd type="triangle"/>
+          </a:ln>
+        </p:spPr>
+        <p:style>
+          <a:lnRef idx="1">
+            <a:schemeClr val="accent1"/>
+          </a:lnRef>
+          <a:fillRef idx="0">
+            <a:schemeClr val="accent1"/>
+          </a:fillRef>
+          <a:effectRef idx="0">
+            <a:schemeClr val="accent1"/>
+          </a:effectRef>
+          <a:fontRef idx="minor">
+            <a:schemeClr val="tx1"/>
+          </a:fontRef>
+        </p:style>
+      </p:cxnSp>
+      <p:cxnSp>
+        <p:nvCxnSpPr>
+          <p:cNvPr id="48" name="直接箭头连接符 47">
+            <a:extLst>
+              <a:ext uri="{FF2B5EF4-FFF2-40B4-BE49-F238E27FC236}">
+                <a16:creationId xmlns:a16="http://schemas.microsoft.com/office/drawing/2014/main" id="{94C5FEE5-AA51-4913-9C41-13511AE677FD}"/>
+              </a:ext>
+            </a:extLst>
+          </p:cNvPr>
+          <p:cNvCxnSpPr>
+            <a:cxnSpLocks/>
+            <a:stCxn id="9" idx="6"/>
+            <a:endCxn id="44" idx="2"/>
+          </p:cNvCxnSpPr>
+          <p:nvPr/>
+        </p:nvCxnSpPr>
+        <p:spPr>
+          <a:xfrm>
+            <a:off x="3397175" y="3572989"/>
+            <a:ext cx="861055" cy="1290364"/>
+          </a:xfrm>
+          <a:prstGeom prst="straightConnector1">
+            <a:avLst/>
+          </a:prstGeom>
+          <a:ln>
+            <a:tailEnd type="triangle"/>
+          </a:ln>
+        </p:spPr>
+        <p:style>
+          <a:lnRef idx="1">
+            <a:schemeClr val="accent1"/>
+          </a:lnRef>
+          <a:fillRef idx="0">
+            <a:schemeClr val="accent1"/>
+          </a:fillRef>
+          <a:effectRef idx="0">
+            <a:schemeClr val="accent1"/>
+          </a:effectRef>
+          <a:fontRef idx="minor">
+            <a:schemeClr val="tx1"/>
+          </a:fontRef>
+        </p:style>
+      </p:cxnSp>
+      <p:cxnSp>
+        <p:nvCxnSpPr>
+          <p:cNvPr id="53" name="直接箭头连接符 52">
+            <a:extLst>
+              <a:ext uri="{FF2B5EF4-FFF2-40B4-BE49-F238E27FC236}">
+                <a16:creationId xmlns:a16="http://schemas.microsoft.com/office/drawing/2014/main" id="{F4B27137-384D-4E9C-B99F-469A1450AB8D}"/>
+              </a:ext>
+            </a:extLst>
+          </p:cNvPr>
+          <p:cNvCxnSpPr>
+            <a:stCxn id="9" idx="6"/>
+            <a:endCxn id="39" idx="2"/>
+          </p:cNvCxnSpPr>
+          <p:nvPr/>
+        </p:nvCxnSpPr>
+        <p:spPr>
+          <a:xfrm flipV="1">
+            <a:off x="3397175" y="708219"/>
+            <a:ext cx="874502" cy="2864770"/>
+          </a:xfrm>
+          <a:prstGeom prst="straightConnector1">
+            <a:avLst/>
+          </a:prstGeom>
+          <a:ln>
+            <a:tailEnd type="triangle"/>
+          </a:ln>
+        </p:spPr>
+        <p:style>
+          <a:lnRef idx="1">
+            <a:schemeClr val="accent1"/>
+          </a:lnRef>
+          <a:fillRef idx="0">
+            <a:schemeClr val="accent1"/>
+          </a:fillRef>
+          <a:effectRef idx="0">
+            <a:schemeClr val="accent1"/>
+          </a:effectRef>
+          <a:fontRef idx="minor">
+            <a:schemeClr val="tx1"/>
+          </a:fontRef>
+        </p:style>
+      </p:cxnSp>
+      <p:cxnSp>
+        <p:nvCxnSpPr>
+          <p:cNvPr id="56" name="直接箭头连接符 55">
+            <a:extLst>
+              <a:ext uri="{FF2B5EF4-FFF2-40B4-BE49-F238E27FC236}">
+                <a16:creationId xmlns:a16="http://schemas.microsoft.com/office/drawing/2014/main" id="{8D4AA241-E731-4F35-89E7-20AE824F25CC}"/>
+              </a:ext>
+            </a:extLst>
+          </p:cNvPr>
+          <p:cNvCxnSpPr>
+            <a:stCxn id="4" idx="6"/>
+            <a:endCxn id="44" idx="2"/>
+          </p:cNvCxnSpPr>
+          <p:nvPr/>
+        </p:nvCxnSpPr>
+        <p:spPr>
+          <a:xfrm>
+            <a:off x="3307976" y="1909483"/>
+            <a:ext cx="950254" cy="2953870"/>
+          </a:xfrm>
+          <a:prstGeom prst="straightConnector1">
+            <a:avLst/>
+          </a:prstGeom>
+          <a:ln>
+            <a:tailEnd type="triangle"/>
+          </a:ln>
+        </p:spPr>
+        <p:style>
+          <a:lnRef idx="1">
+            <a:schemeClr val="accent1"/>
+          </a:lnRef>
+          <a:fillRef idx="0">
+            <a:schemeClr val="accent1"/>
+          </a:fillRef>
+          <a:effectRef idx="0">
+            <a:schemeClr val="accent1"/>
+          </a:effectRef>
+          <a:fontRef idx="minor">
+            <a:schemeClr val="tx1"/>
+          </a:fontRef>
+        </p:style>
+      </p:cxnSp>
+      <p:cxnSp>
+        <p:nvCxnSpPr>
+          <p:cNvPr id="58" name="直接箭头连接符 57">
+            <a:extLst>
+              <a:ext uri="{FF2B5EF4-FFF2-40B4-BE49-F238E27FC236}">
+                <a16:creationId xmlns:a16="http://schemas.microsoft.com/office/drawing/2014/main" id="{D36A1B96-0A56-4472-88C0-30B54791E3F2}"/>
+              </a:ext>
+            </a:extLst>
+          </p:cNvPr>
+          <p:cNvCxnSpPr>
+            <a:stCxn id="43" idx="3"/>
+            <a:endCxn id="30" idx="3"/>
+          </p:cNvCxnSpPr>
+          <p:nvPr/>
+        </p:nvCxnSpPr>
+        <p:spPr>
+          <a:xfrm>
+            <a:off x="5159182" y="722555"/>
+            <a:ext cx="907249" cy="2397445"/>
+          </a:xfrm>
+          <a:prstGeom prst="straightConnector1">
+            <a:avLst/>
+          </a:prstGeom>
+          <a:ln>
+            <a:tailEnd type="triangle"/>
+          </a:ln>
+        </p:spPr>
+        <p:style>
+          <a:lnRef idx="1">
+            <a:schemeClr val="accent1"/>
+          </a:lnRef>
+          <a:fillRef idx="0">
+            <a:schemeClr val="accent1"/>
+          </a:fillRef>
+          <a:effectRef idx="0">
+            <a:schemeClr val="accent1"/>
+          </a:effectRef>
+          <a:fontRef idx="minor">
+            <a:schemeClr val="tx1"/>
+          </a:fontRef>
+        </p:style>
+      </p:cxnSp>
+      <p:cxnSp>
+        <p:nvCxnSpPr>
+          <p:cNvPr id="60" name="直接箭头连接符 59">
+            <a:extLst>
+              <a:ext uri="{FF2B5EF4-FFF2-40B4-BE49-F238E27FC236}">
+                <a16:creationId xmlns:a16="http://schemas.microsoft.com/office/drawing/2014/main" id="{BEEB08C6-8984-4B26-ACAE-3E88C2C67BC0}"/>
+              </a:ext>
+            </a:extLst>
+          </p:cNvPr>
+          <p:cNvCxnSpPr>
+            <a:stCxn id="45" idx="3"/>
+            <a:endCxn id="30" idx="2"/>
+          </p:cNvCxnSpPr>
+          <p:nvPr/>
+        </p:nvCxnSpPr>
+        <p:spPr>
+          <a:xfrm flipV="1">
+            <a:off x="5145735" y="2901305"/>
+            <a:ext cx="834048" cy="1976384"/>
+          </a:xfrm>
+          <a:prstGeom prst="straightConnector1">
+            <a:avLst/>
+          </a:prstGeom>
+          <a:ln>
+            <a:tailEnd type="triangle"/>
+          </a:ln>
+        </p:spPr>
+        <p:style>
+          <a:lnRef idx="1">
+            <a:schemeClr val="accent1"/>
+          </a:lnRef>
+          <a:fillRef idx="0">
+            <a:schemeClr val="accent1"/>
+          </a:fillRef>
+          <a:effectRef idx="0">
+            <a:schemeClr val="accent1"/>
+          </a:effectRef>
+          <a:fontRef idx="minor">
+            <a:schemeClr val="tx1"/>
+          </a:fontRef>
+        </p:style>
+      </p:cxnSp>
+      <p:sp>
+        <p:nvSpPr>
+          <p:cNvPr id="61" name="文本框 60">
+            <a:extLst>
+              <a:ext uri="{FF2B5EF4-FFF2-40B4-BE49-F238E27FC236}">
+                <a16:creationId xmlns:a16="http://schemas.microsoft.com/office/drawing/2014/main" id="{99A2A905-0B97-498F-8DA2-4A02EFA9A93A}"/>
+              </a:ext>
+            </a:extLst>
+          </p:cNvPr>
+          <p:cNvSpPr txBox="1"/>
+          <p:nvPr/>
+        </p:nvSpPr>
+        <p:spPr>
+          <a:xfrm>
+            <a:off x="3411137" y="1025742"/>
+            <a:ext cx="639919" cy="369332"/>
+          </a:xfrm>
+          <a:prstGeom prst="rect">
+            <a:avLst/>
+          </a:prstGeom>
+          <a:noFill/>
+        </p:spPr>
+        <p:txBody>
+          <a:bodyPr wrap="none" rtlCol="0">
+            <a:spAutoFit/>
+          </a:bodyPr>
+          <a:lstStyle/>
+          <a:p>
+            <a:r>
+              <a:rPr lang="en-US" altLang="zh-CN" dirty="0"/>
+              <a:t>W11</a:t>
+            </a:r>
+            <a:endParaRPr lang="zh-CN" altLang="en-US" dirty="0"/>
+          </a:p>
+        </p:txBody>
+      </p:sp>
+      <p:sp>
+        <p:nvSpPr>
+          <p:cNvPr id="62" name="文本框 61">
+            <a:extLst>
+              <a:ext uri="{FF2B5EF4-FFF2-40B4-BE49-F238E27FC236}">
+                <a16:creationId xmlns:a16="http://schemas.microsoft.com/office/drawing/2014/main" id="{D86E150E-D6C0-4CE0-84CE-74D1313DB479}"/>
+              </a:ext>
+            </a:extLst>
+          </p:cNvPr>
+          <p:cNvSpPr txBox="1"/>
+          <p:nvPr/>
+        </p:nvSpPr>
+        <p:spPr>
+          <a:xfrm>
+            <a:off x="3392692" y="1623074"/>
+            <a:ext cx="639919" cy="369332"/>
+          </a:xfrm>
+          <a:prstGeom prst="rect">
+            <a:avLst/>
+          </a:prstGeom>
+          <a:noFill/>
+        </p:spPr>
+        <p:txBody>
+          <a:bodyPr wrap="none" rtlCol="0">
+            <a:spAutoFit/>
+          </a:bodyPr>
+          <a:lstStyle/>
+          <a:p>
+            <a:r>
+              <a:rPr lang="en-US" altLang="zh-CN" dirty="0"/>
+              <a:t>W12</a:t>
+            </a:r>
+            <a:endParaRPr lang="zh-CN" altLang="en-US" dirty="0"/>
+          </a:p>
+        </p:txBody>
+      </p:sp>
+      <p:sp>
+        <p:nvSpPr>
+          <p:cNvPr id="63" name="文本框 62">
+            <a:extLst>
+              <a:ext uri="{FF2B5EF4-FFF2-40B4-BE49-F238E27FC236}">
+                <a16:creationId xmlns:a16="http://schemas.microsoft.com/office/drawing/2014/main" id="{13AED0EF-DF52-450E-9C0F-FA87652B51CF}"/>
+              </a:ext>
+            </a:extLst>
+          </p:cNvPr>
+          <p:cNvSpPr txBox="1"/>
+          <p:nvPr/>
+        </p:nvSpPr>
+        <p:spPr>
+          <a:xfrm>
+            <a:off x="5540778" y="1297361"/>
+            <a:ext cx="747320" cy="369332"/>
+          </a:xfrm>
+          <a:prstGeom prst="rect">
+            <a:avLst/>
+          </a:prstGeom>
+          <a:noFill/>
+        </p:spPr>
+        <p:txBody>
+          <a:bodyPr wrap="none" rtlCol="0">
+            <a:spAutoFit/>
+          </a:bodyPr>
+          <a:lstStyle/>
+          <a:p>
+            <a:r>
+              <a:rPr lang="en-US" altLang="zh-CN" dirty="0"/>
+              <a:t>L2W1</a:t>
+            </a:r>
+            <a:endParaRPr lang="zh-CN" altLang="en-US" dirty="0"/>
+          </a:p>
+        </p:txBody>
+      </p:sp>
+      <p:sp>
+        <p:nvSpPr>
+          <p:cNvPr id="64" name="文本框 63">
+            <a:extLst>
+              <a:ext uri="{FF2B5EF4-FFF2-40B4-BE49-F238E27FC236}">
+                <a16:creationId xmlns:a16="http://schemas.microsoft.com/office/drawing/2014/main" id="{B1B577B4-F3B6-4C88-AF07-DF88E2A1E637}"/>
+              </a:ext>
+            </a:extLst>
+          </p:cNvPr>
+          <p:cNvSpPr txBox="1"/>
+          <p:nvPr/>
+        </p:nvSpPr>
+        <p:spPr>
+          <a:xfrm>
+            <a:off x="5054604" y="2456655"/>
+            <a:ext cx="747320" cy="369332"/>
+          </a:xfrm>
+          <a:prstGeom prst="rect">
+            <a:avLst/>
+          </a:prstGeom>
+          <a:noFill/>
+        </p:spPr>
+        <p:txBody>
+          <a:bodyPr wrap="none" rtlCol="0">
+            <a:spAutoFit/>
+          </a:bodyPr>
+          <a:lstStyle/>
+          <a:p>
+            <a:r>
+              <a:rPr lang="en-US" altLang="zh-CN" dirty="0"/>
+              <a:t>L2W2</a:t>
+            </a:r>
+            <a:endParaRPr lang="zh-CN" altLang="en-US" dirty="0"/>
+          </a:p>
+        </p:txBody>
+      </p:sp>
+      <p:sp>
+        <p:nvSpPr>
+          <p:cNvPr id="65" name="文本框 64">
+            <a:extLst>
+              <a:ext uri="{FF2B5EF4-FFF2-40B4-BE49-F238E27FC236}">
+                <a16:creationId xmlns:a16="http://schemas.microsoft.com/office/drawing/2014/main" id="{CCE4491D-8037-40F8-99AE-871E05679744}"/>
+              </a:ext>
+            </a:extLst>
+          </p:cNvPr>
+          <p:cNvSpPr txBox="1"/>
+          <p:nvPr/>
+        </p:nvSpPr>
+        <p:spPr>
+          <a:xfrm>
+            <a:off x="5122580" y="3282472"/>
+            <a:ext cx="747320" cy="369332"/>
+          </a:xfrm>
+          <a:prstGeom prst="rect">
+            <a:avLst/>
+          </a:prstGeom>
+          <a:noFill/>
+        </p:spPr>
+        <p:txBody>
+          <a:bodyPr wrap="none" rtlCol="0">
+            <a:spAutoFit/>
+          </a:bodyPr>
+          <a:lstStyle/>
+          <a:p>
+            <a:r>
+              <a:rPr lang="en-US" altLang="zh-CN" dirty="0"/>
+              <a:t>L2W3</a:t>
+            </a:r>
+            <a:endParaRPr lang="zh-CN" altLang="en-US" dirty="0"/>
+          </a:p>
+        </p:txBody>
+      </p:sp>
+      <p:sp>
+        <p:nvSpPr>
+          <p:cNvPr id="66" name="文本框 65">
+            <a:extLst>
+              <a:ext uri="{FF2B5EF4-FFF2-40B4-BE49-F238E27FC236}">
+                <a16:creationId xmlns:a16="http://schemas.microsoft.com/office/drawing/2014/main" id="{7BB448A1-E562-4686-AFAB-69D3F9B5D14E}"/>
+              </a:ext>
+            </a:extLst>
+          </p:cNvPr>
+          <p:cNvSpPr txBox="1"/>
+          <p:nvPr/>
+        </p:nvSpPr>
+        <p:spPr>
+          <a:xfrm>
+            <a:off x="5337295" y="4184738"/>
+            <a:ext cx="747320" cy="369332"/>
+          </a:xfrm>
+          <a:prstGeom prst="rect">
+            <a:avLst/>
+          </a:prstGeom>
+          <a:noFill/>
+        </p:spPr>
+        <p:txBody>
+          <a:bodyPr wrap="none" rtlCol="0">
+            <a:spAutoFit/>
+          </a:bodyPr>
+          <a:lstStyle/>
+          <a:p>
+            <a:r>
+              <a:rPr lang="en-US" altLang="zh-CN" dirty="0"/>
+              <a:t>L2W4</a:t>
+            </a:r>
+            <a:endParaRPr lang="zh-CN" altLang="en-US" dirty="0"/>
+          </a:p>
+        </p:txBody>
+      </p:sp>
+      <p:sp>
+        <p:nvSpPr>
+          <p:cNvPr id="71" name="文本框 70">
+            <a:extLst>
+              <a:ext uri="{FF2B5EF4-FFF2-40B4-BE49-F238E27FC236}">
+                <a16:creationId xmlns:a16="http://schemas.microsoft.com/office/drawing/2014/main" id="{AE81FC93-2BE1-445D-9EAD-4B5567CF0E09}"/>
+              </a:ext>
+            </a:extLst>
+          </p:cNvPr>
+          <p:cNvSpPr txBox="1"/>
+          <p:nvPr/>
+        </p:nvSpPr>
+        <p:spPr>
+          <a:xfrm>
+            <a:off x="3292343" y="4142626"/>
+            <a:ext cx="639919" cy="369332"/>
+          </a:xfrm>
+          <a:prstGeom prst="rect">
+            <a:avLst/>
+          </a:prstGeom>
+          <a:noFill/>
+        </p:spPr>
+        <p:txBody>
+          <a:bodyPr wrap="none" rtlCol="0">
+            <a:spAutoFit/>
+          </a:bodyPr>
+          <a:lstStyle/>
+          <a:p>
+            <a:r>
+              <a:rPr lang="en-US" altLang="zh-CN" dirty="0"/>
+              <a:t>W24</a:t>
+            </a:r>
+            <a:endParaRPr lang="zh-CN" altLang="en-US" dirty="0"/>
+          </a:p>
+        </p:txBody>
+      </p:sp>
+      <p:sp>
+        <p:nvSpPr>
+          <p:cNvPr id="73" name="文本框 72">
+            <a:extLst>
+              <a:ext uri="{FF2B5EF4-FFF2-40B4-BE49-F238E27FC236}">
+                <a16:creationId xmlns:a16="http://schemas.microsoft.com/office/drawing/2014/main" id="{5767FA0C-E271-4DAB-9E54-4886CC49F896}"/>
+              </a:ext>
+            </a:extLst>
+          </p:cNvPr>
+          <p:cNvSpPr txBox="1"/>
+          <p:nvPr/>
+        </p:nvSpPr>
+        <p:spPr>
+          <a:xfrm>
+            <a:off x="1640541" y="5357330"/>
+            <a:ext cx="7960659" cy="1477328"/>
+          </a:xfrm>
+          <a:prstGeom prst="rect">
+            <a:avLst/>
+          </a:prstGeom>
+          <a:noFill/>
+        </p:spPr>
+        <p:txBody>
+          <a:bodyPr wrap="square" rtlCol="0">
+            <a:spAutoFit/>
+          </a:bodyPr>
+          <a:lstStyle/>
+          <a:p>
+            <a:r>
+              <a:rPr lang="en-US" altLang="zh-CN" dirty="0"/>
+              <a:t>X1    x2    OL1 OL2 OL3 O4    L2W1  L2W2 L2W3 L2W4                    output</a:t>
+            </a:r>
+          </a:p>
+          <a:p>
+            <a:r>
+              <a:rPr lang="en-US" altLang="zh-CN" dirty="0"/>
+              <a:t>0       0      1      0      0     0        0         1       1        0                                0</a:t>
+            </a:r>
+          </a:p>
+          <a:p>
+            <a:r>
+              <a:rPr lang="en-US" altLang="zh-CN" dirty="0"/>
+              <a:t>0        1     0       1     0     0        0         1       1        0                                1</a:t>
+            </a:r>
+          </a:p>
+          <a:p>
+            <a:pPr marL="342900" indent="-342900">
+              <a:buAutoNum type="arabicPlain"/>
+            </a:pPr>
+            <a:r>
+              <a:rPr lang="en-US" altLang="zh-CN" dirty="0"/>
+              <a:t>    0     0       0     1     0        0          1       1       0                                1</a:t>
+            </a:r>
+          </a:p>
+          <a:p>
+            <a:r>
+              <a:rPr lang="en-US" altLang="zh-CN" dirty="0"/>
+              <a:t>1        1     0       0     0     1        0          1       1       0                                0</a:t>
+            </a:r>
+            <a:endParaRPr lang="zh-CN" altLang="en-US" dirty="0"/>
           </a:p>
         </p:txBody>
       </p:sp>
     </p:spTree>
     <p:extLst>
       <p:ext uri="{BB962C8B-B14F-4D97-AF65-F5344CB8AC3E}">
-        <p14:creationId xmlns:p14="http://schemas.microsoft.com/office/powerpoint/2010/main" val="2686090772"/>
+        <p14:creationId xmlns:p14="http://schemas.microsoft.com/office/powerpoint/2010/main" val="2582104780"/>
+      </p:ext>
+    </p:extLst>
+  </p:cSld>
+  <p:clrMapOvr>
+    <a:masterClrMapping/>
+  </p:clrMapOvr>
+</p:sld>
+</file>
+
+<file path=ppt/slides/slide9.xml><?xml version="1.0" encoding="utf-8"?>
+<p:sld xmlns:a="http://schemas.openxmlformats.org/drawingml/2006/main" xmlns:r="http://schemas.openxmlformats.org/officeDocument/2006/relationships" xmlns:p="http://schemas.openxmlformats.org/presentationml/2006/main">
+  <p:cSld>
+    <p:spTree>
+      <p:nvGrpSpPr>
+        <p:cNvPr id="1" name=""/>
+        <p:cNvGrpSpPr/>
+        <p:nvPr/>
+      </p:nvGrpSpPr>
+      <p:grpSpPr>
+        <a:xfrm>
+          <a:off x="0" y="0"/>
+          <a:ext cx="0" cy="0"/>
+          <a:chOff x="0" y="0"/>
+          <a:chExt cx="0" cy="0"/>
+        </a:xfrm>
+      </p:grpSpPr>
+      <p:sp>
+        <p:nvSpPr>
+          <p:cNvPr id="4" name="椭圆 3">
+            <a:extLst>
+              <a:ext uri="{FF2B5EF4-FFF2-40B4-BE49-F238E27FC236}">
+                <a16:creationId xmlns:a16="http://schemas.microsoft.com/office/drawing/2014/main" id="{D6051683-F549-42E2-B33A-ABC7FFB9358F}"/>
+              </a:ext>
+            </a:extLst>
+          </p:cNvPr>
+          <p:cNvSpPr/>
+          <p:nvPr/>
+        </p:nvSpPr>
+        <p:spPr>
+          <a:xfrm>
+            <a:off x="2716306" y="1600200"/>
+            <a:ext cx="591670" cy="618565"/>
+          </a:xfrm>
+          <a:prstGeom prst="ellipse">
+            <a:avLst/>
+          </a:prstGeom>
+        </p:spPr>
+        <p:style>
+          <a:lnRef idx="2">
+            <a:schemeClr val="accent1">
+              <a:shade val="50000"/>
+            </a:schemeClr>
+          </a:lnRef>
+          <a:fillRef idx="1">
+            <a:schemeClr val="accent1"/>
+          </a:fillRef>
+          <a:effectRef idx="0">
+            <a:schemeClr val="accent1"/>
+          </a:effectRef>
+          <a:fontRef idx="minor">
+            <a:schemeClr val="lt1"/>
+          </a:fontRef>
+        </p:style>
+        <p:txBody>
+          <a:bodyPr rtlCol="0" anchor="ctr"/>
+          <a:lstStyle/>
+          <a:p>
+            <a:pPr algn="ctr"/>
+            <a:endParaRPr lang="zh-CN" altLang="en-US"/>
+          </a:p>
+        </p:txBody>
+      </p:sp>
+      <p:cxnSp>
+        <p:nvCxnSpPr>
+          <p:cNvPr id="6" name="直接箭头连接符 5">
+            <a:extLst>
+              <a:ext uri="{FF2B5EF4-FFF2-40B4-BE49-F238E27FC236}">
+                <a16:creationId xmlns:a16="http://schemas.microsoft.com/office/drawing/2014/main" id="{A394064C-2344-4DCA-AF9E-49568813B092}"/>
+              </a:ext>
+            </a:extLst>
+          </p:cNvPr>
+          <p:cNvCxnSpPr>
+            <a:cxnSpLocks/>
+            <a:endCxn id="4" idx="2"/>
+          </p:cNvCxnSpPr>
+          <p:nvPr/>
+        </p:nvCxnSpPr>
+        <p:spPr>
+          <a:xfrm>
+            <a:off x="1640541" y="1909483"/>
+            <a:ext cx="1075765" cy="0"/>
+          </a:xfrm>
+          <a:prstGeom prst="straightConnector1">
+            <a:avLst/>
+          </a:prstGeom>
+          <a:ln>
+            <a:tailEnd type="triangle"/>
+          </a:ln>
+        </p:spPr>
+        <p:style>
+          <a:lnRef idx="1">
+            <a:schemeClr val="accent1"/>
+          </a:lnRef>
+          <a:fillRef idx="0">
+            <a:schemeClr val="accent1"/>
+          </a:fillRef>
+          <a:effectRef idx="0">
+            <a:schemeClr val="accent1"/>
+          </a:effectRef>
+          <a:fontRef idx="minor">
+            <a:schemeClr val="tx1"/>
+          </a:fontRef>
+        </p:style>
+      </p:cxnSp>
+      <p:sp>
+        <p:nvSpPr>
+          <p:cNvPr id="8" name="文本框 7">
+            <a:extLst>
+              <a:ext uri="{FF2B5EF4-FFF2-40B4-BE49-F238E27FC236}">
+                <a16:creationId xmlns:a16="http://schemas.microsoft.com/office/drawing/2014/main" id="{FA99E144-301C-4F51-8430-B722125D5571}"/>
+              </a:ext>
+            </a:extLst>
+          </p:cNvPr>
+          <p:cNvSpPr txBox="1"/>
+          <p:nvPr/>
+        </p:nvSpPr>
+        <p:spPr>
+          <a:xfrm>
+            <a:off x="2057400" y="1909483"/>
+            <a:ext cx="407484" cy="369332"/>
+          </a:xfrm>
+          <a:prstGeom prst="rect">
+            <a:avLst/>
+          </a:prstGeom>
+          <a:noFill/>
+        </p:spPr>
+        <p:txBody>
+          <a:bodyPr wrap="none" rtlCol="0">
+            <a:spAutoFit/>
+          </a:bodyPr>
+          <a:lstStyle/>
+          <a:p>
+            <a:r>
+              <a:rPr lang="en-US" altLang="zh-CN" dirty="0"/>
+              <a:t>x1</a:t>
+            </a:r>
+            <a:endParaRPr lang="zh-CN" altLang="en-US" dirty="0"/>
+          </a:p>
+        </p:txBody>
+      </p:sp>
+      <p:sp>
+        <p:nvSpPr>
+          <p:cNvPr id="9" name="椭圆 8">
+            <a:extLst>
+              <a:ext uri="{FF2B5EF4-FFF2-40B4-BE49-F238E27FC236}">
+                <a16:creationId xmlns:a16="http://schemas.microsoft.com/office/drawing/2014/main" id="{ACEDCAD0-3802-4BE0-A535-229C6B79A228}"/>
+              </a:ext>
+            </a:extLst>
+          </p:cNvPr>
+          <p:cNvSpPr/>
+          <p:nvPr/>
+        </p:nvSpPr>
+        <p:spPr>
+          <a:xfrm>
+            <a:off x="2805505" y="3333095"/>
+            <a:ext cx="591670" cy="479788"/>
+          </a:xfrm>
+          <a:prstGeom prst="ellipse">
+            <a:avLst/>
+          </a:prstGeom>
+        </p:spPr>
+        <p:style>
+          <a:lnRef idx="2">
+            <a:schemeClr val="accent1">
+              <a:shade val="50000"/>
+            </a:schemeClr>
+          </a:lnRef>
+          <a:fillRef idx="1">
+            <a:schemeClr val="accent1"/>
+          </a:fillRef>
+          <a:effectRef idx="0">
+            <a:schemeClr val="accent1"/>
+          </a:effectRef>
+          <a:fontRef idx="minor">
+            <a:schemeClr val="lt1"/>
+          </a:fontRef>
+        </p:style>
+        <p:txBody>
+          <a:bodyPr rtlCol="0" anchor="ctr"/>
+          <a:lstStyle/>
+          <a:p>
+            <a:pPr algn="ctr"/>
+            <a:endParaRPr lang="zh-CN" altLang="en-US"/>
+          </a:p>
+        </p:txBody>
+      </p:sp>
+      <p:cxnSp>
+        <p:nvCxnSpPr>
+          <p:cNvPr id="10" name="直接箭头连接符 9">
+            <a:extLst>
+              <a:ext uri="{FF2B5EF4-FFF2-40B4-BE49-F238E27FC236}">
+                <a16:creationId xmlns:a16="http://schemas.microsoft.com/office/drawing/2014/main" id="{D6EC42AB-2312-49AE-92E1-9299E3EFEAE7}"/>
+              </a:ext>
+            </a:extLst>
+          </p:cNvPr>
+          <p:cNvCxnSpPr>
+            <a:cxnSpLocks/>
+          </p:cNvCxnSpPr>
+          <p:nvPr/>
+        </p:nvCxnSpPr>
+        <p:spPr>
+          <a:xfrm>
+            <a:off x="1729739" y="3660306"/>
+            <a:ext cx="1075765" cy="0"/>
+          </a:xfrm>
+          <a:prstGeom prst="straightConnector1">
+            <a:avLst/>
+          </a:prstGeom>
+          <a:ln>
+            <a:tailEnd type="triangle"/>
+          </a:ln>
+        </p:spPr>
+        <p:style>
+          <a:lnRef idx="1">
+            <a:schemeClr val="accent1"/>
+          </a:lnRef>
+          <a:fillRef idx="0">
+            <a:schemeClr val="accent1"/>
+          </a:fillRef>
+          <a:effectRef idx="0">
+            <a:schemeClr val="accent1"/>
+          </a:effectRef>
+          <a:fontRef idx="minor">
+            <a:schemeClr val="tx1"/>
+          </a:fontRef>
+        </p:style>
+      </p:cxnSp>
+      <p:sp>
+        <p:nvSpPr>
+          <p:cNvPr id="11" name="文本框 10">
+            <a:extLst>
+              <a:ext uri="{FF2B5EF4-FFF2-40B4-BE49-F238E27FC236}">
+                <a16:creationId xmlns:a16="http://schemas.microsoft.com/office/drawing/2014/main" id="{9D2B9621-BA48-4E43-96FC-56B6736718B1}"/>
+              </a:ext>
+            </a:extLst>
+          </p:cNvPr>
+          <p:cNvSpPr txBox="1"/>
+          <p:nvPr/>
+        </p:nvSpPr>
+        <p:spPr>
+          <a:xfrm>
+            <a:off x="2131116" y="3599367"/>
+            <a:ext cx="407484" cy="369332"/>
+          </a:xfrm>
+          <a:prstGeom prst="rect">
+            <a:avLst/>
+          </a:prstGeom>
+          <a:noFill/>
+        </p:spPr>
+        <p:txBody>
+          <a:bodyPr wrap="none" rtlCol="0">
+            <a:spAutoFit/>
+          </a:bodyPr>
+          <a:lstStyle/>
+          <a:p>
+            <a:r>
+              <a:rPr lang="en-US" altLang="zh-CN" dirty="0"/>
+              <a:t>x2</a:t>
+            </a:r>
+            <a:endParaRPr lang="zh-CN" altLang="en-US" dirty="0"/>
+          </a:p>
+        </p:txBody>
+      </p:sp>
+      <p:sp>
+        <p:nvSpPr>
+          <p:cNvPr id="12" name="椭圆 11">
+            <a:extLst>
+              <a:ext uri="{FF2B5EF4-FFF2-40B4-BE49-F238E27FC236}">
+                <a16:creationId xmlns:a16="http://schemas.microsoft.com/office/drawing/2014/main" id="{7AC17AC9-0B7C-4DA2-8B5A-CC4EA392C907}"/>
+              </a:ext>
+            </a:extLst>
+          </p:cNvPr>
+          <p:cNvSpPr/>
+          <p:nvPr/>
+        </p:nvSpPr>
+        <p:spPr>
+          <a:xfrm>
+            <a:off x="4253747" y="1631577"/>
+            <a:ext cx="591670" cy="618565"/>
+          </a:xfrm>
+          <a:prstGeom prst="ellipse">
+            <a:avLst/>
+          </a:prstGeom>
+        </p:spPr>
+        <p:style>
+          <a:lnRef idx="2">
+            <a:schemeClr val="accent1">
+              <a:shade val="50000"/>
+            </a:schemeClr>
+          </a:lnRef>
+          <a:fillRef idx="1">
+            <a:schemeClr val="accent1"/>
+          </a:fillRef>
+          <a:effectRef idx="0">
+            <a:schemeClr val="accent1"/>
+          </a:effectRef>
+          <a:fontRef idx="minor">
+            <a:schemeClr val="lt1"/>
+          </a:fontRef>
+        </p:style>
+        <p:txBody>
+          <a:bodyPr rtlCol="0" anchor="ctr"/>
+          <a:lstStyle/>
+          <a:p>
+            <a:pPr algn="ctr"/>
+            <a:r>
+              <a:rPr lang="en-US" altLang="zh-CN" dirty="0"/>
+              <a:t>s2</a:t>
+            </a:r>
+            <a:endParaRPr lang="zh-CN" altLang="en-US" dirty="0"/>
+          </a:p>
+        </p:txBody>
+      </p:sp>
+      <p:cxnSp>
+        <p:nvCxnSpPr>
+          <p:cNvPr id="15" name="直接箭头连接符 14">
+            <a:extLst>
+              <a:ext uri="{FF2B5EF4-FFF2-40B4-BE49-F238E27FC236}">
+                <a16:creationId xmlns:a16="http://schemas.microsoft.com/office/drawing/2014/main" id="{066992FA-AA0F-4489-9824-15790861A377}"/>
+              </a:ext>
+            </a:extLst>
+          </p:cNvPr>
+          <p:cNvCxnSpPr>
+            <a:stCxn id="4" idx="6"/>
+            <a:endCxn id="12" idx="2"/>
+          </p:cNvCxnSpPr>
+          <p:nvPr/>
+        </p:nvCxnSpPr>
+        <p:spPr>
+          <a:xfrm>
+            <a:off x="3307976" y="1909483"/>
+            <a:ext cx="945771" cy="31377"/>
+          </a:xfrm>
+          <a:prstGeom prst="straightConnector1">
+            <a:avLst/>
+          </a:prstGeom>
+          <a:ln>
+            <a:tailEnd type="triangle"/>
+          </a:ln>
+        </p:spPr>
+        <p:style>
+          <a:lnRef idx="1">
+            <a:schemeClr val="accent1"/>
+          </a:lnRef>
+          <a:fillRef idx="0">
+            <a:schemeClr val="accent1"/>
+          </a:fillRef>
+          <a:effectRef idx="0">
+            <a:schemeClr val="accent1"/>
+          </a:effectRef>
+          <a:fontRef idx="minor">
+            <a:schemeClr val="tx1"/>
+          </a:fontRef>
+        </p:style>
+      </p:cxnSp>
+      <p:cxnSp>
+        <p:nvCxnSpPr>
+          <p:cNvPr id="17" name="直接箭头连接符 16">
+            <a:extLst>
+              <a:ext uri="{FF2B5EF4-FFF2-40B4-BE49-F238E27FC236}">
+                <a16:creationId xmlns:a16="http://schemas.microsoft.com/office/drawing/2014/main" id="{5141F3B3-F098-4CC9-859B-6111AB3FFC80}"/>
+              </a:ext>
+            </a:extLst>
+          </p:cNvPr>
+          <p:cNvCxnSpPr>
+            <a:cxnSpLocks/>
+            <a:stCxn id="9" idx="6"/>
+            <a:endCxn id="12" idx="2"/>
+          </p:cNvCxnSpPr>
+          <p:nvPr/>
+        </p:nvCxnSpPr>
+        <p:spPr>
+          <a:xfrm flipV="1">
+            <a:off x="3397175" y="1940860"/>
+            <a:ext cx="856572" cy="1632129"/>
+          </a:xfrm>
+          <a:prstGeom prst="straightConnector1">
+            <a:avLst/>
+          </a:prstGeom>
+          <a:ln>
+            <a:tailEnd type="triangle"/>
+          </a:ln>
+        </p:spPr>
+        <p:style>
+          <a:lnRef idx="1">
+            <a:schemeClr val="accent1"/>
+          </a:lnRef>
+          <a:fillRef idx="0">
+            <a:schemeClr val="accent1"/>
+          </a:fillRef>
+          <a:effectRef idx="0">
+            <a:schemeClr val="accent1"/>
+          </a:effectRef>
+          <a:fontRef idx="minor">
+            <a:schemeClr val="tx1"/>
+          </a:fontRef>
+        </p:style>
+      </p:cxnSp>
+      <p:sp>
+        <p:nvSpPr>
+          <p:cNvPr id="20" name="矩形 19">
+            <a:extLst>
+              <a:ext uri="{FF2B5EF4-FFF2-40B4-BE49-F238E27FC236}">
+                <a16:creationId xmlns:a16="http://schemas.microsoft.com/office/drawing/2014/main" id="{797724EE-B432-4705-98F2-C0BAA3E87C80}"/>
+              </a:ext>
+            </a:extLst>
+          </p:cNvPr>
+          <p:cNvSpPr/>
+          <p:nvPr/>
+        </p:nvSpPr>
+        <p:spPr>
+          <a:xfrm>
+            <a:off x="4845417" y="1600200"/>
+            <a:ext cx="295835" cy="709991"/>
+          </a:xfrm>
+          <a:prstGeom prst="rect">
+            <a:avLst/>
+          </a:prstGeom>
+        </p:spPr>
+        <p:style>
+          <a:lnRef idx="2">
+            <a:schemeClr val="accent1">
+              <a:shade val="50000"/>
+            </a:schemeClr>
+          </a:lnRef>
+          <a:fillRef idx="1">
+            <a:schemeClr val="accent1"/>
+          </a:fillRef>
+          <a:effectRef idx="0">
+            <a:schemeClr val="accent1"/>
+          </a:effectRef>
+          <a:fontRef idx="minor">
+            <a:schemeClr val="lt1"/>
+          </a:fontRef>
+        </p:style>
+        <p:txBody>
+          <a:bodyPr rtlCol="0" anchor="ctr"/>
+          <a:lstStyle/>
+          <a:p>
+            <a:pPr algn="ctr"/>
+            <a:endParaRPr lang="zh-CN" altLang="en-US" dirty="0"/>
+          </a:p>
+        </p:txBody>
+      </p:sp>
+      <p:sp>
+        <p:nvSpPr>
+          <p:cNvPr id="21" name="椭圆 20">
+            <a:extLst>
+              <a:ext uri="{FF2B5EF4-FFF2-40B4-BE49-F238E27FC236}">
+                <a16:creationId xmlns:a16="http://schemas.microsoft.com/office/drawing/2014/main" id="{B01EC96D-D5FD-48EB-9A0D-DCE627E843F4}"/>
+              </a:ext>
+            </a:extLst>
+          </p:cNvPr>
+          <p:cNvSpPr/>
+          <p:nvPr/>
+        </p:nvSpPr>
+        <p:spPr>
+          <a:xfrm>
+            <a:off x="4224162" y="3130676"/>
+            <a:ext cx="591670" cy="618565"/>
+          </a:xfrm>
+          <a:prstGeom prst="ellipse">
+            <a:avLst/>
+          </a:prstGeom>
+        </p:spPr>
+        <p:style>
+          <a:lnRef idx="2">
+            <a:schemeClr val="accent1">
+              <a:shade val="50000"/>
+            </a:schemeClr>
+          </a:lnRef>
+          <a:fillRef idx="1">
+            <a:schemeClr val="accent1"/>
+          </a:fillRef>
+          <a:effectRef idx="0">
+            <a:schemeClr val="accent1"/>
+          </a:effectRef>
+          <a:fontRef idx="minor">
+            <a:schemeClr val="lt1"/>
+          </a:fontRef>
+        </p:style>
+        <p:txBody>
+          <a:bodyPr rtlCol="0" anchor="ctr"/>
+          <a:lstStyle/>
+          <a:p>
+            <a:pPr algn="ctr"/>
+            <a:r>
+              <a:rPr lang="en-US" altLang="zh-CN" dirty="0"/>
+              <a:t>s3</a:t>
+            </a:r>
+            <a:endParaRPr lang="zh-CN" altLang="en-US" dirty="0"/>
+          </a:p>
+        </p:txBody>
+      </p:sp>
+      <p:cxnSp>
+        <p:nvCxnSpPr>
+          <p:cNvPr id="23" name="直接箭头连接符 22">
+            <a:extLst>
+              <a:ext uri="{FF2B5EF4-FFF2-40B4-BE49-F238E27FC236}">
+                <a16:creationId xmlns:a16="http://schemas.microsoft.com/office/drawing/2014/main" id="{53C4814B-7721-425D-9CC9-E2F33EB03D4D}"/>
+              </a:ext>
+            </a:extLst>
+          </p:cNvPr>
+          <p:cNvCxnSpPr>
+            <a:cxnSpLocks/>
+            <a:stCxn id="4" idx="6"/>
+            <a:endCxn id="21" idx="2"/>
+          </p:cNvCxnSpPr>
+          <p:nvPr/>
+        </p:nvCxnSpPr>
+        <p:spPr>
+          <a:xfrm>
+            <a:off x="3307976" y="1909483"/>
+            <a:ext cx="916186" cy="1530476"/>
+          </a:xfrm>
+          <a:prstGeom prst="straightConnector1">
+            <a:avLst/>
+          </a:prstGeom>
+          <a:ln>
+            <a:tailEnd type="triangle"/>
+          </a:ln>
+        </p:spPr>
+        <p:style>
+          <a:lnRef idx="1">
+            <a:schemeClr val="accent1"/>
+          </a:lnRef>
+          <a:fillRef idx="0">
+            <a:schemeClr val="accent1"/>
+          </a:fillRef>
+          <a:effectRef idx="0">
+            <a:schemeClr val="accent1"/>
+          </a:effectRef>
+          <a:fontRef idx="minor">
+            <a:schemeClr val="tx1"/>
+          </a:fontRef>
+        </p:style>
+      </p:cxnSp>
+      <p:cxnSp>
+        <p:nvCxnSpPr>
+          <p:cNvPr id="25" name="直接箭头连接符 24">
+            <a:extLst>
+              <a:ext uri="{FF2B5EF4-FFF2-40B4-BE49-F238E27FC236}">
+                <a16:creationId xmlns:a16="http://schemas.microsoft.com/office/drawing/2014/main" id="{3D9595E7-B551-42BE-8CCC-D49761CE7D9E}"/>
+              </a:ext>
+            </a:extLst>
+          </p:cNvPr>
+          <p:cNvCxnSpPr>
+            <a:cxnSpLocks/>
+            <a:stCxn id="9" idx="6"/>
+            <a:endCxn id="21" idx="2"/>
+          </p:cNvCxnSpPr>
+          <p:nvPr/>
+        </p:nvCxnSpPr>
+        <p:spPr>
+          <a:xfrm flipV="1">
+            <a:off x="3397175" y="3439959"/>
+            <a:ext cx="826987" cy="133030"/>
+          </a:xfrm>
+          <a:prstGeom prst="straightConnector1">
+            <a:avLst/>
+          </a:prstGeom>
+          <a:ln>
+            <a:tailEnd type="triangle"/>
+          </a:ln>
+        </p:spPr>
+        <p:style>
+          <a:lnRef idx="1">
+            <a:schemeClr val="accent1"/>
+          </a:lnRef>
+          <a:fillRef idx="0">
+            <a:schemeClr val="accent1"/>
+          </a:fillRef>
+          <a:effectRef idx="0">
+            <a:schemeClr val="accent1"/>
+          </a:effectRef>
+          <a:fontRef idx="minor">
+            <a:schemeClr val="tx1"/>
+          </a:fontRef>
+        </p:style>
+      </p:cxnSp>
+      <p:sp>
+        <p:nvSpPr>
+          <p:cNvPr id="27" name="矩形 26">
+            <a:extLst>
+              <a:ext uri="{FF2B5EF4-FFF2-40B4-BE49-F238E27FC236}">
+                <a16:creationId xmlns:a16="http://schemas.microsoft.com/office/drawing/2014/main" id="{3DEA80F1-BEC6-4FEC-872C-5C04FE65D044}"/>
+              </a:ext>
+            </a:extLst>
+          </p:cNvPr>
+          <p:cNvSpPr/>
+          <p:nvPr/>
+        </p:nvSpPr>
+        <p:spPr>
+          <a:xfrm>
+            <a:off x="4820310" y="3223739"/>
+            <a:ext cx="295835" cy="550702"/>
+          </a:xfrm>
+          <a:prstGeom prst="rect">
+            <a:avLst/>
+          </a:prstGeom>
+        </p:spPr>
+        <p:style>
+          <a:lnRef idx="2">
+            <a:schemeClr val="accent1">
+              <a:shade val="50000"/>
+            </a:schemeClr>
+          </a:lnRef>
+          <a:fillRef idx="1">
+            <a:schemeClr val="accent1"/>
+          </a:fillRef>
+          <a:effectRef idx="0">
+            <a:schemeClr val="accent1"/>
+          </a:effectRef>
+          <a:fontRef idx="minor">
+            <a:schemeClr val="lt1"/>
+          </a:fontRef>
+        </p:style>
+        <p:txBody>
+          <a:bodyPr rtlCol="0" anchor="ctr"/>
+          <a:lstStyle/>
+          <a:p>
+            <a:pPr algn="ctr"/>
+            <a:endParaRPr lang="zh-CN" altLang="en-US"/>
+          </a:p>
+        </p:txBody>
+      </p:sp>
+      <p:sp>
+        <p:nvSpPr>
+          <p:cNvPr id="30" name="椭圆 29">
+            <a:extLst>
+              <a:ext uri="{FF2B5EF4-FFF2-40B4-BE49-F238E27FC236}">
+                <a16:creationId xmlns:a16="http://schemas.microsoft.com/office/drawing/2014/main" id="{B3A7CCA3-B5DF-492C-BC8F-BBB104A4DAD3}"/>
+              </a:ext>
+            </a:extLst>
+          </p:cNvPr>
+          <p:cNvSpPr/>
+          <p:nvPr/>
+        </p:nvSpPr>
+        <p:spPr>
+          <a:xfrm>
+            <a:off x="5979783" y="2592022"/>
+            <a:ext cx="591670" cy="618565"/>
+          </a:xfrm>
+          <a:prstGeom prst="ellipse">
+            <a:avLst/>
+          </a:prstGeom>
+        </p:spPr>
+        <p:style>
+          <a:lnRef idx="2">
+            <a:schemeClr val="accent1">
+              <a:shade val="50000"/>
+            </a:schemeClr>
+          </a:lnRef>
+          <a:fillRef idx="1">
+            <a:schemeClr val="accent1"/>
+          </a:fillRef>
+          <a:effectRef idx="0">
+            <a:schemeClr val="accent1"/>
+          </a:effectRef>
+          <a:fontRef idx="minor">
+            <a:schemeClr val="lt1"/>
+          </a:fontRef>
+        </p:style>
+        <p:txBody>
+          <a:bodyPr rtlCol="0" anchor="ctr"/>
+          <a:lstStyle/>
+          <a:p>
+            <a:pPr algn="ctr"/>
+            <a:r>
+              <a:rPr lang="en-US" altLang="zh-CN" sz="1400" dirty="0"/>
+              <a:t>OS</a:t>
+            </a:r>
+            <a:endParaRPr lang="zh-CN" altLang="en-US" dirty="0"/>
+          </a:p>
+        </p:txBody>
+      </p:sp>
+      <p:sp>
+        <p:nvSpPr>
+          <p:cNvPr id="31" name="矩形 30">
+            <a:extLst>
+              <a:ext uri="{FF2B5EF4-FFF2-40B4-BE49-F238E27FC236}">
+                <a16:creationId xmlns:a16="http://schemas.microsoft.com/office/drawing/2014/main" id="{2D2C1D2F-12DD-4F7C-91D8-0333BAECCEDC}"/>
+              </a:ext>
+            </a:extLst>
+          </p:cNvPr>
+          <p:cNvSpPr/>
+          <p:nvPr/>
+        </p:nvSpPr>
+        <p:spPr>
+          <a:xfrm>
+            <a:off x="6562940" y="2482114"/>
+            <a:ext cx="468398" cy="741625"/>
+          </a:xfrm>
+          <a:prstGeom prst="rect">
+            <a:avLst/>
+          </a:prstGeom>
+        </p:spPr>
+        <p:style>
+          <a:lnRef idx="2">
+            <a:schemeClr val="accent1">
+              <a:shade val="50000"/>
+            </a:schemeClr>
+          </a:lnRef>
+          <a:fillRef idx="1">
+            <a:schemeClr val="accent1"/>
+          </a:fillRef>
+          <a:effectRef idx="0">
+            <a:schemeClr val="accent1"/>
+          </a:effectRef>
+          <a:fontRef idx="minor">
+            <a:schemeClr val="lt1"/>
+          </a:fontRef>
+        </p:style>
+        <p:txBody>
+          <a:bodyPr rtlCol="0" anchor="ctr"/>
+          <a:lstStyle/>
+          <a:p>
+            <a:pPr algn="ctr"/>
+            <a:endParaRPr lang="zh-CN" altLang="en-US"/>
+          </a:p>
+        </p:txBody>
+      </p:sp>
+      <p:cxnSp>
+        <p:nvCxnSpPr>
+          <p:cNvPr id="33" name="直接箭头连接符 32">
+            <a:extLst>
+              <a:ext uri="{FF2B5EF4-FFF2-40B4-BE49-F238E27FC236}">
+                <a16:creationId xmlns:a16="http://schemas.microsoft.com/office/drawing/2014/main" id="{E9569E83-3400-4C72-9C69-1387FC594381}"/>
+              </a:ext>
+            </a:extLst>
+          </p:cNvPr>
+          <p:cNvCxnSpPr>
+            <a:cxnSpLocks/>
+            <a:stCxn id="20" idx="3"/>
+            <a:endCxn id="30" idx="2"/>
+          </p:cNvCxnSpPr>
+          <p:nvPr/>
+        </p:nvCxnSpPr>
+        <p:spPr>
+          <a:xfrm>
+            <a:off x="5141252" y="1955196"/>
+            <a:ext cx="838531" cy="946109"/>
+          </a:xfrm>
+          <a:prstGeom prst="straightConnector1">
+            <a:avLst/>
+          </a:prstGeom>
+          <a:ln>
+            <a:tailEnd type="triangle"/>
+          </a:ln>
+        </p:spPr>
+        <p:style>
+          <a:lnRef idx="1">
+            <a:schemeClr val="accent1"/>
+          </a:lnRef>
+          <a:fillRef idx="0">
+            <a:schemeClr val="accent1"/>
+          </a:fillRef>
+          <a:effectRef idx="0">
+            <a:schemeClr val="accent1"/>
+          </a:effectRef>
+          <a:fontRef idx="minor">
+            <a:schemeClr val="tx1"/>
+          </a:fontRef>
+        </p:style>
+      </p:cxnSp>
+      <p:cxnSp>
+        <p:nvCxnSpPr>
+          <p:cNvPr id="35" name="直接箭头连接符 34">
+            <a:extLst>
+              <a:ext uri="{FF2B5EF4-FFF2-40B4-BE49-F238E27FC236}">
+                <a16:creationId xmlns:a16="http://schemas.microsoft.com/office/drawing/2014/main" id="{D6BEED4A-FE68-4420-A49B-748789ED6766}"/>
+              </a:ext>
+            </a:extLst>
+          </p:cNvPr>
+          <p:cNvCxnSpPr>
+            <a:stCxn id="27" idx="3"/>
+            <a:endCxn id="30" idx="2"/>
+          </p:cNvCxnSpPr>
+          <p:nvPr/>
+        </p:nvCxnSpPr>
+        <p:spPr>
+          <a:xfrm flipV="1">
+            <a:off x="5116145" y="2901305"/>
+            <a:ext cx="863638" cy="597785"/>
+          </a:xfrm>
+          <a:prstGeom prst="straightConnector1">
+            <a:avLst/>
+          </a:prstGeom>
+          <a:ln>
+            <a:tailEnd type="triangle"/>
+          </a:ln>
+        </p:spPr>
+        <p:style>
+          <a:lnRef idx="1">
+            <a:schemeClr val="accent1"/>
+          </a:lnRef>
+          <a:fillRef idx="0">
+            <a:schemeClr val="accent1"/>
+          </a:fillRef>
+          <a:effectRef idx="0">
+            <a:schemeClr val="accent1"/>
+          </a:effectRef>
+          <a:fontRef idx="minor">
+            <a:schemeClr val="tx1"/>
+          </a:fontRef>
+        </p:style>
+      </p:cxnSp>
+      <p:cxnSp>
+        <p:nvCxnSpPr>
+          <p:cNvPr id="40" name="直接箭头连接符 39">
+            <a:extLst>
+              <a:ext uri="{FF2B5EF4-FFF2-40B4-BE49-F238E27FC236}">
+                <a16:creationId xmlns:a16="http://schemas.microsoft.com/office/drawing/2014/main" id="{42259D4E-F9EC-4576-BEBB-CDA081320616}"/>
+              </a:ext>
+            </a:extLst>
+          </p:cNvPr>
+          <p:cNvCxnSpPr>
+            <a:stCxn id="31" idx="3"/>
+          </p:cNvCxnSpPr>
+          <p:nvPr/>
+        </p:nvCxnSpPr>
+        <p:spPr>
+          <a:xfrm flipV="1">
+            <a:off x="7031338" y="2852926"/>
+            <a:ext cx="898720" cy="1"/>
+          </a:xfrm>
+          <a:prstGeom prst="straightConnector1">
+            <a:avLst/>
+          </a:prstGeom>
+          <a:ln>
+            <a:tailEnd type="triangle"/>
+          </a:ln>
+        </p:spPr>
+        <p:style>
+          <a:lnRef idx="1">
+            <a:schemeClr val="accent1"/>
+          </a:lnRef>
+          <a:fillRef idx="0">
+            <a:schemeClr val="accent1"/>
+          </a:fillRef>
+          <a:effectRef idx="0">
+            <a:schemeClr val="accent1"/>
+          </a:effectRef>
+          <a:fontRef idx="minor">
+            <a:schemeClr val="tx1"/>
+          </a:fontRef>
+        </p:style>
+      </p:cxnSp>
+      <p:sp>
+        <p:nvSpPr>
+          <p:cNvPr id="41" name="文本框 40">
+            <a:extLst>
+              <a:ext uri="{FF2B5EF4-FFF2-40B4-BE49-F238E27FC236}">
+                <a16:creationId xmlns:a16="http://schemas.microsoft.com/office/drawing/2014/main" id="{75FEE4E4-AA91-41B7-924B-663F642DF793}"/>
+              </a:ext>
+            </a:extLst>
+          </p:cNvPr>
+          <p:cNvSpPr txBox="1"/>
+          <p:nvPr/>
+        </p:nvSpPr>
+        <p:spPr>
+          <a:xfrm>
+            <a:off x="7192915" y="2866078"/>
+            <a:ext cx="851515" cy="369332"/>
+          </a:xfrm>
+          <a:prstGeom prst="rect">
+            <a:avLst/>
+          </a:prstGeom>
+          <a:noFill/>
+        </p:spPr>
+        <p:txBody>
+          <a:bodyPr wrap="none" rtlCol="0">
+            <a:spAutoFit/>
+          </a:bodyPr>
+          <a:lstStyle/>
+          <a:p>
+            <a:r>
+              <a:rPr lang="en-US" altLang="zh-CN" dirty="0"/>
+              <a:t>output</a:t>
+            </a:r>
+            <a:endParaRPr lang="zh-CN" altLang="en-US" dirty="0"/>
+          </a:p>
+        </p:txBody>
+      </p:sp>
+      <p:sp>
+        <p:nvSpPr>
+          <p:cNvPr id="2" name="文本框 1">
+            <a:extLst>
+              <a:ext uri="{FF2B5EF4-FFF2-40B4-BE49-F238E27FC236}">
+                <a16:creationId xmlns:a16="http://schemas.microsoft.com/office/drawing/2014/main" id="{5549885D-84EF-4DA8-81E9-7B0DAB4FEA0E}"/>
+              </a:ext>
+            </a:extLst>
+          </p:cNvPr>
+          <p:cNvSpPr txBox="1"/>
+          <p:nvPr/>
+        </p:nvSpPr>
+        <p:spPr>
+          <a:xfrm>
+            <a:off x="5187503" y="422467"/>
+            <a:ext cx="588623" cy="369332"/>
+          </a:xfrm>
+          <a:prstGeom prst="rect">
+            <a:avLst/>
+          </a:prstGeom>
+          <a:noFill/>
+        </p:spPr>
+        <p:txBody>
+          <a:bodyPr wrap="none" rtlCol="0">
+            <a:spAutoFit/>
+          </a:bodyPr>
+          <a:lstStyle/>
+          <a:p>
+            <a:r>
+              <a:rPr lang="en-US" altLang="zh-CN" dirty="0"/>
+              <a:t>OL1</a:t>
+            </a:r>
+            <a:endParaRPr lang="zh-CN" altLang="en-US" dirty="0"/>
+          </a:p>
+        </p:txBody>
+      </p:sp>
+      <p:sp>
+        <p:nvSpPr>
+          <p:cNvPr id="39" name="椭圆 38">
+            <a:extLst>
+              <a:ext uri="{FF2B5EF4-FFF2-40B4-BE49-F238E27FC236}">
+                <a16:creationId xmlns:a16="http://schemas.microsoft.com/office/drawing/2014/main" id="{1E4384DD-6548-46CB-A3A3-DF38F08B0060}"/>
+              </a:ext>
+            </a:extLst>
+          </p:cNvPr>
+          <p:cNvSpPr/>
+          <p:nvPr/>
+        </p:nvSpPr>
+        <p:spPr>
+          <a:xfrm>
+            <a:off x="4271677" y="398936"/>
+            <a:ext cx="591670" cy="618565"/>
+          </a:xfrm>
+          <a:prstGeom prst="ellipse">
+            <a:avLst/>
+          </a:prstGeom>
+        </p:spPr>
+        <p:style>
+          <a:lnRef idx="2">
+            <a:schemeClr val="accent1">
+              <a:shade val="50000"/>
+            </a:schemeClr>
+          </a:lnRef>
+          <a:fillRef idx="1">
+            <a:schemeClr val="accent1"/>
+          </a:fillRef>
+          <a:effectRef idx="0">
+            <a:schemeClr val="accent1"/>
+          </a:effectRef>
+          <a:fontRef idx="minor">
+            <a:schemeClr val="lt1"/>
+          </a:fontRef>
+        </p:style>
+        <p:txBody>
+          <a:bodyPr rtlCol="0" anchor="ctr"/>
+          <a:lstStyle/>
+          <a:p>
+            <a:pPr algn="ctr"/>
+            <a:r>
+              <a:rPr lang="en-US" altLang="zh-CN" sz="1600" dirty="0"/>
+              <a:t>s1</a:t>
+            </a:r>
+            <a:endParaRPr lang="zh-CN" altLang="en-US" dirty="0"/>
+          </a:p>
+        </p:txBody>
+      </p:sp>
+      <p:sp>
+        <p:nvSpPr>
+          <p:cNvPr id="43" name="矩形 42">
+            <a:extLst>
+              <a:ext uri="{FF2B5EF4-FFF2-40B4-BE49-F238E27FC236}">
+                <a16:creationId xmlns:a16="http://schemas.microsoft.com/office/drawing/2014/main" id="{1C29A8F3-81B8-48AF-8F94-3237AAE098B8}"/>
+              </a:ext>
+            </a:extLst>
+          </p:cNvPr>
+          <p:cNvSpPr/>
+          <p:nvPr/>
+        </p:nvSpPr>
+        <p:spPr>
+          <a:xfrm>
+            <a:off x="4863347" y="367559"/>
+            <a:ext cx="295835" cy="709991"/>
+          </a:xfrm>
+          <a:prstGeom prst="rect">
+            <a:avLst/>
+          </a:prstGeom>
+        </p:spPr>
+        <p:style>
+          <a:lnRef idx="2">
+            <a:schemeClr val="accent1">
+              <a:shade val="50000"/>
+            </a:schemeClr>
+          </a:lnRef>
+          <a:fillRef idx="1">
+            <a:schemeClr val="accent1"/>
+          </a:fillRef>
+          <a:effectRef idx="0">
+            <a:schemeClr val="accent1"/>
+          </a:effectRef>
+          <a:fontRef idx="minor">
+            <a:schemeClr val="lt1"/>
+          </a:fontRef>
+        </p:style>
+        <p:txBody>
+          <a:bodyPr rtlCol="0" anchor="ctr"/>
+          <a:lstStyle/>
+          <a:p>
+            <a:pPr algn="ctr"/>
+            <a:endParaRPr lang="zh-CN" altLang="en-US" dirty="0"/>
+          </a:p>
+        </p:txBody>
+      </p:sp>
+      <p:sp>
+        <p:nvSpPr>
+          <p:cNvPr id="44" name="椭圆 43">
+            <a:extLst>
+              <a:ext uri="{FF2B5EF4-FFF2-40B4-BE49-F238E27FC236}">
+                <a16:creationId xmlns:a16="http://schemas.microsoft.com/office/drawing/2014/main" id="{25835A0E-C35F-46D9-AF5B-3C3E5C3612EA}"/>
+              </a:ext>
+            </a:extLst>
+          </p:cNvPr>
+          <p:cNvSpPr/>
+          <p:nvPr/>
+        </p:nvSpPr>
+        <p:spPr>
+          <a:xfrm>
+            <a:off x="4258230" y="4554070"/>
+            <a:ext cx="591670" cy="618565"/>
+          </a:xfrm>
+          <a:prstGeom prst="ellipse">
+            <a:avLst/>
+          </a:prstGeom>
+        </p:spPr>
+        <p:style>
+          <a:lnRef idx="2">
+            <a:schemeClr val="accent1">
+              <a:shade val="50000"/>
+            </a:schemeClr>
+          </a:lnRef>
+          <a:fillRef idx="1">
+            <a:schemeClr val="accent1"/>
+          </a:fillRef>
+          <a:effectRef idx="0">
+            <a:schemeClr val="accent1"/>
+          </a:effectRef>
+          <a:fontRef idx="minor">
+            <a:schemeClr val="lt1"/>
+          </a:fontRef>
+        </p:style>
+        <p:txBody>
+          <a:bodyPr rtlCol="0" anchor="ctr"/>
+          <a:lstStyle/>
+          <a:p>
+            <a:pPr algn="ctr"/>
+            <a:r>
+              <a:rPr lang="en-US" altLang="zh-CN" dirty="0"/>
+              <a:t>s4</a:t>
+            </a:r>
+            <a:endParaRPr lang="zh-CN" altLang="en-US" dirty="0"/>
+          </a:p>
+        </p:txBody>
+      </p:sp>
+      <p:sp>
+        <p:nvSpPr>
+          <p:cNvPr id="45" name="矩形 44">
+            <a:extLst>
+              <a:ext uri="{FF2B5EF4-FFF2-40B4-BE49-F238E27FC236}">
+                <a16:creationId xmlns:a16="http://schemas.microsoft.com/office/drawing/2014/main" id="{65B0E213-7FC1-4E99-940E-143AB718B9B1}"/>
+              </a:ext>
+            </a:extLst>
+          </p:cNvPr>
+          <p:cNvSpPr/>
+          <p:nvPr/>
+        </p:nvSpPr>
+        <p:spPr>
+          <a:xfrm>
+            <a:off x="4849900" y="4522693"/>
+            <a:ext cx="295835" cy="709991"/>
+          </a:xfrm>
+          <a:prstGeom prst="rect">
+            <a:avLst/>
+          </a:prstGeom>
+        </p:spPr>
+        <p:style>
+          <a:lnRef idx="2">
+            <a:schemeClr val="accent1">
+              <a:shade val="50000"/>
+            </a:schemeClr>
+          </a:lnRef>
+          <a:fillRef idx="1">
+            <a:schemeClr val="accent1"/>
+          </a:fillRef>
+          <a:effectRef idx="0">
+            <a:schemeClr val="accent1"/>
+          </a:effectRef>
+          <a:fontRef idx="minor">
+            <a:schemeClr val="lt1"/>
+          </a:fontRef>
+        </p:style>
+        <p:txBody>
+          <a:bodyPr rtlCol="0" anchor="ctr"/>
+          <a:lstStyle/>
+          <a:p>
+            <a:pPr algn="ctr"/>
+            <a:endParaRPr lang="zh-CN" altLang="en-US" dirty="0"/>
+          </a:p>
+        </p:txBody>
+      </p:sp>
+      <p:cxnSp>
+        <p:nvCxnSpPr>
+          <p:cNvPr id="46" name="直接箭头连接符 45">
+            <a:extLst>
+              <a:ext uri="{FF2B5EF4-FFF2-40B4-BE49-F238E27FC236}">
+                <a16:creationId xmlns:a16="http://schemas.microsoft.com/office/drawing/2014/main" id="{73F9C986-3141-447A-B15F-A7D29300C802}"/>
+              </a:ext>
+            </a:extLst>
+          </p:cNvPr>
+          <p:cNvCxnSpPr>
+            <a:stCxn id="4" idx="6"/>
+            <a:endCxn id="39" idx="2"/>
+          </p:cNvCxnSpPr>
+          <p:nvPr/>
+        </p:nvCxnSpPr>
+        <p:spPr>
+          <a:xfrm flipV="1">
+            <a:off x="3307976" y="708219"/>
+            <a:ext cx="963701" cy="1201264"/>
+          </a:xfrm>
+          <a:prstGeom prst="straightConnector1">
+            <a:avLst/>
+          </a:prstGeom>
+          <a:ln>
+            <a:tailEnd type="triangle"/>
+          </a:ln>
+        </p:spPr>
+        <p:style>
+          <a:lnRef idx="1">
+            <a:schemeClr val="accent1"/>
+          </a:lnRef>
+          <a:fillRef idx="0">
+            <a:schemeClr val="accent1"/>
+          </a:fillRef>
+          <a:effectRef idx="0">
+            <a:schemeClr val="accent1"/>
+          </a:effectRef>
+          <a:fontRef idx="minor">
+            <a:schemeClr val="tx1"/>
+          </a:fontRef>
+        </p:style>
+      </p:cxnSp>
+      <p:cxnSp>
+        <p:nvCxnSpPr>
+          <p:cNvPr id="48" name="直接箭头连接符 47">
+            <a:extLst>
+              <a:ext uri="{FF2B5EF4-FFF2-40B4-BE49-F238E27FC236}">
+                <a16:creationId xmlns:a16="http://schemas.microsoft.com/office/drawing/2014/main" id="{94C5FEE5-AA51-4913-9C41-13511AE677FD}"/>
+              </a:ext>
+            </a:extLst>
+          </p:cNvPr>
+          <p:cNvCxnSpPr>
+            <a:cxnSpLocks/>
+            <a:stCxn id="9" idx="6"/>
+            <a:endCxn id="44" idx="2"/>
+          </p:cNvCxnSpPr>
+          <p:nvPr/>
+        </p:nvCxnSpPr>
+        <p:spPr>
+          <a:xfrm>
+            <a:off x="3397175" y="3572989"/>
+            <a:ext cx="861055" cy="1290364"/>
+          </a:xfrm>
+          <a:prstGeom prst="straightConnector1">
+            <a:avLst/>
+          </a:prstGeom>
+          <a:ln>
+            <a:tailEnd type="triangle"/>
+          </a:ln>
+        </p:spPr>
+        <p:style>
+          <a:lnRef idx="1">
+            <a:schemeClr val="accent1"/>
+          </a:lnRef>
+          <a:fillRef idx="0">
+            <a:schemeClr val="accent1"/>
+          </a:fillRef>
+          <a:effectRef idx="0">
+            <a:schemeClr val="accent1"/>
+          </a:effectRef>
+          <a:fontRef idx="minor">
+            <a:schemeClr val="tx1"/>
+          </a:fontRef>
+        </p:style>
+      </p:cxnSp>
+      <p:cxnSp>
+        <p:nvCxnSpPr>
+          <p:cNvPr id="53" name="直接箭头连接符 52">
+            <a:extLst>
+              <a:ext uri="{FF2B5EF4-FFF2-40B4-BE49-F238E27FC236}">
+                <a16:creationId xmlns:a16="http://schemas.microsoft.com/office/drawing/2014/main" id="{F4B27137-384D-4E9C-B99F-469A1450AB8D}"/>
+              </a:ext>
+            </a:extLst>
+          </p:cNvPr>
+          <p:cNvCxnSpPr>
+            <a:stCxn id="9" idx="6"/>
+            <a:endCxn id="39" idx="2"/>
+          </p:cNvCxnSpPr>
+          <p:nvPr/>
+        </p:nvCxnSpPr>
+        <p:spPr>
+          <a:xfrm flipV="1">
+            <a:off x="3397175" y="708219"/>
+            <a:ext cx="874502" cy="2864770"/>
+          </a:xfrm>
+          <a:prstGeom prst="straightConnector1">
+            <a:avLst/>
+          </a:prstGeom>
+          <a:ln>
+            <a:tailEnd type="triangle"/>
+          </a:ln>
+        </p:spPr>
+        <p:style>
+          <a:lnRef idx="1">
+            <a:schemeClr val="accent1"/>
+          </a:lnRef>
+          <a:fillRef idx="0">
+            <a:schemeClr val="accent1"/>
+          </a:fillRef>
+          <a:effectRef idx="0">
+            <a:schemeClr val="accent1"/>
+          </a:effectRef>
+          <a:fontRef idx="minor">
+            <a:schemeClr val="tx1"/>
+          </a:fontRef>
+        </p:style>
+      </p:cxnSp>
+      <p:cxnSp>
+        <p:nvCxnSpPr>
+          <p:cNvPr id="56" name="直接箭头连接符 55">
+            <a:extLst>
+              <a:ext uri="{FF2B5EF4-FFF2-40B4-BE49-F238E27FC236}">
+                <a16:creationId xmlns:a16="http://schemas.microsoft.com/office/drawing/2014/main" id="{8D4AA241-E731-4F35-89E7-20AE824F25CC}"/>
+              </a:ext>
+            </a:extLst>
+          </p:cNvPr>
+          <p:cNvCxnSpPr>
+            <a:stCxn id="4" idx="6"/>
+            <a:endCxn id="44" idx="2"/>
+          </p:cNvCxnSpPr>
+          <p:nvPr/>
+        </p:nvCxnSpPr>
+        <p:spPr>
+          <a:xfrm>
+            <a:off x="3307976" y="1909483"/>
+            <a:ext cx="950254" cy="2953870"/>
+          </a:xfrm>
+          <a:prstGeom prst="straightConnector1">
+            <a:avLst/>
+          </a:prstGeom>
+          <a:ln>
+            <a:tailEnd type="triangle"/>
+          </a:ln>
+        </p:spPr>
+        <p:style>
+          <a:lnRef idx="1">
+            <a:schemeClr val="accent1"/>
+          </a:lnRef>
+          <a:fillRef idx="0">
+            <a:schemeClr val="accent1"/>
+          </a:fillRef>
+          <a:effectRef idx="0">
+            <a:schemeClr val="accent1"/>
+          </a:effectRef>
+          <a:fontRef idx="minor">
+            <a:schemeClr val="tx1"/>
+          </a:fontRef>
+        </p:style>
+      </p:cxnSp>
+      <p:cxnSp>
+        <p:nvCxnSpPr>
+          <p:cNvPr id="58" name="直接箭头连接符 57">
+            <a:extLst>
+              <a:ext uri="{FF2B5EF4-FFF2-40B4-BE49-F238E27FC236}">
+                <a16:creationId xmlns:a16="http://schemas.microsoft.com/office/drawing/2014/main" id="{D36A1B96-0A56-4472-88C0-30B54791E3F2}"/>
+              </a:ext>
+            </a:extLst>
+          </p:cNvPr>
+          <p:cNvCxnSpPr>
+            <a:stCxn id="43" idx="3"/>
+            <a:endCxn id="30" idx="3"/>
+          </p:cNvCxnSpPr>
+          <p:nvPr/>
+        </p:nvCxnSpPr>
+        <p:spPr>
+          <a:xfrm>
+            <a:off x="5159182" y="722555"/>
+            <a:ext cx="907249" cy="2397445"/>
+          </a:xfrm>
+          <a:prstGeom prst="straightConnector1">
+            <a:avLst/>
+          </a:prstGeom>
+          <a:ln>
+            <a:tailEnd type="triangle"/>
+          </a:ln>
+        </p:spPr>
+        <p:style>
+          <a:lnRef idx="1">
+            <a:schemeClr val="accent1"/>
+          </a:lnRef>
+          <a:fillRef idx="0">
+            <a:schemeClr val="accent1"/>
+          </a:fillRef>
+          <a:effectRef idx="0">
+            <a:schemeClr val="accent1"/>
+          </a:effectRef>
+          <a:fontRef idx="minor">
+            <a:schemeClr val="tx1"/>
+          </a:fontRef>
+        </p:style>
+      </p:cxnSp>
+      <p:cxnSp>
+        <p:nvCxnSpPr>
+          <p:cNvPr id="60" name="直接箭头连接符 59">
+            <a:extLst>
+              <a:ext uri="{FF2B5EF4-FFF2-40B4-BE49-F238E27FC236}">
+                <a16:creationId xmlns:a16="http://schemas.microsoft.com/office/drawing/2014/main" id="{BEEB08C6-8984-4B26-ACAE-3E88C2C67BC0}"/>
+              </a:ext>
+            </a:extLst>
+          </p:cNvPr>
+          <p:cNvCxnSpPr>
+            <a:stCxn id="45" idx="3"/>
+            <a:endCxn id="30" idx="2"/>
+          </p:cNvCxnSpPr>
+          <p:nvPr/>
+        </p:nvCxnSpPr>
+        <p:spPr>
+          <a:xfrm flipV="1">
+            <a:off x="5145735" y="2901305"/>
+            <a:ext cx="834048" cy="1976384"/>
+          </a:xfrm>
+          <a:prstGeom prst="straightConnector1">
+            <a:avLst/>
+          </a:prstGeom>
+          <a:ln>
+            <a:tailEnd type="triangle"/>
+          </a:ln>
+        </p:spPr>
+        <p:style>
+          <a:lnRef idx="1">
+            <a:schemeClr val="accent1"/>
+          </a:lnRef>
+          <a:fillRef idx="0">
+            <a:schemeClr val="accent1"/>
+          </a:fillRef>
+          <a:effectRef idx="0">
+            <a:schemeClr val="accent1"/>
+          </a:effectRef>
+          <a:fontRef idx="minor">
+            <a:schemeClr val="tx1"/>
+          </a:fontRef>
+        </p:style>
+      </p:cxnSp>
+      <p:sp>
+        <p:nvSpPr>
+          <p:cNvPr id="61" name="文本框 60">
+            <a:extLst>
+              <a:ext uri="{FF2B5EF4-FFF2-40B4-BE49-F238E27FC236}">
+                <a16:creationId xmlns:a16="http://schemas.microsoft.com/office/drawing/2014/main" id="{99A2A905-0B97-498F-8DA2-4A02EFA9A93A}"/>
+              </a:ext>
+            </a:extLst>
+          </p:cNvPr>
+          <p:cNvSpPr txBox="1"/>
+          <p:nvPr/>
+        </p:nvSpPr>
+        <p:spPr>
+          <a:xfrm>
+            <a:off x="3411137" y="1025742"/>
+            <a:ext cx="639919" cy="369332"/>
+          </a:xfrm>
+          <a:prstGeom prst="rect">
+            <a:avLst/>
+          </a:prstGeom>
+          <a:noFill/>
+        </p:spPr>
+        <p:txBody>
+          <a:bodyPr wrap="none" rtlCol="0">
+            <a:spAutoFit/>
+          </a:bodyPr>
+          <a:lstStyle/>
+          <a:p>
+            <a:r>
+              <a:rPr lang="en-US" altLang="zh-CN" dirty="0"/>
+              <a:t>W11</a:t>
+            </a:r>
+            <a:endParaRPr lang="zh-CN" altLang="en-US" dirty="0"/>
+          </a:p>
+        </p:txBody>
+      </p:sp>
+      <p:sp>
+        <p:nvSpPr>
+          <p:cNvPr id="62" name="文本框 61">
+            <a:extLst>
+              <a:ext uri="{FF2B5EF4-FFF2-40B4-BE49-F238E27FC236}">
+                <a16:creationId xmlns:a16="http://schemas.microsoft.com/office/drawing/2014/main" id="{D86E150E-D6C0-4CE0-84CE-74D1313DB479}"/>
+              </a:ext>
+            </a:extLst>
+          </p:cNvPr>
+          <p:cNvSpPr txBox="1"/>
+          <p:nvPr/>
+        </p:nvSpPr>
+        <p:spPr>
+          <a:xfrm>
+            <a:off x="3392692" y="1623074"/>
+            <a:ext cx="639919" cy="369332"/>
+          </a:xfrm>
+          <a:prstGeom prst="rect">
+            <a:avLst/>
+          </a:prstGeom>
+          <a:noFill/>
+        </p:spPr>
+        <p:txBody>
+          <a:bodyPr wrap="none" rtlCol="0">
+            <a:spAutoFit/>
+          </a:bodyPr>
+          <a:lstStyle/>
+          <a:p>
+            <a:r>
+              <a:rPr lang="en-US" altLang="zh-CN" dirty="0"/>
+              <a:t>W12</a:t>
+            </a:r>
+            <a:endParaRPr lang="zh-CN" altLang="en-US" dirty="0"/>
+          </a:p>
+        </p:txBody>
+      </p:sp>
+      <p:sp>
+        <p:nvSpPr>
+          <p:cNvPr id="63" name="文本框 62">
+            <a:extLst>
+              <a:ext uri="{FF2B5EF4-FFF2-40B4-BE49-F238E27FC236}">
+                <a16:creationId xmlns:a16="http://schemas.microsoft.com/office/drawing/2014/main" id="{13AED0EF-DF52-450E-9C0F-FA87652B51CF}"/>
+              </a:ext>
+            </a:extLst>
+          </p:cNvPr>
+          <p:cNvSpPr txBox="1"/>
+          <p:nvPr/>
+        </p:nvSpPr>
+        <p:spPr>
+          <a:xfrm>
+            <a:off x="5540778" y="1297361"/>
+            <a:ext cx="747320" cy="369332"/>
+          </a:xfrm>
+          <a:prstGeom prst="rect">
+            <a:avLst/>
+          </a:prstGeom>
+          <a:noFill/>
+        </p:spPr>
+        <p:txBody>
+          <a:bodyPr wrap="none" rtlCol="0">
+            <a:spAutoFit/>
+          </a:bodyPr>
+          <a:lstStyle/>
+          <a:p>
+            <a:r>
+              <a:rPr lang="en-US" altLang="zh-CN" dirty="0"/>
+              <a:t>L2W1</a:t>
+            </a:r>
+            <a:endParaRPr lang="zh-CN" altLang="en-US" dirty="0"/>
+          </a:p>
+        </p:txBody>
+      </p:sp>
+      <p:sp>
+        <p:nvSpPr>
+          <p:cNvPr id="64" name="文本框 63">
+            <a:extLst>
+              <a:ext uri="{FF2B5EF4-FFF2-40B4-BE49-F238E27FC236}">
+                <a16:creationId xmlns:a16="http://schemas.microsoft.com/office/drawing/2014/main" id="{B1B577B4-F3B6-4C88-AF07-DF88E2A1E637}"/>
+              </a:ext>
+            </a:extLst>
+          </p:cNvPr>
+          <p:cNvSpPr txBox="1"/>
+          <p:nvPr/>
+        </p:nvSpPr>
+        <p:spPr>
+          <a:xfrm>
+            <a:off x="5054604" y="2456655"/>
+            <a:ext cx="747320" cy="369332"/>
+          </a:xfrm>
+          <a:prstGeom prst="rect">
+            <a:avLst/>
+          </a:prstGeom>
+          <a:noFill/>
+        </p:spPr>
+        <p:txBody>
+          <a:bodyPr wrap="none" rtlCol="0">
+            <a:spAutoFit/>
+          </a:bodyPr>
+          <a:lstStyle/>
+          <a:p>
+            <a:r>
+              <a:rPr lang="en-US" altLang="zh-CN" dirty="0"/>
+              <a:t>L2W2</a:t>
+            </a:r>
+            <a:endParaRPr lang="zh-CN" altLang="en-US" dirty="0"/>
+          </a:p>
+        </p:txBody>
+      </p:sp>
+      <p:sp>
+        <p:nvSpPr>
+          <p:cNvPr id="65" name="文本框 64">
+            <a:extLst>
+              <a:ext uri="{FF2B5EF4-FFF2-40B4-BE49-F238E27FC236}">
+                <a16:creationId xmlns:a16="http://schemas.microsoft.com/office/drawing/2014/main" id="{CCE4491D-8037-40F8-99AE-871E05679744}"/>
+              </a:ext>
+            </a:extLst>
+          </p:cNvPr>
+          <p:cNvSpPr txBox="1"/>
+          <p:nvPr/>
+        </p:nvSpPr>
+        <p:spPr>
+          <a:xfrm>
+            <a:off x="5122580" y="3282472"/>
+            <a:ext cx="747320" cy="369332"/>
+          </a:xfrm>
+          <a:prstGeom prst="rect">
+            <a:avLst/>
+          </a:prstGeom>
+          <a:noFill/>
+        </p:spPr>
+        <p:txBody>
+          <a:bodyPr wrap="none" rtlCol="0">
+            <a:spAutoFit/>
+          </a:bodyPr>
+          <a:lstStyle/>
+          <a:p>
+            <a:r>
+              <a:rPr lang="en-US" altLang="zh-CN" dirty="0"/>
+              <a:t>L2W3</a:t>
+            </a:r>
+            <a:endParaRPr lang="zh-CN" altLang="en-US" dirty="0"/>
+          </a:p>
+        </p:txBody>
+      </p:sp>
+      <p:sp>
+        <p:nvSpPr>
+          <p:cNvPr id="66" name="文本框 65">
+            <a:extLst>
+              <a:ext uri="{FF2B5EF4-FFF2-40B4-BE49-F238E27FC236}">
+                <a16:creationId xmlns:a16="http://schemas.microsoft.com/office/drawing/2014/main" id="{7BB448A1-E562-4686-AFAB-69D3F9B5D14E}"/>
+              </a:ext>
+            </a:extLst>
+          </p:cNvPr>
+          <p:cNvSpPr txBox="1"/>
+          <p:nvPr/>
+        </p:nvSpPr>
+        <p:spPr>
+          <a:xfrm>
+            <a:off x="5337295" y="4184738"/>
+            <a:ext cx="747320" cy="369332"/>
+          </a:xfrm>
+          <a:prstGeom prst="rect">
+            <a:avLst/>
+          </a:prstGeom>
+          <a:noFill/>
+        </p:spPr>
+        <p:txBody>
+          <a:bodyPr wrap="none" rtlCol="0">
+            <a:spAutoFit/>
+          </a:bodyPr>
+          <a:lstStyle/>
+          <a:p>
+            <a:r>
+              <a:rPr lang="en-US" altLang="zh-CN" dirty="0"/>
+              <a:t>L2W4</a:t>
+            </a:r>
+            <a:endParaRPr lang="zh-CN" altLang="en-US" dirty="0"/>
+          </a:p>
+        </p:txBody>
+      </p:sp>
+      <p:sp>
+        <p:nvSpPr>
+          <p:cNvPr id="71" name="文本框 70">
+            <a:extLst>
+              <a:ext uri="{FF2B5EF4-FFF2-40B4-BE49-F238E27FC236}">
+                <a16:creationId xmlns:a16="http://schemas.microsoft.com/office/drawing/2014/main" id="{AE81FC93-2BE1-445D-9EAD-4B5567CF0E09}"/>
+              </a:ext>
+            </a:extLst>
+          </p:cNvPr>
+          <p:cNvSpPr txBox="1"/>
+          <p:nvPr/>
+        </p:nvSpPr>
+        <p:spPr>
+          <a:xfrm>
+            <a:off x="3292343" y="4142626"/>
+            <a:ext cx="639919" cy="369332"/>
+          </a:xfrm>
+          <a:prstGeom prst="rect">
+            <a:avLst/>
+          </a:prstGeom>
+          <a:noFill/>
+        </p:spPr>
+        <p:txBody>
+          <a:bodyPr wrap="none" rtlCol="0">
+            <a:spAutoFit/>
+          </a:bodyPr>
+          <a:lstStyle/>
+          <a:p>
+            <a:r>
+              <a:rPr lang="en-US" altLang="zh-CN" dirty="0"/>
+              <a:t>W24</a:t>
+            </a:r>
+            <a:endParaRPr lang="zh-CN" altLang="en-US" dirty="0"/>
+          </a:p>
+        </p:txBody>
+      </p:sp>
+      <p:sp>
+        <p:nvSpPr>
+          <p:cNvPr id="42" name="椭圆 41">
+            <a:extLst>
+              <a:ext uri="{FF2B5EF4-FFF2-40B4-BE49-F238E27FC236}">
+                <a16:creationId xmlns:a16="http://schemas.microsoft.com/office/drawing/2014/main" id="{D075A914-41F1-4AA1-8706-E03847AB20D0}"/>
+              </a:ext>
+            </a:extLst>
+          </p:cNvPr>
+          <p:cNvSpPr/>
+          <p:nvPr/>
+        </p:nvSpPr>
+        <p:spPr>
+          <a:xfrm>
+            <a:off x="2794802" y="5332688"/>
+            <a:ext cx="591670" cy="618565"/>
+          </a:xfrm>
+          <a:prstGeom prst="ellipse">
+            <a:avLst/>
+          </a:prstGeom>
+        </p:spPr>
+        <p:style>
+          <a:lnRef idx="2">
+            <a:schemeClr val="accent1">
+              <a:shade val="50000"/>
+            </a:schemeClr>
+          </a:lnRef>
+          <a:fillRef idx="1">
+            <a:schemeClr val="accent1"/>
+          </a:fillRef>
+          <a:effectRef idx="0">
+            <a:schemeClr val="accent1"/>
+          </a:effectRef>
+          <a:fontRef idx="minor">
+            <a:schemeClr val="lt1"/>
+          </a:fontRef>
+        </p:style>
+        <p:txBody>
+          <a:bodyPr rtlCol="0" anchor="ctr"/>
+          <a:lstStyle/>
+          <a:p>
+            <a:pPr algn="ctr"/>
+            <a:endParaRPr lang="zh-CN" altLang="en-US"/>
+          </a:p>
+        </p:txBody>
+      </p:sp>
+      <p:cxnSp>
+        <p:nvCxnSpPr>
+          <p:cNvPr id="5" name="直接箭头连接符 4">
+            <a:extLst>
+              <a:ext uri="{FF2B5EF4-FFF2-40B4-BE49-F238E27FC236}">
+                <a16:creationId xmlns:a16="http://schemas.microsoft.com/office/drawing/2014/main" id="{739CE22B-4902-4ACC-9838-88AA5CA2E0DC}"/>
+              </a:ext>
+            </a:extLst>
+          </p:cNvPr>
+          <p:cNvCxnSpPr/>
+          <p:nvPr/>
+        </p:nvCxnSpPr>
+        <p:spPr>
+          <a:xfrm>
+            <a:off x="1815353" y="5641970"/>
+            <a:ext cx="981636" cy="0"/>
+          </a:xfrm>
+          <a:prstGeom prst="straightConnector1">
+            <a:avLst/>
+          </a:prstGeom>
+          <a:ln>
+            <a:tailEnd type="triangle"/>
+          </a:ln>
+        </p:spPr>
+        <p:style>
+          <a:lnRef idx="1">
+            <a:schemeClr val="accent1"/>
+          </a:lnRef>
+          <a:fillRef idx="0">
+            <a:schemeClr val="accent1"/>
+          </a:fillRef>
+          <a:effectRef idx="0">
+            <a:schemeClr val="accent1"/>
+          </a:effectRef>
+          <a:fontRef idx="minor">
+            <a:schemeClr val="tx1"/>
+          </a:fontRef>
+        </p:style>
+      </p:cxnSp>
+      <p:sp>
+        <p:nvSpPr>
+          <p:cNvPr id="7" name="文本框 6">
+            <a:extLst>
+              <a:ext uri="{FF2B5EF4-FFF2-40B4-BE49-F238E27FC236}">
+                <a16:creationId xmlns:a16="http://schemas.microsoft.com/office/drawing/2014/main" id="{DA7A902F-B731-4226-B5D6-25BE1B9EC803}"/>
+              </a:ext>
+            </a:extLst>
+          </p:cNvPr>
+          <p:cNvSpPr txBox="1"/>
+          <p:nvPr/>
+        </p:nvSpPr>
+        <p:spPr>
+          <a:xfrm>
+            <a:off x="2131116" y="5658582"/>
+            <a:ext cx="312906" cy="369332"/>
+          </a:xfrm>
+          <a:prstGeom prst="rect">
+            <a:avLst/>
+          </a:prstGeom>
+          <a:noFill/>
+        </p:spPr>
+        <p:txBody>
+          <a:bodyPr wrap="none" rtlCol="0">
+            <a:spAutoFit/>
+          </a:bodyPr>
+          <a:lstStyle/>
+          <a:p>
+            <a:r>
+              <a:rPr lang="en-US" altLang="zh-CN" dirty="0"/>
+              <a:t>B</a:t>
+            </a:r>
+            <a:endParaRPr lang="zh-CN" altLang="en-US" dirty="0"/>
+          </a:p>
+        </p:txBody>
+      </p:sp>
+      <p:cxnSp>
+        <p:nvCxnSpPr>
+          <p:cNvPr id="14" name="直接箭头连接符 13">
+            <a:extLst>
+              <a:ext uri="{FF2B5EF4-FFF2-40B4-BE49-F238E27FC236}">
+                <a16:creationId xmlns:a16="http://schemas.microsoft.com/office/drawing/2014/main" id="{181DF7A8-D06C-41E4-95D0-B3325641CDDD}"/>
+              </a:ext>
+            </a:extLst>
+          </p:cNvPr>
+          <p:cNvCxnSpPr>
+            <a:stCxn id="42" idx="7"/>
+            <a:endCxn id="39" idx="2"/>
+          </p:cNvCxnSpPr>
+          <p:nvPr/>
+        </p:nvCxnSpPr>
+        <p:spPr>
+          <a:xfrm flipV="1">
+            <a:off x="3299824" y="708219"/>
+            <a:ext cx="971853" cy="4715056"/>
+          </a:xfrm>
+          <a:prstGeom prst="straightConnector1">
+            <a:avLst/>
+          </a:prstGeom>
+          <a:ln>
+            <a:tailEnd type="triangle"/>
+          </a:ln>
+        </p:spPr>
+        <p:style>
+          <a:lnRef idx="1">
+            <a:schemeClr val="accent1"/>
+          </a:lnRef>
+          <a:fillRef idx="0">
+            <a:schemeClr val="accent1"/>
+          </a:fillRef>
+          <a:effectRef idx="0">
+            <a:schemeClr val="accent1"/>
+          </a:effectRef>
+          <a:fontRef idx="minor">
+            <a:schemeClr val="tx1"/>
+          </a:fontRef>
+        </p:style>
+      </p:cxnSp>
+      <p:sp>
+        <p:nvSpPr>
+          <p:cNvPr id="16" name="文本框 15">
+            <a:extLst>
+              <a:ext uri="{FF2B5EF4-FFF2-40B4-BE49-F238E27FC236}">
+                <a16:creationId xmlns:a16="http://schemas.microsoft.com/office/drawing/2014/main" id="{43CE06EA-1E93-47B0-8DCD-533FEA32DAEA}"/>
+              </a:ext>
+            </a:extLst>
+          </p:cNvPr>
+          <p:cNvSpPr txBox="1"/>
+          <p:nvPr/>
+        </p:nvSpPr>
+        <p:spPr>
+          <a:xfrm>
+            <a:off x="2905877" y="4835876"/>
+            <a:ext cx="646331" cy="369332"/>
+          </a:xfrm>
+          <a:prstGeom prst="rect">
+            <a:avLst/>
+          </a:prstGeom>
+          <a:noFill/>
+        </p:spPr>
+        <p:txBody>
+          <a:bodyPr wrap="none" rtlCol="0">
+            <a:spAutoFit/>
+          </a:bodyPr>
+          <a:lstStyle/>
+          <a:p>
+            <a:r>
+              <a:rPr lang="en-US" altLang="zh-CN" dirty="0"/>
+              <a:t>WB1</a:t>
+            </a:r>
+            <a:endParaRPr lang="zh-CN" altLang="en-US" dirty="0"/>
+          </a:p>
+        </p:txBody>
+      </p:sp>
+      <p:cxnSp>
+        <p:nvCxnSpPr>
+          <p:cNvPr id="19" name="直接箭头连接符 18">
+            <a:extLst>
+              <a:ext uri="{FF2B5EF4-FFF2-40B4-BE49-F238E27FC236}">
+                <a16:creationId xmlns:a16="http://schemas.microsoft.com/office/drawing/2014/main" id="{692AD4B7-3C61-4122-A67B-7F01E27CEDD1}"/>
+              </a:ext>
+            </a:extLst>
+          </p:cNvPr>
+          <p:cNvCxnSpPr>
+            <a:stCxn id="42" idx="7"/>
+            <a:endCxn id="12" idx="2"/>
+          </p:cNvCxnSpPr>
+          <p:nvPr/>
+        </p:nvCxnSpPr>
+        <p:spPr>
+          <a:xfrm flipV="1">
+            <a:off x="3299824" y="1940860"/>
+            <a:ext cx="953923" cy="3482415"/>
+          </a:xfrm>
+          <a:prstGeom prst="straightConnector1">
+            <a:avLst/>
+          </a:prstGeom>
+          <a:ln>
+            <a:tailEnd type="triangle"/>
+          </a:ln>
+        </p:spPr>
+        <p:style>
+          <a:lnRef idx="1">
+            <a:schemeClr val="accent1"/>
+          </a:lnRef>
+          <a:fillRef idx="0">
+            <a:schemeClr val="accent1"/>
+          </a:fillRef>
+          <a:effectRef idx="0">
+            <a:schemeClr val="accent1"/>
+          </a:effectRef>
+          <a:fontRef idx="minor">
+            <a:schemeClr val="tx1"/>
+          </a:fontRef>
+        </p:style>
+      </p:cxnSp>
+      <p:cxnSp>
+        <p:nvCxnSpPr>
+          <p:cNvPr id="24" name="直接箭头连接符 23">
+            <a:extLst>
+              <a:ext uri="{FF2B5EF4-FFF2-40B4-BE49-F238E27FC236}">
+                <a16:creationId xmlns:a16="http://schemas.microsoft.com/office/drawing/2014/main" id="{B5573875-10BB-459F-A7EA-83152C493C8C}"/>
+              </a:ext>
+            </a:extLst>
+          </p:cNvPr>
+          <p:cNvCxnSpPr>
+            <a:stCxn id="42" idx="7"/>
+            <a:endCxn id="21" idx="2"/>
+          </p:cNvCxnSpPr>
+          <p:nvPr/>
+        </p:nvCxnSpPr>
+        <p:spPr>
+          <a:xfrm flipV="1">
+            <a:off x="3299824" y="3439959"/>
+            <a:ext cx="924338" cy="1983316"/>
+          </a:xfrm>
+          <a:prstGeom prst="straightConnector1">
+            <a:avLst/>
+          </a:prstGeom>
+          <a:ln>
+            <a:tailEnd type="triangle"/>
+          </a:ln>
+        </p:spPr>
+        <p:style>
+          <a:lnRef idx="1">
+            <a:schemeClr val="accent1"/>
+          </a:lnRef>
+          <a:fillRef idx="0">
+            <a:schemeClr val="accent1"/>
+          </a:fillRef>
+          <a:effectRef idx="0">
+            <a:schemeClr val="accent1"/>
+          </a:effectRef>
+          <a:fontRef idx="minor">
+            <a:schemeClr val="tx1"/>
+          </a:fontRef>
+        </p:style>
+      </p:cxnSp>
+      <p:cxnSp>
+        <p:nvCxnSpPr>
+          <p:cNvPr id="28" name="直接箭头连接符 27">
+            <a:extLst>
+              <a:ext uri="{FF2B5EF4-FFF2-40B4-BE49-F238E27FC236}">
+                <a16:creationId xmlns:a16="http://schemas.microsoft.com/office/drawing/2014/main" id="{78B687C2-C461-4BF7-9C72-5BD9EC404BA3}"/>
+              </a:ext>
+            </a:extLst>
+          </p:cNvPr>
+          <p:cNvCxnSpPr>
+            <a:stCxn id="42" idx="7"/>
+            <a:endCxn id="44" idx="2"/>
+          </p:cNvCxnSpPr>
+          <p:nvPr/>
+        </p:nvCxnSpPr>
+        <p:spPr>
+          <a:xfrm flipV="1">
+            <a:off x="3299824" y="4863353"/>
+            <a:ext cx="958406" cy="559922"/>
+          </a:xfrm>
+          <a:prstGeom prst="straightConnector1">
+            <a:avLst/>
+          </a:prstGeom>
+          <a:ln>
+            <a:tailEnd type="triangle"/>
+          </a:ln>
+        </p:spPr>
+        <p:style>
+          <a:lnRef idx="1">
+            <a:schemeClr val="accent1"/>
+          </a:lnRef>
+          <a:fillRef idx="0">
+            <a:schemeClr val="accent1"/>
+          </a:fillRef>
+          <a:effectRef idx="0">
+            <a:schemeClr val="accent1"/>
+          </a:effectRef>
+          <a:fontRef idx="minor">
+            <a:schemeClr val="tx1"/>
+          </a:fontRef>
+        </p:style>
+      </p:cxnSp>
+      <p:sp>
+        <p:nvSpPr>
+          <p:cNvPr id="54" name="文本框 53">
+            <a:extLst>
+              <a:ext uri="{FF2B5EF4-FFF2-40B4-BE49-F238E27FC236}">
+                <a16:creationId xmlns:a16="http://schemas.microsoft.com/office/drawing/2014/main" id="{15802CD3-680E-4364-9A54-29916D135791}"/>
+              </a:ext>
+            </a:extLst>
+          </p:cNvPr>
+          <p:cNvSpPr txBox="1"/>
+          <p:nvPr/>
+        </p:nvSpPr>
+        <p:spPr>
+          <a:xfrm>
+            <a:off x="3555816" y="5082405"/>
+            <a:ext cx="646331" cy="369332"/>
+          </a:xfrm>
+          <a:prstGeom prst="rect">
+            <a:avLst/>
+          </a:prstGeom>
+          <a:noFill/>
+        </p:spPr>
+        <p:txBody>
+          <a:bodyPr wrap="none" rtlCol="0">
+            <a:spAutoFit/>
+          </a:bodyPr>
+          <a:lstStyle/>
+          <a:p>
+            <a:r>
+              <a:rPr lang="en-US" altLang="zh-CN" dirty="0"/>
+              <a:t>WB4</a:t>
+            </a:r>
+            <a:endParaRPr lang="zh-CN" altLang="en-US" dirty="0"/>
+          </a:p>
+        </p:txBody>
+      </p:sp>
+      <p:graphicFrame>
+        <p:nvGraphicFramePr>
+          <p:cNvPr id="29" name="表格 28">
+            <a:extLst>
+              <a:ext uri="{FF2B5EF4-FFF2-40B4-BE49-F238E27FC236}">
+                <a16:creationId xmlns:a16="http://schemas.microsoft.com/office/drawing/2014/main" id="{FD5BB8AC-23C3-4C1A-9137-9B0F85C3D821}"/>
+              </a:ext>
+            </a:extLst>
+          </p:cNvPr>
+          <p:cNvGraphicFramePr>
+            <a:graphicFrameLocks noGrp="1"/>
+          </p:cNvGraphicFramePr>
+          <p:nvPr>
+            <p:extLst>
+              <p:ext uri="{D42A27DB-BD31-4B8C-83A1-F6EECF244321}">
+                <p14:modId xmlns:p14="http://schemas.microsoft.com/office/powerpoint/2010/main" val="4130122262"/>
+              </p:ext>
+            </p:extLst>
+          </p:nvPr>
+        </p:nvGraphicFramePr>
+        <p:xfrm>
+          <a:off x="4704328" y="5527667"/>
+          <a:ext cx="6680203" cy="914400"/>
+        </p:xfrm>
+        <a:graphic>
+          <a:graphicData uri="http://schemas.openxmlformats.org/drawingml/2006/table">
+            <a:tbl>
+              <a:tblPr>
+                <a:tableStyleId>{5C22544A-7EE6-4342-B048-85BDC9FD1C3A}</a:tableStyleId>
+              </a:tblPr>
+              <a:tblGrid>
+                <a:gridCol w="202911">
+                  <a:extLst>
+                    <a:ext uri="{9D8B030D-6E8A-4147-A177-3AD203B41FA5}">
+                      <a16:colId xmlns:a16="http://schemas.microsoft.com/office/drawing/2014/main" val="700092796"/>
+                    </a:ext>
+                  </a:extLst>
+                </a:gridCol>
+                <a:gridCol w="342412">
+                  <a:extLst>
+                    <a:ext uri="{9D8B030D-6E8A-4147-A177-3AD203B41FA5}">
+                      <a16:colId xmlns:a16="http://schemas.microsoft.com/office/drawing/2014/main" val="2275710073"/>
+                    </a:ext>
+                  </a:extLst>
+                </a:gridCol>
+                <a:gridCol w="304366">
+                  <a:extLst>
+                    <a:ext uri="{9D8B030D-6E8A-4147-A177-3AD203B41FA5}">
+                      <a16:colId xmlns:a16="http://schemas.microsoft.com/office/drawing/2014/main" val="2555214933"/>
+                    </a:ext>
+                  </a:extLst>
+                </a:gridCol>
+                <a:gridCol w="329730">
+                  <a:extLst>
+                    <a:ext uri="{9D8B030D-6E8A-4147-A177-3AD203B41FA5}">
+                      <a16:colId xmlns:a16="http://schemas.microsoft.com/office/drawing/2014/main" val="3153250895"/>
+                    </a:ext>
+                  </a:extLst>
+                </a:gridCol>
+                <a:gridCol w="405821">
+                  <a:extLst>
+                    <a:ext uri="{9D8B030D-6E8A-4147-A177-3AD203B41FA5}">
+                      <a16:colId xmlns:a16="http://schemas.microsoft.com/office/drawing/2014/main" val="1631205476"/>
+                    </a:ext>
+                  </a:extLst>
+                </a:gridCol>
+                <a:gridCol w="317048">
+                  <a:extLst>
+                    <a:ext uri="{9D8B030D-6E8A-4147-A177-3AD203B41FA5}">
+                      <a16:colId xmlns:a16="http://schemas.microsoft.com/office/drawing/2014/main" val="3938114170"/>
+                    </a:ext>
+                  </a:extLst>
+                </a:gridCol>
+                <a:gridCol w="342412">
+                  <a:extLst>
+                    <a:ext uri="{9D8B030D-6E8A-4147-A177-3AD203B41FA5}">
+                      <a16:colId xmlns:a16="http://schemas.microsoft.com/office/drawing/2014/main" val="3781974190"/>
+                    </a:ext>
+                  </a:extLst>
+                </a:gridCol>
+                <a:gridCol w="332900">
+                  <a:extLst>
+                    <a:ext uri="{9D8B030D-6E8A-4147-A177-3AD203B41FA5}">
+                      <a16:colId xmlns:a16="http://schemas.microsoft.com/office/drawing/2014/main" val="1480294718"/>
+                    </a:ext>
+                  </a:extLst>
+                </a:gridCol>
+                <a:gridCol w="370946">
+                  <a:extLst>
+                    <a:ext uri="{9D8B030D-6E8A-4147-A177-3AD203B41FA5}">
+                      <a16:colId xmlns:a16="http://schemas.microsoft.com/office/drawing/2014/main" val="2389687734"/>
+                    </a:ext>
+                  </a:extLst>
+                </a:gridCol>
+                <a:gridCol w="367776">
+                  <a:extLst>
+                    <a:ext uri="{9D8B030D-6E8A-4147-A177-3AD203B41FA5}">
+                      <a16:colId xmlns:a16="http://schemas.microsoft.com/office/drawing/2014/main" val="765137369"/>
+                    </a:ext>
+                  </a:extLst>
+                </a:gridCol>
+                <a:gridCol w="393139">
+                  <a:extLst>
+                    <a:ext uri="{9D8B030D-6E8A-4147-A177-3AD203B41FA5}">
+                      <a16:colId xmlns:a16="http://schemas.microsoft.com/office/drawing/2014/main" val="966559723"/>
+                    </a:ext>
+                  </a:extLst>
+                </a:gridCol>
+                <a:gridCol w="367776">
+                  <a:extLst>
+                    <a:ext uri="{9D8B030D-6E8A-4147-A177-3AD203B41FA5}">
+                      <a16:colId xmlns:a16="http://schemas.microsoft.com/office/drawing/2014/main" val="3981003954"/>
+                    </a:ext>
+                  </a:extLst>
+                </a:gridCol>
+                <a:gridCol w="380458">
+                  <a:extLst>
+                    <a:ext uri="{9D8B030D-6E8A-4147-A177-3AD203B41FA5}">
+                      <a16:colId xmlns:a16="http://schemas.microsoft.com/office/drawing/2014/main" val="105876351"/>
+                    </a:ext>
+                  </a:extLst>
+                </a:gridCol>
+                <a:gridCol w="342412">
+                  <a:extLst>
+                    <a:ext uri="{9D8B030D-6E8A-4147-A177-3AD203B41FA5}">
+                      <a16:colId xmlns:a16="http://schemas.microsoft.com/office/drawing/2014/main" val="1806397305"/>
+                    </a:ext>
+                  </a:extLst>
+                </a:gridCol>
+                <a:gridCol w="494595">
+                  <a:extLst>
+                    <a:ext uri="{9D8B030D-6E8A-4147-A177-3AD203B41FA5}">
+                      <a16:colId xmlns:a16="http://schemas.microsoft.com/office/drawing/2014/main" val="229249181"/>
+                    </a:ext>
+                  </a:extLst>
+                </a:gridCol>
+                <a:gridCol w="294855">
+                  <a:extLst>
+                    <a:ext uri="{9D8B030D-6E8A-4147-A177-3AD203B41FA5}">
+                      <a16:colId xmlns:a16="http://schemas.microsoft.com/office/drawing/2014/main" val="698122163"/>
+                    </a:ext>
+                  </a:extLst>
+                </a:gridCol>
+                <a:gridCol w="342412">
+                  <a:extLst>
+                    <a:ext uri="{9D8B030D-6E8A-4147-A177-3AD203B41FA5}">
+                      <a16:colId xmlns:a16="http://schemas.microsoft.com/office/drawing/2014/main" val="2972688878"/>
+                    </a:ext>
+                  </a:extLst>
+                </a:gridCol>
+                <a:gridCol w="380458">
+                  <a:extLst>
+                    <a:ext uri="{9D8B030D-6E8A-4147-A177-3AD203B41FA5}">
+                      <a16:colId xmlns:a16="http://schemas.microsoft.com/office/drawing/2014/main" val="1705909489"/>
+                    </a:ext>
+                  </a:extLst>
+                </a:gridCol>
+                <a:gridCol w="367776">
+                  <a:extLst>
+                    <a:ext uri="{9D8B030D-6E8A-4147-A177-3AD203B41FA5}">
+                      <a16:colId xmlns:a16="http://schemas.microsoft.com/office/drawing/2014/main" val="1958689136"/>
+                    </a:ext>
+                  </a:extLst>
+                </a:gridCol>
+              </a:tblGrid>
+              <a:tr h="190500">
+                <a:tc>
+                  <a:txBody>
+                    <a:bodyPr/>
+                    <a:lstStyle/>
+                    <a:p>
+                      <a:pPr algn="l" fontAlgn="b"/>
+                      <a:r>
+                        <a:rPr lang="en-US" sz="1100" u="none" strike="noStrike">
+                          <a:effectLst/>
+                        </a:rPr>
+                        <a:t>B</a:t>
+                      </a:r>
+                      <a:endParaRPr lang="en-US" sz="1100" b="0" i="0" u="none" strike="noStrike">
+                        <a:solidFill>
+                          <a:srgbClr val="000000"/>
+                        </a:solidFill>
+                        <a:effectLst/>
+                        <a:latin typeface="等线" panose="02010600030101010101" pitchFamily="2" charset="-122"/>
+                        <a:ea typeface="等线" panose="02010600030101010101" pitchFamily="2" charset="-122"/>
+                      </a:endParaRPr>
+                    </a:p>
+                  </a:txBody>
+                  <a:tcPr marL="9525" marR="9525" marT="9525" marB="0" anchor="b"/>
+                </a:tc>
+                <a:tc>
+                  <a:txBody>
+                    <a:bodyPr/>
+                    <a:lstStyle/>
+                    <a:p>
+                      <a:pPr algn="l" fontAlgn="b"/>
+                      <a:r>
+                        <a:rPr lang="en-US" sz="1100" u="none" strike="noStrike">
+                          <a:effectLst/>
+                        </a:rPr>
+                        <a:t>x1</a:t>
+                      </a:r>
+                      <a:endParaRPr lang="en-US" sz="1100" b="0" i="0" u="none" strike="noStrike">
+                        <a:solidFill>
+                          <a:srgbClr val="000000"/>
+                        </a:solidFill>
+                        <a:effectLst/>
+                        <a:latin typeface="等线" panose="02010600030101010101" pitchFamily="2" charset="-122"/>
+                        <a:ea typeface="等线" panose="02010600030101010101" pitchFamily="2" charset="-122"/>
+                      </a:endParaRPr>
+                    </a:p>
+                  </a:txBody>
+                  <a:tcPr marL="9525" marR="9525" marT="9525" marB="0" anchor="b"/>
+                </a:tc>
+                <a:tc>
+                  <a:txBody>
+                    <a:bodyPr/>
+                    <a:lstStyle/>
+                    <a:p>
+                      <a:pPr algn="l" fontAlgn="b"/>
+                      <a:r>
+                        <a:rPr lang="en-US" sz="1100" u="none" strike="noStrike">
+                          <a:effectLst/>
+                        </a:rPr>
+                        <a:t>x2</a:t>
+                      </a:r>
+                      <a:endParaRPr lang="en-US" sz="1100" b="0" i="0" u="none" strike="noStrike">
+                        <a:solidFill>
+                          <a:srgbClr val="000000"/>
+                        </a:solidFill>
+                        <a:effectLst/>
+                        <a:latin typeface="等线" panose="02010600030101010101" pitchFamily="2" charset="-122"/>
+                        <a:ea typeface="等线" panose="02010600030101010101" pitchFamily="2" charset="-122"/>
+                      </a:endParaRPr>
+                    </a:p>
+                  </a:txBody>
+                  <a:tcPr marL="9525" marR="9525" marT="9525" marB="0" anchor="b"/>
+                </a:tc>
+                <a:tc>
+                  <a:txBody>
+                    <a:bodyPr/>
+                    <a:lstStyle/>
+                    <a:p>
+                      <a:pPr algn="l" fontAlgn="b"/>
+                      <a:r>
+                        <a:rPr lang="en-US" sz="1100" u="none" strike="noStrike">
+                          <a:effectLst/>
+                        </a:rPr>
+                        <a:t>WB1</a:t>
+                      </a:r>
+                      <a:endParaRPr lang="en-US" sz="1100" b="0" i="0" u="none" strike="noStrike">
+                        <a:solidFill>
+                          <a:srgbClr val="000000"/>
+                        </a:solidFill>
+                        <a:effectLst/>
+                        <a:latin typeface="等线" panose="02010600030101010101" pitchFamily="2" charset="-122"/>
+                        <a:ea typeface="等线" panose="02010600030101010101" pitchFamily="2" charset="-122"/>
+                      </a:endParaRPr>
+                    </a:p>
+                  </a:txBody>
+                  <a:tcPr marL="9525" marR="9525" marT="9525" marB="0" anchor="b"/>
+                </a:tc>
+                <a:tc>
+                  <a:txBody>
+                    <a:bodyPr/>
+                    <a:lstStyle/>
+                    <a:p>
+                      <a:pPr algn="l" fontAlgn="b"/>
+                      <a:r>
+                        <a:rPr lang="en-US" sz="1100" u="none" strike="noStrike">
+                          <a:effectLst/>
+                        </a:rPr>
+                        <a:t>WB2</a:t>
+                      </a:r>
+                      <a:endParaRPr lang="en-US" sz="1100" b="0" i="0" u="none" strike="noStrike">
+                        <a:solidFill>
+                          <a:srgbClr val="000000"/>
+                        </a:solidFill>
+                        <a:effectLst/>
+                        <a:latin typeface="等线" panose="02010600030101010101" pitchFamily="2" charset="-122"/>
+                        <a:ea typeface="等线" panose="02010600030101010101" pitchFamily="2" charset="-122"/>
+                      </a:endParaRPr>
+                    </a:p>
+                  </a:txBody>
+                  <a:tcPr marL="9525" marR="9525" marT="9525" marB="0" anchor="b"/>
+                </a:tc>
+                <a:tc>
+                  <a:txBody>
+                    <a:bodyPr/>
+                    <a:lstStyle/>
+                    <a:p>
+                      <a:pPr algn="l" fontAlgn="b"/>
+                      <a:r>
+                        <a:rPr lang="en-US" sz="1100" u="none" strike="noStrike">
+                          <a:effectLst/>
+                        </a:rPr>
+                        <a:t>WB3</a:t>
+                      </a:r>
+                      <a:endParaRPr lang="en-US" sz="1100" b="0" i="0" u="none" strike="noStrike">
+                        <a:solidFill>
+                          <a:srgbClr val="000000"/>
+                        </a:solidFill>
+                        <a:effectLst/>
+                        <a:latin typeface="等线" panose="02010600030101010101" pitchFamily="2" charset="-122"/>
+                        <a:ea typeface="等线" panose="02010600030101010101" pitchFamily="2" charset="-122"/>
+                      </a:endParaRPr>
+                    </a:p>
+                  </a:txBody>
+                  <a:tcPr marL="9525" marR="9525" marT="9525" marB="0" anchor="b"/>
+                </a:tc>
+                <a:tc>
+                  <a:txBody>
+                    <a:bodyPr/>
+                    <a:lstStyle/>
+                    <a:p>
+                      <a:pPr algn="l" fontAlgn="b"/>
+                      <a:r>
+                        <a:rPr lang="en-US" sz="1100" u="none" strike="noStrike">
+                          <a:effectLst/>
+                        </a:rPr>
+                        <a:t>WB4</a:t>
+                      </a:r>
+                      <a:endParaRPr lang="en-US" sz="1100" b="0" i="0" u="none" strike="noStrike">
+                        <a:solidFill>
+                          <a:srgbClr val="000000"/>
+                        </a:solidFill>
+                        <a:effectLst/>
+                        <a:latin typeface="等线" panose="02010600030101010101" pitchFamily="2" charset="-122"/>
+                        <a:ea typeface="等线" panose="02010600030101010101" pitchFamily="2" charset="-122"/>
+                      </a:endParaRPr>
+                    </a:p>
+                  </a:txBody>
+                  <a:tcPr marL="9525" marR="9525" marT="9525" marB="0" anchor="b"/>
+                </a:tc>
+                <a:tc>
+                  <a:txBody>
+                    <a:bodyPr/>
+                    <a:lstStyle/>
+                    <a:p>
+                      <a:pPr algn="l" fontAlgn="b"/>
+                      <a:r>
+                        <a:rPr lang="en-US" sz="1100" u="none" strike="noStrike">
+                          <a:effectLst/>
+                        </a:rPr>
+                        <a:t>W11</a:t>
+                      </a:r>
+                      <a:endParaRPr lang="en-US" sz="1100" b="0" i="0" u="none" strike="noStrike">
+                        <a:solidFill>
+                          <a:srgbClr val="000000"/>
+                        </a:solidFill>
+                        <a:effectLst/>
+                        <a:latin typeface="等线" panose="02010600030101010101" pitchFamily="2" charset="-122"/>
+                        <a:ea typeface="等线" panose="02010600030101010101" pitchFamily="2" charset="-122"/>
+                      </a:endParaRPr>
+                    </a:p>
+                  </a:txBody>
+                  <a:tcPr marL="9525" marR="9525" marT="9525" marB="0" anchor="b"/>
+                </a:tc>
+                <a:tc>
+                  <a:txBody>
+                    <a:bodyPr/>
+                    <a:lstStyle/>
+                    <a:p>
+                      <a:pPr algn="l" fontAlgn="b"/>
+                      <a:r>
+                        <a:rPr lang="en-US" sz="1100" u="none" strike="noStrike">
+                          <a:effectLst/>
+                        </a:rPr>
+                        <a:t>W12</a:t>
+                      </a:r>
+                      <a:endParaRPr lang="en-US" sz="1100" b="0" i="0" u="none" strike="noStrike">
+                        <a:solidFill>
+                          <a:srgbClr val="000000"/>
+                        </a:solidFill>
+                        <a:effectLst/>
+                        <a:latin typeface="等线" panose="02010600030101010101" pitchFamily="2" charset="-122"/>
+                        <a:ea typeface="等线" panose="02010600030101010101" pitchFamily="2" charset="-122"/>
+                      </a:endParaRPr>
+                    </a:p>
+                  </a:txBody>
+                  <a:tcPr marL="9525" marR="9525" marT="9525" marB="0" anchor="b"/>
+                </a:tc>
+                <a:tc>
+                  <a:txBody>
+                    <a:bodyPr/>
+                    <a:lstStyle/>
+                    <a:p>
+                      <a:pPr algn="l" fontAlgn="b"/>
+                      <a:r>
+                        <a:rPr lang="en-US" sz="1100" u="none" strike="noStrike">
+                          <a:effectLst/>
+                        </a:rPr>
+                        <a:t>W13</a:t>
+                      </a:r>
+                      <a:endParaRPr lang="en-US" sz="1100" b="0" i="0" u="none" strike="noStrike">
+                        <a:solidFill>
+                          <a:srgbClr val="000000"/>
+                        </a:solidFill>
+                        <a:effectLst/>
+                        <a:latin typeface="等线" panose="02010600030101010101" pitchFamily="2" charset="-122"/>
+                        <a:ea typeface="等线" panose="02010600030101010101" pitchFamily="2" charset="-122"/>
+                      </a:endParaRPr>
+                    </a:p>
+                  </a:txBody>
+                  <a:tcPr marL="9525" marR="9525" marT="9525" marB="0" anchor="b"/>
+                </a:tc>
+                <a:tc>
+                  <a:txBody>
+                    <a:bodyPr/>
+                    <a:lstStyle/>
+                    <a:p>
+                      <a:pPr algn="l" fontAlgn="b"/>
+                      <a:r>
+                        <a:rPr lang="en-US" sz="1100" u="none" strike="noStrike">
+                          <a:effectLst/>
+                        </a:rPr>
+                        <a:t>W14</a:t>
+                      </a:r>
+                      <a:endParaRPr lang="en-US" sz="1100" b="0" i="0" u="none" strike="noStrike">
+                        <a:solidFill>
+                          <a:srgbClr val="000000"/>
+                        </a:solidFill>
+                        <a:effectLst/>
+                        <a:latin typeface="等线" panose="02010600030101010101" pitchFamily="2" charset="-122"/>
+                        <a:ea typeface="等线" panose="02010600030101010101" pitchFamily="2" charset="-122"/>
+                      </a:endParaRPr>
+                    </a:p>
+                  </a:txBody>
+                  <a:tcPr marL="9525" marR="9525" marT="9525" marB="0" anchor="b"/>
+                </a:tc>
+                <a:tc>
+                  <a:txBody>
+                    <a:bodyPr/>
+                    <a:lstStyle/>
+                    <a:p>
+                      <a:pPr algn="l" fontAlgn="b"/>
+                      <a:r>
+                        <a:rPr lang="en-US" sz="1100" u="none" strike="noStrike">
+                          <a:effectLst/>
+                        </a:rPr>
+                        <a:t>W21</a:t>
+                      </a:r>
+                      <a:endParaRPr lang="en-US" sz="1100" b="0" i="0" u="none" strike="noStrike">
+                        <a:solidFill>
+                          <a:srgbClr val="000000"/>
+                        </a:solidFill>
+                        <a:effectLst/>
+                        <a:latin typeface="等线" panose="02010600030101010101" pitchFamily="2" charset="-122"/>
+                        <a:ea typeface="等线" panose="02010600030101010101" pitchFamily="2" charset="-122"/>
+                      </a:endParaRPr>
+                    </a:p>
+                  </a:txBody>
+                  <a:tcPr marL="9525" marR="9525" marT="9525" marB="0" anchor="b"/>
+                </a:tc>
+                <a:tc>
+                  <a:txBody>
+                    <a:bodyPr/>
+                    <a:lstStyle/>
+                    <a:p>
+                      <a:pPr algn="l" fontAlgn="b"/>
+                      <a:r>
+                        <a:rPr lang="en-US" sz="1100" u="none" strike="noStrike">
+                          <a:effectLst/>
+                        </a:rPr>
+                        <a:t>W22</a:t>
+                      </a:r>
+                      <a:endParaRPr lang="en-US" sz="1100" b="0" i="0" u="none" strike="noStrike">
+                        <a:solidFill>
+                          <a:srgbClr val="000000"/>
+                        </a:solidFill>
+                        <a:effectLst/>
+                        <a:latin typeface="等线" panose="02010600030101010101" pitchFamily="2" charset="-122"/>
+                        <a:ea typeface="等线" panose="02010600030101010101" pitchFamily="2" charset="-122"/>
+                      </a:endParaRPr>
+                    </a:p>
+                  </a:txBody>
+                  <a:tcPr marL="9525" marR="9525" marT="9525" marB="0" anchor="b"/>
+                </a:tc>
+                <a:tc>
+                  <a:txBody>
+                    <a:bodyPr/>
+                    <a:lstStyle/>
+                    <a:p>
+                      <a:pPr algn="l" fontAlgn="b"/>
+                      <a:r>
+                        <a:rPr lang="en-US" sz="1100" u="none" strike="noStrike">
+                          <a:effectLst/>
+                        </a:rPr>
+                        <a:t>W23</a:t>
+                      </a:r>
+                      <a:endParaRPr lang="en-US" sz="1100" b="0" i="0" u="none" strike="noStrike">
+                        <a:solidFill>
+                          <a:srgbClr val="000000"/>
+                        </a:solidFill>
+                        <a:effectLst/>
+                        <a:latin typeface="等线" panose="02010600030101010101" pitchFamily="2" charset="-122"/>
+                        <a:ea typeface="等线" panose="02010600030101010101" pitchFamily="2" charset="-122"/>
+                      </a:endParaRPr>
+                    </a:p>
+                  </a:txBody>
+                  <a:tcPr marL="9525" marR="9525" marT="9525" marB="0" anchor="b"/>
+                </a:tc>
+                <a:tc>
+                  <a:txBody>
+                    <a:bodyPr/>
+                    <a:lstStyle/>
+                    <a:p>
+                      <a:pPr algn="l" fontAlgn="b"/>
+                      <a:r>
+                        <a:rPr lang="en-US" sz="1100" u="none" strike="noStrike">
+                          <a:effectLst/>
+                        </a:rPr>
+                        <a:t>W24</a:t>
+                      </a:r>
+                      <a:endParaRPr lang="en-US" sz="1100" b="0" i="0" u="none" strike="noStrike">
+                        <a:solidFill>
+                          <a:srgbClr val="000000"/>
+                        </a:solidFill>
+                        <a:effectLst/>
+                        <a:latin typeface="等线" panose="02010600030101010101" pitchFamily="2" charset="-122"/>
+                        <a:ea typeface="等线" panose="02010600030101010101" pitchFamily="2" charset="-122"/>
+                      </a:endParaRPr>
+                    </a:p>
+                  </a:txBody>
+                  <a:tcPr marL="9525" marR="9525" marT="9525" marB="0" anchor="b"/>
+                </a:tc>
+                <a:tc>
+                  <a:txBody>
+                    <a:bodyPr/>
+                    <a:lstStyle/>
+                    <a:p>
+                      <a:pPr algn="l" fontAlgn="b"/>
+                      <a:r>
+                        <a:rPr lang="en-US" sz="1100" u="none" strike="noStrike">
+                          <a:effectLst/>
+                        </a:rPr>
+                        <a:t>S1</a:t>
+                      </a:r>
+                      <a:endParaRPr lang="en-US" sz="1100" b="0" i="0" u="none" strike="noStrike">
+                        <a:solidFill>
+                          <a:srgbClr val="000000"/>
+                        </a:solidFill>
+                        <a:effectLst/>
+                        <a:latin typeface="等线" panose="02010600030101010101" pitchFamily="2" charset="-122"/>
+                        <a:ea typeface="等线" panose="02010600030101010101" pitchFamily="2" charset="-122"/>
+                      </a:endParaRPr>
+                    </a:p>
+                  </a:txBody>
+                  <a:tcPr marL="9525" marR="9525" marT="9525" marB="0" anchor="b"/>
+                </a:tc>
+                <a:tc>
+                  <a:txBody>
+                    <a:bodyPr/>
+                    <a:lstStyle/>
+                    <a:p>
+                      <a:pPr algn="l" fontAlgn="b"/>
+                      <a:r>
+                        <a:rPr lang="en-US" sz="1100" u="none" strike="noStrike">
+                          <a:effectLst/>
+                        </a:rPr>
+                        <a:t>S2</a:t>
+                      </a:r>
+                      <a:endParaRPr lang="en-US" sz="1100" b="0" i="0" u="none" strike="noStrike">
+                        <a:solidFill>
+                          <a:srgbClr val="000000"/>
+                        </a:solidFill>
+                        <a:effectLst/>
+                        <a:latin typeface="等线" panose="02010600030101010101" pitchFamily="2" charset="-122"/>
+                        <a:ea typeface="等线" panose="02010600030101010101" pitchFamily="2" charset="-122"/>
+                      </a:endParaRPr>
+                    </a:p>
+                  </a:txBody>
+                  <a:tcPr marL="9525" marR="9525" marT="9525" marB="0" anchor="b"/>
+                </a:tc>
+                <a:tc>
+                  <a:txBody>
+                    <a:bodyPr/>
+                    <a:lstStyle/>
+                    <a:p>
+                      <a:pPr algn="l" fontAlgn="b"/>
+                      <a:r>
+                        <a:rPr lang="en-US" sz="1100" u="none" strike="noStrike">
+                          <a:effectLst/>
+                        </a:rPr>
+                        <a:t>S3</a:t>
+                      </a:r>
+                      <a:endParaRPr lang="en-US" sz="1100" b="0" i="0" u="none" strike="noStrike">
+                        <a:solidFill>
+                          <a:srgbClr val="000000"/>
+                        </a:solidFill>
+                        <a:effectLst/>
+                        <a:latin typeface="等线" panose="02010600030101010101" pitchFamily="2" charset="-122"/>
+                        <a:ea typeface="等线" panose="02010600030101010101" pitchFamily="2" charset="-122"/>
+                      </a:endParaRPr>
+                    </a:p>
+                  </a:txBody>
+                  <a:tcPr marL="9525" marR="9525" marT="9525" marB="0" anchor="b"/>
+                </a:tc>
+                <a:tc>
+                  <a:txBody>
+                    <a:bodyPr/>
+                    <a:lstStyle/>
+                    <a:p>
+                      <a:pPr algn="l" fontAlgn="b"/>
+                      <a:r>
+                        <a:rPr lang="en-US" sz="1100" u="none" strike="noStrike">
+                          <a:effectLst/>
+                        </a:rPr>
+                        <a:t>S4</a:t>
+                      </a:r>
+                      <a:endParaRPr lang="en-US" sz="1100" b="0" i="0" u="none" strike="noStrike">
+                        <a:solidFill>
+                          <a:srgbClr val="000000"/>
+                        </a:solidFill>
+                        <a:effectLst/>
+                        <a:latin typeface="等线" panose="02010600030101010101" pitchFamily="2" charset="-122"/>
+                        <a:ea typeface="等线" panose="02010600030101010101" pitchFamily="2" charset="-122"/>
+                      </a:endParaRPr>
+                    </a:p>
+                  </a:txBody>
+                  <a:tcPr marL="9525" marR="9525" marT="9525" marB="0" anchor="b"/>
+                </a:tc>
+                <a:extLst>
+                  <a:ext uri="{0D108BD9-81ED-4DB2-BD59-A6C34878D82A}">
+                    <a16:rowId xmlns:a16="http://schemas.microsoft.com/office/drawing/2014/main" val="3474252434"/>
+                  </a:ext>
+                </a:extLst>
+              </a:tr>
+              <a:tr h="180975">
+                <a:tc>
+                  <a:txBody>
+                    <a:bodyPr/>
+                    <a:lstStyle/>
+                    <a:p>
+                      <a:pPr algn="r" fontAlgn="b"/>
+                      <a:r>
+                        <a:rPr lang="en-US" altLang="zh-CN" sz="1100" u="none" strike="noStrike">
+                          <a:effectLst/>
+                        </a:rPr>
+                        <a:t>1</a:t>
+                      </a:r>
+                      <a:endParaRPr lang="en-US" altLang="zh-CN" sz="1100" b="0" i="0" u="none" strike="noStrike">
+                        <a:solidFill>
+                          <a:srgbClr val="000000"/>
+                        </a:solidFill>
+                        <a:effectLst/>
+                        <a:latin typeface="等线" panose="02010600030101010101" pitchFamily="2" charset="-122"/>
+                        <a:ea typeface="等线" panose="02010600030101010101" pitchFamily="2" charset="-122"/>
+                      </a:endParaRPr>
+                    </a:p>
+                  </a:txBody>
+                  <a:tcPr marL="9525" marR="9525" marT="9525" marB="0" anchor="b"/>
+                </a:tc>
+                <a:tc>
+                  <a:txBody>
+                    <a:bodyPr/>
+                    <a:lstStyle/>
+                    <a:p>
+                      <a:pPr algn="r" fontAlgn="b"/>
+                      <a:r>
+                        <a:rPr lang="en-US" altLang="zh-CN" sz="1100" u="none" strike="noStrike">
+                          <a:effectLst/>
+                        </a:rPr>
+                        <a:t>0</a:t>
+                      </a:r>
+                      <a:endParaRPr lang="en-US" altLang="zh-CN" sz="1100" b="0" i="0" u="none" strike="noStrike">
+                        <a:solidFill>
+                          <a:srgbClr val="000000"/>
+                        </a:solidFill>
+                        <a:effectLst/>
+                        <a:latin typeface="等线" panose="02010600030101010101" pitchFamily="2" charset="-122"/>
+                        <a:ea typeface="等线" panose="02010600030101010101" pitchFamily="2" charset="-122"/>
+                      </a:endParaRPr>
+                    </a:p>
+                  </a:txBody>
+                  <a:tcPr marL="9525" marR="9525" marT="9525" marB="0" anchor="b"/>
+                </a:tc>
+                <a:tc>
+                  <a:txBody>
+                    <a:bodyPr/>
+                    <a:lstStyle/>
+                    <a:p>
+                      <a:pPr algn="r" fontAlgn="b"/>
+                      <a:r>
+                        <a:rPr lang="en-US" altLang="zh-CN" sz="1100" u="none" strike="noStrike">
+                          <a:effectLst/>
+                        </a:rPr>
+                        <a:t>0</a:t>
+                      </a:r>
+                      <a:endParaRPr lang="en-US" altLang="zh-CN" sz="1100" b="0" i="0" u="none" strike="noStrike">
+                        <a:solidFill>
+                          <a:srgbClr val="000000"/>
+                        </a:solidFill>
+                        <a:effectLst/>
+                        <a:latin typeface="等线" panose="02010600030101010101" pitchFamily="2" charset="-122"/>
+                        <a:ea typeface="等线" panose="02010600030101010101" pitchFamily="2" charset="-122"/>
+                      </a:endParaRPr>
+                    </a:p>
+                  </a:txBody>
+                  <a:tcPr marL="9525" marR="9525" marT="9525" marB="0" anchor="b"/>
+                </a:tc>
+                <a:tc>
+                  <a:txBody>
+                    <a:bodyPr/>
+                    <a:lstStyle/>
+                    <a:p>
+                      <a:pPr algn="r" fontAlgn="b"/>
+                      <a:r>
+                        <a:rPr lang="en-US" altLang="zh-CN" sz="1100" u="none" strike="noStrike">
+                          <a:effectLst/>
+                        </a:rPr>
+                        <a:t>1</a:t>
+                      </a:r>
+                      <a:endParaRPr lang="en-US" altLang="zh-CN" sz="1100" b="0" i="0" u="none" strike="noStrike">
+                        <a:solidFill>
+                          <a:srgbClr val="000000"/>
+                        </a:solidFill>
+                        <a:effectLst/>
+                        <a:latin typeface="等线" panose="02010600030101010101" pitchFamily="2" charset="-122"/>
+                        <a:ea typeface="等线" panose="02010600030101010101" pitchFamily="2" charset="-122"/>
+                      </a:endParaRPr>
+                    </a:p>
+                  </a:txBody>
+                  <a:tcPr marL="9525" marR="9525" marT="9525" marB="0" anchor="b"/>
+                </a:tc>
+                <a:tc>
+                  <a:txBody>
+                    <a:bodyPr/>
+                    <a:lstStyle/>
+                    <a:p>
+                      <a:pPr algn="r" fontAlgn="b"/>
+                      <a:r>
+                        <a:rPr lang="en-US" altLang="zh-CN" sz="1100" u="none" strike="noStrike">
+                          <a:effectLst/>
+                        </a:rPr>
+                        <a:t>0.2</a:t>
+                      </a:r>
+                      <a:endParaRPr lang="en-US" altLang="zh-CN" sz="1100" b="0" i="0" u="none" strike="noStrike">
+                        <a:solidFill>
+                          <a:srgbClr val="000000"/>
+                        </a:solidFill>
+                        <a:effectLst/>
+                        <a:latin typeface="等线" panose="02010600030101010101" pitchFamily="2" charset="-122"/>
+                        <a:ea typeface="等线" panose="02010600030101010101" pitchFamily="2" charset="-122"/>
+                      </a:endParaRPr>
+                    </a:p>
+                  </a:txBody>
+                  <a:tcPr marL="9525" marR="9525" marT="9525" marB="0" anchor="b"/>
+                </a:tc>
+                <a:tc>
+                  <a:txBody>
+                    <a:bodyPr/>
+                    <a:lstStyle/>
+                    <a:p>
+                      <a:pPr algn="r" fontAlgn="b"/>
+                      <a:r>
+                        <a:rPr lang="en-US" altLang="zh-CN" sz="1100" u="none" strike="noStrike">
+                          <a:effectLst/>
+                        </a:rPr>
+                        <a:t>-1</a:t>
+                      </a:r>
+                      <a:endParaRPr lang="en-US" altLang="zh-CN" sz="1100" b="0" i="0" u="none" strike="noStrike">
+                        <a:solidFill>
+                          <a:srgbClr val="000000"/>
+                        </a:solidFill>
+                        <a:effectLst/>
+                        <a:latin typeface="等线" panose="02010600030101010101" pitchFamily="2" charset="-122"/>
+                        <a:ea typeface="等线" panose="02010600030101010101" pitchFamily="2" charset="-122"/>
+                      </a:endParaRPr>
+                    </a:p>
+                  </a:txBody>
+                  <a:tcPr marL="9525" marR="9525" marT="9525" marB="0" anchor="b"/>
+                </a:tc>
+                <a:tc>
+                  <a:txBody>
+                    <a:bodyPr/>
+                    <a:lstStyle/>
+                    <a:p>
+                      <a:pPr algn="r" fontAlgn="b"/>
+                      <a:r>
+                        <a:rPr lang="en-US" altLang="zh-CN" sz="1100" u="none" strike="noStrike">
+                          <a:effectLst/>
+                        </a:rPr>
+                        <a:t>-2</a:t>
+                      </a:r>
+                      <a:endParaRPr lang="en-US" altLang="zh-CN" sz="1100" b="0" i="0" u="none" strike="noStrike">
+                        <a:solidFill>
+                          <a:srgbClr val="000000"/>
+                        </a:solidFill>
+                        <a:effectLst/>
+                        <a:latin typeface="等线" panose="02010600030101010101" pitchFamily="2" charset="-122"/>
+                        <a:ea typeface="等线" panose="02010600030101010101" pitchFamily="2" charset="-122"/>
+                      </a:endParaRPr>
+                    </a:p>
+                  </a:txBody>
+                  <a:tcPr marL="9525" marR="9525" marT="9525" marB="0" anchor="b"/>
+                </a:tc>
+                <a:tc>
+                  <a:txBody>
+                    <a:bodyPr/>
+                    <a:lstStyle/>
+                    <a:p>
+                      <a:pPr algn="r" fontAlgn="b"/>
+                      <a:r>
+                        <a:rPr lang="en-US" altLang="zh-CN" sz="1100" u="none" strike="noStrike">
+                          <a:effectLst/>
+                        </a:rPr>
+                        <a:t>-1</a:t>
+                      </a:r>
+                      <a:endParaRPr lang="en-US" altLang="zh-CN" sz="1100" b="0" i="0" u="none" strike="noStrike">
+                        <a:solidFill>
+                          <a:srgbClr val="000000"/>
+                        </a:solidFill>
+                        <a:effectLst/>
+                        <a:latin typeface="等线" panose="02010600030101010101" pitchFamily="2" charset="-122"/>
+                        <a:ea typeface="等线" panose="02010600030101010101" pitchFamily="2" charset="-122"/>
+                      </a:endParaRPr>
+                    </a:p>
+                  </a:txBody>
+                  <a:tcPr marL="9525" marR="9525" marT="9525" marB="0" anchor="b"/>
+                </a:tc>
+                <a:tc>
+                  <a:txBody>
+                    <a:bodyPr/>
+                    <a:lstStyle/>
+                    <a:p>
+                      <a:pPr algn="r" fontAlgn="b"/>
+                      <a:r>
+                        <a:rPr lang="en-US" altLang="zh-CN" sz="1100" u="none" strike="noStrike">
+                          <a:effectLst/>
+                        </a:rPr>
+                        <a:t>-1</a:t>
+                      </a:r>
+                      <a:endParaRPr lang="en-US" altLang="zh-CN" sz="1100" b="0" i="0" u="none" strike="noStrike">
+                        <a:solidFill>
+                          <a:srgbClr val="000000"/>
+                        </a:solidFill>
+                        <a:effectLst/>
+                        <a:latin typeface="等线" panose="02010600030101010101" pitchFamily="2" charset="-122"/>
+                        <a:ea typeface="等线" panose="02010600030101010101" pitchFamily="2" charset="-122"/>
+                      </a:endParaRPr>
+                    </a:p>
+                  </a:txBody>
+                  <a:tcPr marL="9525" marR="9525" marT="9525" marB="0" anchor="b"/>
+                </a:tc>
+                <a:tc>
+                  <a:txBody>
+                    <a:bodyPr/>
+                    <a:lstStyle/>
+                    <a:p>
+                      <a:pPr algn="r" fontAlgn="b"/>
+                      <a:r>
+                        <a:rPr lang="en-US" altLang="zh-CN" sz="1100" u="none" strike="noStrike">
+                          <a:effectLst/>
+                        </a:rPr>
+                        <a:t>2</a:t>
+                      </a:r>
+                      <a:endParaRPr lang="en-US" altLang="zh-CN" sz="1100" b="0" i="0" u="none" strike="noStrike">
+                        <a:solidFill>
+                          <a:srgbClr val="000000"/>
+                        </a:solidFill>
+                        <a:effectLst/>
+                        <a:latin typeface="等线" panose="02010600030101010101" pitchFamily="2" charset="-122"/>
+                        <a:ea typeface="等线" panose="02010600030101010101" pitchFamily="2" charset="-122"/>
+                      </a:endParaRPr>
+                    </a:p>
+                  </a:txBody>
+                  <a:tcPr marL="9525" marR="9525" marT="9525" marB="0" anchor="b"/>
+                </a:tc>
+                <a:tc>
+                  <a:txBody>
+                    <a:bodyPr/>
+                    <a:lstStyle/>
+                    <a:p>
+                      <a:pPr algn="r" fontAlgn="b"/>
+                      <a:r>
+                        <a:rPr lang="en-US" altLang="zh-CN" sz="1100" u="none" strike="noStrike">
+                          <a:effectLst/>
+                        </a:rPr>
+                        <a:t>2</a:t>
+                      </a:r>
+                      <a:endParaRPr lang="en-US" altLang="zh-CN" sz="1100" b="0" i="0" u="none" strike="noStrike">
+                        <a:solidFill>
+                          <a:srgbClr val="000000"/>
+                        </a:solidFill>
+                        <a:effectLst/>
+                        <a:latin typeface="等线" panose="02010600030101010101" pitchFamily="2" charset="-122"/>
+                        <a:ea typeface="等线" panose="02010600030101010101" pitchFamily="2" charset="-122"/>
+                      </a:endParaRPr>
+                    </a:p>
+                  </a:txBody>
+                  <a:tcPr marL="9525" marR="9525" marT="9525" marB="0" anchor="b"/>
+                </a:tc>
+                <a:tc>
+                  <a:txBody>
+                    <a:bodyPr/>
+                    <a:lstStyle/>
+                    <a:p>
+                      <a:pPr algn="r" fontAlgn="b"/>
+                      <a:r>
+                        <a:rPr lang="en-US" altLang="zh-CN" sz="1100" u="none" strike="noStrike">
+                          <a:effectLst/>
+                        </a:rPr>
+                        <a:t>-1</a:t>
+                      </a:r>
+                      <a:endParaRPr lang="en-US" altLang="zh-CN" sz="1100" b="0" i="0" u="none" strike="noStrike">
+                        <a:solidFill>
+                          <a:srgbClr val="000000"/>
+                        </a:solidFill>
+                        <a:effectLst/>
+                        <a:latin typeface="等线" panose="02010600030101010101" pitchFamily="2" charset="-122"/>
+                        <a:ea typeface="等线" panose="02010600030101010101" pitchFamily="2" charset="-122"/>
+                      </a:endParaRPr>
+                    </a:p>
+                  </a:txBody>
+                  <a:tcPr marL="9525" marR="9525" marT="9525" marB="0" anchor="b"/>
+                </a:tc>
+                <a:tc>
+                  <a:txBody>
+                    <a:bodyPr/>
+                    <a:lstStyle/>
+                    <a:p>
+                      <a:pPr algn="r" fontAlgn="b"/>
+                      <a:r>
+                        <a:rPr lang="en-US" altLang="zh-CN" sz="1100" u="none" strike="noStrike">
+                          <a:effectLst/>
+                        </a:rPr>
+                        <a:t>2</a:t>
+                      </a:r>
+                      <a:endParaRPr lang="en-US" altLang="zh-CN" sz="1100" b="0" i="0" u="none" strike="noStrike">
+                        <a:solidFill>
+                          <a:srgbClr val="000000"/>
+                        </a:solidFill>
+                        <a:effectLst/>
+                        <a:latin typeface="等线" panose="02010600030101010101" pitchFamily="2" charset="-122"/>
+                        <a:ea typeface="等线" panose="02010600030101010101" pitchFamily="2" charset="-122"/>
+                      </a:endParaRPr>
+                    </a:p>
+                  </a:txBody>
+                  <a:tcPr marL="9525" marR="9525" marT="9525" marB="0" anchor="b"/>
+                </a:tc>
+                <a:tc>
+                  <a:txBody>
+                    <a:bodyPr/>
+                    <a:lstStyle/>
+                    <a:p>
+                      <a:pPr algn="r" fontAlgn="b"/>
+                      <a:r>
+                        <a:rPr lang="en-US" altLang="zh-CN" sz="1100" u="none" strike="noStrike">
+                          <a:effectLst/>
+                        </a:rPr>
+                        <a:t>-1</a:t>
+                      </a:r>
+                      <a:endParaRPr lang="en-US" altLang="zh-CN" sz="1100" b="0" i="0" u="none" strike="noStrike">
+                        <a:solidFill>
+                          <a:srgbClr val="000000"/>
+                        </a:solidFill>
+                        <a:effectLst/>
+                        <a:latin typeface="等线" panose="02010600030101010101" pitchFamily="2" charset="-122"/>
+                        <a:ea typeface="等线" panose="02010600030101010101" pitchFamily="2" charset="-122"/>
+                      </a:endParaRPr>
+                    </a:p>
+                  </a:txBody>
+                  <a:tcPr marL="9525" marR="9525" marT="9525" marB="0" anchor="b"/>
+                </a:tc>
+                <a:tc>
+                  <a:txBody>
+                    <a:bodyPr/>
+                    <a:lstStyle/>
+                    <a:p>
+                      <a:pPr algn="r" fontAlgn="b"/>
+                      <a:r>
+                        <a:rPr lang="en-US" altLang="zh-CN" sz="1100" u="none" strike="noStrike">
+                          <a:effectLst/>
+                        </a:rPr>
+                        <a:t>2</a:t>
+                      </a:r>
+                      <a:endParaRPr lang="en-US" altLang="zh-CN" sz="1100" b="0" i="0" u="none" strike="noStrike">
+                        <a:solidFill>
+                          <a:srgbClr val="000000"/>
+                        </a:solidFill>
+                        <a:effectLst/>
+                        <a:latin typeface="等线" panose="02010600030101010101" pitchFamily="2" charset="-122"/>
+                        <a:ea typeface="等线" panose="02010600030101010101" pitchFamily="2" charset="-122"/>
+                      </a:endParaRPr>
+                    </a:p>
+                  </a:txBody>
+                  <a:tcPr marL="9525" marR="9525" marT="9525" marB="0" anchor="b"/>
+                </a:tc>
+                <a:tc>
+                  <a:txBody>
+                    <a:bodyPr/>
+                    <a:lstStyle/>
+                    <a:p>
+                      <a:pPr algn="r" fontAlgn="b"/>
+                      <a:r>
+                        <a:rPr lang="en-US" altLang="zh-CN" sz="1100" u="none" strike="noStrike">
+                          <a:effectLst/>
+                        </a:rPr>
+                        <a:t>1</a:t>
+                      </a:r>
+                      <a:endParaRPr lang="en-US" altLang="zh-CN" sz="1100" b="0" i="0" u="none" strike="noStrike">
+                        <a:solidFill>
+                          <a:srgbClr val="000000"/>
+                        </a:solidFill>
+                        <a:effectLst/>
+                        <a:latin typeface="等线" panose="02010600030101010101" pitchFamily="2" charset="-122"/>
+                        <a:ea typeface="等线" panose="02010600030101010101" pitchFamily="2" charset="-122"/>
+                      </a:endParaRPr>
+                    </a:p>
+                  </a:txBody>
+                  <a:tcPr marL="9525" marR="9525" marT="9525" marB="0" anchor="b"/>
+                </a:tc>
+                <a:tc>
+                  <a:txBody>
+                    <a:bodyPr/>
+                    <a:lstStyle/>
+                    <a:p>
+                      <a:pPr algn="r" fontAlgn="b"/>
+                      <a:r>
+                        <a:rPr lang="en-US" altLang="zh-CN" sz="1100" u="none" strike="noStrike">
+                          <a:effectLst/>
+                        </a:rPr>
+                        <a:t>0.2</a:t>
+                      </a:r>
+                      <a:endParaRPr lang="en-US" altLang="zh-CN" sz="1100" b="0" i="0" u="none" strike="noStrike">
+                        <a:solidFill>
+                          <a:srgbClr val="000000"/>
+                        </a:solidFill>
+                        <a:effectLst/>
+                        <a:latin typeface="等线" panose="02010600030101010101" pitchFamily="2" charset="-122"/>
+                        <a:ea typeface="等线" panose="02010600030101010101" pitchFamily="2" charset="-122"/>
+                      </a:endParaRPr>
+                    </a:p>
+                  </a:txBody>
+                  <a:tcPr marL="9525" marR="9525" marT="9525" marB="0" anchor="b"/>
+                </a:tc>
+                <a:tc>
+                  <a:txBody>
+                    <a:bodyPr/>
+                    <a:lstStyle/>
+                    <a:p>
+                      <a:pPr algn="r" fontAlgn="b"/>
+                      <a:r>
+                        <a:rPr lang="en-US" altLang="zh-CN" sz="1100" u="none" strike="noStrike">
+                          <a:effectLst/>
+                        </a:rPr>
+                        <a:t>-1</a:t>
+                      </a:r>
+                      <a:endParaRPr lang="en-US" altLang="zh-CN" sz="1100" b="0" i="0" u="none" strike="noStrike">
+                        <a:solidFill>
+                          <a:srgbClr val="000000"/>
+                        </a:solidFill>
+                        <a:effectLst/>
+                        <a:latin typeface="等线" panose="02010600030101010101" pitchFamily="2" charset="-122"/>
+                        <a:ea typeface="等线" panose="02010600030101010101" pitchFamily="2" charset="-122"/>
+                      </a:endParaRPr>
+                    </a:p>
+                  </a:txBody>
+                  <a:tcPr marL="9525" marR="9525" marT="9525" marB="0" anchor="b"/>
+                </a:tc>
+                <a:tc>
+                  <a:txBody>
+                    <a:bodyPr/>
+                    <a:lstStyle/>
+                    <a:p>
+                      <a:pPr algn="r" fontAlgn="b"/>
+                      <a:r>
+                        <a:rPr lang="en-US" altLang="zh-CN" sz="1100" u="none" strike="noStrike">
+                          <a:effectLst/>
+                        </a:rPr>
+                        <a:t>-2</a:t>
+                      </a:r>
+                      <a:endParaRPr lang="en-US" altLang="zh-CN" sz="1100" b="0" i="0" u="none" strike="noStrike">
+                        <a:solidFill>
+                          <a:srgbClr val="000000"/>
+                        </a:solidFill>
+                        <a:effectLst/>
+                        <a:latin typeface="等线" panose="02010600030101010101" pitchFamily="2" charset="-122"/>
+                        <a:ea typeface="等线" panose="02010600030101010101" pitchFamily="2" charset="-122"/>
+                      </a:endParaRPr>
+                    </a:p>
+                  </a:txBody>
+                  <a:tcPr marL="9525" marR="9525" marT="9525" marB="0" anchor="b"/>
+                </a:tc>
+                <a:extLst>
+                  <a:ext uri="{0D108BD9-81ED-4DB2-BD59-A6C34878D82A}">
+                    <a16:rowId xmlns:a16="http://schemas.microsoft.com/office/drawing/2014/main" val="1765900812"/>
+                  </a:ext>
+                </a:extLst>
+              </a:tr>
+              <a:tr h="180975">
+                <a:tc>
+                  <a:txBody>
+                    <a:bodyPr/>
+                    <a:lstStyle/>
+                    <a:p>
+                      <a:pPr algn="r" fontAlgn="b"/>
+                      <a:r>
+                        <a:rPr lang="en-US" altLang="zh-CN" sz="1100" u="none" strike="noStrike">
+                          <a:effectLst/>
+                        </a:rPr>
+                        <a:t>1</a:t>
+                      </a:r>
+                      <a:endParaRPr lang="en-US" altLang="zh-CN" sz="1100" b="0" i="0" u="none" strike="noStrike">
+                        <a:solidFill>
+                          <a:srgbClr val="000000"/>
+                        </a:solidFill>
+                        <a:effectLst/>
+                        <a:latin typeface="等线" panose="02010600030101010101" pitchFamily="2" charset="-122"/>
+                        <a:ea typeface="等线" panose="02010600030101010101" pitchFamily="2" charset="-122"/>
+                      </a:endParaRPr>
+                    </a:p>
+                  </a:txBody>
+                  <a:tcPr marL="9525" marR="9525" marT="9525" marB="0" anchor="b"/>
+                </a:tc>
+                <a:tc>
+                  <a:txBody>
+                    <a:bodyPr/>
+                    <a:lstStyle/>
+                    <a:p>
+                      <a:pPr algn="r" fontAlgn="b"/>
+                      <a:r>
+                        <a:rPr lang="en-US" altLang="zh-CN" sz="1100" u="none" strike="noStrike">
+                          <a:effectLst/>
+                        </a:rPr>
+                        <a:t>0</a:t>
+                      </a:r>
+                      <a:endParaRPr lang="en-US" altLang="zh-CN" sz="1100" b="0" i="0" u="none" strike="noStrike">
+                        <a:solidFill>
+                          <a:srgbClr val="000000"/>
+                        </a:solidFill>
+                        <a:effectLst/>
+                        <a:latin typeface="等线" panose="02010600030101010101" pitchFamily="2" charset="-122"/>
+                        <a:ea typeface="等线" panose="02010600030101010101" pitchFamily="2" charset="-122"/>
+                      </a:endParaRPr>
+                    </a:p>
+                  </a:txBody>
+                  <a:tcPr marL="9525" marR="9525" marT="9525" marB="0" anchor="b"/>
+                </a:tc>
+                <a:tc>
+                  <a:txBody>
+                    <a:bodyPr/>
+                    <a:lstStyle/>
+                    <a:p>
+                      <a:pPr algn="r" fontAlgn="b"/>
+                      <a:r>
+                        <a:rPr lang="en-US" altLang="zh-CN" sz="1100" u="none" strike="noStrike">
+                          <a:effectLst/>
+                        </a:rPr>
+                        <a:t>1</a:t>
+                      </a:r>
+                      <a:endParaRPr lang="en-US" altLang="zh-CN" sz="1100" b="0" i="0" u="none" strike="noStrike">
+                        <a:solidFill>
+                          <a:srgbClr val="000000"/>
+                        </a:solidFill>
+                        <a:effectLst/>
+                        <a:latin typeface="等线" panose="02010600030101010101" pitchFamily="2" charset="-122"/>
+                        <a:ea typeface="等线" panose="02010600030101010101" pitchFamily="2" charset="-122"/>
+                      </a:endParaRPr>
+                    </a:p>
+                  </a:txBody>
+                  <a:tcPr marL="9525" marR="9525" marT="9525" marB="0" anchor="b"/>
+                </a:tc>
+                <a:tc>
+                  <a:txBody>
+                    <a:bodyPr/>
+                    <a:lstStyle/>
+                    <a:p>
+                      <a:pPr algn="r" fontAlgn="b"/>
+                      <a:r>
+                        <a:rPr lang="en-US" altLang="zh-CN" sz="1100" u="none" strike="noStrike">
+                          <a:effectLst/>
+                        </a:rPr>
+                        <a:t>1</a:t>
+                      </a:r>
+                      <a:endParaRPr lang="en-US" altLang="zh-CN" sz="1100" b="0" i="0" u="none" strike="noStrike">
+                        <a:solidFill>
+                          <a:srgbClr val="000000"/>
+                        </a:solidFill>
+                        <a:effectLst/>
+                        <a:latin typeface="等线" panose="02010600030101010101" pitchFamily="2" charset="-122"/>
+                        <a:ea typeface="等线" panose="02010600030101010101" pitchFamily="2" charset="-122"/>
+                      </a:endParaRPr>
+                    </a:p>
+                  </a:txBody>
+                  <a:tcPr marL="9525" marR="9525" marT="9525" marB="0" anchor="b"/>
+                </a:tc>
+                <a:tc>
+                  <a:txBody>
+                    <a:bodyPr/>
+                    <a:lstStyle/>
+                    <a:p>
+                      <a:pPr algn="r" fontAlgn="b"/>
+                      <a:r>
+                        <a:rPr lang="en-US" altLang="zh-CN" sz="1100" u="none" strike="noStrike">
+                          <a:effectLst/>
+                        </a:rPr>
+                        <a:t>0.2</a:t>
+                      </a:r>
+                      <a:endParaRPr lang="en-US" altLang="zh-CN" sz="1100" b="0" i="0" u="none" strike="noStrike">
+                        <a:solidFill>
+                          <a:srgbClr val="000000"/>
+                        </a:solidFill>
+                        <a:effectLst/>
+                        <a:latin typeface="等线" panose="02010600030101010101" pitchFamily="2" charset="-122"/>
+                        <a:ea typeface="等线" panose="02010600030101010101" pitchFamily="2" charset="-122"/>
+                      </a:endParaRPr>
+                    </a:p>
+                  </a:txBody>
+                  <a:tcPr marL="9525" marR="9525" marT="9525" marB="0" anchor="b"/>
+                </a:tc>
+                <a:tc>
+                  <a:txBody>
+                    <a:bodyPr/>
+                    <a:lstStyle/>
+                    <a:p>
+                      <a:pPr algn="r" fontAlgn="b"/>
+                      <a:r>
+                        <a:rPr lang="en-US" altLang="zh-CN" sz="1100" u="none" strike="noStrike">
+                          <a:effectLst/>
+                        </a:rPr>
+                        <a:t>-1</a:t>
+                      </a:r>
+                      <a:endParaRPr lang="en-US" altLang="zh-CN" sz="1100" b="0" i="0" u="none" strike="noStrike">
+                        <a:solidFill>
+                          <a:srgbClr val="000000"/>
+                        </a:solidFill>
+                        <a:effectLst/>
+                        <a:latin typeface="等线" panose="02010600030101010101" pitchFamily="2" charset="-122"/>
+                        <a:ea typeface="等线" panose="02010600030101010101" pitchFamily="2" charset="-122"/>
+                      </a:endParaRPr>
+                    </a:p>
+                  </a:txBody>
+                  <a:tcPr marL="9525" marR="9525" marT="9525" marB="0" anchor="b"/>
+                </a:tc>
+                <a:tc>
+                  <a:txBody>
+                    <a:bodyPr/>
+                    <a:lstStyle/>
+                    <a:p>
+                      <a:pPr algn="r" fontAlgn="b"/>
+                      <a:r>
+                        <a:rPr lang="en-US" altLang="zh-CN" sz="1100" u="none" strike="noStrike">
+                          <a:effectLst/>
+                        </a:rPr>
+                        <a:t>-2</a:t>
+                      </a:r>
+                      <a:endParaRPr lang="en-US" altLang="zh-CN" sz="1100" b="0" i="0" u="none" strike="noStrike">
+                        <a:solidFill>
+                          <a:srgbClr val="000000"/>
+                        </a:solidFill>
+                        <a:effectLst/>
+                        <a:latin typeface="等线" panose="02010600030101010101" pitchFamily="2" charset="-122"/>
+                        <a:ea typeface="等线" panose="02010600030101010101" pitchFamily="2" charset="-122"/>
+                      </a:endParaRPr>
+                    </a:p>
+                  </a:txBody>
+                  <a:tcPr marL="9525" marR="9525" marT="9525" marB="0" anchor="b"/>
+                </a:tc>
+                <a:tc>
+                  <a:txBody>
+                    <a:bodyPr/>
+                    <a:lstStyle/>
+                    <a:p>
+                      <a:pPr algn="r" fontAlgn="b"/>
+                      <a:r>
+                        <a:rPr lang="en-US" altLang="zh-CN" sz="1100" u="none" strike="noStrike">
+                          <a:effectLst/>
+                        </a:rPr>
+                        <a:t>-1</a:t>
+                      </a:r>
+                      <a:endParaRPr lang="en-US" altLang="zh-CN" sz="1100" b="0" i="0" u="none" strike="noStrike">
+                        <a:solidFill>
+                          <a:srgbClr val="000000"/>
+                        </a:solidFill>
+                        <a:effectLst/>
+                        <a:latin typeface="等线" panose="02010600030101010101" pitchFamily="2" charset="-122"/>
+                        <a:ea typeface="等线" panose="02010600030101010101" pitchFamily="2" charset="-122"/>
+                      </a:endParaRPr>
+                    </a:p>
+                  </a:txBody>
+                  <a:tcPr marL="9525" marR="9525" marT="9525" marB="0" anchor="b"/>
+                </a:tc>
+                <a:tc>
+                  <a:txBody>
+                    <a:bodyPr/>
+                    <a:lstStyle/>
+                    <a:p>
+                      <a:pPr algn="r" fontAlgn="b"/>
+                      <a:r>
+                        <a:rPr lang="en-US" altLang="zh-CN" sz="1100" u="none" strike="noStrike">
+                          <a:effectLst/>
+                        </a:rPr>
+                        <a:t>-1</a:t>
+                      </a:r>
+                      <a:endParaRPr lang="en-US" altLang="zh-CN" sz="1100" b="0" i="0" u="none" strike="noStrike">
+                        <a:solidFill>
+                          <a:srgbClr val="000000"/>
+                        </a:solidFill>
+                        <a:effectLst/>
+                        <a:latin typeface="等线" panose="02010600030101010101" pitchFamily="2" charset="-122"/>
+                        <a:ea typeface="等线" panose="02010600030101010101" pitchFamily="2" charset="-122"/>
+                      </a:endParaRPr>
+                    </a:p>
+                  </a:txBody>
+                  <a:tcPr marL="9525" marR="9525" marT="9525" marB="0" anchor="b"/>
+                </a:tc>
+                <a:tc>
+                  <a:txBody>
+                    <a:bodyPr/>
+                    <a:lstStyle/>
+                    <a:p>
+                      <a:pPr algn="r" fontAlgn="b"/>
+                      <a:r>
+                        <a:rPr lang="en-US" altLang="zh-CN" sz="1100" u="none" strike="noStrike">
+                          <a:effectLst/>
+                        </a:rPr>
+                        <a:t>2</a:t>
+                      </a:r>
+                      <a:endParaRPr lang="en-US" altLang="zh-CN" sz="1100" b="0" i="0" u="none" strike="noStrike">
+                        <a:solidFill>
+                          <a:srgbClr val="000000"/>
+                        </a:solidFill>
+                        <a:effectLst/>
+                        <a:latin typeface="等线" panose="02010600030101010101" pitchFamily="2" charset="-122"/>
+                        <a:ea typeface="等线" panose="02010600030101010101" pitchFamily="2" charset="-122"/>
+                      </a:endParaRPr>
+                    </a:p>
+                  </a:txBody>
+                  <a:tcPr marL="9525" marR="9525" marT="9525" marB="0" anchor="b"/>
+                </a:tc>
+                <a:tc>
+                  <a:txBody>
+                    <a:bodyPr/>
+                    <a:lstStyle/>
+                    <a:p>
+                      <a:pPr algn="r" fontAlgn="b"/>
+                      <a:r>
+                        <a:rPr lang="en-US" altLang="zh-CN" sz="1100" u="none" strike="noStrike">
+                          <a:effectLst/>
+                        </a:rPr>
+                        <a:t>2</a:t>
+                      </a:r>
+                      <a:endParaRPr lang="en-US" altLang="zh-CN" sz="1100" b="0" i="0" u="none" strike="noStrike">
+                        <a:solidFill>
+                          <a:srgbClr val="000000"/>
+                        </a:solidFill>
+                        <a:effectLst/>
+                        <a:latin typeface="等线" panose="02010600030101010101" pitchFamily="2" charset="-122"/>
+                        <a:ea typeface="等线" panose="02010600030101010101" pitchFamily="2" charset="-122"/>
+                      </a:endParaRPr>
+                    </a:p>
+                  </a:txBody>
+                  <a:tcPr marL="9525" marR="9525" marT="9525" marB="0" anchor="b"/>
+                </a:tc>
+                <a:tc>
+                  <a:txBody>
+                    <a:bodyPr/>
+                    <a:lstStyle/>
+                    <a:p>
+                      <a:pPr algn="r" fontAlgn="b"/>
+                      <a:r>
+                        <a:rPr lang="en-US" altLang="zh-CN" sz="1100" u="none" strike="noStrike">
+                          <a:effectLst/>
+                        </a:rPr>
+                        <a:t>-1</a:t>
+                      </a:r>
+                      <a:endParaRPr lang="en-US" altLang="zh-CN" sz="1100" b="0" i="0" u="none" strike="noStrike">
+                        <a:solidFill>
+                          <a:srgbClr val="000000"/>
+                        </a:solidFill>
+                        <a:effectLst/>
+                        <a:latin typeface="等线" panose="02010600030101010101" pitchFamily="2" charset="-122"/>
+                        <a:ea typeface="等线" panose="02010600030101010101" pitchFamily="2" charset="-122"/>
+                      </a:endParaRPr>
+                    </a:p>
+                  </a:txBody>
+                  <a:tcPr marL="9525" marR="9525" marT="9525" marB="0" anchor="b"/>
+                </a:tc>
+                <a:tc>
+                  <a:txBody>
+                    <a:bodyPr/>
+                    <a:lstStyle/>
+                    <a:p>
+                      <a:pPr algn="r" fontAlgn="b"/>
+                      <a:r>
+                        <a:rPr lang="en-US" altLang="zh-CN" sz="1100" u="none" strike="noStrike">
+                          <a:effectLst/>
+                        </a:rPr>
+                        <a:t>2</a:t>
+                      </a:r>
+                      <a:endParaRPr lang="en-US" altLang="zh-CN" sz="1100" b="0" i="0" u="none" strike="noStrike">
+                        <a:solidFill>
+                          <a:srgbClr val="000000"/>
+                        </a:solidFill>
+                        <a:effectLst/>
+                        <a:latin typeface="等线" panose="02010600030101010101" pitchFamily="2" charset="-122"/>
+                        <a:ea typeface="等线" panose="02010600030101010101" pitchFamily="2" charset="-122"/>
+                      </a:endParaRPr>
+                    </a:p>
+                  </a:txBody>
+                  <a:tcPr marL="9525" marR="9525" marT="9525" marB="0" anchor="b"/>
+                </a:tc>
+                <a:tc>
+                  <a:txBody>
+                    <a:bodyPr/>
+                    <a:lstStyle/>
+                    <a:p>
+                      <a:pPr algn="r" fontAlgn="b"/>
+                      <a:r>
+                        <a:rPr lang="en-US" altLang="zh-CN" sz="1100" u="none" strike="noStrike">
+                          <a:effectLst/>
+                        </a:rPr>
+                        <a:t>-1</a:t>
+                      </a:r>
+                      <a:endParaRPr lang="en-US" altLang="zh-CN" sz="1100" b="0" i="0" u="none" strike="noStrike">
+                        <a:solidFill>
+                          <a:srgbClr val="000000"/>
+                        </a:solidFill>
+                        <a:effectLst/>
+                        <a:latin typeface="等线" panose="02010600030101010101" pitchFamily="2" charset="-122"/>
+                        <a:ea typeface="等线" panose="02010600030101010101" pitchFamily="2" charset="-122"/>
+                      </a:endParaRPr>
+                    </a:p>
+                  </a:txBody>
+                  <a:tcPr marL="9525" marR="9525" marT="9525" marB="0" anchor="b"/>
+                </a:tc>
+                <a:tc>
+                  <a:txBody>
+                    <a:bodyPr/>
+                    <a:lstStyle/>
+                    <a:p>
+                      <a:pPr algn="r" fontAlgn="b"/>
+                      <a:r>
+                        <a:rPr lang="en-US" altLang="zh-CN" sz="1100" u="none" strike="noStrike">
+                          <a:effectLst/>
+                        </a:rPr>
+                        <a:t>2</a:t>
+                      </a:r>
+                      <a:endParaRPr lang="en-US" altLang="zh-CN" sz="1100" b="0" i="0" u="none" strike="noStrike">
+                        <a:solidFill>
+                          <a:srgbClr val="000000"/>
+                        </a:solidFill>
+                        <a:effectLst/>
+                        <a:latin typeface="等线" panose="02010600030101010101" pitchFamily="2" charset="-122"/>
+                        <a:ea typeface="等线" panose="02010600030101010101" pitchFamily="2" charset="-122"/>
+                      </a:endParaRPr>
+                    </a:p>
+                  </a:txBody>
+                  <a:tcPr marL="9525" marR="9525" marT="9525" marB="0" anchor="b"/>
+                </a:tc>
+                <a:tc>
+                  <a:txBody>
+                    <a:bodyPr/>
+                    <a:lstStyle/>
+                    <a:p>
+                      <a:pPr algn="r" fontAlgn="b"/>
+                      <a:r>
+                        <a:rPr lang="en-US" altLang="zh-CN" sz="1100" u="none" strike="noStrike">
+                          <a:effectLst/>
+                        </a:rPr>
+                        <a:t>0</a:t>
+                      </a:r>
+                      <a:endParaRPr lang="en-US" altLang="zh-CN" sz="1100" b="0" i="0" u="none" strike="noStrike">
+                        <a:solidFill>
+                          <a:srgbClr val="000000"/>
+                        </a:solidFill>
+                        <a:effectLst/>
+                        <a:latin typeface="等线" panose="02010600030101010101" pitchFamily="2" charset="-122"/>
+                        <a:ea typeface="等线" panose="02010600030101010101" pitchFamily="2" charset="-122"/>
+                      </a:endParaRPr>
+                    </a:p>
+                  </a:txBody>
+                  <a:tcPr marL="9525" marR="9525" marT="9525" marB="0" anchor="b"/>
+                </a:tc>
+                <a:tc>
+                  <a:txBody>
+                    <a:bodyPr/>
+                    <a:lstStyle/>
+                    <a:p>
+                      <a:pPr algn="r" fontAlgn="b"/>
+                      <a:r>
+                        <a:rPr lang="en-US" altLang="zh-CN" sz="1100" u="none" strike="noStrike">
+                          <a:effectLst/>
+                        </a:rPr>
+                        <a:t>2.2</a:t>
+                      </a:r>
+                      <a:endParaRPr lang="en-US" altLang="zh-CN" sz="1100" b="0" i="0" u="none" strike="noStrike">
+                        <a:solidFill>
+                          <a:srgbClr val="000000"/>
+                        </a:solidFill>
+                        <a:effectLst/>
+                        <a:latin typeface="等线" panose="02010600030101010101" pitchFamily="2" charset="-122"/>
+                        <a:ea typeface="等线" panose="02010600030101010101" pitchFamily="2" charset="-122"/>
+                      </a:endParaRPr>
+                    </a:p>
+                  </a:txBody>
+                  <a:tcPr marL="9525" marR="9525" marT="9525" marB="0" anchor="b"/>
+                </a:tc>
+                <a:tc>
+                  <a:txBody>
+                    <a:bodyPr/>
+                    <a:lstStyle/>
+                    <a:p>
+                      <a:pPr algn="r" fontAlgn="b"/>
+                      <a:r>
+                        <a:rPr lang="en-US" altLang="zh-CN" sz="1100" u="none" strike="noStrike">
+                          <a:effectLst/>
+                        </a:rPr>
+                        <a:t>-2</a:t>
+                      </a:r>
+                      <a:endParaRPr lang="en-US" altLang="zh-CN" sz="1100" b="0" i="0" u="none" strike="noStrike">
+                        <a:solidFill>
+                          <a:srgbClr val="000000"/>
+                        </a:solidFill>
+                        <a:effectLst/>
+                        <a:latin typeface="等线" panose="02010600030101010101" pitchFamily="2" charset="-122"/>
+                        <a:ea typeface="等线" panose="02010600030101010101" pitchFamily="2" charset="-122"/>
+                      </a:endParaRPr>
+                    </a:p>
+                  </a:txBody>
+                  <a:tcPr marL="9525" marR="9525" marT="9525" marB="0" anchor="b"/>
+                </a:tc>
+                <a:tc>
+                  <a:txBody>
+                    <a:bodyPr/>
+                    <a:lstStyle/>
+                    <a:p>
+                      <a:pPr algn="r" fontAlgn="b"/>
+                      <a:r>
+                        <a:rPr lang="en-US" altLang="zh-CN" sz="1100" u="none" strike="noStrike">
+                          <a:effectLst/>
+                        </a:rPr>
+                        <a:t>0</a:t>
+                      </a:r>
+                      <a:endParaRPr lang="en-US" altLang="zh-CN" sz="1100" b="0" i="0" u="none" strike="noStrike">
+                        <a:solidFill>
+                          <a:srgbClr val="000000"/>
+                        </a:solidFill>
+                        <a:effectLst/>
+                        <a:latin typeface="等线" panose="02010600030101010101" pitchFamily="2" charset="-122"/>
+                        <a:ea typeface="等线" panose="02010600030101010101" pitchFamily="2" charset="-122"/>
+                      </a:endParaRPr>
+                    </a:p>
+                  </a:txBody>
+                  <a:tcPr marL="9525" marR="9525" marT="9525" marB="0" anchor="b"/>
+                </a:tc>
+                <a:extLst>
+                  <a:ext uri="{0D108BD9-81ED-4DB2-BD59-A6C34878D82A}">
+                    <a16:rowId xmlns:a16="http://schemas.microsoft.com/office/drawing/2014/main" val="3905994869"/>
+                  </a:ext>
+                </a:extLst>
+              </a:tr>
+              <a:tr h="180975">
+                <a:tc>
+                  <a:txBody>
+                    <a:bodyPr/>
+                    <a:lstStyle/>
+                    <a:p>
+                      <a:pPr algn="r" fontAlgn="b"/>
+                      <a:r>
+                        <a:rPr lang="en-US" altLang="zh-CN" sz="1100" u="none" strike="noStrike">
+                          <a:effectLst/>
+                        </a:rPr>
+                        <a:t>1</a:t>
+                      </a:r>
+                      <a:endParaRPr lang="en-US" altLang="zh-CN" sz="1100" b="0" i="0" u="none" strike="noStrike">
+                        <a:solidFill>
+                          <a:srgbClr val="000000"/>
+                        </a:solidFill>
+                        <a:effectLst/>
+                        <a:latin typeface="等线" panose="02010600030101010101" pitchFamily="2" charset="-122"/>
+                        <a:ea typeface="等线" panose="02010600030101010101" pitchFamily="2" charset="-122"/>
+                      </a:endParaRPr>
+                    </a:p>
+                  </a:txBody>
+                  <a:tcPr marL="9525" marR="9525" marT="9525" marB="0" anchor="b"/>
+                </a:tc>
+                <a:tc>
+                  <a:txBody>
+                    <a:bodyPr/>
+                    <a:lstStyle/>
+                    <a:p>
+                      <a:pPr algn="r" fontAlgn="b"/>
+                      <a:r>
+                        <a:rPr lang="en-US" altLang="zh-CN" sz="1100" u="none" strike="noStrike">
+                          <a:effectLst/>
+                        </a:rPr>
+                        <a:t>1</a:t>
+                      </a:r>
+                      <a:endParaRPr lang="en-US" altLang="zh-CN" sz="1100" b="0" i="0" u="none" strike="noStrike">
+                        <a:solidFill>
+                          <a:srgbClr val="000000"/>
+                        </a:solidFill>
+                        <a:effectLst/>
+                        <a:latin typeface="等线" panose="02010600030101010101" pitchFamily="2" charset="-122"/>
+                        <a:ea typeface="等线" panose="02010600030101010101" pitchFamily="2" charset="-122"/>
+                      </a:endParaRPr>
+                    </a:p>
+                  </a:txBody>
+                  <a:tcPr marL="9525" marR="9525" marT="9525" marB="0" anchor="b"/>
+                </a:tc>
+                <a:tc>
+                  <a:txBody>
+                    <a:bodyPr/>
+                    <a:lstStyle/>
+                    <a:p>
+                      <a:pPr algn="r" fontAlgn="b"/>
+                      <a:r>
+                        <a:rPr lang="en-US" altLang="zh-CN" sz="1100" u="none" strike="noStrike">
+                          <a:effectLst/>
+                        </a:rPr>
+                        <a:t>0</a:t>
+                      </a:r>
+                      <a:endParaRPr lang="en-US" altLang="zh-CN" sz="1100" b="0" i="0" u="none" strike="noStrike">
+                        <a:solidFill>
+                          <a:srgbClr val="000000"/>
+                        </a:solidFill>
+                        <a:effectLst/>
+                        <a:latin typeface="等线" panose="02010600030101010101" pitchFamily="2" charset="-122"/>
+                        <a:ea typeface="等线" panose="02010600030101010101" pitchFamily="2" charset="-122"/>
+                      </a:endParaRPr>
+                    </a:p>
+                  </a:txBody>
+                  <a:tcPr marL="9525" marR="9525" marT="9525" marB="0" anchor="b"/>
+                </a:tc>
+                <a:tc>
+                  <a:txBody>
+                    <a:bodyPr/>
+                    <a:lstStyle/>
+                    <a:p>
+                      <a:pPr algn="r" fontAlgn="b"/>
+                      <a:r>
+                        <a:rPr lang="en-US" altLang="zh-CN" sz="1100" u="none" strike="noStrike">
+                          <a:effectLst/>
+                        </a:rPr>
+                        <a:t>1</a:t>
+                      </a:r>
+                      <a:endParaRPr lang="en-US" altLang="zh-CN" sz="1100" b="0" i="0" u="none" strike="noStrike">
+                        <a:solidFill>
+                          <a:srgbClr val="000000"/>
+                        </a:solidFill>
+                        <a:effectLst/>
+                        <a:latin typeface="等线" panose="02010600030101010101" pitchFamily="2" charset="-122"/>
+                        <a:ea typeface="等线" panose="02010600030101010101" pitchFamily="2" charset="-122"/>
+                      </a:endParaRPr>
+                    </a:p>
+                  </a:txBody>
+                  <a:tcPr marL="9525" marR="9525" marT="9525" marB="0" anchor="b"/>
+                </a:tc>
+                <a:tc>
+                  <a:txBody>
+                    <a:bodyPr/>
+                    <a:lstStyle/>
+                    <a:p>
+                      <a:pPr algn="r" fontAlgn="b"/>
+                      <a:r>
+                        <a:rPr lang="en-US" altLang="zh-CN" sz="1100" u="none" strike="noStrike">
+                          <a:effectLst/>
+                        </a:rPr>
+                        <a:t>0.2</a:t>
+                      </a:r>
+                      <a:endParaRPr lang="en-US" altLang="zh-CN" sz="1100" b="0" i="0" u="none" strike="noStrike">
+                        <a:solidFill>
+                          <a:srgbClr val="000000"/>
+                        </a:solidFill>
+                        <a:effectLst/>
+                        <a:latin typeface="等线" panose="02010600030101010101" pitchFamily="2" charset="-122"/>
+                        <a:ea typeface="等线" panose="02010600030101010101" pitchFamily="2" charset="-122"/>
+                      </a:endParaRPr>
+                    </a:p>
+                  </a:txBody>
+                  <a:tcPr marL="9525" marR="9525" marT="9525" marB="0" anchor="b"/>
+                </a:tc>
+                <a:tc>
+                  <a:txBody>
+                    <a:bodyPr/>
+                    <a:lstStyle/>
+                    <a:p>
+                      <a:pPr algn="r" fontAlgn="b"/>
+                      <a:r>
+                        <a:rPr lang="en-US" altLang="zh-CN" sz="1100" u="none" strike="noStrike">
+                          <a:effectLst/>
+                        </a:rPr>
+                        <a:t>-1</a:t>
+                      </a:r>
+                      <a:endParaRPr lang="en-US" altLang="zh-CN" sz="1100" b="0" i="0" u="none" strike="noStrike">
+                        <a:solidFill>
+                          <a:srgbClr val="000000"/>
+                        </a:solidFill>
+                        <a:effectLst/>
+                        <a:latin typeface="等线" panose="02010600030101010101" pitchFamily="2" charset="-122"/>
+                        <a:ea typeface="等线" panose="02010600030101010101" pitchFamily="2" charset="-122"/>
+                      </a:endParaRPr>
+                    </a:p>
+                  </a:txBody>
+                  <a:tcPr marL="9525" marR="9525" marT="9525" marB="0" anchor="b"/>
+                </a:tc>
+                <a:tc>
+                  <a:txBody>
+                    <a:bodyPr/>
+                    <a:lstStyle/>
+                    <a:p>
+                      <a:pPr algn="r" fontAlgn="b"/>
+                      <a:r>
+                        <a:rPr lang="en-US" altLang="zh-CN" sz="1100" u="none" strike="noStrike">
+                          <a:effectLst/>
+                        </a:rPr>
+                        <a:t>-2</a:t>
+                      </a:r>
+                      <a:endParaRPr lang="en-US" altLang="zh-CN" sz="1100" b="0" i="0" u="none" strike="noStrike">
+                        <a:solidFill>
+                          <a:srgbClr val="000000"/>
+                        </a:solidFill>
+                        <a:effectLst/>
+                        <a:latin typeface="等线" panose="02010600030101010101" pitchFamily="2" charset="-122"/>
+                        <a:ea typeface="等线" panose="02010600030101010101" pitchFamily="2" charset="-122"/>
+                      </a:endParaRPr>
+                    </a:p>
+                  </a:txBody>
+                  <a:tcPr marL="9525" marR="9525" marT="9525" marB="0" anchor="b"/>
+                </a:tc>
+                <a:tc>
+                  <a:txBody>
+                    <a:bodyPr/>
+                    <a:lstStyle/>
+                    <a:p>
+                      <a:pPr algn="r" fontAlgn="b"/>
+                      <a:r>
+                        <a:rPr lang="en-US" altLang="zh-CN" sz="1100" u="none" strike="noStrike">
+                          <a:effectLst/>
+                        </a:rPr>
+                        <a:t>-1</a:t>
+                      </a:r>
+                      <a:endParaRPr lang="en-US" altLang="zh-CN" sz="1100" b="0" i="0" u="none" strike="noStrike">
+                        <a:solidFill>
+                          <a:srgbClr val="000000"/>
+                        </a:solidFill>
+                        <a:effectLst/>
+                        <a:latin typeface="等线" panose="02010600030101010101" pitchFamily="2" charset="-122"/>
+                        <a:ea typeface="等线" panose="02010600030101010101" pitchFamily="2" charset="-122"/>
+                      </a:endParaRPr>
+                    </a:p>
+                  </a:txBody>
+                  <a:tcPr marL="9525" marR="9525" marT="9525" marB="0" anchor="b"/>
+                </a:tc>
+                <a:tc>
+                  <a:txBody>
+                    <a:bodyPr/>
+                    <a:lstStyle/>
+                    <a:p>
+                      <a:pPr algn="r" fontAlgn="b"/>
+                      <a:r>
+                        <a:rPr lang="en-US" altLang="zh-CN" sz="1100" u="none" strike="noStrike">
+                          <a:effectLst/>
+                        </a:rPr>
+                        <a:t>-1</a:t>
+                      </a:r>
+                      <a:endParaRPr lang="en-US" altLang="zh-CN" sz="1100" b="0" i="0" u="none" strike="noStrike">
+                        <a:solidFill>
+                          <a:srgbClr val="000000"/>
+                        </a:solidFill>
+                        <a:effectLst/>
+                        <a:latin typeface="等线" panose="02010600030101010101" pitchFamily="2" charset="-122"/>
+                        <a:ea typeface="等线" panose="02010600030101010101" pitchFamily="2" charset="-122"/>
+                      </a:endParaRPr>
+                    </a:p>
+                  </a:txBody>
+                  <a:tcPr marL="9525" marR="9525" marT="9525" marB="0" anchor="b"/>
+                </a:tc>
+                <a:tc>
+                  <a:txBody>
+                    <a:bodyPr/>
+                    <a:lstStyle/>
+                    <a:p>
+                      <a:pPr algn="r" fontAlgn="b"/>
+                      <a:r>
+                        <a:rPr lang="en-US" altLang="zh-CN" sz="1100" u="none" strike="noStrike">
+                          <a:effectLst/>
+                        </a:rPr>
+                        <a:t>2</a:t>
+                      </a:r>
+                      <a:endParaRPr lang="en-US" altLang="zh-CN" sz="1100" b="0" i="0" u="none" strike="noStrike">
+                        <a:solidFill>
+                          <a:srgbClr val="000000"/>
+                        </a:solidFill>
+                        <a:effectLst/>
+                        <a:latin typeface="等线" panose="02010600030101010101" pitchFamily="2" charset="-122"/>
+                        <a:ea typeface="等线" panose="02010600030101010101" pitchFamily="2" charset="-122"/>
+                      </a:endParaRPr>
+                    </a:p>
+                  </a:txBody>
+                  <a:tcPr marL="9525" marR="9525" marT="9525" marB="0" anchor="b"/>
+                </a:tc>
+                <a:tc>
+                  <a:txBody>
+                    <a:bodyPr/>
+                    <a:lstStyle/>
+                    <a:p>
+                      <a:pPr algn="r" fontAlgn="b"/>
+                      <a:r>
+                        <a:rPr lang="en-US" altLang="zh-CN" sz="1100" u="none" strike="noStrike">
+                          <a:effectLst/>
+                        </a:rPr>
+                        <a:t>2</a:t>
+                      </a:r>
+                      <a:endParaRPr lang="en-US" altLang="zh-CN" sz="1100" b="0" i="0" u="none" strike="noStrike">
+                        <a:solidFill>
+                          <a:srgbClr val="000000"/>
+                        </a:solidFill>
+                        <a:effectLst/>
+                        <a:latin typeface="等线" panose="02010600030101010101" pitchFamily="2" charset="-122"/>
+                        <a:ea typeface="等线" panose="02010600030101010101" pitchFamily="2" charset="-122"/>
+                      </a:endParaRPr>
+                    </a:p>
+                  </a:txBody>
+                  <a:tcPr marL="9525" marR="9525" marT="9525" marB="0" anchor="b"/>
+                </a:tc>
+                <a:tc>
+                  <a:txBody>
+                    <a:bodyPr/>
+                    <a:lstStyle/>
+                    <a:p>
+                      <a:pPr algn="r" fontAlgn="b"/>
+                      <a:r>
+                        <a:rPr lang="en-US" altLang="zh-CN" sz="1100" u="none" strike="noStrike">
+                          <a:effectLst/>
+                        </a:rPr>
+                        <a:t>-1</a:t>
+                      </a:r>
+                      <a:endParaRPr lang="en-US" altLang="zh-CN" sz="1100" b="0" i="0" u="none" strike="noStrike">
+                        <a:solidFill>
+                          <a:srgbClr val="000000"/>
+                        </a:solidFill>
+                        <a:effectLst/>
+                        <a:latin typeface="等线" panose="02010600030101010101" pitchFamily="2" charset="-122"/>
+                        <a:ea typeface="等线" panose="02010600030101010101" pitchFamily="2" charset="-122"/>
+                      </a:endParaRPr>
+                    </a:p>
+                  </a:txBody>
+                  <a:tcPr marL="9525" marR="9525" marT="9525" marB="0" anchor="b"/>
+                </a:tc>
+                <a:tc>
+                  <a:txBody>
+                    <a:bodyPr/>
+                    <a:lstStyle/>
+                    <a:p>
+                      <a:pPr algn="r" fontAlgn="b"/>
+                      <a:r>
+                        <a:rPr lang="en-US" altLang="zh-CN" sz="1100" u="none" strike="noStrike">
+                          <a:effectLst/>
+                        </a:rPr>
+                        <a:t>2</a:t>
+                      </a:r>
+                      <a:endParaRPr lang="en-US" altLang="zh-CN" sz="1100" b="0" i="0" u="none" strike="noStrike">
+                        <a:solidFill>
+                          <a:srgbClr val="000000"/>
+                        </a:solidFill>
+                        <a:effectLst/>
+                        <a:latin typeface="等线" panose="02010600030101010101" pitchFamily="2" charset="-122"/>
+                        <a:ea typeface="等线" panose="02010600030101010101" pitchFamily="2" charset="-122"/>
+                      </a:endParaRPr>
+                    </a:p>
+                  </a:txBody>
+                  <a:tcPr marL="9525" marR="9525" marT="9525" marB="0" anchor="b"/>
+                </a:tc>
+                <a:tc>
+                  <a:txBody>
+                    <a:bodyPr/>
+                    <a:lstStyle/>
+                    <a:p>
+                      <a:pPr algn="r" fontAlgn="b"/>
+                      <a:r>
+                        <a:rPr lang="en-US" altLang="zh-CN" sz="1100" u="none" strike="noStrike">
+                          <a:effectLst/>
+                        </a:rPr>
+                        <a:t>-1</a:t>
+                      </a:r>
+                      <a:endParaRPr lang="en-US" altLang="zh-CN" sz="1100" b="0" i="0" u="none" strike="noStrike">
+                        <a:solidFill>
+                          <a:srgbClr val="000000"/>
+                        </a:solidFill>
+                        <a:effectLst/>
+                        <a:latin typeface="等线" panose="02010600030101010101" pitchFamily="2" charset="-122"/>
+                        <a:ea typeface="等线" panose="02010600030101010101" pitchFamily="2" charset="-122"/>
+                      </a:endParaRPr>
+                    </a:p>
+                  </a:txBody>
+                  <a:tcPr marL="9525" marR="9525" marT="9525" marB="0" anchor="b"/>
+                </a:tc>
+                <a:tc>
+                  <a:txBody>
+                    <a:bodyPr/>
+                    <a:lstStyle/>
+                    <a:p>
+                      <a:pPr algn="r" fontAlgn="b"/>
+                      <a:r>
+                        <a:rPr lang="en-US" altLang="zh-CN" sz="1100" u="none" strike="noStrike">
+                          <a:effectLst/>
+                        </a:rPr>
+                        <a:t>2</a:t>
+                      </a:r>
+                      <a:endParaRPr lang="en-US" altLang="zh-CN" sz="1100" b="0" i="0" u="none" strike="noStrike">
+                        <a:solidFill>
+                          <a:srgbClr val="000000"/>
+                        </a:solidFill>
+                        <a:effectLst/>
+                        <a:latin typeface="等线" panose="02010600030101010101" pitchFamily="2" charset="-122"/>
+                        <a:ea typeface="等线" panose="02010600030101010101" pitchFamily="2" charset="-122"/>
+                      </a:endParaRPr>
+                    </a:p>
+                  </a:txBody>
+                  <a:tcPr marL="9525" marR="9525" marT="9525" marB="0" anchor="b"/>
+                </a:tc>
+                <a:tc>
+                  <a:txBody>
+                    <a:bodyPr/>
+                    <a:lstStyle/>
+                    <a:p>
+                      <a:pPr algn="r" fontAlgn="b"/>
+                      <a:r>
+                        <a:rPr lang="en-US" altLang="zh-CN" sz="1100" u="none" strike="noStrike">
+                          <a:effectLst/>
+                        </a:rPr>
+                        <a:t>0</a:t>
+                      </a:r>
+                      <a:endParaRPr lang="en-US" altLang="zh-CN" sz="1100" b="0" i="0" u="none" strike="noStrike">
+                        <a:solidFill>
+                          <a:srgbClr val="000000"/>
+                        </a:solidFill>
+                        <a:effectLst/>
+                        <a:latin typeface="等线" panose="02010600030101010101" pitchFamily="2" charset="-122"/>
+                        <a:ea typeface="等线" panose="02010600030101010101" pitchFamily="2" charset="-122"/>
+                      </a:endParaRPr>
+                    </a:p>
+                  </a:txBody>
+                  <a:tcPr marL="9525" marR="9525" marT="9525" marB="0" anchor="b"/>
+                </a:tc>
+                <a:tc>
+                  <a:txBody>
+                    <a:bodyPr/>
+                    <a:lstStyle/>
+                    <a:p>
+                      <a:pPr algn="r" fontAlgn="b"/>
+                      <a:r>
+                        <a:rPr lang="en-US" altLang="zh-CN" sz="1100" u="none" strike="noStrike">
+                          <a:effectLst/>
+                        </a:rPr>
+                        <a:t>-1</a:t>
+                      </a:r>
+                      <a:endParaRPr lang="en-US" altLang="zh-CN" sz="1100" b="0" i="0" u="none" strike="noStrike">
+                        <a:solidFill>
+                          <a:srgbClr val="000000"/>
+                        </a:solidFill>
+                        <a:effectLst/>
+                        <a:latin typeface="等线" panose="02010600030101010101" pitchFamily="2" charset="-122"/>
+                        <a:ea typeface="等线" panose="02010600030101010101" pitchFamily="2" charset="-122"/>
+                      </a:endParaRPr>
+                    </a:p>
+                  </a:txBody>
+                  <a:tcPr marL="9525" marR="9525" marT="9525" marB="0" anchor="b"/>
+                </a:tc>
+                <a:tc>
+                  <a:txBody>
+                    <a:bodyPr/>
+                    <a:lstStyle/>
+                    <a:p>
+                      <a:pPr algn="r" fontAlgn="b"/>
+                      <a:r>
+                        <a:rPr lang="en-US" altLang="zh-CN" sz="1100" u="none" strike="noStrike">
+                          <a:effectLst/>
+                        </a:rPr>
+                        <a:t>1</a:t>
+                      </a:r>
+                      <a:endParaRPr lang="en-US" altLang="zh-CN" sz="1100" b="0" i="0" u="none" strike="noStrike">
+                        <a:solidFill>
+                          <a:srgbClr val="000000"/>
+                        </a:solidFill>
+                        <a:effectLst/>
+                        <a:latin typeface="等线" panose="02010600030101010101" pitchFamily="2" charset="-122"/>
+                        <a:ea typeface="等线" panose="02010600030101010101" pitchFamily="2" charset="-122"/>
+                      </a:endParaRPr>
+                    </a:p>
+                  </a:txBody>
+                  <a:tcPr marL="9525" marR="9525" marT="9525" marB="0" anchor="b"/>
+                </a:tc>
+                <a:tc>
+                  <a:txBody>
+                    <a:bodyPr/>
+                    <a:lstStyle/>
+                    <a:p>
+                      <a:pPr algn="r" fontAlgn="b"/>
+                      <a:r>
+                        <a:rPr lang="en-US" altLang="zh-CN" sz="1100" u="none" strike="noStrike">
+                          <a:effectLst/>
+                        </a:rPr>
+                        <a:t>0</a:t>
+                      </a:r>
+                      <a:endParaRPr lang="en-US" altLang="zh-CN" sz="1100" b="0" i="0" u="none" strike="noStrike">
+                        <a:solidFill>
+                          <a:srgbClr val="000000"/>
+                        </a:solidFill>
+                        <a:effectLst/>
+                        <a:latin typeface="等线" panose="02010600030101010101" pitchFamily="2" charset="-122"/>
+                        <a:ea typeface="等线" panose="02010600030101010101" pitchFamily="2" charset="-122"/>
+                      </a:endParaRPr>
+                    </a:p>
+                  </a:txBody>
+                  <a:tcPr marL="9525" marR="9525" marT="9525" marB="0" anchor="b"/>
+                </a:tc>
+                <a:extLst>
+                  <a:ext uri="{0D108BD9-81ED-4DB2-BD59-A6C34878D82A}">
+                    <a16:rowId xmlns:a16="http://schemas.microsoft.com/office/drawing/2014/main" val="549447776"/>
+                  </a:ext>
+                </a:extLst>
+              </a:tr>
+              <a:tr h="180975">
+                <a:tc>
+                  <a:txBody>
+                    <a:bodyPr/>
+                    <a:lstStyle/>
+                    <a:p>
+                      <a:pPr algn="r" fontAlgn="b"/>
+                      <a:r>
+                        <a:rPr lang="en-US" altLang="zh-CN" sz="1100" u="none" strike="noStrike">
+                          <a:effectLst/>
+                        </a:rPr>
+                        <a:t>1</a:t>
+                      </a:r>
+                      <a:endParaRPr lang="en-US" altLang="zh-CN" sz="1100" b="0" i="0" u="none" strike="noStrike">
+                        <a:solidFill>
+                          <a:srgbClr val="000000"/>
+                        </a:solidFill>
+                        <a:effectLst/>
+                        <a:latin typeface="等线" panose="02010600030101010101" pitchFamily="2" charset="-122"/>
+                        <a:ea typeface="等线" panose="02010600030101010101" pitchFamily="2" charset="-122"/>
+                      </a:endParaRPr>
+                    </a:p>
+                  </a:txBody>
+                  <a:tcPr marL="9525" marR="9525" marT="9525" marB="0" anchor="b"/>
+                </a:tc>
+                <a:tc>
+                  <a:txBody>
+                    <a:bodyPr/>
+                    <a:lstStyle/>
+                    <a:p>
+                      <a:pPr algn="r" fontAlgn="b"/>
+                      <a:r>
+                        <a:rPr lang="en-US" altLang="zh-CN" sz="1100" u="none" strike="noStrike">
+                          <a:effectLst/>
+                        </a:rPr>
+                        <a:t>1</a:t>
+                      </a:r>
+                      <a:endParaRPr lang="en-US" altLang="zh-CN" sz="1100" b="0" i="0" u="none" strike="noStrike">
+                        <a:solidFill>
+                          <a:srgbClr val="000000"/>
+                        </a:solidFill>
+                        <a:effectLst/>
+                        <a:latin typeface="等线" panose="02010600030101010101" pitchFamily="2" charset="-122"/>
+                        <a:ea typeface="等线" panose="02010600030101010101" pitchFamily="2" charset="-122"/>
+                      </a:endParaRPr>
+                    </a:p>
+                  </a:txBody>
+                  <a:tcPr marL="9525" marR="9525" marT="9525" marB="0" anchor="b"/>
+                </a:tc>
+                <a:tc>
+                  <a:txBody>
+                    <a:bodyPr/>
+                    <a:lstStyle/>
+                    <a:p>
+                      <a:pPr algn="r" fontAlgn="b"/>
+                      <a:r>
+                        <a:rPr lang="en-US" altLang="zh-CN" sz="1100" u="none" strike="noStrike">
+                          <a:effectLst/>
+                        </a:rPr>
+                        <a:t>1</a:t>
+                      </a:r>
+                      <a:endParaRPr lang="en-US" altLang="zh-CN" sz="1100" b="0" i="0" u="none" strike="noStrike">
+                        <a:solidFill>
+                          <a:srgbClr val="000000"/>
+                        </a:solidFill>
+                        <a:effectLst/>
+                        <a:latin typeface="等线" panose="02010600030101010101" pitchFamily="2" charset="-122"/>
+                        <a:ea typeface="等线" panose="02010600030101010101" pitchFamily="2" charset="-122"/>
+                      </a:endParaRPr>
+                    </a:p>
+                  </a:txBody>
+                  <a:tcPr marL="9525" marR="9525" marT="9525" marB="0" anchor="b"/>
+                </a:tc>
+                <a:tc>
+                  <a:txBody>
+                    <a:bodyPr/>
+                    <a:lstStyle/>
+                    <a:p>
+                      <a:pPr algn="r" fontAlgn="b"/>
+                      <a:r>
+                        <a:rPr lang="en-US" altLang="zh-CN" sz="1100" u="none" strike="noStrike">
+                          <a:effectLst/>
+                        </a:rPr>
+                        <a:t>1</a:t>
+                      </a:r>
+                      <a:endParaRPr lang="en-US" altLang="zh-CN" sz="1100" b="0" i="0" u="none" strike="noStrike">
+                        <a:solidFill>
+                          <a:srgbClr val="000000"/>
+                        </a:solidFill>
+                        <a:effectLst/>
+                        <a:latin typeface="等线" panose="02010600030101010101" pitchFamily="2" charset="-122"/>
+                        <a:ea typeface="等线" panose="02010600030101010101" pitchFamily="2" charset="-122"/>
+                      </a:endParaRPr>
+                    </a:p>
+                  </a:txBody>
+                  <a:tcPr marL="9525" marR="9525" marT="9525" marB="0" anchor="b"/>
+                </a:tc>
+                <a:tc>
+                  <a:txBody>
+                    <a:bodyPr/>
+                    <a:lstStyle/>
+                    <a:p>
+                      <a:pPr algn="r" fontAlgn="b"/>
+                      <a:r>
+                        <a:rPr lang="en-US" altLang="zh-CN" sz="1100" u="none" strike="noStrike">
+                          <a:effectLst/>
+                        </a:rPr>
+                        <a:t>0.2</a:t>
+                      </a:r>
+                      <a:endParaRPr lang="en-US" altLang="zh-CN" sz="1100" b="0" i="0" u="none" strike="noStrike">
+                        <a:solidFill>
+                          <a:srgbClr val="000000"/>
+                        </a:solidFill>
+                        <a:effectLst/>
+                        <a:latin typeface="等线" panose="02010600030101010101" pitchFamily="2" charset="-122"/>
+                        <a:ea typeface="等线" panose="02010600030101010101" pitchFamily="2" charset="-122"/>
+                      </a:endParaRPr>
+                    </a:p>
+                  </a:txBody>
+                  <a:tcPr marL="9525" marR="9525" marT="9525" marB="0" anchor="b"/>
+                </a:tc>
+                <a:tc>
+                  <a:txBody>
+                    <a:bodyPr/>
+                    <a:lstStyle/>
+                    <a:p>
+                      <a:pPr algn="r" fontAlgn="b"/>
+                      <a:r>
+                        <a:rPr lang="en-US" altLang="zh-CN" sz="1100" u="none" strike="noStrike">
+                          <a:effectLst/>
+                        </a:rPr>
+                        <a:t>-1</a:t>
+                      </a:r>
+                      <a:endParaRPr lang="en-US" altLang="zh-CN" sz="1100" b="0" i="0" u="none" strike="noStrike">
+                        <a:solidFill>
+                          <a:srgbClr val="000000"/>
+                        </a:solidFill>
+                        <a:effectLst/>
+                        <a:latin typeface="等线" panose="02010600030101010101" pitchFamily="2" charset="-122"/>
+                        <a:ea typeface="等线" panose="02010600030101010101" pitchFamily="2" charset="-122"/>
+                      </a:endParaRPr>
+                    </a:p>
+                  </a:txBody>
+                  <a:tcPr marL="9525" marR="9525" marT="9525" marB="0" anchor="b"/>
+                </a:tc>
+                <a:tc>
+                  <a:txBody>
+                    <a:bodyPr/>
+                    <a:lstStyle/>
+                    <a:p>
+                      <a:pPr algn="r" fontAlgn="b"/>
+                      <a:r>
+                        <a:rPr lang="en-US" altLang="zh-CN" sz="1100" u="none" strike="noStrike">
+                          <a:effectLst/>
+                        </a:rPr>
+                        <a:t>-2</a:t>
+                      </a:r>
+                      <a:endParaRPr lang="en-US" altLang="zh-CN" sz="1100" b="0" i="0" u="none" strike="noStrike">
+                        <a:solidFill>
+                          <a:srgbClr val="000000"/>
+                        </a:solidFill>
+                        <a:effectLst/>
+                        <a:latin typeface="等线" panose="02010600030101010101" pitchFamily="2" charset="-122"/>
+                        <a:ea typeface="等线" panose="02010600030101010101" pitchFamily="2" charset="-122"/>
+                      </a:endParaRPr>
+                    </a:p>
+                  </a:txBody>
+                  <a:tcPr marL="9525" marR="9525" marT="9525" marB="0" anchor="b"/>
+                </a:tc>
+                <a:tc>
+                  <a:txBody>
+                    <a:bodyPr/>
+                    <a:lstStyle/>
+                    <a:p>
+                      <a:pPr algn="r" fontAlgn="b"/>
+                      <a:r>
+                        <a:rPr lang="en-US" altLang="zh-CN" sz="1100" u="none" strike="noStrike">
+                          <a:effectLst/>
+                        </a:rPr>
+                        <a:t>-1</a:t>
+                      </a:r>
+                      <a:endParaRPr lang="en-US" altLang="zh-CN" sz="1100" b="0" i="0" u="none" strike="noStrike">
+                        <a:solidFill>
+                          <a:srgbClr val="000000"/>
+                        </a:solidFill>
+                        <a:effectLst/>
+                        <a:latin typeface="等线" panose="02010600030101010101" pitchFamily="2" charset="-122"/>
+                        <a:ea typeface="等线" panose="02010600030101010101" pitchFamily="2" charset="-122"/>
+                      </a:endParaRPr>
+                    </a:p>
+                  </a:txBody>
+                  <a:tcPr marL="9525" marR="9525" marT="9525" marB="0" anchor="b"/>
+                </a:tc>
+                <a:tc>
+                  <a:txBody>
+                    <a:bodyPr/>
+                    <a:lstStyle/>
+                    <a:p>
+                      <a:pPr algn="r" fontAlgn="b"/>
+                      <a:r>
+                        <a:rPr lang="en-US" altLang="zh-CN" sz="1100" u="none" strike="noStrike">
+                          <a:effectLst/>
+                        </a:rPr>
+                        <a:t>-1</a:t>
+                      </a:r>
+                      <a:endParaRPr lang="en-US" altLang="zh-CN" sz="1100" b="0" i="0" u="none" strike="noStrike">
+                        <a:solidFill>
+                          <a:srgbClr val="000000"/>
+                        </a:solidFill>
+                        <a:effectLst/>
+                        <a:latin typeface="等线" panose="02010600030101010101" pitchFamily="2" charset="-122"/>
+                        <a:ea typeface="等线" panose="02010600030101010101" pitchFamily="2" charset="-122"/>
+                      </a:endParaRPr>
+                    </a:p>
+                  </a:txBody>
+                  <a:tcPr marL="9525" marR="9525" marT="9525" marB="0" anchor="b"/>
+                </a:tc>
+                <a:tc>
+                  <a:txBody>
+                    <a:bodyPr/>
+                    <a:lstStyle/>
+                    <a:p>
+                      <a:pPr algn="r" fontAlgn="b"/>
+                      <a:r>
+                        <a:rPr lang="en-US" altLang="zh-CN" sz="1100" u="none" strike="noStrike">
+                          <a:effectLst/>
+                        </a:rPr>
+                        <a:t>2</a:t>
+                      </a:r>
+                      <a:endParaRPr lang="en-US" altLang="zh-CN" sz="1100" b="0" i="0" u="none" strike="noStrike">
+                        <a:solidFill>
+                          <a:srgbClr val="000000"/>
+                        </a:solidFill>
+                        <a:effectLst/>
+                        <a:latin typeface="等线" panose="02010600030101010101" pitchFamily="2" charset="-122"/>
+                        <a:ea typeface="等线" panose="02010600030101010101" pitchFamily="2" charset="-122"/>
+                      </a:endParaRPr>
+                    </a:p>
+                  </a:txBody>
+                  <a:tcPr marL="9525" marR="9525" marT="9525" marB="0" anchor="b"/>
+                </a:tc>
+                <a:tc>
+                  <a:txBody>
+                    <a:bodyPr/>
+                    <a:lstStyle/>
+                    <a:p>
+                      <a:pPr algn="r" fontAlgn="b"/>
+                      <a:r>
+                        <a:rPr lang="en-US" altLang="zh-CN" sz="1100" u="none" strike="noStrike">
+                          <a:effectLst/>
+                        </a:rPr>
+                        <a:t>2</a:t>
+                      </a:r>
+                      <a:endParaRPr lang="en-US" altLang="zh-CN" sz="1100" b="0" i="0" u="none" strike="noStrike">
+                        <a:solidFill>
+                          <a:srgbClr val="000000"/>
+                        </a:solidFill>
+                        <a:effectLst/>
+                        <a:latin typeface="等线" panose="02010600030101010101" pitchFamily="2" charset="-122"/>
+                        <a:ea typeface="等线" panose="02010600030101010101" pitchFamily="2" charset="-122"/>
+                      </a:endParaRPr>
+                    </a:p>
+                  </a:txBody>
+                  <a:tcPr marL="9525" marR="9525" marT="9525" marB="0" anchor="b"/>
+                </a:tc>
+                <a:tc>
+                  <a:txBody>
+                    <a:bodyPr/>
+                    <a:lstStyle/>
+                    <a:p>
+                      <a:pPr algn="r" fontAlgn="b"/>
+                      <a:r>
+                        <a:rPr lang="en-US" altLang="zh-CN" sz="1100" u="none" strike="noStrike">
+                          <a:effectLst/>
+                        </a:rPr>
+                        <a:t>-1</a:t>
+                      </a:r>
+                      <a:endParaRPr lang="en-US" altLang="zh-CN" sz="1100" b="0" i="0" u="none" strike="noStrike">
+                        <a:solidFill>
+                          <a:srgbClr val="000000"/>
+                        </a:solidFill>
+                        <a:effectLst/>
+                        <a:latin typeface="等线" panose="02010600030101010101" pitchFamily="2" charset="-122"/>
+                        <a:ea typeface="等线" panose="02010600030101010101" pitchFamily="2" charset="-122"/>
+                      </a:endParaRPr>
+                    </a:p>
+                  </a:txBody>
+                  <a:tcPr marL="9525" marR="9525" marT="9525" marB="0" anchor="b"/>
+                </a:tc>
+                <a:tc>
+                  <a:txBody>
+                    <a:bodyPr/>
+                    <a:lstStyle/>
+                    <a:p>
+                      <a:pPr algn="r" fontAlgn="b"/>
+                      <a:r>
+                        <a:rPr lang="en-US" altLang="zh-CN" sz="1100" u="none" strike="noStrike">
+                          <a:effectLst/>
+                        </a:rPr>
+                        <a:t>2</a:t>
+                      </a:r>
+                      <a:endParaRPr lang="en-US" altLang="zh-CN" sz="1100" b="0" i="0" u="none" strike="noStrike">
+                        <a:solidFill>
+                          <a:srgbClr val="000000"/>
+                        </a:solidFill>
+                        <a:effectLst/>
+                        <a:latin typeface="等线" panose="02010600030101010101" pitchFamily="2" charset="-122"/>
+                        <a:ea typeface="等线" panose="02010600030101010101" pitchFamily="2" charset="-122"/>
+                      </a:endParaRPr>
+                    </a:p>
+                  </a:txBody>
+                  <a:tcPr marL="9525" marR="9525" marT="9525" marB="0" anchor="b"/>
+                </a:tc>
+                <a:tc>
+                  <a:txBody>
+                    <a:bodyPr/>
+                    <a:lstStyle/>
+                    <a:p>
+                      <a:pPr algn="r" fontAlgn="b"/>
+                      <a:r>
+                        <a:rPr lang="en-US" altLang="zh-CN" sz="1100" u="none" strike="noStrike">
+                          <a:effectLst/>
+                        </a:rPr>
+                        <a:t>-1</a:t>
+                      </a:r>
+                      <a:endParaRPr lang="en-US" altLang="zh-CN" sz="1100" b="0" i="0" u="none" strike="noStrike">
+                        <a:solidFill>
+                          <a:srgbClr val="000000"/>
+                        </a:solidFill>
+                        <a:effectLst/>
+                        <a:latin typeface="等线" panose="02010600030101010101" pitchFamily="2" charset="-122"/>
+                        <a:ea typeface="等线" panose="02010600030101010101" pitchFamily="2" charset="-122"/>
+                      </a:endParaRPr>
+                    </a:p>
+                  </a:txBody>
+                  <a:tcPr marL="9525" marR="9525" marT="9525" marB="0" anchor="b"/>
+                </a:tc>
+                <a:tc>
+                  <a:txBody>
+                    <a:bodyPr/>
+                    <a:lstStyle/>
+                    <a:p>
+                      <a:pPr algn="r" fontAlgn="b"/>
+                      <a:r>
+                        <a:rPr lang="en-US" altLang="zh-CN" sz="1100" u="none" strike="noStrike">
+                          <a:effectLst/>
+                        </a:rPr>
+                        <a:t>2</a:t>
+                      </a:r>
+                      <a:endParaRPr lang="en-US" altLang="zh-CN" sz="1100" b="0" i="0" u="none" strike="noStrike">
+                        <a:solidFill>
+                          <a:srgbClr val="000000"/>
+                        </a:solidFill>
+                        <a:effectLst/>
+                        <a:latin typeface="等线" panose="02010600030101010101" pitchFamily="2" charset="-122"/>
+                        <a:ea typeface="等线" panose="02010600030101010101" pitchFamily="2" charset="-122"/>
+                      </a:endParaRPr>
+                    </a:p>
+                  </a:txBody>
+                  <a:tcPr marL="9525" marR="9525" marT="9525" marB="0" anchor="b"/>
+                </a:tc>
+                <a:tc>
+                  <a:txBody>
+                    <a:bodyPr/>
+                    <a:lstStyle/>
+                    <a:p>
+                      <a:pPr algn="r" fontAlgn="b"/>
+                      <a:r>
+                        <a:rPr lang="en-US" altLang="zh-CN" sz="1100" u="none" strike="noStrike">
+                          <a:effectLst/>
+                        </a:rPr>
+                        <a:t>-1</a:t>
+                      </a:r>
+                      <a:endParaRPr lang="en-US" altLang="zh-CN" sz="1100" b="0" i="0" u="none" strike="noStrike">
+                        <a:solidFill>
+                          <a:srgbClr val="000000"/>
+                        </a:solidFill>
+                        <a:effectLst/>
+                        <a:latin typeface="等线" panose="02010600030101010101" pitchFamily="2" charset="-122"/>
+                        <a:ea typeface="等线" panose="02010600030101010101" pitchFamily="2" charset="-122"/>
+                      </a:endParaRPr>
+                    </a:p>
+                  </a:txBody>
+                  <a:tcPr marL="9525" marR="9525" marT="9525" marB="0" anchor="b"/>
+                </a:tc>
+                <a:tc>
+                  <a:txBody>
+                    <a:bodyPr/>
+                    <a:lstStyle/>
+                    <a:p>
+                      <a:pPr algn="r" fontAlgn="b"/>
+                      <a:r>
+                        <a:rPr lang="en-US" altLang="zh-CN" sz="1100" u="none" strike="noStrike">
+                          <a:effectLst/>
+                        </a:rPr>
+                        <a:t>1.2</a:t>
+                      </a:r>
+                      <a:endParaRPr lang="en-US" altLang="zh-CN" sz="1100" b="0" i="0" u="none" strike="noStrike">
+                        <a:solidFill>
+                          <a:srgbClr val="000000"/>
+                        </a:solidFill>
+                        <a:effectLst/>
+                        <a:latin typeface="等线" panose="02010600030101010101" pitchFamily="2" charset="-122"/>
+                        <a:ea typeface="等线" panose="02010600030101010101" pitchFamily="2" charset="-122"/>
+                      </a:endParaRPr>
+                    </a:p>
+                  </a:txBody>
+                  <a:tcPr marL="9525" marR="9525" marT="9525" marB="0" anchor="b"/>
+                </a:tc>
+                <a:tc>
+                  <a:txBody>
+                    <a:bodyPr/>
+                    <a:lstStyle/>
+                    <a:p>
+                      <a:pPr algn="r" fontAlgn="b"/>
+                      <a:r>
+                        <a:rPr lang="en-US" altLang="zh-CN" sz="1100" u="none" strike="noStrike">
+                          <a:effectLst/>
+                        </a:rPr>
+                        <a:t>0</a:t>
+                      </a:r>
+                      <a:endParaRPr lang="en-US" altLang="zh-CN" sz="1100" b="0" i="0" u="none" strike="noStrike">
+                        <a:solidFill>
+                          <a:srgbClr val="000000"/>
+                        </a:solidFill>
+                        <a:effectLst/>
+                        <a:latin typeface="等线" panose="02010600030101010101" pitchFamily="2" charset="-122"/>
+                        <a:ea typeface="等线" panose="02010600030101010101" pitchFamily="2" charset="-122"/>
+                      </a:endParaRPr>
+                    </a:p>
+                  </a:txBody>
+                  <a:tcPr marL="9525" marR="9525" marT="9525" marB="0" anchor="b"/>
+                </a:tc>
+                <a:tc>
+                  <a:txBody>
+                    <a:bodyPr/>
+                    <a:lstStyle/>
+                    <a:p>
+                      <a:pPr algn="r" fontAlgn="b"/>
+                      <a:r>
+                        <a:rPr lang="en-US" altLang="zh-CN" sz="1100" u="none" strike="noStrike" dirty="0">
+                          <a:effectLst/>
+                        </a:rPr>
+                        <a:t>2</a:t>
+                      </a:r>
+                      <a:endParaRPr lang="en-US" altLang="zh-CN" sz="1100" b="0" i="0" u="none" strike="noStrike" dirty="0">
+                        <a:solidFill>
+                          <a:srgbClr val="000000"/>
+                        </a:solidFill>
+                        <a:effectLst/>
+                        <a:latin typeface="等线" panose="02010600030101010101" pitchFamily="2" charset="-122"/>
+                        <a:ea typeface="等线" panose="02010600030101010101" pitchFamily="2" charset="-122"/>
+                      </a:endParaRPr>
+                    </a:p>
+                  </a:txBody>
+                  <a:tcPr marL="9525" marR="9525" marT="9525" marB="0" anchor="b"/>
+                </a:tc>
+                <a:extLst>
+                  <a:ext uri="{0D108BD9-81ED-4DB2-BD59-A6C34878D82A}">
+                    <a16:rowId xmlns:a16="http://schemas.microsoft.com/office/drawing/2014/main" val="1133038484"/>
+                  </a:ext>
+                </a:extLst>
+              </a:tr>
+            </a:tbl>
+          </a:graphicData>
+        </a:graphic>
+      </p:graphicFrame>
+    </p:spTree>
+    <p:extLst>
+      <p:ext uri="{BB962C8B-B14F-4D97-AF65-F5344CB8AC3E}">
+        <p14:creationId xmlns:p14="http://schemas.microsoft.com/office/powerpoint/2010/main" val="3024373636"/>
       </p:ext>
     </p:extLst>
   </p:cSld>

--- a/AI/xorann.pptx
+++ b/AI/xorann.pptx
@@ -15,6 +15,8 @@
     <p:sldId id="265" r:id="rId9"/>
     <p:sldId id="267" r:id="rId10"/>
     <p:sldId id="266" r:id="rId11"/>
+    <p:sldId id="268" r:id="rId12"/>
+    <p:sldId id="269" r:id="rId13"/>
   </p:sldIdLst>
   <p:sldSz cx="12192000" cy="6858000"/>
   <p:notesSz cx="6858000" cy="9144000"/>
@@ -272,7 +274,7 @@
           <a:p>
             <a:fld id="{AE750C76-2007-4616-A7EA-867EBAA78C96}" type="datetimeFigureOut">
               <a:rPr lang="zh-CN" altLang="en-US" smtClean="0"/>
-              <a:t>2018/1/26</a:t>
+              <a:t>2018/1/28</a:t>
             </a:fld>
             <a:endParaRPr lang="zh-CN" altLang="en-US"/>
           </a:p>
@@ -470,7 +472,7 @@
           <a:p>
             <a:fld id="{AE750C76-2007-4616-A7EA-867EBAA78C96}" type="datetimeFigureOut">
               <a:rPr lang="zh-CN" altLang="en-US" smtClean="0"/>
-              <a:t>2018/1/26</a:t>
+              <a:t>2018/1/28</a:t>
             </a:fld>
             <a:endParaRPr lang="zh-CN" altLang="en-US"/>
           </a:p>
@@ -678,7 +680,7 @@
           <a:p>
             <a:fld id="{AE750C76-2007-4616-A7EA-867EBAA78C96}" type="datetimeFigureOut">
               <a:rPr lang="zh-CN" altLang="en-US" smtClean="0"/>
-              <a:t>2018/1/26</a:t>
+              <a:t>2018/1/28</a:t>
             </a:fld>
             <a:endParaRPr lang="zh-CN" altLang="en-US"/>
           </a:p>
@@ -876,7 +878,7 @@
           <a:p>
             <a:fld id="{AE750C76-2007-4616-A7EA-867EBAA78C96}" type="datetimeFigureOut">
               <a:rPr lang="zh-CN" altLang="en-US" smtClean="0"/>
-              <a:t>2018/1/26</a:t>
+              <a:t>2018/1/28</a:t>
             </a:fld>
             <a:endParaRPr lang="zh-CN" altLang="en-US"/>
           </a:p>
@@ -1151,7 +1153,7 @@
           <a:p>
             <a:fld id="{AE750C76-2007-4616-A7EA-867EBAA78C96}" type="datetimeFigureOut">
               <a:rPr lang="zh-CN" altLang="en-US" smtClean="0"/>
-              <a:t>2018/1/26</a:t>
+              <a:t>2018/1/28</a:t>
             </a:fld>
             <a:endParaRPr lang="zh-CN" altLang="en-US"/>
           </a:p>
@@ -1416,7 +1418,7 @@
           <a:p>
             <a:fld id="{AE750C76-2007-4616-A7EA-867EBAA78C96}" type="datetimeFigureOut">
               <a:rPr lang="zh-CN" altLang="en-US" smtClean="0"/>
-              <a:t>2018/1/26</a:t>
+              <a:t>2018/1/28</a:t>
             </a:fld>
             <a:endParaRPr lang="zh-CN" altLang="en-US"/>
           </a:p>
@@ -1828,7 +1830,7 @@
           <a:p>
             <a:fld id="{AE750C76-2007-4616-A7EA-867EBAA78C96}" type="datetimeFigureOut">
               <a:rPr lang="zh-CN" altLang="en-US" smtClean="0"/>
-              <a:t>2018/1/26</a:t>
+              <a:t>2018/1/28</a:t>
             </a:fld>
             <a:endParaRPr lang="zh-CN" altLang="en-US"/>
           </a:p>
@@ -1969,7 +1971,7 @@
           <a:p>
             <a:fld id="{AE750C76-2007-4616-A7EA-867EBAA78C96}" type="datetimeFigureOut">
               <a:rPr lang="zh-CN" altLang="en-US" smtClean="0"/>
-              <a:t>2018/1/26</a:t>
+              <a:t>2018/1/28</a:t>
             </a:fld>
             <a:endParaRPr lang="zh-CN" altLang="en-US"/>
           </a:p>
@@ -2082,7 +2084,7 @@
           <a:p>
             <a:fld id="{AE750C76-2007-4616-A7EA-867EBAA78C96}" type="datetimeFigureOut">
               <a:rPr lang="zh-CN" altLang="en-US" smtClean="0"/>
-              <a:t>2018/1/26</a:t>
+              <a:t>2018/1/28</a:t>
             </a:fld>
             <a:endParaRPr lang="zh-CN" altLang="en-US"/>
           </a:p>
@@ -2393,7 +2395,7 @@
           <a:p>
             <a:fld id="{AE750C76-2007-4616-A7EA-867EBAA78C96}" type="datetimeFigureOut">
               <a:rPr lang="zh-CN" altLang="en-US" smtClean="0"/>
-              <a:t>2018/1/26</a:t>
+              <a:t>2018/1/28</a:t>
             </a:fld>
             <a:endParaRPr lang="zh-CN" altLang="en-US"/>
           </a:p>
@@ -2681,7 +2683,7 @@
           <a:p>
             <a:fld id="{AE750C76-2007-4616-A7EA-867EBAA78C96}" type="datetimeFigureOut">
               <a:rPr lang="zh-CN" altLang="en-US" smtClean="0"/>
-              <a:t>2018/1/26</a:t>
+              <a:t>2018/1/28</a:t>
             </a:fld>
             <a:endParaRPr lang="zh-CN" altLang="en-US"/>
           </a:p>
@@ -2922,7 +2924,7 @@
           <a:p>
             <a:fld id="{AE750C76-2007-4616-A7EA-867EBAA78C96}" type="datetimeFigureOut">
               <a:rPr lang="zh-CN" altLang="en-US" smtClean="0"/>
-              <a:t>2018/1/26</a:t>
+              <a:t>2018/1/28</a:t>
             </a:fld>
             <a:endParaRPr lang="zh-CN" altLang="en-US"/>
           </a:p>
@@ -8959,6 +8961,1826 @@
 </p:sld>
 </file>
 
+<file path=ppt/slides/slide11.xml><?xml version="1.0" encoding="utf-8"?>
+<p:sld xmlns:a="http://schemas.openxmlformats.org/drawingml/2006/main" xmlns:r="http://schemas.openxmlformats.org/officeDocument/2006/relationships" xmlns:p="http://schemas.openxmlformats.org/presentationml/2006/main">
+  <p:cSld>
+    <p:spTree>
+      <p:nvGrpSpPr>
+        <p:cNvPr id="1" name=""/>
+        <p:cNvGrpSpPr/>
+        <p:nvPr/>
+      </p:nvGrpSpPr>
+      <p:grpSpPr>
+        <a:xfrm>
+          <a:off x="0" y="0"/>
+          <a:ext cx="0" cy="0"/>
+          <a:chOff x="0" y="0"/>
+          <a:chExt cx="0" cy="0"/>
+        </a:xfrm>
+      </p:grpSpPr>
+      <p:sp>
+        <p:nvSpPr>
+          <p:cNvPr id="4" name="椭圆 3">
+            <a:extLst>
+              <a:ext uri="{FF2B5EF4-FFF2-40B4-BE49-F238E27FC236}">
+                <a16:creationId xmlns:a16="http://schemas.microsoft.com/office/drawing/2014/main" id="{D6051683-F549-42E2-B33A-ABC7FFB9358F}"/>
+              </a:ext>
+            </a:extLst>
+          </p:cNvPr>
+          <p:cNvSpPr/>
+          <p:nvPr/>
+        </p:nvSpPr>
+        <p:spPr>
+          <a:xfrm>
+            <a:off x="2716306" y="1600200"/>
+            <a:ext cx="591670" cy="618565"/>
+          </a:xfrm>
+          <a:prstGeom prst="ellipse">
+            <a:avLst/>
+          </a:prstGeom>
+        </p:spPr>
+        <p:style>
+          <a:lnRef idx="2">
+            <a:schemeClr val="accent1">
+              <a:shade val="50000"/>
+            </a:schemeClr>
+          </a:lnRef>
+          <a:fillRef idx="1">
+            <a:schemeClr val="accent1"/>
+          </a:fillRef>
+          <a:effectRef idx="0">
+            <a:schemeClr val="accent1"/>
+          </a:effectRef>
+          <a:fontRef idx="minor">
+            <a:schemeClr val="lt1"/>
+          </a:fontRef>
+        </p:style>
+        <p:txBody>
+          <a:bodyPr rtlCol="0" anchor="ctr"/>
+          <a:lstStyle/>
+          <a:p>
+            <a:pPr algn="ctr"/>
+            <a:endParaRPr lang="zh-CN" altLang="en-US"/>
+          </a:p>
+        </p:txBody>
+      </p:sp>
+      <p:cxnSp>
+        <p:nvCxnSpPr>
+          <p:cNvPr id="6" name="直接箭头连接符 5">
+            <a:extLst>
+              <a:ext uri="{FF2B5EF4-FFF2-40B4-BE49-F238E27FC236}">
+                <a16:creationId xmlns:a16="http://schemas.microsoft.com/office/drawing/2014/main" id="{A394064C-2344-4DCA-AF9E-49568813B092}"/>
+              </a:ext>
+            </a:extLst>
+          </p:cNvPr>
+          <p:cNvCxnSpPr>
+            <a:cxnSpLocks/>
+            <a:endCxn id="4" idx="2"/>
+          </p:cNvCxnSpPr>
+          <p:nvPr/>
+        </p:nvCxnSpPr>
+        <p:spPr>
+          <a:xfrm>
+            <a:off x="1640541" y="1909483"/>
+            <a:ext cx="1075765" cy="0"/>
+          </a:xfrm>
+          <a:prstGeom prst="straightConnector1">
+            <a:avLst/>
+          </a:prstGeom>
+          <a:ln>
+            <a:tailEnd type="triangle"/>
+          </a:ln>
+        </p:spPr>
+        <p:style>
+          <a:lnRef idx="1">
+            <a:schemeClr val="accent1"/>
+          </a:lnRef>
+          <a:fillRef idx="0">
+            <a:schemeClr val="accent1"/>
+          </a:fillRef>
+          <a:effectRef idx="0">
+            <a:schemeClr val="accent1"/>
+          </a:effectRef>
+          <a:fontRef idx="minor">
+            <a:schemeClr val="tx1"/>
+          </a:fontRef>
+        </p:style>
+      </p:cxnSp>
+      <p:sp>
+        <p:nvSpPr>
+          <p:cNvPr id="8" name="文本框 7">
+            <a:extLst>
+              <a:ext uri="{FF2B5EF4-FFF2-40B4-BE49-F238E27FC236}">
+                <a16:creationId xmlns:a16="http://schemas.microsoft.com/office/drawing/2014/main" id="{FA99E144-301C-4F51-8430-B722125D5571}"/>
+              </a:ext>
+            </a:extLst>
+          </p:cNvPr>
+          <p:cNvSpPr txBox="1"/>
+          <p:nvPr/>
+        </p:nvSpPr>
+        <p:spPr>
+          <a:xfrm>
+            <a:off x="2057400" y="1909483"/>
+            <a:ext cx="407484" cy="369332"/>
+          </a:xfrm>
+          <a:prstGeom prst="rect">
+            <a:avLst/>
+          </a:prstGeom>
+          <a:noFill/>
+        </p:spPr>
+        <p:txBody>
+          <a:bodyPr wrap="none" rtlCol="0">
+            <a:spAutoFit/>
+          </a:bodyPr>
+          <a:lstStyle/>
+          <a:p>
+            <a:r>
+              <a:rPr lang="en-US" altLang="zh-CN" dirty="0"/>
+              <a:t>x1</a:t>
+            </a:r>
+            <a:endParaRPr lang="zh-CN" altLang="en-US" dirty="0"/>
+          </a:p>
+        </p:txBody>
+      </p:sp>
+      <p:sp>
+        <p:nvSpPr>
+          <p:cNvPr id="9" name="椭圆 8">
+            <a:extLst>
+              <a:ext uri="{FF2B5EF4-FFF2-40B4-BE49-F238E27FC236}">
+                <a16:creationId xmlns:a16="http://schemas.microsoft.com/office/drawing/2014/main" id="{ACEDCAD0-3802-4BE0-A535-229C6B79A228}"/>
+              </a:ext>
+            </a:extLst>
+          </p:cNvPr>
+          <p:cNvSpPr/>
+          <p:nvPr/>
+        </p:nvSpPr>
+        <p:spPr>
+          <a:xfrm>
+            <a:off x="2805505" y="3333095"/>
+            <a:ext cx="591670" cy="479788"/>
+          </a:xfrm>
+          <a:prstGeom prst="ellipse">
+            <a:avLst/>
+          </a:prstGeom>
+        </p:spPr>
+        <p:style>
+          <a:lnRef idx="2">
+            <a:schemeClr val="accent1">
+              <a:shade val="50000"/>
+            </a:schemeClr>
+          </a:lnRef>
+          <a:fillRef idx="1">
+            <a:schemeClr val="accent1"/>
+          </a:fillRef>
+          <a:effectRef idx="0">
+            <a:schemeClr val="accent1"/>
+          </a:effectRef>
+          <a:fontRef idx="minor">
+            <a:schemeClr val="lt1"/>
+          </a:fontRef>
+        </p:style>
+        <p:txBody>
+          <a:bodyPr rtlCol="0" anchor="ctr"/>
+          <a:lstStyle/>
+          <a:p>
+            <a:pPr algn="ctr"/>
+            <a:endParaRPr lang="zh-CN" altLang="en-US"/>
+          </a:p>
+        </p:txBody>
+      </p:sp>
+      <p:cxnSp>
+        <p:nvCxnSpPr>
+          <p:cNvPr id="10" name="直接箭头连接符 9">
+            <a:extLst>
+              <a:ext uri="{FF2B5EF4-FFF2-40B4-BE49-F238E27FC236}">
+                <a16:creationId xmlns:a16="http://schemas.microsoft.com/office/drawing/2014/main" id="{D6EC42AB-2312-49AE-92E1-9299E3EFEAE7}"/>
+              </a:ext>
+            </a:extLst>
+          </p:cNvPr>
+          <p:cNvCxnSpPr>
+            <a:cxnSpLocks/>
+          </p:cNvCxnSpPr>
+          <p:nvPr/>
+        </p:nvCxnSpPr>
+        <p:spPr>
+          <a:xfrm>
+            <a:off x="1729739" y="3660306"/>
+            <a:ext cx="1075765" cy="0"/>
+          </a:xfrm>
+          <a:prstGeom prst="straightConnector1">
+            <a:avLst/>
+          </a:prstGeom>
+          <a:ln>
+            <a:tailEnd type="triangle"/>
+          </a:ln>
+        </p:spPr>
+        <p:style>
+          <a:lnRef idx="1">
+            <a:schemeClr val="accent1"/>
+          </a:lnRef>
+          <a:fillRef idx="0">
+            <a:schemeClr val="accent1"/>
+          </a:fillRef>
+          <a:effectRef idx="0">
+            <a:schemeClr val="accent1"/>
+          </a:effectRef>
+          <a:fontRef idx="minor">
+            <a:schemeClr val="tx1"/>
+          </a:fontRef>
+        </p:style>
+      </p:cxnSp>
+      <p:sp>
+        <p:nvSpPr>
+          <p:cNvPr id="11" name="文本框 10">
+            <a:extLst>
+              <a:ext uri="{FF2B5EF4-FFF2-40B4-BE49-F238E27FC236}">
+                <a16:creationId xmlns:a16="http://schemas.microsoft.com/office/drawing/2014/main" id="{9D2B9621-BA48-4E43-96FC-56B6736718B1}"/>
+              </a:ext>
+            </a:extLst>
+          </p:cNvPr>
+          <p:cNvSpPr txBox="1"/>
+          <p:nvPr/>
+        </p:nvSpPr>
+        <p:spPr>
+          <a:xfrm>
+            <a:off x="2131116" y="3599367"/>
+            <a:ext cx="407484" cy="369332"/>
+          </a:xfrm>
+          <a:prstGeom prst="rect">
+            <a:avLst/>
+          </a:prstGeom>
+          <a:noFill/>
+        </p:spPr>
+        <p:txBody>
+          <a:bodyPr wrap="none" rtlCol="0">
+            <a:spAutoFit/>
+          </a:bodyPr>
+          <a:lstStyle/>
+          <a:p>
+            <a:r>
+              <a:rPr lang="en-US" altLang="zh-CN" dirty="0"/>
+              <a:t>x2</a:t>
+            </a:r>
+            <a:endParaRPr lang="zh-CN" altLang="en-US" dirty="0"/>
+          </a:p>
+        </p:txBody>
+      </p:sp>
+      <p:sp>
+        <p:nvSpPr>
+          <p:cNvPr id="12" name="椭圆 11">
+            <a:extLst>
+              <a:ext uri="{FF2B5EF4-FFF2-40B4-BE49-F238E27FC236}">
+                <a16:creationId xmlns:a16="http://schemas.microsoft.com/office/drawing/2014/main" id="{7AC17AC9-0B7C-4DA2-8B5A-CC4EA392C907}"/>
+              </a:ext>
+            </a:extLst>
+          </p:cNvPr>
+          <p:cNvSpPr/>
+          <p:nvPr/>
+        </p:nvSpPr>
+        <p:spPr>
+          <a:xfrm>
+            <a:off x="4253747" y="1631577"/>
+            <a:ext cx="591670" cy="618565"/>
+          </a:xfrm>
+          <a:prstGeom prst="ellipse">
+            <a:avLst/>
+          </a:prstGeom>
+        </p:spPr>
+        <p:style>
+          <a:lnRef idx="2">
+            <a:schemeClr val="accent1">
+              <a:shade val="50000"/>
+            </a:schemeClr>
+          </a:lnRef>
+          <a:fillRef idx="1">
+            <a:schemeClr val="accent1"/>
+          </a:fillRef>
+          <a:effectRef idx="0">
+            <a:schemeClr val="accent1"/>
+          </a:effectRef>
+          <a:fontRef idx="minor">
+            <a:schemeClr val="lt1"/>
+          </a:fontRef>
+        </p:style>
+        <p:txBody>
+          <a:bodyPr rtlCol="0" anchor="ctr"/>
+          <a:lstStyle/>
+          <a:p>
+            <a:pPr algn="ctr"/>
+            <a:r>
+              <a:rPr lang="en-US" altLang="zh-CN" dirty="0"/>
+              <a:t>s2</a:t>
+            </a:r>
+            <a:endParaRPr lang="zh-CN" altLang="en-US" dirty="0"/>
+          </a:p>
+        </p:txBody>
+      </p:sp>
+      <p:cxnSp>
+        <p:nvCxnSpPr>
+          <p:cNvPr id="15" name="直接箭头连接符 14">
+            <a:extLst>
+              <a:ext uri="{FF2B5EF4-FFF2-40B4-BE49-F238E27FC236}">
+                <a16:creationId xmlns:a16="http://schemas.microsoft.com/office/drawing/2014/main" id="{066992FA-AA0F-4489-9824-15790861A377}"/>
+              </a:ext>
+            </a:extLst>
+          </p:cNvPr>
+          <p:cNvCxnSpPr>
+            <a:stCxn id="4" idx="6"/>
+            <a:endCxn id="12" idx="2"/>
+          </p:cNvCxnSpPr>
+          <p:nvPr/>
+        </p:nvCxnSpPr>
+        <p:spPr>
+          <a:xfrm>
+            <a:off x="3307976" y="1909483"/>
+            <a:ext cx="945771" cy="31377"/>
+          </a:xfrm>
+          <a:prstGeom prst="straightConnector1">
+            <a:avLst/>
+          </a:prstGeom>
+          <a:ln>
+            <a:tailEnd type="triangle"/>
+          </a:ln>
+        </p:spPr>
+        <p:style>
+          <a:lnRef idx="1">
+            <a:schemeClr val="accent1"/>
+          </a:lnRef>
+          <a:fillRef idx="0">
+            <a:schemeClr val="accent1"/>
+          </a:fillRef>
+          <a:effectRef idx="0">
+            <a:schemeClr val="accent1"/>
+          </a:effectRef>
+          <a:fontRef idx="minor">
+            <a:schemeClr val="tx1"/>
+          </a:fontRef>
+        </p:style>
+      </p:cxnSp>
+      <p:cxnSp>
+        <p:nvCxnSpPr>
+          <p:cNvPr id="17" name="直接箭头连接符 16">
+            <a:extLst>
+              <a:ext uri="{FF2B5EF4-FFF2-40B4-BE49-F238E27FC236}">
+                <a16:creationId xmlns:a16="http://schemas.microsoft.com/office/drawing/2014/main" id="{5141F3B3-F098-4CC9-859B-6111AB3FFC80}"/>
+              </a:ext>
+            </a:extLst>
+          </p:cNvPr>
+          <p:cNvCxnSpPr>
+            <a:cxnSpLocks/>
+            <a:stCxn id="9" idx="6"/>
+            <a:endCxn id="12" idx="2"/>
+          </p:cNvCxnSpPr>
+          <p:nvPr/>
+        </p:nvCxnSpPr>
+        <p:spPr>
+          <a:xfrm flipV="1">
+            <a:off x="3397175" y="1940860"/>
+            <a:ext cx="856572" cy="1632129"/>
+          </a:xfrm>
+          <a:prstGeom prst="straightConnector1">
+            <a:avLst/>
+          </a:prstGeom>
+          <a:ln>
+            <a:tailEnd type="triangle"/>
+          </a:ln>
+        </p:spPr>
+        <p:style>
+          <a:lnRef idx="1">
+            <a:schemeClr val="accent1"/>
+          </a:lnRef>
+          <a:fillRef idx="0">
+            <a:schemeClr val="accent1"/>
+          </a:fillRef>
+          <a:effectRef idx="0">
+            <a:schemeClr val="accent1"/>
+          </a:effectRef>
+          <a:fontRef idx="minor">
+            <a:schemeClr val="tx1"/>
+          </a:fontRef>
+        </p:style>
+      </p:cxnSp>
+      <p:sp>
+        <p:nvSpPr>
+          <p:cNvPr id="20" name="矩形 19">
+            <a:extLst>
+              <a:ext uri="{FF2B5EF4-FFF2-40B4-BE49-F238E27FC236}">
+                <a16:creationId xmlns:a16="http://schemas.microsoft.com/office/drawing/2014/main" id="{797724EE-B432-4705-98F2-C0BAA3E87C80}"/>
+              </a:ext>
+            </a:extLst>
+          </p:cNvPr>
+          <p:cNvSpPr/>
+          <p:nvPr/>
+        </p:nvSpPr>
+        <p:spPr>
+          <a:xfrm>
+            <a:off x="4845417" y="1600200"/>
+            <a:ext cx="295835" cy="709991"/>
+          </a:xfrm>
+          <a:prstGeom prst="rect">
+            <a:avLst/>
+          </a:prstGeom>
+        </p:spPr>
+        <p:style>
+          <a:lnRef idx="2">
+            <a:schemeClr val="accent1">
+              <a:shade val="50000"/>
+            </a:schemeClr>
+          </a:lnRef>
+          <a:fillRef idx="1">
+            <a:schemeClr val="accent1"/>
+          </a:fillRef>
+          <a:effectRef idx="0">
+            <a:schemeClr val="accent1"/>
+          </a:effectRef>
+          <a:fontRef idx="minor">
+            <a:schemeClr val="lt1"/>
+          </a:fontRef>
+        </p:style>
+        <p:txBody>
+          <a:bodyPr rtlCol="0" anchor="ctr"/>
+          <a:lstStyle/>
+          <a:p>
+            <a:pPr algn="ctr"/>
+            <a:endParaRPr lang="zh-CN" altLang="en-US" dirty="0"/>
+          </a:p>
+        </p:txBody>
+      </p:sp>
+      <p:sp>
+        <p:nvSpPr>
+          <p:cNvPr id="21" name="椭圆 20">
+            <a:extLst>
+              <a:ext uri="{FF2B5EF4-FFF2-40B4-BE49-F238E27FC236}">
+                <a16:creationId xmlns:a16="http://schemas.microsoft.com/office/drawing/2014/main" id="{B01EC96D-D5FD-48EB-9A0D-DCE627E843F4}"/>
+              </a:ext>
+            </a:extLst>
+          </p:cNvPr>
+          <p:cNvSpPr/>
+          <p:nvPr/>
+        </p:nvSpPr>
+        <p:spPr>
+          <a:xfrm>
+            <a:off x="4224162" y="3130676"/>
+            <a:ext cx="591670" cy="618565"/>
+          </a:xfrm>
+          <a:prstGeom prst="ellipse">
+            <a:avLst/>
+          </a:prstGeom>
+        </p:spPr>
+        <p:style>
+          <a:lnRef idx="2">
+            <a:schemeClr val="accent1">
+              <a:shade val="50000"/>
+            </a:schemeClr>
+          </a:lnRef>
+          <a:fillRef idx="1">
+            <a:schemeClr val="accent1"/>
+          </a:fillRef>
+          <a:effectRef idx="0">
+            <a:schemeClr val="accent1"/>
+          </a:effectRef>
+          <a:fontRef idx="minor">
+            <a:schemeClr val="lt1"/>
+          </a:fontRef>
+        </p:style>
+        <p:txBody>
+          <a:bodyPr rtlCol="0" anchor="ctr"/>
+          <a:lstStyle/>
+          <a:p>
+            <a:pPr algn="ctr"/>
+            <a:r>
+              <a:rPr lang="en-US" altLang="zh-CN" dirty="0"/>
+              <a:t>s3</a:t>
+            </a:r>
+            <a:endParaRPr lang="zh-CN" altLang="en-US" dirty="0"/>
+          </a:p>
+        </p:txBody>
+      </p:sp>
+      <p:cxnSp>
+        <p:nvCxnSpPr>
+          <p:cNvPr id="23" name="直接箭头连接符 22">
+            <a:extLst>
+              <a:ext uri="{FF2B5EF4-FFF2-40B4-BE49-F238E27FC236}">
+                <a16:creationId xmlns:a16="http://schemas.microsoft.com/office/drawing/2014/main" id="{53C4814B-7721-425D-9CC9-E2F33EB03D4D}"/>
+              </a:ext>
+            </a:extLst>
+          </p:cNvPr>
+          <p:cNvCxnSpPr>
+            <a:cxnSpLocks/>
+            <a:stCxn id="4" idx="6"/>
+            <a:endCxn id="21" idx="2"/>
+          </p:cNvCxnSpPr>
+          <p:nvPr/>
+        </p:nvCxnSpPr>
+        <p:spPr>
+          <a:xfrm>
+            <a:off x="3307976" y="1909483"/>
+            <a:ext cx="916186" cy="1530476"/>
+          </a:xfrm>
+          <a:prstGeom prst="straightConnector1">
+            <a:avLst/>
+          </a:prstGeom>
+          <a:ln>
+            <a:tailEnd type="triangle"/>
+          </a:ln>
+        </p:spPr>
+        <p:style>
+          <a:lnRef idx="1">
+            <a:schemeClr val="accent1"/>
+          </a:lnRef>
+          <a:fillRef idx="0">
+            <a:schemeClr val="accent1"/>
+          </a:fillRef>
+          <a:effectRef idx="0">
+            <a:schemeClr val="accent1"/>
+          </a:effectRef>
+          <a:fontRef idx="minor">
+            <a:schemeClr val="tx1"/>
+          </a:fontRef>
+        </p:style>
+      </p:cxnSp>
+      <p:cxnSp>
+        <p:nvCxnSpPr>
+          <p:cNvPr id="25" name="直接箭头连接符 24">
+            <a:extLst>
+              <a:ext uri="{FF2B5EF4-FFF2-40B4-BE49-F238E27FC236}">
+                <a16:creationId xmlns:a16="http://schemas.microsoft.com/office/drawing/2014/main" id="{3D9595E7-B551-42BE-8CCC-D49761CE7D9E}"/>
+              </a:ext>
+            </a:extLst>
+          </p:cNvPr>
+          <p:cNvCxnSpPr>
+            <a:cxnSpLocks/>
+            <a:stCxn id="9" idx="6"/>
+            <a:endCxn id="21" idx="2"/>
+          </p:cNvCxnSpPr>
+          <p:nvPr/>
+        </p:nvCxnSpPr>
+        <p:spPr>
+          <a:xfrm flipV="1">
+            <a:off x="3397175" y="3439959"/>
+            <a:ext cx="826987" cy="133030"/>
+          </a:xfrm>
+          <a:prstGeom prst="straightConnector1">
+            <a:avLst/>
+          </a:prstGeom>
+          <a:ln>
+            <a:tailEnd type="triangle"/>
+          </a:ln>
+        </p:spPr>
+        <p:style>
+          <a:lnRef idx="1">
+            <a:schemeClr val="accent1"/>
+          </a:lnRef>
+          <a:fillRef idx="0">
+            <a:schemeClr val="accent1"/>
+          </a:fillRef>
+          <a:effectRef idx="0">
+            <a:schemeClr val="accent1"/>
+          </a:effectRef>
+          <a:fontRef idx="minor">
+            <a:schemeClr val="tx1"/>
+          </a:fontRef>
+        </p:style>
+      </p:cxnSp>
+      <p:sp>
+        <p:nvSpPr>
+          <p:cNvPr id="27" name="矩形 26">
+            <a:extLst>
+              <a:ext uri="{FF2B5EF4-FFF2-40B4-BE49-F238E27FC236}">
+                <a16:creationId xmlns:a16="http://schemas.microsoft.com/office/drawing/2014/main" id="{3DEA80F1-BEC6-4FEC-872C-5C04FE65D044}"/>
+              </a:ext>
+            </a:extLst>
+          </p:cNvPr>
+          <p:cNvSpPr/>
+          <p:nvPr/>
+        </p:nvSpPr>
+        <p:spPr>
+          <a:xfrm>
+            <a:off x="4820310" y="3223739"/>
+            <a:ext cx="295835" cy="550702"/>
+          </a:xfrm>
+          <a:prstGeom prst="rect">
+            <a:avLst/>
+          </a:prstGeom>
+        </p:spPr>
+        <p:style>
+          <a:lnRef idx="2">
+            <a:schemeClr val="accent1">
+              <a:shade val="50000"/>
+            </a:schemeClr>
+          </a:lnRef>
+          <a:fillRef idx="1">
+            <a:schemeClr val="accent1"/>
+          </a:fillRef>
+          <a:effectRef idx="0">
+            <a:schemeClr val="accent1"/>
+          </a:effectRef>
+          <a:fontRef idx="minor">
+            <a:schemeClr val="lt1"/>
+          </a:fontRef>
+        </p:style>
+        <p:txBody>
+          <a:bodyPr rtlCol="0" anchor="ctr"/>
+          <a:lstStyle/>
+          <a:p>
+            <a:pPr algn="ctr"/>
+            <a:endParaRPr lang="zh-CN" altLang="en-US"/>
+          </a:p>
+        </p:txBody>
+      </p:sp>
+      <p:sp>
+        <p:nvSpPr>
+          <p:cNvPr id="30" name="椭圆 29">
+            <a:extLst>
+              <a:ext uri="{FF2B5EF4-FFF2-40B4-BE49-F238E27FC236}">
+                <a16:creationId xmlns:a16="http://schemas.microsoft.com/office/drawing/2014/main" id="{B3A7CCA3-B5DF-492C-BC8F-BBB104A4DAD3}"/>
+              </a:ext>
+            </a:extLst>
+          </p:cNvPr>
+          <p:cNvSpPr/>
+          <p:nvPr/>
+        </p:nvSpPr>
+        <p:spPr>
+          <a:xfrm>
+            <a:off x="5979783" y="2592022"/>
+            <a:ext cx="591670" cy="618565"/>
+          </a:xfrm>
+          <a:prstGeom prst="ellipse">
+            <a:avLst/>
+          </a:prstGeom>
+        </p:spPr>
+        <p:style>
+          <a:lnRef idx="2">
+            <a:schemeClr val="accent1">
+              <a:shade val="50000"/>
+            </a:schemeClr>
+          </a:lnRef>
+          <a:fillRef idx="1">
+            <a:schemeClr val="accent1"/>
+          </a:fillRef>
+          <a:effectRef idx="0">
+            <a:schemeClr val="accent1"/>
+          </a:effectRef>
+          <a:fontRef idx="minor">
+            <a:schemeClr val="lt1"/>
+          </a:fontRef>
+        </p:style>
+        <p:txBody>
+          <a:bodyPr rtlCol="0" anchor="ctr"/>
+          <a:lstStyle/>
+          <a:p>
+            <a:pPr algn="ctr"/>
+            <a:r>
+              <a:rPr lang="en-US" altLang="zh-CN" sz="1400" dirty="0"/>
+              <a:t>OS</a:t>
+            </a:r>
+            <a:endParaRPr lang="zh-CN" altLang="en-US" dirty="0"/>
+          </a:p>
+        </p:txBody>
+      </p:sp>
+      <p:sp>
+        <p:nvSpPr>
+          <p:cNvPr id="31" name="矩形 30">
+            <a:extLst>
+              <a:ext uri="{FF2B5EF4-FFF2-40B4-BE49-F238E27FC236}">
+                <a16:creationId xmlns:a16="http://schemas.microsoft.com/office/drawing/2014/main" id="{2D2C1D2F-12DD-4F7C-91D8-0333BAECCEDC}"/>
+              </a:ext>
+            </a:extLst>
+          </p:cNvPr>
+          <p:cNvSpPr/>
+          <p:nvPr/>
+        </p:nvSpPr>
+        <p:spPr>
+          <a:xfrm>
+            <a:off x="6562940" y="2482114"/>
+            <a:ext cx="468398" cy="741625"/>
+          </a:xfrm>
+          <a:prstGeom prst="rect">
+            <a:avLst/>
+          </a:prstGeom>
+        </p:spPr>
+        <p:style>
+          <a:lnRef idx="2">
+            <a:schemeClr val="accent1">
+              <a:shade val="50000"/>
+            </a:schemeClr>
+          </a:lnRef>
+          <a:fillRef idx="1">
+            <a:schemeClr val="accent1"/>
+          </a:fillRef>
+          <a:effectRef idx="0">
+            <a:schemeClr val="accent1"/>
+          </a:effectRef>
+          <a:fontRef idx="minor">
+            <a:schemeClr val="lt1"/>
+          </a:fontRef>
+        </p:style>
+        <p:txBody>
+          <a:bodyPr rtlCol="0" anchor="ctr"/>
+          <a:lstStyle/>
+          <a:p>
+            <a:pPr algn="ctr"/>
+            <a:endParaRPr lang="zh-CN" altLang="en-US"/>
+          </a:p>
+        </p:txBody>
+      </p:sp>
+      <p:cxnSp>
+        <p:nvCxnSpPr>
+          <p:cNvPr id="33" name="直接箭头连接符 32">
+            <a:extLst>
+              <a:ext uri="{FF2B5EF4-FFF2-40B4-BE49-F238E27FC236}">
+                <a16:creationId xmlns:a16="http://schemas.microsoft.com/office/drawing/2014/main" id="{E9569E83-3400-4C72-9C69-1387FC594381}"/>
+              </a:ext>
+            </a:extLst>
+          </p:cNvPr>
+          <p:cNvCxnSpPr>
+            <a:cxnSpLocks/>
+            <a:stCxn id="20" idx="3"/>
+            <a:endCxn id="30" idx="2"/>
+          </p:cNvCxnSpPr>
+          <p:nvPr/>
+        </p:nvCxnSpPr>
+        <p:spPr>
+          <a:xfrm>
+            <a:off x="5141252" y="1955196"/>
+            <a:ext cx="838531" cy="946109"/>
+          </a:xfrm>
+          <a:prstGeom prst="straightConnector1">
+            <a:avLst/>
+          </a:prstGeom>
+          <a:ln>
+            <a:tailEnd type="triangle"/>
+          </a:ln>
+        </p:spPr>
+        <p:style>
+          <a:lnRef idx="1">
+            <a:schemeClr val="accent1"/>
+          </a:lnRef>
+          <a:fillRef idx="0">
+            <a:schemeClr val="accent1"/>
+          </a:fillRef>
+          <a:effectRef idx="0">
+            <a:schemeClr val="accent1"/>
+          </a:effectRef>
+          <a:fontRef idx="minor">
+            <a:schemeClr val="tx1"/>
+          </a:fontRef>
+        </p:style>
+      </p:cxnSp>
+      <p:cxnSp>
+        <p:nvCxnSpPr>
+          <p:cNvPr id="35" name="直接箭头连接符 34">
+            <a:extLst>
+              <a:ext uri="{FF2B5EF4-FFF2-40B4-BE49-F238E27FC236}">
+                <a16:creationId xmlns:a16="http://schemas.microsoft.com/office/drawing/2014/main" id="{D6BEED4A-FE68-4420-A49B-748789ED6766}"/>
+              </a:ext>
+            </a:extLst>
+          </p:cNvPr>
+          <p:cNvCxnSpPr>
+            <a:stCxn id="27" idx="3"/>
+            <a:endCxn id="30" idx="2"/>
+          </p:cNvCxnSpPr>
+          <p:nvPr/>
+        </p:nvCxnSpPr>
+        <p:spPr>
+          <a:xfrm flipV="1">
+            <a:off x="5116145" y="2901305"/>
+            <a:ext cx="863638" cy="597785"/>
+          </a:xfrm>
+          <a:prstGeom prst="straightConnector1">
+            <a:avLst/>
+          </a:prstGeom>
+          <a:ln>
+            <a:tailEnd type="triangle"/>
+          </a:ln>
+        </p:spPr>
+        <p:style>
+          <a:lnRef idx="1">
+            <a:schemeClr val="accent1"/>
+          </a:lnRef>
+          <a:fillRef idx="0">
+            <a:schemeClr val="accent1"/>
+          </a:fillRef>
+          <a:effectRef idx="0">
+            <a:schemeClr val="accent1"/>
+          </a:effectRef>
+          <a:fontRef idx="minor">
+            <a:schemeClr val="tx1"/>
+          </a:fontRef>
+        </p:style>
+      </p:cxnSp>
+      <p:cxnSp>
+        <p:nvCxnSpPr>
+          <p:cNvPr id="40" name="直接箭头连接符 39">
+            <a:extLst>
+              <a:ext uri="{FF2B5EF4-FFF2-40B4-BE49-F238E27FC236}">
+                <a16:creationId xmlns:a16="http://schemas.microsoft.com/office/drawing/2014/main" id="{42259D4E-F9EC-4576-BEBB-CDA081320616}"/>
+              </a:ext>
+            </a:extLst>
+          </p:cNvPr>
+          <p:cNvCxnSpPr>
+            <a:stCxn id="31" idx="3"/>
+          </p:cNvCxnSpPr>
+          <p:nvPr/>
+        </p:nvCxnSpPr>
+        <p:spPr>
+          <a:xfrm flipV="1">
+            <a:off x="7031338" y="2852926"/>
+            <a:ext cx="898720" cy="1"/>
+          </a:xfrm>
+          <a:prstGeom prst="straightConnector1">
+            <a:avLst/>
+          </a:prstGeom>
+          <a:ln>
+            <a:tailEnd type="triangle"/>
+          </a:ln>
+        </p:spPr>
+        <p:style>
+          <a:lnRef idx="1">
+            <a:schemeClr val="accent1"/>
+          </a:lnRef>
+          <a:fillRef idx="0">
+            <a:schemeClr val="accent1"/>
+          </a:fillRef>
+          <a:effectRef idx="0">
+            <a:schemeClr val="accent1"/>
+          </a:effectRef>
+          <a:fontRef idx="minor">
+            <a:schemeClr val="tx1"/>
+          </a:fontRef>
+        </p:style>
+      </p:cxnSp>
+      <p:sp>
+        <p:nvSpPr>
+          <p:cNvPr id="41" name="文本框 40">
+            <a:extLst>
+              <a:ext uri="{FF2B5EF4-FFF2-40B4-BE49-F238E27FC236}">
+                <a16:creationId xmlns:a16="http://schemas.microsoft.com/office/drawing/2014/main" id="{75FEE4E4-AA91-41B7-924B-663F642DF793}"/>
+              </a:ext>
+            </a:extLst>
+          </p:cNvPr>
+          <p:cNvSpPr txBox="1"/>
+          <p:nvPr/>
+        </p:nvSpPr>
+        <p:spPr>
+          <a:xfrm>
+            <a:off x="7192915" y="2866078"/>
+            <a:ext cx="851515" cy="369332"/>
+          </a:xfrm>
+          <a:prstGeom prst="rect">
+            <a:avLst/>
+          </a:prstGeom>
+          <a:noFill/>
+        </p:spPr>
+        <p:txBody>
+          <a:bodyPr wrap="none" rtlCol="0">
+            <a:spAutoFit/>
+          </a:bodyPr>
+          <a:lstStyle/>
+          <a:p>
+            <a:r>
+              <a:rPr lang="en-US" altLang="zh-CN" dirty="0"/>
+              <a:t>output</a:t>
+            </a:r>
+            <a:endParaRPr lang="zh-CN" altLang="en-US" dirty="0"/>
+          </a:p>
+        </p:txBody>
+      </p:sp>
+      <p:sp>
+        <p:nvSpPr>
+          <p:cNvPr id="39" name="椭圆 38">
+            <a:extLst>
+              <a:ext uri="{FF2B5EF4-FFF2-40B4-BE49-F238E27FC236}">
+                <a16:creationId xmlns:a16="http://schemas.microsoft.com/office/drawing/2014/main" id="{1E4384DD-6548-46CB-A3A3-DF38F08B0060}"/>
+              </a:ext>
+            </a:extLst>
+          </p:cNvPr>
+          <p:cNvSpPr/>
+          <p:nvPr/>
+        </p:nvSpPr>
+        <p:spPr>
+          <a:xfrm>
+            <a:off x="4271677" y="398936"/>
+            <a:ext cx="591670" cy="618565"/>
+          </a:xfrm>
+          <a:prstGeom prst="ellipse">
+            <a:avLst/>
+          </a:prstGeom>
+        </p:spPr>
+        <p:style>
+          <a:lnRef idx="2">
+            <a:schemeClr val="accent1">
+              <a:shade val="50000"/>
+            </a:schemeClr>
+          </a:lnRef>
+          <a:fillRef idx="1">
+            <a:schemeClr val="accent1"/>
+          </a:fillRef>
+          <a:effectRef idx="0">
+            <a:schemeClr val="accent1"/>
+          </a:effectRef>
+          <a:fontRef idx="minor">
+            <a:schemeClr val="lt1"/>
+          </a:fontRef>
+        </p:style>
+        <p:txBody>
+          <a:bodyPr rtlCol="0" anchor="ctr"/>
+          <a:lstStyle/>
+          <a:p>
+            <a:pPr algn="ctr"/>
+            <a:r>
+              <a:rPr lang="en-US" altLang="zh-CN" sz="1600" dirty="0"/>
+              <a:t>s1</a:t>
+            </a:r>
+            <a:endParaRPr lang="zh-CN" altLang="en-US" dirty="0"/>
+          </a:p>
+        </p:txBody>
+      </p:sp>
+      <p:sp>
+        <p:nvSpPr>
+          <p:cNvPr id="43" name="矩形 42">
+            <a:extLst>
+              <a:ext uri="{FF2B5EF4-FFF2-40B4-BE49-F238E27FC236}">
+                <a16:creationId xmlns:a16="http://schemas.microsoft.com/office/drawing/2014/main" id="{1C29A8F3-81B8-48AF-8F94-3237AAE098B8}"/>
+              </a:ext>
+            </a:extLst>
+          </p:cNvPr>
+          <p:cNvSpPr/>
+          <p:nvPr/>
+        </p:nvSpPr>
+        <p:spPr>
+          <a:xfrm>
+            <a:off x="4863347" y="367559"/>
+            <a:ext cx="295835" cy="709991"/>
+          </a:xfrm>
+          <a:prstGeom prst="rect">
+            <a:avLst/>
+          </a:prstGeom>
+        </p:spPr>
+        <p:style>
+          <a:lnRef idx="2">
+            <a:schemeClr val="accent1">
+              <a:shade val="50000"/>
+            </a:schemeClr>
+          </a:lnRef>
+          <a:fillRef idx="1">
+            <a:schemeClr val="accent1"/>
+          </a:fillRef>
+          <a:effectRef idx="0">
+            <a:schemeClr val="accent1"/>
+          </a:effectRef>
+          <a:fontRef idx="minor">
+            <a:schemeClr val="lt1"/>
+          </a:fontRef>
+        </p:style>
+        <p:txBody>
+          <a:bodyPr rtlCol="0" anchor="ctr"/>
+          <a:lstStyle/>
+          <a:p>
+            <a:pPr algn="ctr"/>
+            <a:endParaRPr lang="zh-CN" altLang="en-US" dirty="0"/>
+          </a:p>
+        </p:txBody>
+      </p:sp>
+      <p:sp>
+        <p:nvSpPr>
+          <p:cNvPr id="44" name="椭圆 43">
+            <a:extLst>
+              <a:ext uri="{FF2B5EF4-FFF2-40B4-BE49-F238E27FC236}">
+                <a16:creationId xmlns:a16="http://schemas.microsoft.com/office/drawing/2014/main" id="{25835A0E-C35F-46D9-AF5B-3C3E5C3612EA}"/>
+              </a:ext>
+            </a:extLst>
+          </p:cNvPr>
+          <p:cNvSpPr/>
+          <p:nvPr/>
+        </p:nvSpPr>
+        <p:spPr>
+          <a:xfrm>
+            <a:off x="4258230" y="4554070"/>
+            <a:ext cx="591670" cy="618565"/>
+          </a:xfrm>
+          <a:prstGeom prst="ellipse">
+            <a:avLst/>
+          </a:prstGeom>
+        </p:spPr>
+        <p:style>
+          <a:lnRef idx="2">
+            <a:schemeClr val="accent1">
+              <a:shade val="50000"/>
+            </a:schemeClr>
+          </a:lnRef>
+          <a:fillRef idx="1">
+            <a:schemeClr val="accent1"/>
+          </a:fillRef>
+          <a:effectRef idx="0">
+            <a:schemeClr val="accent1"/>
+          </a:effectRef>
+          <a:fontRef idx="minor">
+            <a:schemeClr val="lt1"/>
+          </a:fontRef>
+        </p:style>
+        <p:txBody>
+          <a:bodyPr rtlCol="0" anchor="ctr"/>
+          <a:lstStyle/>
+          <a:p>
+            <a:pPr algn="ctr"/>
+            <a:r>
+              <a:rPr lang="en-US" altLang="zh-CN" dirty="0"/>
+              <a:t>s4</a:t>
+            </a:r>
+            <a:endParaRPr lang="zh-CN" altLang="en-US" dirty="0"/>
+          </a:p>
+        </p:txBody>
+      </p:sp>
+      <p:sp>
+        <p:nvSpPr>
+          <p:cNvPr id="45" name="矩形 44">
+            <a:extLst>
+              <a:ext uri="{FF2B5EF4-FFF2-40B4-BE49-F238E27FC236}">
+                <a16:creationId xmlns:a16="http://schemas.microsoft.com/office/drawing/2014/main" id="{65B0E213-7FC1-4E99-940E-143AB718B9B1}"/>
+              </a:ext>
+            </a:extLst>
+          </p:cNvPr>
+          <p:cNvSpPr/>
+          <p:nvPr/>
+        </p:nvSpPr>
+        <p:spPr>
+          <a:xfrm>
+            <a:off x="4849900" y="4522693"/>
+            <a:ext cx="295835" cy="709991"/>
+          </a:xfrm>
+          <a:prstGeom prst="rect">
+            <a:avLst/>
+          </a:prstGeom>
+        </p:spPr>
+        <p:style>
+          <a:lnRef idx="2">
+            <a:schemeClr val="accent1">
+              <a:shade val="50000"/>
+            </a:schemeClr>
+          </a:lnRef>
+          <a:fillRef idx="1">
+            <a:schemeClr val="accent1"/>
+          </a:fillRef>
+          <a:effectRef idx="0">
+            <a:schemeClr val="accent1"/>
+          </a:effectRef>
+          <a:fontRef idx="minor">
+            <a:schemeClr val="lt1"/>
+          </a:fontRef>
+        </p:style>
+        <p:txBody>
+          <a:bodyPr rtlCol="0" anchor="ctr"/>
+          <a:lstStyle/>
+          <a:p>
+            <a:pPr algn="ctr"/>
+            <a:endParaRPr lang="zh-CN" altLang="en-US" dirty="0"/>
+          </a:p>
+        </p:txBody>
+      </p:sp>
+      <p:cxnSp>
+        <p:nvCxnSpPr>
+          <p:cNvPr id="46" name="直接箭头连接符 45">
+            <a:extLst>
+              <a:ext uri="{FF2B5EF4-FFF2-40B4-BE49-F238E27FC236}">
+                <a16:creationId xmlns:a16="http://schemas.microsoft.com/office/drawing/2014/main" id="{73F9C986-3141-447A-B15F-A7D29300C802}"/>
+              </a:ext>
+            </a:extLst>
+          </p:cNvPr>
+          <p:cNvCxnSpPr>
+            <a:stCxn id="4" idx="6"/>
+            <a:endCxn id="39" idx="2"/>
+          </p:cNvCxnSpPr>
+          <p:nvPr/>
+        </p:nvCxnSpPr>
+        <p:spPr>
+          <a:xfrm flipV="1">
+            <a:off x="3307976" y="708219"/>
+            <a:ext cx="963701" cy="1201264"/>
+          </a:xfrm>
+          <a:prstGeom prst="straightConnector1">
+            <a:avLst/>
+          </a:prstGeom>
+          <a:ln>
+            <a:tailEnd type="triangle"/>
+          </a:ln>
+        </p:spPr>
+        <p:style>
+          <a:lnRef idx="1">
+            <a:schemeClr val="accent1"/>
+          </a:lnRef>
+          <a:fillRef idx="0">
+            <a:schemeClr val="accent1"/>
+          </a:fillRef>
+          <a:effectRef idx="0">
+            <a:schemeClr val="accent1"/>
+          </a:effectRef>
+          <a:fontRef idx="minor">
+            <a:schemeClr val="tx1"/>
+          </a:fontRef>
+        </p:style>
+      </p:cxnSp>
+      <p:cxnSp>
+        <p:nvCxnSpPr>
+          <p:cNvPr id="48" name="直接箭头连接符 47">
+            <a:extLst>
+              <a:ext uri="{FF2B5EF4-FFF2-40B4-BE49-F238E27FC236}">
+                <a16:creationId xmlns:a16="http://schemas.microsoft.com/office/drawing/2014/main" id="{94C5FEE5-AA51-4913-9C41-13511AE677FD}"/>
+              </a:ext>
+            </a:extLst>
+          </p:cNvPr>
+          <p:cNvCxnSpPr>
+            <a:cxnSpLocks/>
+            <a:stCxn id="9" idx="6"/>
+            <a:endCxn id="44" idx="2"/>
+          </p:cNvCxnSpPr>
+          <p:nvPr/>
+        </p:nvCxnSpPr>
+        <p:spPr>
+          <a:xfrm>
+            <a:off x="3397175" y="3572989"/>
+            <a:ext cx="861055" cy="1290364"/>
+          </a:xfrm>
+          <a:prstGeom prst="straightConnector1">
+            <a:avLst/>
+          </a:prstGeom>
+          <a:ln>
+            <a:tailEnd type="triangle"/>
+          </a:ln>
+        </p:spPr>
+        <p:style>
+          <a:lnRef idx="1">
+            <a:schemeClr val="accent1"/>
+          </a:lnRef>
+          <a:fillRef idx="0">
+            <a:schemeClr val="accent1"/>
+          </a:fillRef>
+          <a:effectRef idx="0">
+            <a:schemeClr val="accent1"/>
+          </a:effectRef>
+          <a:fontRef idx="minor">
+            <a:schemeClr val="tx1"/>
+          </a:fontRef>
+        </p:style>
+      </p:cxnSp>
+      <p:cxnSp>
+        <p:nvCxnSpPr>
+          <p:cNvPr id="53" name="直接箭头连接符 52">
+            <a:extLst>
+              <a:ext uri="{FF2B5EF4-FFF2-40B4-BE49-F238E27FC236}">
+                <a16:creationId xmlns:a16="http://schemas.microsoft.com/office/drawing/2014/main" id="{F4B27137-384D-4E9C-B99F-469A1450AB8D}"/>
+              </a:ext>
+            </a:extLst>
+          </p:cNvPr>
+          <p:cNvCxnSpPr>
+            <a:stCxn id="9" idx="6"/>
+            <a:endCxn id="39" idx="2"/>
+          </p:cNvCxnSpPr>
+          <p:nvPr/>
+        </p:nvCxnSpPr>
+        <p:spPr>
+          <a:xfrm flipV="1">
+            <a:off x="3397175" y="708219"/>
+            <a:ext cx="874502" cy="2864770"/>
+          </a:xfrm>
+          <a:prstGeom prst="straightConnector1">
+            <a:avLst/>
+          </a:prstGeom>
+          <a:ln>
+            <a:tailEnd type="triangle"/>
+          </a:ln>
+        </p:spPr>
+        <p:style>
+          <a:lnRef idx="1">
+            <a:schemeClr val="accent1"/>
+          </a:lnRef>
+          <a:fillRef idx="0">
+            <a:schemeClr val="accent1"/>
+          </a:fillRef>
+          <a:effectRef idx="0">
+            <a:schemeClr val="accent1"/>
+          </a:effectRef>
+          <a:fontRef idx="minor">
+            <a:schemeClr val="tx1"/>
+          </a:fontRef>
+        </p:style>
+      </p:cxnSp>
+      <p:cxnSp>
+        <p:nvCxnSpPr>
+          <p:cNvPr id="56" name="直接箭头连接符 55">
+            <a:extLst>
+              <a:ext uri="{FF2B5EF4-FFF2-40B4-BE49-F238E27FC236}">
+                <a16:creationId xmlns:a16="http://schemas.microsoft.com/office/drawing/2014/main" id="{8D4AA241-E731-4F35-89E7-20AE824F25CC}"/>
+              </a:ext>
+            </a:extLst>
+          </p:cNvPr>
+          <p:cNvCxnSpPr>
+            <a:stCxn id="4" idx="6"/>
+            <a:endCxn id="44" idx="2"/>
+          </p:cNvCxnSpPr>
+          <p:nvPr/>
+        </p:nvCxnSpPr>
+        <p:spPr>
+          <a:xfrm>
+            <a:off x="3307976" y="1909483"/>
+            <a:ext cx="950254" cy="2953870"/>
+          </a:xfrm>
+          <a:prstGeom prst="straightConnector1">
+            <a:avLst/>
+          </a:prstGeom>
+          <a:ln>
+            <a:tailEnd type="triangle"/>
+          </a:ln>
+        </p:spPr>
+        <p:style>
+          <a:lnRef idx="1">
+            <a:schemeClr val="accent1"/>
+          </a:lnRef>
+          <a:fillRef idx="0">
+            <a:schemeClr val="accent1"/>
+          </a:fillRef>
+          <a:effectRef idx="0">
+            <a:schemeClr val="accent1"/>
+          </a:effectRef>
+          <a:fontRef idx="minor">
+            <a:schemeClr val="tx1"/>
+          </a:fontRef>
+        </p:style>
+      </p:cxnSp>
+      <p:cxnSp>
+        <p:nvCxnSpPr>
+          <p:cNvPr id="58" name="直接箭头连接符 57">
+            <a:extLst>
+              <a:ext uri="{FF2B5EF4-FFF2-40B4-BE49-F238E27FC236}">
+                <a16:creationId xmlns:a16="http://schemas.microsoft.com/office/drawing/2014/main" id="{D36A1B96-0A56-4472-88C0-30B54791E3F2}"/>
+              </a:ext>
+            </a:extLst>
+          </p:cNvPr>
+          <p:cNvCxnSpPr>
+            <a:stCxn id="43" idx="3"/>
+            <a:endCxn id="30" idx="3"/>
+          </p:cNvCxnSpPr>
+          <p:nvPr/>
+        </p:nvCxnSpPr>
+        <p:spPr>
+          <a:xfrm>
+            <a:off x="5159182" y="722555"/>
+            <a:ext cx="907249" cy="2397445"/>
+          </a:xfrm>
+          <a:prstGeom prst="straightConnector1">
+            <a:avLst/>
+          </a:prstGeom>
+          <a:ln>
+            <a:tailEnd type="triangle"/>
+          </a:ln>
+        </p:spPr>
+        <p:style>
+          <a:lnRef idx="1">
+            <a:schemeClr val="accent1"/>
+          </a:lnRef>
+          <a:fillRef idx="0">
+            <a:schemeClr val="accent1"/>
+          </a:fillRef>
+          <a:effectRef idx="0">
+            <a:schemeClr val="accent1"/>
+          </a:effectRef>
+          <a:fontRef idx="minor">
+            <a:schemeClr val="tx1"/>
+          </a:fontRef>
+        </p:style>
+      </p:cxnSp>
+      <p:cxnSp>
+        <p:nvCxnSpPr>
+          <p:cNvPr id="60" name="直接箭头连接符 59">
+            <a:extLst>
+              <a:ext uri="{FF2B5EF4-FFF2-40B4-BE49-F238E27FC236}">
+                <a16:creationId xmlns:a16="http://schemas.microsoft.com/office/drawing/2014/main" id="{BEEB08C6-8984-4B26-ACAE-3E88C2C67BC0}"/>
+              </a:ext>
+            </a:extLst>
+          </p:cNvPr>
+          <p:cNvCxnSpPr>
+            <a:stCxn id="45" idx="3"/>
+            <a:endCxn id="30" idx="2"/>
+          </p:cNvCxnSpPr>
+          <p:nvPr/>
+        </p:nvCxnSpPr>
+        <p:spPr>
+          <a:xfrm flipV="1">
+            <a:off x="5145735" y="2901305"/>
+            <a:ext cx="834048" cy="1976384"/>
+          </a:xfrm>
+          <a:prstGeom prst="straightConnector1">
+            <a:avLst/>
+          </a:prstGeom>
+          <a:ln>
+            <a:tailEnd type="triangle"/>
+          </a:ln>
+        </p:spPr>
+        <p:style>
+          <a:lnRef idx="1">
+            <a:schemeClr val="accent1"/>
+          </a:lnRef>
+          <a:fillRef idx="0">
+            <a:schemeClr val="accent1"/>
+          </a:fillRef>
+          <a:effectRef idx="0">
+            <a:schemeClr val="accent1"/>
+          </a:effectRef>
+          <a:fontRef idx="minor">
+            <a:schemeClr val="tx1"/>
+          </a:fontRef>
+        </p:style>
+      </p:cxnSp>
+      <p:sp>
+        <p:nvSpPr>
+          <p:cNvPr id="42" name="椭圆 41">
+            <a:extLst>
+              <a:ext uri="{FF2B5EF4-FFF2-40B4-BE49-F238E27FC236}">
+                <a16:creationId xmlns:a16="http://schemas.microsoft.com/office/drawing/2014/main" id="{D075A914-41F1-4AA1-8706-E03847AB20D0}"/>
+              </a:ext>
+            </a:extLst>
+          </p:cNvPr>
+          <p:cNvSpPr/>
+          <p:nvPr/>
+        </p:nvSpPr>
+        <p:spPr>
+          <a:xfrm>
+            <a:off x="2794802" y="5332688"/>
+            <a:ext cx="591670" cy="618565"/>
+          </a:xfrm>
+          <a:prstGeom prst="ellipse">
+            <a:avLst/>
+          </a:prstGeom>
+        </p:spPr>
+        <p:style>
+          <a:lnRef idx="2">
+            <a:schemeClr val="accent1">
+              <a:shade val="50000"/>
+            </a:schemeClr>
+          </a:lnRef>
+          <a:fillRef idx="1">
+            <a:schemeClr val="accent1"/>
+          </a:fillRef>
+          <a:effectRef idx="0">
+            <a:schemeClr val="accent1"/>
+          </a:effectRef>
+          <a:fontRef idx="minor">
+            <a:schemeClr val="lt1"/>
+          </a:fontRef>
+        </p:style>
+        <p:txBody>
+          <a:bodyPr rtlCol="0" anchor="ctr"/>
+          <a:lstStyle/>
+          <a:p>
+            <a:pPr algn="ctr"/>
+            <a:endParaRPr lang="zh-CN" altLang="en-US"/>
+          </a:p>
+        </p:txBody>
+      </p:sp>
+      <p:cxnSp>
+        <p:nvCxnSpPr>
+          <p:cNvPr id="5" name="直接箭头连接符 4">
+            <a:extLst>
+              <a:ext uri="{FF2B5EF4-FFF2-40B4-BE49-F238E27FC236}">
+                <a16:creationId xmlns:a16="http://schemas.microsoft.com/office/drawing/2014/main" id="{739CE22B-4902-4ACC-9838-88AA5CA2E0DC}"/>
+              </a:ext>
+            </a:extLst>
+          </p:cNvPr>
+          <p:cNvCxnSpPr/>
+          <p:nvPr/>
+        </p:nvCxnSpPr>
+        <p:spPr>
+          <a:xfrm>
+            <a:off x="1815353" y="5641970"/>
+            <a:ext cx="981636" cy="0"/>
+          </a:xfrm>
+          <a:prstGeom prst="straightConnector1">
+            <a:avLst/>
+          </a:prstGeom>
+          <a:ln>
+            <a:tailEnd type="triangle"/>
+          </a:ln>
+        </p:spPr>
+        <p:style>
+          <a:lnRef idx="1">
+            <a:schemeClr val="accent1"/>
+          </a:lnRef>
+          <a:fillRef idx="0">
+            <a:schemeClr val="accent1"/>
+          </a:fillRef>
+          <a:effectRef idx="0">
+            <a:schemeClr val="accent1"/>
+          </a:effectRef>
+          <a:fontRef idx="minor">
+            <a:schemeClr val="tx1"/>
+          </a:fontRef>
+        </p:style>
+      </p:cxnSp>
+      <p:sp>
+        <p:nvSpPr>
+          <p:cNvPr id="7" name="文本框 6">
+            <a:extLst>
+              <a:ext uri="{FF2B5EF4-FFF2-40B4-BE49-F238E27FC236}">
+                <a16:creationId xmlns:a16="http://schemas.microsoft.com/office/drawing/2014/main" id="{DA7A902F-B731-4226-B5D6-25BE1B9EC803}"/>
+              </a:ext>
+            </a:extLst>
+          </p:cNvPr>
+          <p:cNvSpPr txBox="1"/>
+          <p:nvPr/>
+        </p:nvSpPr>
+        <p:spPr>
+          <a:xfrm>
+            <a:off x="2131116" y="5658582"/>
+            <a:ext cx="312906" cy="369332"/>
+          </a:xfrm>
+          <a:prstGeom prst="rect">
+            <a:avLst/>
+          </a:prstGeom>
+          <a:noFill/>
+        </p:spPr>
+        <p:txBody>
+          <a:bodyPr wrap="none" rtlCol="0">
+            <a:spAutoFit/>
+          </a:bodyPr>
+          <a:lstStyle/>
+          <a:p>
+            <a:r>
+              <a:rPr lang="en-US" altLang="zh-CN" dirty="0"/>
+              <a:t>B</a:t>
+            </a:r>
+            <a:endParaRPr lang="zh-CN" altLang="en-US" dirty="0"/>
+          </a:p>
+        </p:txBody>
+      </p:sp>
+      <p:cxnSp>
+        <p:nvCxnSpPr>
+          <p:cNvPr id="14" name="直接箭头连接符 13">
+            <a:extLst>
+              <a:ext uri="{FF2B5EF4-FFF2-40B4-BE49-F238E27FC236}">
+                <a16:creationId xmlns:a16="http://schemas.microsoft.com/office/drawing/2014/main" id="{181DF7A8-D06C-41E4-95D0-B3325641CDDD}"/>
+              </a:ext>
+            </a:extLst>
+          </p:cNvPr>
+          <p:cNvCxnSpPr>
+            <a:stCxn id="42" idx="7"/>
+            <a:endCxn id="39" idx="2"/>
+          </p:cNvCxnSpPr>
+          <p:nvPr/>
+        </p:nvCxnSpPr>
+        <p:spPr>
+          <a:xfrm flipV="1">
+            <a:off x="3299824" y="708219"/>
+            <a:ext cx="971853" cy="4715056"/>
+          </a:xfrm>
+          <a:prstGeom prst="straightConnector1">
+            <a:avLst/>
+          </a:prstGeom>
+          <a:ln>
+            <a:tailEnd type="triangle"/>
+          </a:ln>
+        </p:spPr>
+        <p:style>
+          <a:lnRef idx="1">
+            <a:schemeClr val="accent1"/>
+          </a:lnRef>
+          <a:fillRef idx="0">
+            <a:schemeClr val="accent1"/>
+          </a:fillRef>
+          <a:effectRef idx="0">
+            <a:schemeClr val="accent1"/>
+          </a:effectRef>
+          <a:fontRef idx="minor">
+            <a:schemeClr val="tx1"/>
+          </a:fontRef>
+        </p:style>
+      </p:cxnSp>
+      <p:cxnSp>
+        <p:nvCxnSpPr>
+          <p:cNvPr id="19" name="直接箭头连接符 18">
+            <a:extLst>
+              <a:ext uri="{FF2B5EF4-FFF2-40B4-BE49-F238E27FC236}">
+                <a16:creationId xmlns:a16="http://schemas.microsoft.com/office/drawing/2014/main" id="{692AD4B7-3C61-4122-A67B-7F01E27CEDD1}"/>
+              </a:ext>
+            </a:extLst>
+          </p:cNvPr>
+          <p:cNvCxnSpPr>
+            <a:stCxn id="42" idx="7"/>
+            <a:endCxn id="12" idx="2"/>
+          </p:cNvCxnSpPr>
+          <p:nvPr/>
+        </p:nvCxnSpPr>
+        <p:spPr>
+          <a:xfrm flipV="1">
+            <a:off x="3299824" y="1940860"/>
+            <a:ext cx="953923" cy="3482415"/>
+          </a:xfrm>
+          <a:prstGeom prst="straightConnector1">
+            <a:avLst/>
+          </a:prstGeom>
+          <a:ln>
+            <a:tailEnd type="triangle"/>
+          </a:ln>
+        </p:spPr>
+        <p:style>
+          <a:lnRef idx="1">
+            <a:schemeClr val="accent1"/>
+          </a:lnRef>
+          <a:fillRef idx="0">
+            <a:schemeClr val="accent1"/>
+          </a:fillRef>
+          <a:effectRef idx="0">
+            <a:schemeClr val="accent1"/>
+          </a:effectRef>
+          <a:fontRef idx="minor">
+            <a:schemeClr val="tx1"/>
+          </a:fontRef>
+        </p:style>
+      </p:cxnSp>
+      <p:cxnSp>
+        <p:nvCxnSpPr>
+          <p:cNvPr id="24" name="直接箭头连接符 23">
+            <a:extLst>
+              <a:ext uri="{FF2B5EF4-FFF2-40B4-BE49-F238E27FC236}">
+                <a16:creationId xmlns:a16="http://schemas.microsoft.com/office/drawing/2014/main" id="{B5573875-10BB-459F-A7EA-83152C493C8C}"/>
+              </a:ext>
+            </a:extLst>
+          </p:cNvPr>
+          <p:cNvCxnSpPr>
+            <a:stCxn id="42" idx="7"/>
+            <a:endCxn id="21" idx="2"/>
+          </p:cNvCxnSpPr>
+          <p:nvPr/>
+        </p:nvCxnSpPr>
+        <p:spPr>
+          <a:xfrm flipV="1">
+            <a:off x="3299824" y="3439959"/>
+            <a:ext cx="924338" cy="1983316"/>
+          </a:xfrm>
+          <a:prstGeom prst="straightConnector1">
+            <a:avLst/>
+          </a:prstGeom>
+          <a:ln>
+            <a:tailEnd type="triangle"/>
+          </a:ln>
+        </p:spPr>
+        <p:style>
+          <a:lnRef idx="1">
+            <a:schemeClr val="accent1"/>
+          </a:lnRef>
+          <a:fillRef idx="0">
+            <a:schemeClr val="accent1"/>
+          </a:fillRef>
+          <a:effectRef idx="0">
+            <a:schemeClr val="accent1"/>
+          </a:effectRef>
+          <a:fontRef idx="minor">
+            <a:schemeClr val="tx1"/>
+          </a:fontRef>
+        </p:style>
+      </p:cxnSp>
+      <p:cxnSp>
+        <p:nvCxnSpPr>
+          <p:cNvPr id="28" name="直接箭头连接符 27">
+            <a:extLst>
+              <a:ext uri="{FF2B5EF4-FFF2-40B4-BE49-F238E27FC236}">
+                <a16:creationId xmlns:a16="http://schemas.microsoft.com/office/drawing/2014/main" id="{78B687C2-C461-4BF7-9C72-5BD9EC404BA3}"/>
+              </a:ext>
+            </a:extLst>
+          </p:cNvPr>
+          <p:cNvCxnSpPr>
+            <a:stCxn id="42" idx="7"/>
+            <a:endCxn id="44" idx="2"/>
+          </p:cNvCxnSpPr>
+          <p:nvPr/>
+        </p:nvCxnSpPr>
+        <p:spPr>
+          <a:xfrm flipV="1">
+            <a:off x="3299824" y="4863353"/>
+            <a:ext cx="958406" cy="559922"/>
+          </a:xfrm>
+          <a:prstGeom prst="straightConnector1">
+            <a:avLst/>
+          </a:prstGeom>
+          <a:ln>
+            <a:tailEnd type="triangle"/>
+          </a:ln>
+        </p:spPr>
+        <p:style>
+          <a:lnRef idx="1">
+            <a:schemeClr val="accent1"/>
+          </a:lnRef>
+          <a:fillRef idx="0">
+            <a:schemeClr val="accent1"/>
+          </a:fillRef>
+          <a:effectRef idx="0">
+            <a:schemeClr val="accent1"/>
+          </a:effectRef>
+          <a:fontRef idx="minor">
+            <a:schemeClr val="tx1"/>
+          </a:fontRef>
+        </p:style>
+      </p:cxnSp>
+      <p:sp>
+        <p:nvSpPr>
+          <p:cNvPr id="13" name="文本框 12">
+            <a:extLst>
+              <a:ext uri="{FF2B5EF4-FFF2-40B4-BE49-F238E27FC236}">
+                <a16:creationId xmlns:a16="http://schemas.microsoft.com/office/drawing/2014/main" id="{1177C283-6024-4580-A500-A8A661A87E70}"/>
+              </a:ext>
+            </a:extLst>
+          </p:cNvPr>
+          <p:cNvSpPr txBox="1"/>
+          <p:nvPr/>
+        </p:nvSpPr>
+        <p:spPr>
+          <a:xfrm>
+            <a:off x="3537123" y="5547892"/>
+            <a:ext cx="635110" cy="369332"/>
+          </a:xfrm>
+          <a:prstGeom prst="rect">
+            <a:avLst/>
+          </a:prstGeom>
+          <a:noFill/>
+        </p:spPr>
+        <p:txBody>
+          <a:bodyPr wrap="none" rtlCol="0">
+            <a:spAutoFit/>
+          </a:bodyPr>
+          <a:lstStyle/>
+          <a:p>
+            <a:r>
+              <a:rPr lang="en-US" altLang="zh-CN" dirty="0"/>
+              <a:t>syn0</a:t>
+            </a:r>
+            <a:endParaRPr lang="zh-CN" altLang="en-US" dirty="0"/>
+          </a:p>
+        </p:txBody>
+      </p:sp>
+      <p:sp>
+        <p:nvSpPr>
+          <p:cNvPr id="52" name="文本框 51">
+            <a:extLst>
+              <a:ext uri="{FF2B5EF4-FFF2-40B4-BE49-F238E27FC236}">
+                <a16:creationId xmlns:a16="http://schemas.microsoft.com/office/drawing/2014/main" id="{18D4358A-5E6D-41EE-9D68-BA692ED31995}"/>
+              </a:ext>
+            </a:extLst>
+          </p:cNvPr>
+          <p:cNvSpPr txBox="1"/>
+          <p:nvPr/>
+        </p:nvSpPr>
+        <p:spPr>
+          <a:xfrm>
+            <a:off x="5467715" y="5513850"/>
+            <a:ext cx="635110" cy="369332"/>
+          </a:xfrm>
+          <a:prstGeom prst="rect">
+            <a:avLst/>
+          </a:prstGeom>
+          <a:noFill/>
+        </p:spPr>
+        <p:txBody>
+          <a:bodyPr wrap="none" rtlCol="0">
+            <a:spAutoFit/>
+          </a:bodyPr>
+          <a:lstStyle/>
+          <a:p>
+            <a:r>
+              <a:rPr lang="en-US" altLang="zh-CN" dirty="0"/>
+              <a:t>syn1</a:t>
+            </a:r>
+            <a:endParaRPr lang="zh-CN" altLang="en-US" dirty="0"/>
+          </a:p>
+        </p:txBody>
+      </p:sp>
+      <p:sp>
+        <p:nvSpPr>
+          <p:cNvPr id="18" name="文本框 17">
+            <a:extLst>
+              <a:ext uri="{FF2B5EF4-FFF2-40B4-BE49-F238E27FC236}">
+                <a16:creationId xmlns:a16="http://schemas.microsoft.com/office/drawing/2014/main" id="{85F8E16C-20DE-4A02-B2B8-5FD1F025EF7A}"/>
+              </a:ext>
+            </a:extLst>
+          </p:cNvPr>
+          <p:cNvSpPr txBox="1"/>
+          <p:nvPr/>
+        </p:nvSpPr>
+        <p:spPr>
+          <a:xfrm>
+            <a:off x="5309122" y="434233"/>
+            <a:ext cx="670376" cy="369332"/>
+          </a:xfrm>
+          <a:prstGeom prst="rect">
+            <a:avLst/>
+          </a:prstGeom>
+          <a:noFill/>
+        </p:spPr>
+        <p:txBody>
+          <a:bodyPr wrap="none" rtlCol="0">
+            <a:spAutoFit/>
+          </a:bodyPr>
+          <a:lstStyle/>
+          <a:p>
+            <a:r>
+              <a:rPr lang="en-US" altLang="zh-CN" dirty="0"/>
+              <a:t>L1[0]</a:t>
+            </a:r>
+            <a:endParaRPr lang="zh-CN" altLang="en-US" dirty="0"/>
+          </a:p>
+        </p:txBody>
+      </p:sp>
+    </p:spTree>
+    <p:extLst>
+      <p:ext uri="{BB962C8B-B14F-4D97-AF65-F5344CB8AC3E}">
+        <p14:creationId xmlns:p14="http://schemas.microsoft.com/office/powerpoint/2010/main" val="2718626010"/>
+      </p:ext>
+    </p:extLst>
+  </p:cSld>
+  <p:clrMapOvr>
+    <a:masterClrMapping/>
+  </p:clrMapOvr>
+</p:sld>
+</file>
+
+<file path=ppt/slides/slide12.xml><?xml version="1.0" encoding="utf-8"?>
+<p:sld xmlns:a="http://schemas.openxmlformats.org/drawingml/2006/main" xmlns:r="http://schemas.openxmlformats.org/officeDocument/2006/relationships" xmlns:p="http://schemas.openxmlformats.org/presentationml/2006/main">
+  <p:cSld>
+    <p:spTree>
+      <p:nvGrpSpPr>
+        <p:cNvPr id="1" name=""/>
+        <p:cNvGrpSpPr/>
+        <p:nvPr/>
+      </p:nvGrpSpPr>
+      <p:grpSpPr>
+        <a:xfrm>
+          <a:off x="0" y="0"/>
+          <a:ext cx="0" cy="0"/>
+          <a:chOff x="0" y="0"/>
+          <a:chExt cx="0" cy="0"/>
+        </a:xfrm>
+      </p:grpSpPr>
+      <p:sp>
+        <p:nvSpPr>
+          <p:cNvPr id="2" name="标题 1">
+            <a:extLst>
+              <a:ext uri="{FF2B5EF4-FFF2-40B4-BE49-F238E27FC236}">
+                <a16:creationId xmlns:a16="http://schemas.microsoft.com/office/drawing/2014/main" id="{7D8F9937-DB45-48F4-B742-0B88E01E52BB}"/>
+              </a:ext>
+            </a:extLst>
+          </p:cNvPr>
+          <p:cNvSpPr>
+            <a:spLocks noGrp="1"/>
+          </p:cNvSpPr>
+          <p:nvPr>
+            <p:ph type="title"/>
+          </p:nvPr>
+        </p:nvSpPr>
+        <p:spPr/>
+        <p:txBody>
+          <a:bodyPr/>
+          <a:lstStyle/>
+          <a:p>
+            <a:endParaRPr lang="zh-CN" altLang="en-US"/>
+          </a:p>
+        </p:txBody>
+      </p:sp>
+      <p:sp>
+        <p:nvSpPr>
+          <p:cNvPr id="3" name="内容占位符 2">
+            <a:extLst>
+              <a:ext uri="{FF2B5EF4-FFF2-40B4-BE49-F238E27FC236}">
+                <a16:creationId xmlns:a16="http://schemas.microsoft.com/office/drawing/2014/main" id="{9C851587-4500-4B44-8180-7CDAFD8ABD4F}"/>
+              </a:ext>
+            </a:extLst>
+          </p:cNvPr>
+          <p:cNvSpPr>
+            <a:spLocks noGrp="1"/>
+          </p:cNvSpPr>
+          <p:nvPr>
+            <p:ph idx="1"/>
+          </p:nvPr>
+        </p:nvSpPr>
+        <p:spPr/>
+        <p:txBody>
+          <a:bodyPr/>
+          <a:lstStyle/>
+          <a:p>
+            <a:endParaRPr lang="zh-CN" altLang="en-US"/>
+          </a:p>
+        </p:txBody>
+      </p:sp>
+    </p:spTree>
+    <p:extLst>
+      <p:ext uri="{BB962C8B-B14F-4D97-AF65-F5344CB8AC3E}">
+        <p14:creationId xmlns:p14="http://schemas.microsoft.com/office/powerpoint/2010/main" val="2920044223"/>
+      </p:ext>
+    </p:extLst>
+  </p:cSld>
+  <p:clrMapOvr>
+    <a:masterClrMapping/>
+  </p:clrMapOvr>
+</p:sld>
+</file>
+
 <file path=ppt/slides/slide2.xml><?xml version="1.0" encoding="utf-8"?>
 <p:sld xmlns:a="http://schemas.openxmlformats.org/drawingml/2006/main" xmlns:r="http://schemas.openxmlformats.org/officeDocument/2006/relationships" xmlns:p="http://schemas.openxmlformats.org/presentationml/2006/main">
   <p:cSld>

--- a/AI/xorann.pptx
+++ b/AI/xorann.pptx
@@ -16,7 +16,7 @@
     <p:sldId id="267" r:id="rId10"/>
     <p:sldId id="266" r:id="rId11"/>
     <p:sldId id="268" r:id="rId12"/>
-    <p:sldId id="269" r:id="rId13"/>
+    <p:sldId id="270" r:id="rId13"/>
   </p:sldIdLst>
   <p:sldSz cx="12192000" cy="6858000"/>
   <p:notesSz cx="6858000" cy="9144000"/>
@@ -10720,58 +10720,2042 @@
       </p:grpSpPr>
       <p:sp>
         <p:nvSpPr>
-          <p:cNvPr id="2" name="标题 1">
-            <a:extLst>
-              <a:ext uri="{FF2B5EF4-FFF2-40B4-BE49-F238E27FC236}">
-                <a16:creationId xmlns:a16="http://schemas.microsoft.com/office/drawing/2014/main" id="{7D8F9937-DB45-48F4-B742-0B88E01E52BB}"/>
-              </a:ext>
-            </a:extLst>
-          </p:cNvPr>
-          <p:cNvSpPr>
-            <a:spLocks noGrp="1"/>
-          </p:cNvSpPr>
-          <p:nvPr>
-            <p:ph type="title"/>
-          </p:nvPr>
-        </p:nvSpPr>
-        <p:spPr/>
-        <p:txBody>
-          <a:bodyPr/>
-          <a:lstStyle/>
-          <a:p>
+          <p:cNvPr id="4" name="椭圆 3">
+            <a:extLst>
+              <a:ext uri="{FF2B5EF4-FFF2-40B4-BE49-F238E27FC236}">
+                <a16:creationId xmlns:a16="http://schemas.microsoft.com/office/drawing/2014/main" id="{D6051683-F549-42E2-B33A-ABC7FFB9358F}"/>
+              </a:ext>
+            </a:extLst>
+          </p:cNvPr>
+          <p:cNvSpPr/>
+          <p:nvPr/>
+        </p:nvSpPr>
+        <p:spPr>
+          <a:xfrm>
+            <a:off x="2716306" y="1600200"/>
+            <a:ext cx="591670" cy="618565"/>
+          </a:xfrm>
+          <a:prstGeom prst="ellipse">
+            <a:avLst/>
+          </a:prstGeom>
+        </p:spPr>
+        <p:style>
+          <a:lnRef idx="2">
+            <a:schemeClr val="accent1">
+              <a:shade val="50000"/>
+            </a:schemeClr>
+          </a:lnRef>
+          <a:fillRef idx="1">
+            <a:schemeClr val="accent1"/>
+          </a:fillRef>
+          <a:effectRef idx="0">
+            <a:schemeClr val="accent1"/>
+          </a:effectRef>
+          <a:fontRef idx="minor">
+            <a:schemeClr val="lt1"/>
+          </a:fontRef>
+        </p:style>
+        <p:txBody>
+          <a:bodyPr rtlCol="0" anchor="ctr"/>
+          <a:lstStyle/>
+          <a:p>
+            <a:pPr algn="ctr"/>
             <a:endParaRPr lang="zh-CN" altLang="en-US"/>
           </a:p>
         </p:txBody>
       </p:sp>
-      <p:sp>
-        <p:nvSpPr>
-          <p:cNvPr id="3" name="内容占位符 2">
-            <a:extLst>
-              <a:ext uri="{FF2B5EF4-FFF2-40B4-BE49-F238E27FC236}">
-                <a16:creationId xmlns:a16="http://schemas.microsoft.com/office/drawing/2014/main" id="{9C851587-4500-4B44-8180-7CDAFD8ABD4F}"/>
-              </a:ext>
-            </a:extLst>
-          </p:cNvPr>
-          <p:cNvSpPr>
-            <a:spLocks noGrp="1"/>
-          </p:cNvSpPr>
-          <p:nvPr>
-            <p:ph idx="1"/>
-          </p:nvPr>
-        </p:nvSpPr>
-        <p:spPr/>
-        <p:txBody>
-          <a:bodyPr/>
-          <a:lstStyle/>
-          <a:p>
+      <p:cxnSp>
+        <p:nvCxnSpPr>
+          <p:cNvPr id="6" name="直接箭头连接符 5">
+            <a:extLst>
+              <a:ext uri="{FF2B5EF4-FFF2-40B4-BE49-F238E27FC236}">
+                <a16:creationId xmlns:a16="http://schemas.microsoft.com/office/drawing/2014/main" id="{A394064C-2344-4DCA-AF9E-49568813B092}"/>
+              </a:ext>
+            </a:extLst>
+          </p:cNvPr>
+          <p:cNvCxnSpPr>
+            <a:cxnSpLocks/>
+            <a:endCxn id="4" idx="2"/>
+          </p:cNvCxnSpPr>
+          <p:nvPr/>
+        </p:nvCxnSpPr>
+        <p:spPr>
+          <a:xfrm>
+            <a:off x="1640541" y="1909483"/>
+            <a:ext cx="1075765" cy="0"/>
+          </a:xfrm>
+          <a:prstGeom prst="straightConnector1">
+            <a:avLst/>
+          </a:prstGeom>
+          <a:ln>
+            <a:tailEnd type="triangle"/>
+          </a:ln>
+        </p:spPr>
+        <p:style>
+          <a:lnRef idx="1">
+            <a:schemeClr val="accent1"/>
+          </a:lnRef>
+          <a:fillRef idx="0">
+            <a:schemeClr val="accent1"/>
+          </a:fillRef>
+          <a:effectRef idx="0">
+            <a:schemeClr val="accent1"/>
+          </a:effectRef>
+          <a:fontRef idx="minor">
+            <a:schemeClr val="tx1"/>
+          </a:fontRef>
+        </p:style>
+      </p:cxnSp>
+      <p:sp>
+        <p:nvSpPr>
+          <p:cNvPr id="8" name="文本框 7">
+            <a:extLst>
+              <a:ext uri="{FF2B5EF4-FFF2-40B4-BE49-F238E27FC236}">
+                <a16:creationId xmlns:a16="http://schemas.microsoft.com/office/drawing/2014/main" id="{FA99E144-301C-4F51-8430-B722125D5571}"/>
+              </a:ext>
+            </a:extLst>
+          </p:cNvPr>
+          <p:cNvSpPr txBox="1"/>
+          <p:nvPr/>
+        </p:nvSpPr>
+        <p:spPr>
+          <a:xfrm>
+            <a:off x="2057400" y="1909483"/>
+            <a:ext cx="407484" cy="369332"/>
+          </a:xfrm>
+          <a:prstGeom prst="rect">
+            <a:avLst/>
+          </a:prstGeom>
+          <a:noFill/>
+        </p:spPr>
+        <p:txBody>
+          <a:bodyPr wrap="none" rtlCol="0">
+            <a:spAutoFit/>
+          </a:bodyPr>
+          <a:lstStyle/>
+          <a:p>
+            <a:r>
+              <a:rPr lang="en-US" altLang="zh-CN" dirty="0"/>
+              <a:t>x1</a:t>
+            </a:r>
+            <a:endParaRPr lang="zh-CN" altLang="en-US" dirty="0"/>
+          </a:p>
+        </p:txBody>
+      </p:sp>
+      <p:sp>
+        <p:nvSpPr>
+          <p:cNvPr id="9" name="椭圆 8">
+            <a:extLst>
+              <a:ext uri="{FF2B5EF4-FFF2-40B4-BE49-F238E27FC236}">
+                <a16:creationId xmlns:a16="http://schemas.microsoft.com/office/drawing/2014/main" id="{ACEDCAD0-3802-4BE0-A535-229C6B79A228}"/>
+              </a:ext>
+            </a:extLst>
+          </p:cNvPr>
+          <p:cNvSpPr/>
+          <p:nvPr/>
+        </p:nvSpPr>
+        <p:spPr>
+          <a:xfrm>
+            <a:off x="2805505" y="3333095"/>
+            <a:ext cx="591670" cy="479788"/>
+          </a:xfrm>
+          <a:prstGeom prst="ellipse">
+            <a:avLst/>
+          </a:prstGeom>
+        </p:spPr>
+        <p:style>
+          <a:lnRef idx="2">
+            <a:schemeClr val="accent1">
+              <a:shade val="50000"/>
+            </a:schemeClr>
+          </a:lnRef>
+          <a:fillRef idx="1">
+            <a:schemeClr val="accent1"/>
+          </a:fillRef>
+          <a:effectRef idx="0">
+            <a:schemeClr val="accent1"/>
+          </a:effectRef>
+          <a:fontRef idx="minor">
+            <a:schemeClr val="lt1"/>
+          </a:fontRef>
+        </p:style>
+        <p:txBody>
+          <a:bodyPr rtlCol="0" anchor="ctr"/>
+          <a:lstStyle/>
+          <a:p>
+            <a:pPr algn="ctr"/>
             <a:endParaRPr lang="zh-CN" altLang="en-US"/>
+          </a:p>
+        </p:txBody>
+      </p:sp>
+      <p:cxnSp>
+        <p:nvCxnSpPr>
+          <p:cNvPr id="10" name="直接箭头连接符 9">
+            <a:extLst>
+              <a:ext uri="{FF2B5EF4-FFF2-40B4-BE49-F238E27FC236}">
+                <a16:creationId xmlns:a16="http://schemas.microsoft.com/office/drawing/2014/main" id="{D6EC42AB-2312-49AE-92E1-9299E3EFEAE7}"/>
+              </a:ext>
+            </a:extLst>
+          </p:cNvPr>
+          <p:cNvCxnSpPr>
+            <a:cxnSpLocks/>
+          </p:cNvCxnSpPr>
+          <p:nvPr/>
+        </p:nvCxnSpPr>
+        <p:spPr>
+          <a:xfrm>
+            <a:off x="1729739" y="3660306"/>
+            <a:ext cx="1075765" cy="0"/>
+          </a:xfrm>
+          <a:prstGeom prst="straightConnector1">
+            <a:avLst/>
+          </a:prstGeom>
+          <a:ln>
+            <a:tailEnd type="triangle"/>
+          </a:ln>
+        </p:spPr>
+        <p:style>
+          <a:lnRef idx="1">
+            <a:schemeClr val="accent1"/>
+          </a:lnRef>
+          <a:fillRef idx="0">
+            <a:schemeClr val="accent1"/>
+          </a:fillRef>
+          <a:effectRef idx="0">
+            <a:schemeClr val="accent1"/>
+          </a:effectRef>
+          <a:fontRef idx="minor">
+            <a:schemeClr val="tx1"/>
+          </a:fontRef>
+        </p:style>
+      </p:cxnSp>
+      <p:sp>
+        <p:nvSpPr>
+          <p:cNvPr id="11" name="文本框 10">
+            <a:extLst>
+              <a:ext uri="{FF2B5EF4-FFF2-40B4-BE49-F238E27FC236}">
+                <a16:creationId xmlns:a16="http://schemas.microsoft.com/office/drawing/2014/main" id="{9D2B9621-BA48-4E43-96FC-56B6736718B1}"/>
+              </a:ext>
+            </a:extLst>
+          </p:cNvPr>
+          <p:cNvSpPr txBox="1"/>
+          <p:nvPr/>
+        </p:nvSpPr>
+        <p:spPr>
+          <a:xfrm>
+            <a:off x="2131116" y="3599367"/>
+            <a:ext cx="407484" cy="369332"/>
+          </a:xfrm>
+          <a:prstGeom prst="rect">
+            <a:avLst/>
+          </a:prstGeom>
+          <a:noFill/>
+        </p:spPr>
+        <p:txBody>
+          <a:bodyPr wrap="none" rtlCol="0">
+            <a:spAutoFit/>
+          </a:bodyPr>
+          <a:lstStyle/>
+          <a:p>
+            <a:r>
+              <a:rPr lang="en-US" altLang="zh-CN" dirty="0"/>
+              <a:t>x2</a:t>
+            </a:r>
+            <a:endParaRPr lang="zh-CN" altLang="en-US" dirty="0"/>
+          </a:p>
+        </p:txBody>
+      </p:sp>
+      <p:sp>
+        <p:nvSpPr>
+          <p:cNvPr id="12" name="椭圆 11">
+            <a:extLst>
+              <a:ext uri="{FF2B5EF4-FFF2-40B4-BE49-F238E27FC236}">
+                <a16:creationId xmlns:a16="http://schemas.microsoft.com/office/drawing/2014/main" id="{7AC17AC9-0B7C-4DA2-8B5A-CC4EA392C907}"/>
+              </a:ext>
+            </a:extLst>
+          </p:cNvPr>
+          <p:cNvSpPr/>
+          <p:nvPr/>
+        </p:nvSpPr>
+        <p:spPr>
+          <a:xfrm>
+            <a:off x="4253747" y="1631577"/>
+            <a:ext cx="591670" cy="618565"/>
+          </a:xfrm>
+          <a:prstGeom prst="ellipse">
+            <a:avLst/>
+          </a:prstGeom>
+        </p:spPr>
+        <p:style>
+          <a:lnRef idx="2">
+            <a:schemeClr val="accent1">
+              <a:shade val="50000"/>
+            </a:schemeClr>
+          </a:lnRef>
+          <a:fillRef idx="1">
+            <a:schemeClr val="accent1"/>
+          </a:fillRef>
+          <a:effectRef idx="0">
+            <a:schemeClr val="accent1"/>
+          </a:effectRef>
+          <a:fontRef idx="minor">
+            <a:schemeClr val="lt1"/>
+          </a:fontRef>
+        </p:style>
+        <p:txBody>
+          <a:bodyPr rtlCol="0" anchor="ctr"/>
+          <a:lstStyle/>
+          <a:p>
+            <a:pPr algn="ctr"/>
+            <a:r>
+              <a:rPr lang="en-US" altLang="zh-CN" dirty="0"/>
+              <a:t>s2</a:t>
+            </a:r>
+            <a:endParaRPr lang="zh-CN" altLang="en-US" dirty="0"/>
+          </a:p>
+        </p:txBody>
+      </p:sp>
+      <p:cxnSp>
+        <p:nvCxnSpPr>
+          <p:cNvPr id="15" name="直接箭头连接符 14">
+            <a:extLst>
+              <a:ext uri="{FF2B5EF4-FFF2-40B4-BE49-F238E27FC236}">
+                <a16:creationId xmlns:a16="http://schemas.microsoft.com/office/drawing/2014/main" id="{066992FA-AA0F-4489-9824-15790861A377}"/>
+              </a:ext>
+            </a:extLst>
+          </p:cNvPr>
+          <p:cNvCxnSpPr>
+            <a:stCxn id="4" idx="6"/>
+            <a:endCxn id="12" idx="2"/>
+          </p:cNvCxnSpPr>
+          <p:nvPr/>
+        </p:nvCxnSpPr>
+        <p:spPr>
+          <a:xfrm>
+            <a:off x="3307976" y="1909483"/>
+            <a:ext cx="945771" cy="31377"/>
+          </a:xfrm>
+          <a:prstGeom prst="straightConnector1">
+            <a:avLst/>
+          </a:prstGeom>
+          <a:ln>
+            <a:tailEnd type="triangle"/>
+          </a:ln>
+        </p:spPr>
+        <p:style>
+          <a:lnRef idx="1">
+            <a:schemeClr val="accent1"/>
+          </a:lnRef>
+          <a:fillRef idx="0">
+            <a:schemeClr val="accent1"/>
+          </a:fillRef>
+          <a:effectRef idx="0">
+            <a:schemeClr val="accent1"/>
+          </a:effectRef>
+          <a:fontRef idx="minor">
+            <a:schemeClr val="tx1"/>
+          </a:fontRef>
+        </p:style>
+      </p:cxnSp>
+      <p:cxnSp>
+        <p:nvCxnSpPr>
+          <p:cNvPr id="17" name="直接箭头连接符 16">
+            <a:extLst>
+              <a:ext uri="{FF2B5EF4-FFF2-40B4-BE49-F238E27FC236}">
+                <a16:creationId xmlns:a16="http://schemas.microsoft.com/office/drawing/2014/main" id="{5141F3B3-F098-4CC9-859B-6111AB3FFC80}"/>
+              </a:ext>
+            </a:extLst>
+          </p:cNvPr>
+          <p:cNvCxnSpPr>
+            <a:cxnSpLocks/>
+            <a:stCxn id="9" idx="6"/>
+            <a:endCxn id="12" idx="2"/>
+          </p:cNvCxnSpPr>
+          <p:nvPr/>
+        </p:nvCxnSpPr>
+        <p:spPr>
+          <a:xfrm flipV="1">
+            <a:off x="3397175" y="1940860"/>
+            <a:ext cx="856572" cy="1632129"/>
+          </a:xfrm>
+          <a:prstGeom prst="straightConnector1">
+            <a:avLst/>
+          </a:prstGeom>
+          <a:ln>
+            <a:tailEnd type="triangle"/>
+          </a:ln>
+        </p:spPr>
+        <p:style>
+          <a:lnRef idx="1">
+            <a:schemeClr val="accent1"/>
+          </a:lnRef>
+          <a:fillRef idx="0">
+            <a:schemeClr val="accent1"/>
+          </a:fillRef>
+          <a:effectRef idx="0">
+            <a:schemeClr val="accent1"/>
+          </a:effectRef>
+          <a:fontRef idx="minor">
+            <a:schemeClr val="tx1"/>
+          </a:fontRef>
+        </p:style>
+      </p:cxnSp>
+      <p:sp>
+        <p:nvSpPr>
+          <p:cNvPr id="20" name="矩形 19">
+            <a:extLst>
+              <a:ext uri="{FF2B5EF4-FFF2-40B4-BE49-F238E27FC236}">
+                <a16:creationId xmlns:a16="http://schemas.microsoft.com/office/drawing/2014/main" id="{797724EE-B432-4705-98F2-C0BAA3E87C80}"/>
+              </a:ext>
+            </a:extLst>
+          </p:cNvPr>
+          <p:cNvSpPr/>
+          <p:nvPr/>
+        </p:nvSpPr>
+        <p:spPr>
+          <a:xfrm>
+            <a:off x="4845417" y="1600200"/>
+            <a:ext cx="295835" cy="709991"/>
+          </a:xfrm>
+          <a:prstGeom prst="rect">
+            <a:avLst/>
+          </a:prstGeom>
+        </p:spPr>
+        <p:style>
+          <a:lnRef idx="2">
+            <a:schemeClr val="accent1">
+              <a:shade val="50000"/>
+            </a:schemeClr>
+          </a:lnRef>
+          <a:fillRef idx="1">
+            <a:schemeClr val="accent1"/>
+          </a:fillRef>
+          <a:effectRef idx="0">
+            <a:schemeClr val="accent1"/>
+          </a:effectRef>
+          <a:fontRef idx="minor">
+            <a:schemeClr val="lt1"/>
+          </a:fontRef>
+        </p:style>
+        <p:txBody>
+          <a:bodyPr rtlCol="0" anchor="ctr"/>
+          <a:lstStyle/>
+          <a:p>
+            <a:pPr algn="ctr"/>
+            <a:endParaRPr lang="zh-CN" altLang="en-US" dirty="0"/>
+          </a:p>
+        </p:txBody>
+      </p:sp>
+      <p:sp>
+        <p:nvSpPr>
+          <p:cNvPr id="21" name="椭圆 20">
+            <a:extLst>
+              <a:ext uri="{FF2B5EF4-FFF2-40B4-BE49-F238E27FC236}">
+                <a16:creationId xmlns:a16="http://schemas.microsoft.com/office/drawing/2014/main" id="{B01EC96D-D5FD-48EB-9A0D-DCE627E843F4}"/>
+              </a:ext>
+            </a:extLst>
+          </p:cNvPr>
+          <p:cNvSpPr/>
+          <p:nvPr/>
+        </p:nvSpPr>
+        <p:spPr>
+          <a:xfrm>
+            <a:off x="4224162" y="3130676"/>
+            <a:ext cx="591670" cy="618565"/>
+          </a:xfrm>
+          <a:prstGeom prst="ellipse">
+            <a:avLst/>
+          </a:prstGeom>
+        </p:spPr>
+        <p:style>
+          <a:lnRef idx="2">
+            <a:schemeClr val="accent1">
+              <a:shade val="50000"/>
+            </a:schemeClr>
+          </a:lnRef>
+          <a:fillRef idx="1">
+            <a:schemeClr val="accent1"/>
+          </a:fillRef>
+          <a:effectRef idx="0">
+            <a:schemeClr val="accent1"/>
+          </a:effectRef>
+          <a:fontRef idx="minor">
+            <a:schemeClr val="lt1"/>
+          </a:fontRef>
+        </p:style>
+        <p:txBody>
+          <a:bodyPr rtlCol="0" anchor="ctr"/>
+          <a:lstStyle/>
+          <a:p>
+            <a:pPr algn="ctr"/>
+            <a:r>
+              <a:rPr lang="en-US" altLang="zh-CN" dirty="0"/>
+              <a:t>s3</a:t>
+            </a:r>
+            <a:endParaRPr lang="zh-CN" altLang="en-US" dirty="0"/>
+          </a:p>
+        </p:txBody>
+      </p:sp>
+      <p:cxnSp>
+        <p:nvCxnSpPr>
+          <p:cNvPr id="23" name="直接箭头连接符 22">
+            <a:extLst>
+              <a:ext uri="{FF2B5EF4-FFF2-40B4-BE49-F238E27FC236}">
+                <a16:creationId xmlns:a16="http://schemas.microsoft.com/office/drawing/2014/main" id="{53C4814B-7721-425D-9CC9-E2F33EB03D4D}"/>
+              </a:ext>
+            </a:extLst>
+          </p:cNvPr>
+          <p:cNvCxnSpPr>
+            <a:cxnSpLocks/>
+            <a:stCxn id="4" idx="6"/>
+            <a:endCxn id="21" idx="2"/>
+          </p:cNvCxnSpPr>
+          <p:nvPr/>
+        </p:nvCxnSpPr>
+        <p:spPr>
+          <a:xfrm>
+            <a:off x="3307976" y="1909483"/>
+            <a:ext cx="916186" cy="1530476"/>
+          </a:xfrm>
+          <a:prstGeom prst="straightConnector1">
+            <a:avLst/>
+          </a:prstGeom>
+          <a:ln>
+            <a:tailEnd type="triangle"/>
+          </a:ln>
+        </p:spPr>
+        <p:style>
+          <a:lnRef idx="1">
+            <a:schemeClr val="accent1"/>
+          </a:lnRef>
+          <a:fillRef idx="0">
+            <a:schemeClr val="accent1"/>
+          </a:fillRef>
+          <a:effectRef idx="0">
+            <a:schemeClr val="accent1"/>
+          </a:effectRef>
+          <a:fontRef idx="minor">
+            <a:schemeClr val="tx1"/>
+          </a:fontRef>
+        </p:style>
+      </p:cxnSp>
+      <p:cxnSp>
+        <p:nvCxnSpPr>
+          <p:cNvPr id="25" name="直接箭头连接符 24">
+            <a:extLst>
+              <a:ext uri="{FF2B5EF4-FFF2-40B4-BE49-F238E27FC236}">
+                <a16:creationId xmlns:a16="http://schemas.microsoft.com/office/drawing/2014/main" id="{3D9595E7-B551-42BE-8CCC-D49761CE7D9E}"/>
+              </a:ext>
+            </a:extLst>
+          </p:cNvPr>
+          <p:cNvCxnSpPr>
+            <a:cxnSpLocks/>
+            <a:stCxn id="9" idx="6"/>
+            <a:endCxn id="21" idx="2"/>
+          </p:cNvCxnSpPr>
+          <p:nvPr/>
+        </p:nvCxnSpPr>
+        <p:spPr>
+          <a:xfrm flipV="1">
+            <a:off x="3397175" y="3439959"/>
+            <a:ext cx="826987" cy="133030"/>
+          </a:xfrm>
+          <a:prstGeom prst="straightConnector1">
+            <a:avLst/>
+          </a:prstGeom>
+          <a:ln>
+            <a:tailEnd type="triangle"/>
+          </a:ln>
+        </p:spPr>
+        <p:style>
+          <a:lnRef idx="1">
+            <a:schemeClr val="accent1"/>
+          </a:lnRef>
+          <a:fillRef idx="0">
+            <a:schemeClr val="accent1"/>
+          </a:fillRef>
+          <a:effectRef idx="0">
+            <a:schemeClr val="accent1"/>
+          </a:effectRef>
+          <a:fontRef idx="minor">
+            <a:schemeClr val="tx1"/>
+          </a:fontRef>
+        </p:style>
+      </p:cxnSp>
+      <p:sp>
+        <p:nvSpPr>
+          <p:cNvPr id="27" name="矩形 26">
+            <a:extLst>
+              <a:ext uri="{FF2B5EF4-FFF2-40B4-BE49-F238E27FC236}">
+                <a16:creationId xmlns:a16="http://schemas.microsoft.com/office/drawing/2014/main" id="{3DEA80F1-BEC6-4FEC-872C-5C04FE65D044}"/>
+              </a:ext>
+            </a:extLst>
+          </p:cNvPr>
+          <p:cNvSpPr/>
+          <p:nvPr/>
+        </p:nvSpPr>
+        <p:spPr>
+          <a:xfrm>
+            <a:off x="4820310" y="3223739"/>
+            <a:ext cx="295835" cy="550702"/>
+          </a:xfrm>
+          <a:prstGeom prst="rect">
+            <a:avLst/>
+          </a:prstGeom>
+        </p:spPr>
+        <p:style>
+          <a:lnRef idx="2">
+            <a:schemeClr val="accent1">
+              <a:shade val="50000"/>
+            </a:schemeClr>
+          </a:lnRef>
+          <a:fillRef idx="1">
+            <a:schemeClr val="accent1"/>
+          </a:fillRef>
+          <a:effectRef idx="0">
+            <a:schemeClr val="accent1"/>
+          </a:effectRef>
+          <a:fontRef idx="minor">
+            <a:schemeClr val="lt1"/>
+          </a:fontRef>
+        </p:style>
+        <p:txBody>
+          <a:bodyPr rtlCol="0" anchor="ctr"/>
+          <a:lstStyle/>
+          <a:p>
+            <a:pPr algn="ctr"/>
+            <a:endParaRPr lang="zh-CN" altLang="en-US"/>
+          </a:p>
+        </p:txBody>
+      </p:sp>
+      <p:sp>
+        <p:nvSpPr>
+          <p:cNvPr id="30" name="椭圆 29">
+            <a:extLst>
+              <a:ext uri="{FF2B5EF4-FFF2-40B4-BE49-F238E27FC236}">
+                <a16:creationId xmlns:a16="http://schemas.microsoft.com/office/drawing/2014/main" id="{B3A7CCA3-B5DF-492C-BC8F-BBB104A4DAD3}"/>
+              </a:ext>
+            </a:extLst>
+          </p:cNvPr>
+          <p:cNvSpPr/>
+          <p:nvPr/>
+        </p:nvSpPr>
+        <p:spPr>
+          <a:xfrm>
+            <a:off x="5979783" y="2592022"/>
+            <a:ext cx="591670" cy="618565"/>
+          </a:xfrm>
+          <a:prstGeom prst="ellipse">
+            <a:avLst/>
+          </a:prstGeom>
+        </p:spPr>
+        <p:style>
+          <a:lnRef idx="2">
+            <a:schemeClr val="accent1">
+              <a:shade val="50000"/>
+            </a:schemeClr>
+          </a:lnRef>
+          <a:fillRef idx="1">
+            <a:schemeClr val="accent1"/>
+          </a:fillRef>
+          <a:effectRef idx="0">
+            <a:schemeClr val="accent1"/>
+          </a:effectRef>
+          <a:fontRef idx="minor">
+            <a:schemeClr val="lt1"/>
+          </a:fontRef>
+        </p:style>
+        <p:txBody>
+          <a:bodyPr rtlCol="0" anchor="ctr"/>
+          <a:lstStyle/>
+          <a:p>
+            <a:pPr algn="ctr"/>
+            <a:r>
+              <a:rPr lang="en-US" altLang="zh-CN" sz="1400" dirty="0"/>
+              <a:t>OS</a:t>
+            </a:r>
+            <a:endParaRPr lang="zh-CN" altLang="en-US" dirty="0"/>
+          </a:p>
+        </p:txBody>
+      </p:sp>
+      <p:sp>
+        <p:nvSpPr>
+          <p:cNvPr id="31" name="矩形 30">
+            <a:extLst>
+              <a:ext uri="{FF2B5EF4-FFF2-40B4-BE49-F238E27FC236}">
+                <a16:creationId xmlns:a16="http://schemas.microsoft.com/office/drawing/2014/main" id="{2D2C1D2F-12DD-4F7C-91D8-0333BAECCEDC}"/>
+              </a:ext>
+            </a:extLst>
+          </p:cNvPr>
+          <p:cNvSpPr/>
+          <p:nvPr/>
+        </p:nvSpPr>
+        <p:spPr>
+          <a:xfrm>
+            <a:off x="6562940" y="2482114"/>
+            <a:ext cx="468398" cy="741625"/>
+          </a:xfrm>
+          <a:prstGeom prst="rect">
+            <a:avLst/>
+          </a:prstGeom>
+        </p:spPr>
+        <p:style>
+          <a:lnRef idx="2">
+            <a:schemeClr val="accent1">
+              <a:shade val="50000"/>
+            </a:schemeClr>
+          </a:lnRef>
+          <a:fillRef idx="1">
+            <a:schemeClr val="accent1"/>
+          </a:fillRef>
+          <a:effectRef idx="0">
+            <a:schemeClr val="accent1"/>
+          </a:effectRef>
+          <a:fontRef idx="minor">
+            <a:schemeClr val="lt1"/>
+          </a:fontRef>
+        </p:style>
+        <p:txBody>
+          <a:bodyPr rtlCol="0" anchor="ctr"/>
+          <a:lstStyle/>
+          <a:p>
+            <a:pPr algn="ctr"/>
+            <a:endParaRPr lang="zh-CN" altLang="en-US"/>
+          </a:p>
+        </p:txBody>
+      </p:sp>
+      <p:cxnSp>
+        <p:nvCxnSpPr>
+          <p:cNvPr id="33" name="直接箭头连接符 32">
+            <a:extLst>
+              <a:ext uri="{FF2B5EF4-FFF2-40B4-BE49-F238E27FC236}">
+                <a16:creationId xmlns:a16="http://schemas.microsoft.com/office/drawing/2014/main" id="{E9569E83-3400-4C72-9C69-1387FC594381}"/>
+              </a:ext>
+            </a:extLst>
+          </p:cNvPr>
+          <p:cNvCxnSpPr>
+            <a:cxnSpLocks/>
+            <a:stCxn id="20" idx="3"/>
+            <a:endCxn id="30" idx="2"/>
+          </p:cNvCxnSpPr>
+          <p:nvPr/>
+        </p:nvCxnSpPr>
+        <p:spPr>
+          <a:xfrm>
+            <a:off x="5141252" y="1955196"/>
+            <a:ext cx="838531" cy="946109"/>
+          </a:xfrm>
+          <a:prstGeom prst="straightConnector1">
+            <a:avLst/>
+          </a:prstGeom>
+          <a:ln>
+            <a:tailEnd type="triangle"/>
+          </a:ln>
+        </p:spPr>
+        <p:style>
+          <a:lnRef idx="1">
+            <a:schemeClr val="accent1"/>
+          </a:lnRef>
+          <a:fillRef idx="0">
+            <a:schemeClr val="accent1"/>
+          </a:fillRef>
+          <a:effectRef idx="0">
+            <a:schemeClr val="accent1"/>
+          </a:effectRef>
+          <a:fontRef idx="minor">
+            <a:schemeClr val="tx1"/>
+          </a:fontRef>
+        </p:style>
+      </p:cxnSp>
+      <p:cxnSp>
+        <p:nvCxnSpPr>
+          <p:cNvPr id="35" name="直接箭头连接符 34">
+            <a:extLst>
+              <a:ext uri="{FF2B5EF4-FFF2-40B4-BE49-F238E27FC236}">
+                <a16:creationId xmlns:a16="http://schemas.microsoft.com/office/drawing/2014/main" id="{D6BEED4A-FE68-4420-A49B-748789ED6766}"/>
+              </a:ext>
+            </a:extLst>
+          </p:cNvPr>
+          <p:cNvCxnSpPr>
+            <a:stCxn id="27" idx="3"/>
+            <a:endCxn id="30" idx="2"/>
+          </p:cNvCxnSpPr>
+          <p:nvPr/>
+        </p:nvCxnSpPr>
+        <p:spPr>
+          <a:xfrm flipV="1">
+            <a:off x="5116145" y="2901305"/>
+            <a:ext cx="863638" cy="597785"/>
+          </a:xfrm>
+          <a:prstGeom prst="straightConnector1">
+            <a:avLst/>
+          </a:prstGeom>
+          <a:ln>
+            <a:tailEnd type="triangle"/>
+          </a:ln>
+        </p:spPr>
+        <p:style>
+          <a:lnRef idx="1">
+            <a:schemeClr val="accent1"/>
+          </a:lnRef>
+          <a:fillRef idx="0">
+            <a:schemeClr val="accent1"/>
+          </a:fillRef>
+          <a:effectRef idx="0">
+            <a:schemeClr val="accent1"/>
+          </a:effectRef>
+          <a:fontRef idx="minor">
+            <a:schemeClr val="tx1"/>
+          </a:fontRef>
+        </p:style>
+      </p:cxnSp>
+      <p:cxnSp>
+        <p:nvCxnSpPr>
+          <p:cNvPr id="40" name="直接箭头连接符 39">
+            <a:extLst>
+              <a:ext uri="{FF2B5EF4-FFF2-40B4-BE49-F238E27FC236}">
+                <a16:creationId xmlns:a16="http://schemas.microsoft.com/office/drawing/2014/main" id="{42259D4E-F9EC-4576-BEBB-CDA081320616}"/>
+              </a:ext>
+            </a:extLst>
+          </p:cNvPr>
+          <p:cNvCxnSpPr>
+            <a:stCxn id="31" idx="3"/>
+          </p:cNvCxnSpPr>
+          <p:nvPr/>
+        </p:nvCxnSpPr>
+        <p:spPr>
+          <a:xfrm flipV="1">
+            <a:off x="7031338" y="2852926"/>
+            <a:ext cx="898720" cy="1"/>
+          </a:xfrm>
+          <a:prstGeom prst="straightConnector1">
+            <a:avLst/>
+          </a:prstGeom>
+          <a:ln>
+            <a:tailEnd type="triangle"/>
+          </a:ln>
+        </p:spPr>
+        <p:style>
+          <a:lnRef idx="1">
+            <a:schemeClr val="accent1"/>
+          </a:lnRef>
+          <a:fillRef idx="0">
+            <a:schemeClr val="accent1"/>
+          </a:fillRef>
+          <a:effectRef idx="0">
+            <a:schemeClr val="accent1"/>
+          </a:effectRef>
+          <a:fontRef idx="minor">
+            <a:schemeClr val="tx1"/>
+          </a:fontRef>
+        </p:style>
+      </p:cxnSp>
+      <p:sp>
+        <p:nvSpPr>
+          <p:cNvPr id="41" name="文本框 40">
+            <a:extLst>
+              <a:ext uri="{FF2B5EF4-FFF2-40B4-BE49-F238E27FC236}">
+                <a16:creationId xmlns:a16="http://schemas.microsoft.com/office/drawing/2014/main" id="{75FEE4E4-AA91-41B7-924B-663F642DF793}"/>
+              </a:ext>
+            </a:extLst>
+          </p:cNvPr>
+          <p:cNvSpPr txBox="1"/>
+          <p:nvPr/>
+        </p:nvSpPr>
+        <p:spPr>
+          <a:xfrm>
+            <a:off x="7192915" y="2866078"/>
+            <a:ext cx="851515" cy="369332"/>
+          </a:xfrm>
+          <a:prstGeom prst="rect">
+            <a:avLst/>
+          </a:prstGeom>
+          <a:noFill/>
+        </p:spPr>
+        <p:txBody>
+          <a:bodyPr wrap="none" rtlCol="0">
+            <a:spAutoFit/>
+          </a:bodyPr>
+          <a:lstStyle/>
+          <a:p>
+            <a:r>
+              <a:rPr lang="en-US" altLang="zh-CN" dirty="0"/>
+              <a:t>output</a:t>
+            </a:r>
+            <a:endParaRPr lang="zh-CN" altLang="en-US" dirty="0"/>
+          </a:p>
+        </p:txBody>
+      </p:sp>
+      <p:sp>
+        <p:nvSpPr>
+          <p:cNvPr id="39" name="椭圆 38">
+            <a:extLst>
+              <a:ext uri="{FF2B5EF4-FFF2-40B4-BE49-F238E27FC236}">
+                <a16:creationId xmlns:a16="http://schemas.microsoft.com/office/drawing/2014/main" id="{1E4384DD-6548-46CB-A3A3-DF38F08B0060}"/>
+              </a:ext>
+            </a:extLst>
+          </p:cNvPr>
+          <p:cNvSpPr/>
+          <p:nvPr/>
+        </p:nvSpPr>
+        <p:spPr>
+          <a:xfrm>
+            <a:off x="4271677" y="398936"/>
+            <a:ext cx="591670" cy="618565"/>
+          </a:xfrm>
+          <a:prstGeom prst="ellipse">
+            <a:avLst/>
+          </a:prstGeom>
+        </p:spPr>
+        <p:style>
+          <a:lnRef idx="2">
+            <a:schemeClr val="accent1">
+              <a:shade val="50000"/>
+            </a:schemeClr>
+          </a:lnRef>
+          <a:fillRef idx="1">
+            <a:schemeClr val="accent1"/>
+          </a:fillRef>
+          <a:effectRef idx="0">
+            <a:schemeClr val="accent1"/>
+          </a:effectRef>
+          <a:fontRef idx="minor">
+            <a:schemeClr val="lt1"/>
+          </a:fontRef>
+        </p:style>
+        <p:txBody>
+          <a:bodyPr rtlCol="0" anchor="ctr"/>
+          <a:lstStyle/>
+          <a:p>
+            <a:pPr algn="ctr"/>
+            <a:r>
+              <a:rPr lang="en-US" altLang="zh-CN" sz="1600" dirty="0"/>
+              <a:t>s1</a:t>
+            </a:r>
+            <a:endParaRPr lang="zh-CN" altLang="en-US" dirty="0"/>
+          </a:p>
+        </p:txBody>
+      </p:sp>
+      <p:sp>
+        <p:nvSpPr>
+          <p:cNvPr id="43" name="矩形 42">
+            <a:extLst>
+              <a:ext uri="{FF2B5EF4-FFF2-40B4-BE49-F238E27FC236}">
+                <a16:creationId xmlns:a16="http://schemas.microsoft.com/office/drawing/2014/main" id="{1C29A8F3-81B8-48AF-8F94-3237AAE098B8}"/>
+              </a:ext>
+            </a:extLst>
+          </p:cNvPr>
+          <p:cNvSpPr/>
+          <p:nvPr/>
+        </p:nvSpPr>
+        <p:spPr>
+          <a:xfrm>
+            <a:off x="4863347" y="367559"/>
+            <a:ext cx="295835" cy="709991"/>
+          </a:xfrm>
+          <a:prstGeom prst="rect">
+            <a:avLst/>
+          </a:prstGeom>
+        </p:spPr>
+        <p:style>
+          <a:lnRef idx="2">
+            <a:schemeClr val="accent1">
+              <a:shade val="50000"/>
+            </a:schemeClr>
+          </a:lnRef>
+          <a:fillRef idx="1">
+            <a:schemeClr val="accent1"/>
+          </a:fillRef>
+          <a:effectRef idx="0">
+            <a:schemeClr val="accent1"/>
+          </a:effectRef>
+          <a:fontRef idx="minor">
+            <a:schemeClr val="lt1"/>
+          </a:fontRef>
+        </p:style>
+        <p:txBody>
+          <a:bodyPr rtlCol="0" anchor="ctr"/>
+          <a:lstStyle/>
+          <a:p>
+            <a:pPr algn="ctr"/>
+            <a:endParaRPr lang="zh-CN" altLang="en-US" dirty="0"/>
+          </a:p>
+        </p:txBody>
+      </p:sp>
+      <p:sp>
+        <p:nvSpPr>
+          <p:cNvPr id="44" name="椭圆 43">
+            <a:extLst>
+              <a:ext uri="{FF2B5EF4-FFF2-40B4-BE49-F238E27FC236}">
+                <a16:creationId xmlns:a16="http://schemas.microsoft.com/office/drawing/2014/main" id="{25835A0E-C35F-46D9-AF5B-3C3E5C3612EA}"/>
+              </a:ext>
+            </a:extLst>
+          </p:cNvPr>
+          <p:cNvSpPr/>
+          <p:nvPr/>
+        </p:nvSpPr>
+        <p:spPr>
+          <a:xfrm>
+            <a:off x="4258230" y="4554070"/>
+            <a:ext cx="591670" cy="618565"/>
+          </a:xfrm>
+          <a:prstGeom prst="ellipse">
+            <a:avLst/>
+          </a:prstGeom>
+        </p:spPr>
+        <p:style>
+          <a:lnRef idx="2">
+            <a:schemeClr val="accent1">
+              <a:shade val="50000"/>
+            </a:schemeClr>
+          </a:lnRef>
+          <a:fillRef idx="1">
+            <a:schemeClr val="accent1"/>
+          </a:fillRef>
+          <a:effectRef idx="0">
+            <a:schemeClr val="accent1"/>
+          </a:effectRef>
+          <a:fontRef idx="minor">
+            <a:schemeClr val="lt1"/>
+          </a:fontRef>
+        </p:style>
+        <p:txBody>
+          <a:bodyPr rtlCol="0" anchor="ctr"/>
+          <a:lstStyle/>
+          <a:p>
+            <a:pPr algn="ctr"/>
+            <a:r>
+              <a:rPr lang="en-US" altLang="zh-CN" dirty="0"/>
+              <a:t>s4</a:t>
+            </a:r>
+            <a:endParaRPr lang="zh-CN" altLang="en-US" dirty="0"/>
+          </a:p>
+        </p:txBody>
+      </p:sp>
+      <p:sp>
+        <p:nvSpPr>
+          <p:cNvPr id="45" name="矩形 44">
+            <a:extLst>
+              <a:ext uri="{FF2B5EF4-FFF2-40B4-BE49-F238E27FC236}">
+                <a16:creationId xmlns:a16="http://schemas.microsoft.com/office/drawing/2014/main" id="{65B0E213-7FC1-4E99-940E-143AB718B9B1}"/>
+              </a:ext>
+            </a:extLst>
+          </p:cNvPr>
+          <p:cNvSpPr/>
+          <p:nvPr/>
+        </p:nvSpPr>
+        <p:spPr>
+          <a:xfrm>
+            <a:off x="4849900" y="4522693"/>
+            <a:ext cx="295835" cy="709991"/>
+          </a:xfrm>
+          <a:prstGeom prst="rect">
+            <a:avLst/>
+          </a:prstGeom>
+        </p:spPr>
+        <p:style>
+          <a:lnRef idx="2">
+            <a:schemeClr val="accent1">
+              <a:shade val="50000"/>
+            </a:schemeClr>
+          </a:lnRef>
+          <a:fillRef idx="1">
+            <a:schemeClr val="accent1"/>
+          </a:fillRef>
+          <a:effectRef idx="0">
+            <a:schemeClr val="accent1"/>
+          </a:effectRef>
+          <a:fontRef idx="minor">
+            <a:schemeClr val="lt1"/>
+          </a:fontRef>
+        </p:style>
+        <p:txBody>
+          <a:bodyPr rtlCol="0" anchor="ctr"/>
+          <a:lstStyle/>
+          <a:p>
+            <a:pPr algn="ctr"/>
+            <a:endParaRPr lang="zh-CN" altLang="en-US" dirty="0"/>
+          </a:p>
+        </p:txBody>
+      </p:sp>
+      <p:cxnSp>
+        <p:nvCxnSpPr>
+          <p:cNvPr id="46" name="直接箭头连接符 45">
+            <a:extLst>
+              <a:ext uri="{FF2B5EF4-FFF2-40B4-BE49-F238E27FC236}">
+                <a16:creationId xmlns:a16="http://schemas.microsoft.com/office/drawing/2014/main" id="{73F9C986-3141-447A-B15F-A7D29300C802}"/>
+              </a:ext>
+            </a:extLst>
+          </p:cNvPr>
+          <p:cNvCxnSpPr>
+            <a:stCxn id="4" idx="6"/>
+            <a:endCxn id="39" idx="2"/>
+          </p:cNvCxnSpPr>
+          <p:nvPr/>
+        </p:nvCxnSpPr>
+        <p:spPr>
+          <a:xfrm flipV="1">
+            <a:off x="3307976" y="708219"/>
+            <a:ext cx="963701" cy="1201264"/>
+          </a:xfrm>
+          <a:prstGeom prst="straightConnector1">
+            <a:avLst/>
+          </a:prstGeom>
+          <a:ln>
+            <a:tailEnd type="triangle"/>
+          </a:ln>
+        </p:spPr>
+        <p:style>
+          <a:lnRef idx="1">
+            <a:schemeClr val="accent1"/>
+          </a:lnRef>
+          <a:fillRef idx="0">
+            <a:schemeClr val="accent1"/>
+          </a:fillRef>
+          <a:effectRef idx="0">
+            <a:schemeClr val="accent1"/>
+          </a:effectRef>
+          <a:fontRef idx="minor">
+            <a:schemeClr val="tx1"/>
+          </a:fontRef>
+        </p:style>
+      </p:cxnSp>
+      <p:cxnSp>
+        <p:nvCxnSpPr>
+          <p:cNvPr id="48" name="直接箭头连接符 47">
+            <a:extLst>
+              <a:ext uri="{FF2B5EF4-FFF2-40B4-BE49-F238E27FC236}">
+                <a16:creationId xmlns:a16="http://schemas.microsoft.com/office/drawing/2014/main" id="{94C5FEE5-AA51-4913-9C41-13511AE677FD}"/>
+              </a:ext>
+            </a:extLst>
+          </p:cNvPr>
+          <p:cNvCxnSpPr>
+            <a:cxnSpLocks/>
+            <a:stCxn id="9" idx="6"/>
+            <a:endCxn id="44" idx="2"/>
+          </p:cNvCxnSpPr>
+          <p:nvPr/>
+        </p:nvCxnSpPr>
+        <p:spPr>
+          <a:xfrm>
+            <a:off x="3397175" y="3572989"/>
+            <a:ext cx="861055" cy="1290364"/>
+          </a:xfrm>
+          <a:prstGeom prst="straightConnector1">
+            <a:avLst/>
+          </a:prstGeom>
+          <a:ln>
+            <a:tailEnd type="triangle"/>
+          </a:ln>
+        </p:spPr>
+        <p:style>
+          <a:lnRef idx="1">
+            <a:schemeClr val="accent1"/>
+          </a:lnRef>
+          <a:fillRef idx="0">
+            <a:schemeClr val="accent1"/>
+          </a:fillRef>
+          <a:effectRef idx="0">
+            <a:schemeClr val="accent1"/>
+          </a:effectRef>
+          <a:fontRef idx="minor">
+            <a:schemeClr val="tx1"/>
+          </a:fontRef>
+        </p:style>
+      </p:cxnSp>
+      <p:cxnSp>
+        <p:nvCxnSpPr>
+          <p:cNvPr id="53" name="直接箭头连接符 52">
+            <a:extLst>
+              <a:ext uri="{FF2B5EF4-FFF2-40B4-BE49-F238E27FC236}">
+                <a16:creationId xmlns:a16="http://schemas.microsoft.com/office/drawing/2014/main" id="{F4B27137-384D-4E9C-B99F-469A1450AB8D}"/>
+              </a:ext>
+            </a:extLst>
+          </p:cNvPr>
+          <p:cNvCxnSpPr>
+            <a:stCxn id="9" idx="6"/>
+            <a:endCxn id="39" idx="2"/>
+          </p:cNvCxnSpPr>
+          <p:nvPr/>
+        </p:nvCxnSpPr>
+        <p:spPr>
+          <a:xfrm flipV="1">
+            <a:off x="3397175" y="708219"/>
+            <a:ext cx="874502" cy="2864770"/>
+          </a:xfrm>
+          <a:prstGeom prst="straightConnector1">
+            <a:avLst/>
+          </a:prstGeom>
+          <a:ln>
+            <a:tailEnd type="triangle"/>
+          </a:ln>
+        </p:spPr>
+        <p:style>
+          <a:lnRef idx="1">
+            <a:schemeClr val="accent1"/>
+          </a:lnRef>
+          <a:fillRef idx="0">
+            <a:schemeClr val="accent1"/>
+          </a:fillRef>
+          <a:effectRef idx="0">
+            <a:schemeClr val="accent1"/>
+          </a:effectRef>
+          <a:fontRef idx="minor">
+            <a:schemeClr val="tx1"/>
+          </a:fontRef>
+        </p:style>
+      </p:cxnSp>
+      <p:cxnSp>
+        <p:nvCxnSpPr>
+          <p:cNvPr id="56" name="直接箭头连接符 55">
+            <a:extLst>
+              <a:ext uri="{FF2B5EF4-FFF2-40B4-BE49-F238E27FC236}">
+                <a16:creationId xmlns:a16="http://schemas.microsoft.com/office/drawing/2014/main" id="{8D4AA241-E731-4F35-89E7-20AE824F25CC}"/>
+              </a:ext>
+            </a:extLst>
+          </p:cNvPr>
+          <p:cNvCxnSpPr>
+            <a:stCxn id="4" idx="6"/>
+            <a:endCxn id="44" idx="2"/>
+          </p:cNvCxnSpPr>
+          <p:nvPr/>
+        </p:nvCxnSpPr>
+        <p:spPr>
+          <a:xfrm>
+            <a:off x="3307976" y="1909483"/>
+            <a:ext cx="950254" cy="2953870"/>
+          </a:xfrm>
+          <a:prstGeom prst="straightConnector1">
+            <a:avLst/>
+          </a:prstGeom>
+          <a:ln>
+            <a:tailEnd type="triangle"/>
+          </a:ln>
+        </p:spPr>
+        <p:style>
+          <a:lnRef idx="1">
+            <a:schemeClr val="accent1"/>
+          </a:lnRef>
+          <a:fillRef idx="0">
+            <a:schemeClr val="accent1"/>
+          </a:fillRef>
+          <a:effectRef idx="0">
+            <a:schemeClr val="accent1"/>
+          </a:effectRef>
+          <a:fontRef idx="minor">
+            <a:schemeClr val="tx1"/>
+          </a:fontRef>
+        </p:style>
+      </p:cxnSp>
+      <p:cxnSp>
+        <p:nvCxnSpPr>
+          <p:cNvPr id="58" name="直接箭头连接符 57">
+            <a:extLst>
+              <a:ext uri="{FF2B5EF4-FFF2-40B4-BE49-F238E27FC236}">
+                <a16:creationId xmlns:a16="http://schemas.microsoft.com/office/drawing/2014/main" id="{D36A1B96-0A56-4472-88C0-30B54791E3F2}"/>
+              </a:ext>
+            </a:extLst>
+          </p:cNvPr>
+          <p:cNvCxnSpPr>
+            <a:stCxn id="43" idx="3"/>
+            <a:endCxn id="30" idx="3"/>
+          </p:cNvCxnSpPr>
+          <p:nvPr/>
+        </p:nvCxnSpPr>
+        <p:spPr>
+          <a:xfrm>
+            <a:off x="5159182" y="722555"/>
+            <a:ext cx="907249" cy="2397445"/>
+          </a:xfrm>
+          <a:prstGeom prst="straightConnector1">
+            <a:avLst/>
+          </a:prstGeom>
+          <a:ln>
+            <a:tailEnd type="triangle"/>
+          </a:ln>
+        </p:spPr>
+        <p:style>
+          <a:lnRef idx="1">
+            <a:schemeClr val="accent1"/>
+          </a:lnRef>
+          <a:fillRef idx="0">
+            <a:schemeClr val="accent1"/>
+          </a:fillRef>
+          <a:effectRef idx="0">
+            <a:schemeClr val="accent1"/>
+          </a:effectRef>
+          <a:fontRef idx="minor">
+            <a:schemeClr val="tx1"/>
+          </a:fontRef>
+        </p:style>
+      </p:cxnSp>
+      <p:cxnSp>
+        <p:nvCxnSpPr>
+          <p:cNvPr id="60" name="直接箭头连接符 59">
+            <a:extLst>
+              <a:ext uri="{FF2B5EF4-FFF2-40B4-BE49-F238E27FC236}">
+                <a16:creationId xmlns:a16="http://schemas.microsoft.com/office/drawing/2014/main" id="{BEEB08C6-8984-4B26-ACAE-3E88C2C67BC0}"/>
+              </a:ext>
+            </a:extLst>
+          </p:cNvPr>
+          <p:cNvCxnSpPr>
+            <a:stCxn id="45" idx="3"/>
+            <a:endCxn id="30" idx="2"/>
+          </p:cNvCxnSpPr>
+          <p:nvPr/>
+        </p:nvCxnSpPr>
+        <p:spPr>
+          <a:xfrm flipV="1">
+            <a:off x="5145735" y="2901305"/>
+            <a:ext cx="834048" cy="1976384"/>
+          </a:xfrm>
+          <a:prstGeom prst="straightConnector1">
+            <a:avLst/>
+          </a:prstGeom>
+          <a:ln>
+            <a:tailEnd type="triangle"/>
+          </a:ln>
+        </p:spPr>
+        <p:style>
+          <a:lnRef idx="1">
+            <a:schemeClr val="accent1"/>
+          </a:lnRef>
+          <a:fillRef idx="0">
+            <a:schemeClr val="accent1"/>
+          </a:fillRef>
+          <a:effectRef idx="0">
+            <a:schemeClr val="accent1"/>
+          </a:effectRef>
+          <a:fontRef idx="minor">
+            <a:schemeClr val="tx1"/>
+          </a:fontRef>
+        </p:style>
+      </p:cxnSp>
+      <p:sp>
+        <p:nvSpPr>
+          <p:cNvPr id="42" name="椭圆 41">
+            <a:extLst>
+              <a:ext uri="{FF2B5EF4-FFF2-40B4-BE49-F238E27FC236}">
+                <a16:creationId xmlns:a16="http://schemas.microsoft.com/office/drawing/2014/main" id="{D075A914-41F1-4AA1-8706-E03847AB20D0}"/>
+              </a:ext>
+            </a:extLst>
+          </p:cNvPr>
+          <p:cNvSpPr/>
+          <p:nvPr/>
+        </p:nvSpPr>
+        <p:spPr>
+          <a:xfrm>
+            <a:off x="2794802" y="5332688"/>
+            <a:ext cx="591670" cy="618565"/>
+          </a:xfrm>
+          <a:prstGeom prst="ellipse">
+            <a:avLst/>
+          </a:prstGeom>
+        </p:spPr>
+        <p:style>
+          <a:lnRef idx="2">
+            <a:schemeClr val="accent1">
+              <a:shade val="50000"/>
+            </a:schemeClr>
+          </a:lnRef>
+          <a:fillRef idx="1">
+            <a:schemeClr val="accent1"/>
+          </a:fillRef>
+          <a:effectRef idx="0">
+            <a:schemeClr val="accent1"/>
+          </a:effectRef>
+          <a:fontRef idx="minor">
+            <a:schemeClr val="lt1"/>
+          </a:fontRef>
+        </p:style>
+        <p:txBody>
+          <a:bodyPr rtlCol="0" anchor="ctr"/>
+          <a:lstStyle/>
+          <a:p>
+            <a:pPr algn="ctr"/>
+            <a:endParaRPr lang="zh-CN" altLang="en-US"/>
+          </a:p>
+        </p:txBody>
+      </p:sp>
+      <p:cxnSp>
+        <p:nvCxnSpPr>
+          <p:cNvPr id="5" name="直接箭头连接符 4">
+            <a:extLst>
+              <a:ext uri="{FF2B5EF4-FFF2-40B4-BE49-F238E27FC236}">
+                <a16:creationId xmlns:a16="http://schemas.microsoft.com/office/drawing/2014/main" id="{739CE22B-4902-4ACC-9838-88AA5CA2E0DC}"/>
+              </a:ext>
+            </a:extLst>
+          </p:cNvPr>
+          <p:cNvCxnSpPr/>
+          <p:nvPr/>
+        </p:nvCxnSpPr>
+        <p:spPr>
+          <a:xfrm>
+            <a:off x="1815353" y="5641970"/>
+            <a:ext cx="981636" cy="0"/>
+          </a:xfrm>
+          <a:prstGeom prst="straightConnector1">
+            <a:avLst/>
+          </a:prstGeom>
+          <a:ln>
+            <a:tailEnd type="triangle"/>
+          </a:ln>
+        </p:spPr>
+        <p:style>
+          <a:lnRef idx="1">
+            <a:schemeClr val="accent1"/>
+          </a:lnRef>
+          <a:fillRef idx="0">
+            <a:schemeClr val="accent1"/>
+          </a:fillRef>
+          <a:effectRef idx="0">
+            <a:schemeClr val="accent1"/>
+          </a:effectRef>
+          <a:fontRef idx="minor">
+            <a:schemeClr val="tx1"/>
+          </a:fontRef>
+        </p:style>
+      </p:cxnSp>
+      <p:sp>
+        <p:nvSpPr>
+          <p:cNvPr id="7" name="文本框 6">
+            <a:extLst>
+              <a:ext uri="{FF2B5EF4-FFF2-40B4-BE49-F238E27FC236}">
+                <a16:creationId xmlns:a16="http://schemas.microsoft.com/office/drawing/2014/main" id="{DA7A902F-B731-4226-B5D6-25BE1B9EC803}"/>
+              </a:ext>
+            </a:extLst>
+          </p:cNvPr>
+          <p:cNvSpPr txBox="1"/>
+          <p:nvPr/>
+        </p:nvSpPr>
+        <p:spPr>
+          <a:xfrm>
+            <a:off x="2131116" y="5658582"/>
+            <a:ext cx="312906" cy="369332"/>
+          </a:xfrm>
+          <a:prstGeom prst="rect">
+            <a:avLst/>
+          </a:prstGeom>
+          <a:noFill/>
+        </p:spPr>
+        <p:txBody>
+          <a:bodyPr wrap="none" rtlCol="0">
+            <a:spAutoFit/>
+          </a:bodyPr>
+          <a:lstStyle/>
+          <a:p>
+            <a:r>
+              <a:rPr lang="en-US" altLang="zh-CN" dirty="0"/>
+              <a:t>B</a:t>
+            </a:r>
+            <a:endParaRPr lang="zh-CN" altLang="en-US" dirty="0"/>
+          </a:p>
+        </p:txBody>
+      </p:sp>
+      <p:cxnSp>
+        <p:nvCxnSpPr>
+          <p:cNvPr id="14" name="直接箭头连接符 13">
+            <a:extLst>
+              <a:ext uri="{FF2B5EF4-FFF2-40B4-BE49-F238E27FC236}">
+                <a16:creationId xmlns:a16="http://schemas.microsoft.com/office/drawing/2014/main" id="{181DF7A8-D06C-41E4-95D0-B3325641CDDD}"/>
+              </a:ext>
+            </a:extLst>
+          </p:cNvPr>
+          <p:cNvCxnSpPr>
+            <a:stCxn id="42" idx="7"/>
+            <a:endCxn id="39" idx="2"/>
+          </p:cNvCxnSpPr>
+          <p:nvPr/>
+        </p:nvCxnSpPr>
+        <p:spPr>
+          <a:xfrm flipV="1">
+            <a:off x="3299824" y="708219"/>
+            <a:ext cx="971853" cy="4715056"/>
+          </a:xfrm>
+          <a:prstGeom prst="straightConnector1">
+            <a:avLst/>
+          </a:prstGeom>
+          <a:ln>
+            <a:tailEnd type="triangle"/>
+          </a:ln>
+        </p:spPr>
+        <p:style>
+          <a:lnRef idx="1">
+            <a:schemeClr val="accent1"/>
+          </a:lnRef>
+          <a:fillRef idx="0">
+            <a:schemeClr val="accent1"/>
+          </a:fillRef>
+          <a:effectRef idx="0">
+            <a:schemeClr val="accent1"/>
+          </a:effectRef>
+          <a:fontRef idx="minor">
+            <a:schemeClr val="tx1"/>
+          </a:fontRef>
+        </p:style>
+      </p:cxnSp>
+      <p:cxnSp>
+        <p:nvCxnSpPr>
+          <p:cNvPr id="19" name="直接箭头连接符 18">
+            <a:extLst>
+              <a:ext uri="{FF2B5EF4-FFF2-40B4-BE49-F238E27FC236}">
+                <a16:creationId xmlns:a16="http://schemas.microsoft.com/office/drawing/2014/main" id="{692AD4B7-3C61-4122-A67B-7F01E27CEDD1}"/>
+              </a:ext>
+            </a:extLst>
+          </p:cNvPr>
+          <p:cNvCxnSpPr>
+            <a:stCxn id="42" idx="7"/>
+            <a:endCxn id="12" idx="2"/>
+          </p:cNvCxnSpPr>
+          <p:nvPr/>
+        </p:nvCxnSpPr>
+        <p:spPr>
+          <a:xfrm flipV="1">
+            <a:off x="3299824" y="1940860"/>
+            <a:ext cx="953923" cy="3482415"/>
+          </a:xfrm>
+          <a:prstGeom prst="straightConnector1">
+            <a:avLst/>
+          </a:prstGeom>
+          <a:ln>
+            <a:tailEnd type="triangle"/>
+          </a:ln>
+        </p:spPr>
+        <p:style>
+          <a:lnRef idx="1">
+            <a:schemeClr val="accent1"/>
+          </a:lnRef>
+          <a:fillRef idx="0">
+            <a:schemeClr val="accent1"/>
+          </a:fillRef>
+          <a:effectRef idx="0">
+            <a:schemeClr val="accent1"/>
+          </a:effectRef>
+          <a:fontRef idx="minor">
+            <a:schemeClr val="tx1"/>
+          </a:fontRef>
+        </p:style>
+      </p:cxnSp>
+      <p:cxnSp>
+        <p:nvCxnSpPr>
+          <p:cNvPr id="24" name="直接箭头连接符 23">
+            <a:extLst>
+              <a:ext uri="{FF2B5EF4-FFF2-40B4-BE49-F238E27FC236}">
+                <a16:creationId xmlns:a16="http://schemas.microsoft.com/office/drawing/2014/main" id="{B5573875-10BB-459F-A7EA-83152C493C8C}"/>
+              </a:ext>
+            </a:extLst>
+          </p:cNvPr>
+          <p:cNvCxnSpPr>
+            <a:stCxn id="42" idx="7"/>
+            <a:endCxn id="21" idx="2"/>
+          </p:cNvCxnSpPr>
+          <p:nvPr/>
+        </p:nvCxnSpPr>
+        <p:spPr>
+          <a:xfrm flipV="1">
+            <a:off x="3299824" y="3439959"/>
+            <a:ext cx="924338" cy="1983316"/>
+          </a:xfrm>
+          <a:prstGeom prst="straightConnector1">
+            <a:avLst/>
+          </a:prstGeom>
+          <a:ln>
+            <a:tailEnd type="triangle"/>
+          </a:ln>
+        </p:spPr>
+        <p:style>
+          <a:lnRef idx="1">
+            <a:schemeClr val="accent1"/>
+          </a:lnRef>
+          <a:fillRef idx="0">
+            <a:schemeClr val="accent1"/>
+          </a:fillRef>
+          <a:effectRef idx="0">
+            <a:schemeClr val="accent1"/>
+          </a:effectRef>
+          <a:fontRef idx="minor">
+            <a:schemeClr val="tx1"/>
+          </a:fontRef>
+        </p:style>
+      </p:cxnSp>
+      <p:cxnSp>
+        <p:nvCxnSpPr>
+          <p:cNvPr id="28" name="直接箭头连接符 27">
+            <a:extLst>
+              <a:ext uri="{FF2B5EF4-FFF2-40B4-BE49-F238E27FC236}">
+                <a16:creationId xmlns:a16="http://schemas.microsoft.com/office/drawing/2014/main" id="{78B687C2-C461-4BF7-9C72-5BD9EC404BA3}"/>
+              </a:ext>
+            </a:extLst>
+          </p:cNvPr>
+          <p:cNvCxnSpPr>
+            <a:stCxn id="42" idx="7"/>
+            <a:endCxn id="44" idx="2"/>
+          </p:cNvCxnSpPr>
+          <p:nvPr/>
+        </p:nvCxnSpPr>
+        <p:spPr>
+          <a:xfrm flipV="1">
+            <a:off x="3299824" y="4863353"/>
+            <a:ext cx="958406" cy="559922"/>
+          </a:xfrm>
+          <a:prstGeom prst="straightConnector1">
+            <a:avLst/>
+          </a:prstGeom>
+          <a:ln>
+            <a:tailEnd type="triangle"/>
+          </a:ln>
+        </p:spPr>
+        <p:style>
+          <a:lnRef idx="1">
+            <a:schemeClr val="accent1"/>
+          </a:lnRef>
+          <a:fillRef idx="0">
+            <a:schemeClr val="accent1"/>
+          </a:fillRef>
+          <a:effectRef idx="0">
+            <a:schemeClr val="accent1"/>
+          </a:effectRef>
+          <a:fontRef idx="minor">
+            <a:schemeClr val="tx1"/>
+          </a:fontRef>
+        </p:style>
+      </p:cxnSp>
+      <p:sp>
+        <p:nvSpPr>
+          <p:cNvPr id="13" name="文本框 12">
+            <a:extLst>
+              <a:ext uri="{FF2B5EF4-FFF2-40B4-BE49-F238E27FC236}">
+                <a16:creationId xmlns:a16="http://schemas.microsoft.com/office/drawing/2014/main" id="{1177C283-6024-4580-A500-A8A661A87E70}"/>
+              </a:ext>
+            </a:extLst>
+          </p:cNvPr>
+          <p:cNvSpPr txBox="1"/>
+          <p:nvPr/>
+        </p:nvSpPr>
+        <p:spPr>
+          <a:xfrm>
+            <a:off x="3493113" y="5204013"/>
+            <a:ext cx="635110" cy="369332"/>
+          </a:xfrm>
+          <a:prstGeom prst="rect">
+            <a:avLst/>
+          </a:prstGeom>
+          <a:noFill/>
+        </p:spPr>
+        <p:txBody>
+          <a:bodyPr wrap="none" rtlCol="0">
+            <a:spAutoFit/>
+          </a:bodyPr>
+          <a:lstStyle/>
+          <a:p>
+            <a:r>
+              <a:rPr lang="en-US" altLang="zh-CN" dirty="0"/>
+              <a:t>syn0</a:t>
+            </a:r>
+            <a:endParaRPr lang="zh-CN" altLang="en-US" dirty="0"/>
+          </a:p>
+        </p:txBody>
+      </p:sp>
+      <p:sp>
+        <p:nvSpPr>
+          <p:cNvPr id="52" name="文本框 51">
+            <a:extLst>
+              <a:ext uri="{FF2B5EF4-FFF2-40B4-BE49-F238E27FC236}">
+                <a16:creationId xmlns:a16="http://schemas.microsoft.com/office/drawing/2014/main" id="{18D4358A-5E6D-41EE-9D68-BA692ED31995}"/>
+              </a:ext>
+            </a:extLst>
+          </p:cNvPr>
+          <p:cNvSpPr txBox="1"/>
+          <p:nvPr/>
+        </p:nvSpPr>
+        <p:spPr>
+          <a:xfrm>
+            <a:off x="5344673" y="5203455"/>
+            <a:ext cx="635110" cy="369332"/>
+          </a:xfrm>
+          <a:prstGeom prst="rect">
+            <a:avLst/>
+          </a:prstGeom>
+          <a:noFill/>
+        </p:spPr>
+        <p:txBody>
+          <a:bodyPr wrap="none" rtlCol="0">
+            <a:spAutoFit/>
+          </a:bodyPr>
+          <a:lstStyle/>
+          <a:p>
+            <a:r>
+              <a:rPr lang="en-US" altLang="zh-CN" dirty="0"/>
+              <a:t>syn1</a:t>
+            </a:r>
+            <a:endParaRPr lang="zh-CN" altLang="en-US" dirty="0"/>
+          </a:p>
+        </p:txBody>
+      </p:sp>
+      <p:sp>
+        <p:nvSpPr>
+          <p:cNvPr id="18" name="文本框 17">
+            <a:extLst>
+              <a:ext uri="{FF2B5EF4-FFF2-40B4-BE49-F238E27FC236}">
+                <a16:creationId xmlns:a16="http://schemas.microsoft.com/office/drawing/2014/main" id="{85F8E16C-20DE-4A02-B2B8-5FD1F025EF7A}"/>
+              </a:ext>
+            </a:extLst>
+          </p:cNvPr>
+          <p:cNvSpPr txBox="1"/>
+          <p:nvPr/>
+        </p:nvSpPr>
+        <p:spPr>
+          <a:xfrm>
+            <a:off x="5110209" y="5876360"/>
+            <a:ext cx="413896" cy="369332"/>
+          </a:xfrm>
+          <a:prstGeom prst="rect">
+            <a:avLst/>
+          </a:prstGeom>
+          <a:noFill/>
+        </p:spPr>
+        <p:txBody>
+          <a:bodyPr wrap="none" rtlCol="0">
+            <a:spAutoFit/>
+          </a:bodyPr>
+          <a:lstStyle/>
+          <a:p>
+            <a:r>
+              <a:rPr lang="en-US" altLang="zh-CN" dirty="0"/>
+              <a:t>L1</a:t>
+            </a:r>
+            <a:endParaRPr lang="zh-CN" altLang="en-US" dirty="0"/>
+          </a:p>
+        </p:txBody>
+      </p:sp>
+      <p:sp>
+        <p:nvSpPr>
+          <p:cNvPr id="2" name="文本框 1">
+            <a:extLst>
+              <a:ext uri="{FF2B5EF4-FFF2-40B4-BE49-F238E27FC236}">
+                <a16:creationId xmlns:a16="http://schemas.microsoft.com/office/drawing/2014/main" id="{C8FBC80B-6AAE-4D6D-BA60-BEF8E70491E5}"/>
+              </a:ext>
+            </a:extLst>
+          </p:cNvPr>
+          <p:cNvSpPr txBox="1"/>
+          <p:nvPr/>
+        </p:nvSpPr>
+        <p:spPr>
+          <a:xfrm>
+            <a:off x="2131116" y="5970495"/>
+            <a:ext cx="413896" cy="369332"/>
+          </a:xfrm>
+          <a:prstGeom prst="rect">
+            <a:avLst/>
+          </a:prstGeom>
+          <a:noFill/>
+        </p:spPr>
+        <p:txBody>
+          <a:bodyPr wrap="none" rtlCol="0">
+            <a:spAutoFit/>
+          </a:bodyPr>
+          <a:lstStyle/>
+          <a:p>
+            <a:r>
+              <a:rPr lang="en-US" altLang="zh-CN" dirty="0"/>
+              <a:t>L0</a:t>
+            </a:r>
+            <a:endParaRPr lang="zh-CN" altLang="en-US" dirty="0"/>
+          </a:p>
+        </p:txBody>
+      </p:sp>
+      <p:sp>
+        <p:nvSpPr>
+          <p:cNvPr id="47" name="文本框 46">
+            <a:extLst>
+              <a:ext uri="{FF2B5EF4-FFF2-40B4-BE49-F238E27FC236}">
+                <a16:creationId xmlns:a16="http://schemas.microsoft.com/office/drawing/2014/main" id="{2D0A77C6-4069-402A-B2CA-EE039997E9D6}"/>
+              </a:ext>
+            </a:extLst>
+          </p:cNvPr>
+          <p:cNvSpPr txBox="1"/>
+          <p:nvPr/>
+        </p:nvSpPr>
+        <p:spPr>
+          <a:xfrm>
+            <a:off x="7373793" y="5907737"/>
+            <a:ext cx="413896" cy="369332"/>
+          </a:xfrm>
+          <a:prstGeom prst="rect">
+            <a:avLst/>
+          </a:prstGeom>
+          <a:noFill/>
+        </p:spPr>
+        <p:txBody>
+          <a:bodyPr wrap="none" rtlCol="0">
+            <a:spAutoFit/>
+          </a:bodyPr>
+          <a:lstStyle/>
+          <a:p>
+            <a:r>
+              <a:rPr lang="en-US" altLang="zh-CN" dirty="0"/>
+              <a:t>L2</a:t>
+            </a:r>
+            <a:endParaRPr lang="zh-CN" altLang="en-US" dirty="0"/>
+          </a:p>
+        </p:txBody>
+      </p:sp>
+      <p:sp>
+        <p:nvSpPr>
+          <p:cNvPr id="3" name="文本框 2">
+            <a:extLst>
+              <a:ext uri="{FF2B5EF4-FFF2-40B4-BE49-F238E27FC236}">
+                <a16:creationId xmlns:a16="http://schemas.microsoft.com/office/drawing/2014/main" id="{BEC35CCC-E818-4A06-ADBA-DA80157F84A8}"/>
+              </a:ext>
+            </a:extLst>
+          </p:cNvPr>
+          <p:cNvSpPr txBox="1"/>
+          <p:nvPr/>
+        </p:nvSpPr>
+        <p:spPr>
+          <a:xfrm>
+            <a:off x="7437321" y="5635392"/>
+            <a:ext cx="292068" cy="369332"/>
+          </a:xfrm>
+          <a:prstGeom prst="rect">
+            <a:avLst/>
+          </a:prstGeom>
+          <a:noFill/>
+        </p:spPr>
+        <p:txBody>
+          <a:bodyPr wrap="none" rtlCol="0">
+            <a:spAutoFit/>
+          </a:bodyPr>
+          <a:lstStyle/>
+          <a:p>
+            <a:r>
+              <a:rPr lang="en-US" altLang="zh-CN" dirty="0"/>
+              <a:t>y</a:t>
+            </a:r>
+            <a:endParaRPr lang="zh-CN" altLang="en-US" dirty="0"/>
+          </a:p>
+        </p:txBody>
+      </p:sp>
+      <p:sp>
+        <p:nvSpPr>
+          <p:cNvPr id="16" name="文本框 15">
+            <a:extLst>
+              <a:ext uri="{FF2B5EF4-FFF2-40B4-BE49-F238E27FC236}">
+                <a16:creationId xmlns:a16="http://schemas.microsoft.com/office/drawing/2014/main" id="{3ACC78A5-BF1F-46BF-8656-EA7966BEC69C}"/>
+              </a:ext>
+            </a:extLst>
+          </p:cNvPr>
+          <p:cNvSpPr txBox="1"/>
+          <p:nvPr/>
+        </p:nvSpPr>
+        <p:spPr>
+          <a:xfrm>
+            <a:off x="7383533" y="6322140"/>
+            <a:ext cx="997389" cy="594813"/>
+          </a:xfrm>
+          <a:prstGeom prst="rect">
+            <a:avLst/>
+          </a:prstGeom>
+          <a:noFill/>
+        </p:spPr>
+        <p:txBody>
+          <a:bodyPr wrap="none" rtlCol="0">
+            <a:spAutoFit/>
+          </a:bodyPr>
+          <a:lstStyle/>
+          <a:p>
+            <a:r>
+              <a:rPr lang="en-US" altLang="zh-CN" dirty="0"/>
+              <a:t>L2_error</a:t>
+            </a:r>
+            <a:endParaRPr lang="zh-CN" altLang="en-US" dirty="0"/>
+          </a:p>
+        </p:txBody>
+      </p:sp>
+      <p:sp>
+        <p:nvSpPr>
+          <p:cNvPr id="26" name="文本框 25">
+            <a:extLst>
+              <a:ext uri="{FF2B5EF4-FFF2-40B4-BE49-F238E27FC236}">
+                <a16:creationId xmlns:a16="http://schemas.microsoft.com/office/drawing/2014/main" id="{69AA3070-5224-44F9-97F8-B7EA400E6BA0}"/>
+              </a:ext>
+            </a:extLst>
+          </p:cNvPr>
+          <p:cNvSpPr txBox="1"/>
+          <p:nvPr/>
+        </p:nvSpPr>
+        <p:spPr>
+          <a:xfrm>
+            <a:off x="6445998" y="6334677"/>
+            <a:ext cx="1002197" cy="369332"/>
+          </a:xfrm>
+          <a:prstGeom prst="rect">
+            <a:avLst/>
+          </a:prstGeom>
+          <a:noFill/>
+        </p:spPr>
+        <p:txBody>
+          <a:bodyPr wrap="none" rtlCol="0">
+            <a:spAutoFit/>
+          </a:bodyPr>
+          <a:lstStyle/>
+          <a:p>
+            <a:r>
+              <a:rPr lang="en-US" altLang="zh-CN" dirty="0"/>
+              <a:t>L2_delta</a:t>
+            </a:r>
+            <a:endParaRPr lang="zh-CN" altLang="en-US" dirty="0"/>
+          </a:p>
+        </p:txBody>
+      </p:sp>
+      <p:sp>
+        <p:nvSpPr>
+          <p:cNvPr id="49" name="文本框 48">
+            <a:extLst>
+              <a:ext uri="{FF2B5EF4-FFF2-40B4-BE49-F238E27FC236}">
+                <a16:creationId xmlns:a16="http://schemas.microsoft.com/office/drawing/2014/main" id="{A8B12996-2567-43EC-8F49-274D06B362BE}"/>
+              </a:ext>
+            </a:extLst>
+          </p:cNvPr>
+          <p:cNvSpPr txBox="1"/>
+          <p:nvPr/>
+        </p:nvSpPr>
+        <p:spPr>
+          <a:xfrm>
+            <a:off x="5100910" y="6317410"/>
+            <a:ext cx="997389" cy="369332"/>
+          </a:xfrm>
+          <a:prstGeom prst="rect">
+            <a:avLst/>
+          </a:prstGeom>
+          <a:noFill/>
+        </p:spPr>
+        <p:txBody>
+          <a:bodyPr wrap="none" rtlCol="0">
+            <a:spAutoFit/>
+          </a:bodyPr>
+          <a:lstStyle/>
+          <a:p>
+            <a:r>
+              <a:rPr lang="en-US" altLang="zh-CN" dirty="0"/>
+              <a:t>L1_error</a:t>
+            </a:r>
+            <a:endParaRPr lang="zh-CN" altLang="en-US" dirty="0"/>
+          </a:p>
+        </p:txBody>
+      </p:sp>
+      <p:sp>
+        <p:nvSpPr>
+          <p:cNvPr id="50" name="文本框 49">
+            <a:extLst>
+              <a:ext uri="{FF2B5EF4-FFF2-40B4-BE49-F238E27FC236}">
+                <a16:creationId xmlns:a16="http://schemas.microsoft.com/office/drawing/2014/main" id="{0A6CA539-22C6-48A6-8E9D-A73815166426}"/>
+              </a:ext>
+            </a:extLst>
+          </p:cNvPr>
+          <p:cNvSpPr txBox="1"/>
+          <p:nvPr/>
+        </p:nvSpPr>
+        <p:spPr>
+          <a:xfrm>
+            <a:off x="4102271" y="6311110"/>
+            <a:ext cx="1002197" cy="369332"/>
+          </a:xfrm>
+          <a:prstGeom prst="rect">
+            <a:avLst/>
+          </a:prstGeom>
+          <a:noFill/>
+        </p:spPr>
+        <p:txBody>
+          <a:bodyPr wrap="none" rtlCol="0">
+            <a:spAutoFit/>
+          </a:bodyPr>
+          <a:lstStyle/>
+          <a:p>
+            <a:r>
+              <a:rPr lang="en-US" altLang="zh-CN" dirty="0"/>
+              <a:t>L1_delta</a:t>
+            </a:r>
+            <a:endParaRPr lang="zh-CN" altLang="en-US" dirty="0"/>
+          </a:p>
+        </p:txBody>
+      </p:sp>
+      <p:sp>
+        <p:nvSpPr>
+          <p:cNvPr id="29" name="文本框 28">
+            <a:extLst>
+              <a:ext uri="{FF2B5EF4-FFF2-40B4-BE49-F238E27FC236}">
+                <a16:creationId xmlns:a16="http://schemas.microsoft.com/office/drawing/2014/main" id="{CBC0A3E5-5C7E-42D0-84B1-E94044D1EE73}"/>
+              </a:ext>
+            </a:extLst>
+          </p:cNvPr>
+          <p:cNvSpPr txBox="1"/>
+          <p:nvPr/>
+        </p:nvSpPr>
+        <p:spPr>
+          <a:xfrm>
+            <a:off x="4901583" y="5474950"/>
+            <a:ext cx="2446504" cy="369332"/>
+          </a:xfrm>
+          <a:prstGeom prst="rect">
+            <a:avLst/>
+          </a:prstGeom>
+          <a:noFill/>
+        </p:spPr>
+        <p:txBody>
+          <a:bodyPr wrap="none" rtlCol="0">
+            <a:spAutoFit/>
+          </a:bodyPr>
+          <a:lstStyle/>
+          <a:p>
+            <a:r>
+              <a:rPr lang="en-US" altLang="zh-CN" dirty="0"/>
+              <a:t>Syn1_delta=L1*L2delta</a:t>
+            </a:r>
+            <a:endParaRPr lang="zh-CN" altLang="en-US" dirty="0"/>
+          </a:p>
+        </p:txBody>
+      </p:sp>
+      <p:sp>
+        <p:nvSpPr>
+          <p:cNvPr id="51" name="文本框 50">
+            <a:extLst>
+              <a:ext uri="{FF2B5EF4-FFF2-40B4-BE49-F238E27FC236}">
+                <a16:creationId xmlns:a16="http://schemas.microsoft.com/office/drawing/2014/main" id="{77928E75-84A2-4045-AB40-9C6FA85C8640}"/>
+              </a:ext>
+            </a:extLst>
+          </p:cNvPr>
+          <p:cNvSpPr txBox="1"/>
+          <p:nvPr/>
+        </p:nvSpPr>
+        <p:spPr>
+          <a:xfrm>
+            <a:off x="2646960" y="5896290"/>
+            <a:ext cx="2446504" cy="369332"/>
+          </a:xfrm>
+          <a:prstGeom prst="rect">
+            <a:avLst/>
+          </a:prstGeom>
+          <a:noFill/>
+        </p:spPr>
+        <p:txBody>
+          <a:bodyPr wrap="none" rtlCol="0">
+            <a:spAutoFit/>
+          </a:bodyPr>
+          <a:lstStyle/>
+          <a:p>
+            <a:r>
+              <a:rPr lang="en-US" altLang="zh-CN" dirty="0"/>
+              <a:t>Syn0_delta=L0*L1delta</a:t>
+            </a:r>
+            <a:endParaRPr lang="zh-CN" altLang="en-US" dirty="0"/>
           </a:p>
         </p:txBody>
       </p:sp>
     </p:spTree>
     <p:extLst>
       <p:ext uri="{BB962C8B-B14F-4D97-AF65-F5344CB8AC3E}">
-        <p14:creationId xmlns:p14="http://schemas.microsoft.com/office/powerpoint/2010/main" val="2920044223"/>
+        <p14:creationId xmlns:p14="http://schemas.microsoft.com/office/powerpoint/2010/main" val="542321837"/>
       </p:ext>
     </p:extLst>
   </p:cSld>
